--- a/Presentation/Logística Urbana para Entrega de Mercadorias.pptx
+++ b/Presentation/Logística Urbana para Entrega de Mercadorias.pptx
@@ -8,13 +8,15 @@
     <p:sldId id="256" r:id="rId2"/>
     <p:sldId id="257" r:id="rId3"/>
     <p:sldId id="258" r:id="rId4"/>
-    <p:sldId id="267" r:id="rId5"/>
-    <p:sldId id="266" r:id="rId6"/>
-    <p:sldId id="268" r:id="rId7"/>
-    <p:sldId id="262" r:id="rId8"/>
-    <p:sldId id="263" r:id="rId9"/>
-    <p:sldId id="264" r:id="rId10"/>
-    <p:sldId id="265" r:id="rId11"/>
+    <p:sldId id="269" r:id="rId5"/>
+    <p:sldId id="267" r:id="rId6"/>
+    <p:sldId id="270" r:id="rId7"/>
+    <p:sldId id="266" r:id="rId8"/>
+    <p:sldId id="268" r:id="rId9"/>
+    <p:sldId id="262" r:id="rId10"/>
+    <p:sldId id="263" r:id="rId11"/>
+    <p:sldId id="264" r:id="rId12"/>
+    <p:sldId id="265" r:id="rId13"/>
   </p:sldIdLst>
   <p:sldSz cx="12192000" cy="6858000"/>
   <p:notesSz cx="6858000" cy="9144000"/>
@@ -119,6 +121,209 @@
     </p:ext>
   </p:extLst>
 </p:presentation>
+</file>
+
+<file path=ppt/revisionInfo.xml><?xml version="1.0" encoding="utf-8"?>
+<p1510:revInfo xmlns:a="http://schemas.openxmlformats.org/drawingml/2006/main" xmlns:r="http://schemas.openxmlformats.org/officeDocument/2006/relationships" xmlns:p1510="http://schemas.microsoft.com/office/powerpoint/2015/10/main">
+  <p1510:revLst>
+    <p1510:client id="{F2BC9C48-AE67-4E7B-9201-C4EDBE223694}" v="14" dt="2022-04-13T22:51:58.499"/>
+  </p1510:revLst>
+</p1510:revInfo>
+</file>
+
+<file path=ppt/changesInfos/changesInfo1.xml><?xml version="1.0" encoding="utf-8"?>
+<pc:chgInfo xmlns:a="http://schemas.openxmlformats.org/drawingml/2006/main" xmlns:r="http://schemas.openxmlformats.org/officeDocument/2006/relationships" xmlns:ac="http://schemas.microsoft.com/office/drawing/2013/main/command" xmlns:pc="http://schemas.microsoft.com/office/powerpoint/2013/main/command">
+  <pc:docChgLst>
+    <pc:chgData name="pedro correia" userId="6e7638e249dbe376" providerId="LiveId" clId="{F2BC9C48-AE67-4E7B-9201-C4EDBE223694}"/>
+    <pc:docChg chg="undo custSel addSld modSld">
+      <pc:chgData name="pedro correia" userId="6e7638e249dbe376" providerId="LiveId" clId="{F2BC9C48-AE67-4E7B-9201-C4EDBE223694}" dt="2022-04-13T22:52:14.223" v="62" actId="20577"/>
+      <pc:docMkLst>
+        <pc:docMk/>
+      </pc:docMkLst>
+      <pc:sldChg chg="addSp delSp modSp mod">
+        <pc:chgData name="pedro correia" userId="6e7638e249dbe376" providerId="LiveId" clId="{F2BC9C48-AE67-4E7B-9201-C4EDBE223694}" dt="2022-04-13T22:50:34.664" v="43"/>
+        <pc:sldMkLst>
+          <pc:docMk/>
+          <pc:sldMk cId="2921346457" sldId="258"/>
+        </pc:sldMkLst>
+        <pc:spChg chg="add del mod">
+          <ac:chgData name="pedro correia" userId="6e7638e249dbe376" providerId="LiveId" clId="{F2BC9C48-AE67-4E7B-9201-C4EDBE223694}" dt="2022-04-13T22:50:34.664" v="43"/>
+          <ac:spMkLst>
+            <pc:docMk/>
+            <pc:sldMk cId="2921346457" sldId="258"/>
+            <ac:spMk id="3" creationId="{0DA53B97-5997-490C-B21F-AEAD1D079AC5}"/>
+          </ac:spMkLst>
+        </pc:spChg>
+        <pc:spChg chg="add del mod">
+          <ac:chgData name="pedro correia" userId="6e7638e249dbe376" providerId="LiveId" clId="{F2BC9C48-AE67-4E7B-9201-C4EDBE223694}" dt="2022-04-13T22:50:32.553" v="35" actId="6549"/>
+          <ac:spMkLst>
+            <pc:docMk/>
+            <pc:sldMk cId="2921346457" sldId="258"/>
+            <ac:spMk id="4" creationId="{84452BBA-73B4-4AF6-A2C7-1BB8D1E572F8}"/>
+          </ac:spMkLst>
+        </pc:spChg>
+        <pc:spChg chg="add del mod">
+          <ac:chgData name="pedro correia" userId="6e7638e249dbe376" providerId="LiveId" clId="{F2BC9C48-AE67-4E7B-9201-C4EDBE223694}" dt="2022-04-13T22:49:16.802" v="3"/>
+          <ac:spMkLst>
+            <pc:docMk/>
+            <pc:sldMk cId="2921346457" sldId="258"/>
+            <ac:spMk id="5" creationId="{F2D59DEC-868C-459A-9C44-DF61B889D3F3}"/>
+          </ac:spMkLst>
+        </pc:spChg>
+        <pc:spChg chg="add del mod">
+          <ac:chgData name="pedro correia" userId="6e7638e249dbe376" providerId="LiveId" clId="{F2BC9C48-AE67-4E7B-9201-C4EDBE223694}" dt="2022-04-13T22:49:34.528" v="15" actId="478"/>
+          <ac:spMkLst>
+            <pc:docMk/>
+            <pc:sldMk cId="2921346457" sldId="258"/>
+            <ac:spMk id="7" creationId="{E2D87BF1-9A41-4344-9550-D9EBDBCE0ED3}"/>
+          </ac:spMkLst>
+        </pc:spChg>
+        <pc:spChg chg="add del mod">
+          <ac:chgData name="pedro correia" userId="6e7638e249dbe376" providerId="LiveId" clId="{F2BC9C48-AE67-4E7B-9201-C4EDBE223694}" dt="2022-04-13T22:49:25.639" v="10"/>
+          <ac:spMkLst>
+            <pc:docMk/>
+            <pc:sldMk cId="2921346457" sldId="258"/>
+            <ac:spMk id="8" creationId="{2E2C0228-E437-40AA-BE52-8EDBFB32031D}"/>
+          </ac:spMkLst>
+        </pc:spChg>
+        <pc:spChg chg="add del mod">
+          <ac:chgData name="pedro correia" userId="6e7638e249dbe376" providerId="LiveId" clId="{F2BC9C48-AE67-4E7B-9201-C4EDBE223694}" dt="2022-04-13T22:49:33.737" v="14"/>
+          <ac:spMkLst>
+            <pc:docMk/>
+            <pc:sldMk cId="2921346457" sldId="258"/>
+            <ac:spMk id="9" creationId="{D47A28DB-133E-49D3-834C-7C509E7A3BDB}"/>
+          </ac:spMkLst>
+        </pc:spChg>
+        <pc:spChg chg="add del mod">
+          <ac:chgData name="pedro correia" userId="6e7638e249dbe376" providerId="LiveId" clId="{F2BC9C48-AE67-4E7B-9201-C4EDBE223694}" dt="2022-04-13T22:50:32.962" v="37"/>
+          <ac:spMkLst>
+            <pc:docMk/>
+            <pc:sldMk cId="2921346457" sldId="258"/>
+            <ac:spMk id="10" creationId="{03A4D749-6CDB-4634-BB5E-949C83EA9A18}"/>
+          </ac:spMkLst>
+        </pc:spChg>
+        <pc:spChg chg="add del mod">
+          <ac:chgData name="pedro correia" userId="6e7638e249dbe376" providerId="LiveId" clId="{F2BC9C48-AE67-4E7B-9201-C4EDBE223694}" dt="2022-04-13T22:50:09.868" v="28"/>
+          <ac:spMkLst>
+            <pc:docMk/>
+            <pc:sldMk cId="2921346457" sldId="258"/>
+            <ac:spMk id="11" creationId="{CA985A11-877D-4BAD-9552-D3A67BE32D18}"/>
+          </ac:spMkLst>
+        </pc:spChg>
+        <pc:spChg chg="add del mod">
+          <ac:chgData name="pedro correia" userId="6e7638e249dbe376" providerId="LiveId" clId="{F2BC9C48-AE67-4E7B-9201-C4EDBE223694}" dt="2022-04-13T22:50:31.766" v="32"/>
+          <ac:spMkLst>
+            <pc:docMk/>
+            <pc:sldMk cId="2921346457" sldId="258"/>
+            <ac:spMk id="12" creationId="{64CEAE14-EB6D-4F96-8452-FCA8FBB0E7C5}"/>
+          </ac:spMkLst>
+        </pc:spChg>
+      </pc:sldChg>
+      <pc:sldChg chg="addSp delSp modSp new mod">
+        <pc:chgData name="pedro correia" userId="6e7638e249dbe376" providerId="LiveId" clId="{F2BC9C48-AE67-4E7B-9201-C4EDBE223694}" dt="2022-04-13T22:51:25.576" v="56" actId="1076"/>
+        <pc:sldMkLst>
+          <pc:docMk/>
+          <pc:sldMk cId="1507378260" sldId="269"/>
+        </pc:sldMkLst>
+        <pc:spChg chg="add del">
+          <ac:chgData name="pedro correia" userId="6e7638e249dbe376" providerId="LiveId" clId="{F2BC9C48-AE67-4E7B-9201-C4EDBE223694}" dt="2022-04-13T22:51:00.418" v="50" actId="478"/>
+          <ac:spMkLst>
+            <pc:docMk/>
+            <pc:sldMk cId="1507378260" sldId="269"/>
+            <ac:spMk id="2" creationId="{1EAC21A0-F87D-4D38-B730-1C73B6D841C0}"/>
+          </ac:spMkLst>
+        </pc:spChg>
+        <pc:spChg chg="del mod">
+          <ac:chgData name="pedro correia" userId="6e7638e249dbe376" providerId="LiveId" clId="{F2BC9C48-AE67-4E7B-9201-C4EDBE223694}" dt="2022-04-13T22:51:12.615" v="52" actId="478"/>
+          <ac:spMkLst>
+            <pc:docMk/>
+            <pc:sldMk cId="1507378260" sldId="269"/>
+            <ac:spMk id="3" creationId="{8FA8D177-C65A-45A4-948F-041564D7AD6E}"/>
+          </ac:spMkLst>
+        </pc:spChg>
+        <pc:spChg chg="add mod">
+          <ac:chgData name="pedro correia" userId="6e7638e249dbe376" providerId="LiveId" clId="{F2BC9C48-AE67-4E7B-9201-C4EDBE223694}" dt="2022-04-13T22:50:55.428" v="49" actId="6549"/>
+          <ac:spMkLst>
+            <pc:docMk/>
+            <pc:sldMk cId="1507378260" sldId="269"/>
+            <ac:spMk id="4" creationId="{F29967F0-2C0F-4212-ADA7-2126EE7D643F}"/>
+          </ac:spMkLst>
+        </pc:spChg>
+        <pc:spChg chg="add mod">
+          <ac:chgData name="pedro correia" userId="6e7638e249dbe376" providerId="LiveId" clId="{F2BC9C48-AE67-4E7B-9201-C4EDBE223694}" dt="2022-04-13T22:51:19.785" v="54" actId="1076"/>
+          <ac:spMkLst>
+            <pc:docMk/>
+            <pc:sldMk cId="1507378260" sldId="269"/>
+            <ac:spMk id="5" creationId="{F9671397-9D2B-4B4F-B762-DCAA21974E9D}"/>
+          </ac:spMkLst>
+        </pc:spChg>
+        <pc:spChg chg="add mod">
+          <ac:chgData name="pedro correia" userId="6e7638e249dbe376" providerId="LiveId" clId="{F2BC9C48-AE67-4E7B-9201-C4EDBE223694}" dt="2022-04-13T22:51:23.659" v="55" actId="1076"/>
+          <ac:spMkLst>
+            <pc:docMk/>
+            <pc:sldMk cId="1507378260" sldId="269"/>
+            <ac:spMk id="6" creationId="{33A1A7FD-057F-42F8-9018-4CE31FB92D8D}"/>
+          </ac:spMkLst>
+        </pc:spChg>
+        <pc:spChg chg="add mod">
+          <ac:chgData name="pedro correia" userId="6e7638e249dbe376" providerId="LiveId" clId="{F2BC9C48-AE67-4E7B-9201-C4EDBE223694}" dt="2022-04-13T22:51:25.576" v="56" actId="1076"/>
+          <ac:spMkLst>
+            <pc:docMk/>
+            <pc:sldMk cId="1507378260" sldId="269"/>
+            <ac:spMk id="7" creationId="{0FC99067-2FE4-49FA-A359-140ACF56302F}"/>
+          </ac:spMkLst>
+        </pc:spChg>
+      </pc:sldChg>
+      <pc:sldChg chg="addSp delSp modSp new mod">
+        <pc:chgData name="pedro correia" userId="6e7638e249dbe376" providerId="LiveId" clId="{F2BC9C48-AE67-4E7B-9201-C4EDBE223694}" dt="2022-04-13T22:52:14.223" v="62" actId="20577"/>
+        <pc:sldMkLst>
+          <pc:docMk/>
+          <pc:sldMk cId="2615784666" sldId="270"/>
+        </pc:sldMkLst>
+        <pc:spChg chg="mod">
+          <ac:chgData name="pedro correia" userId="6e7638e249dbe376" providerId="LiveId" clId="{F2BC9C48-AE67-4E7B-9201-C4EDBE223694}" dt="2022-04-13T22:51:52.396" v="59" actId="122"/>
+          <ac:spMkLst>
+            <pc:docMk/>
+            <pc:sldMk cId="2615784666" sldId="270"/>
+            <ac:spMk id="2" creationId="{905083D3-96D5-454B-A94C-2CB33399B9A1}"/>
+          </ac:spMkLst>
+        </pc:spChg>
+        <pc:spChg chg="del">
+          <ac:chgData name="pedro correia" userId="6e7638e249dbe376" providerId="LiveId" clId="{F2BC9C48-AE67-4E7B-9201-C4EDBE223694}" dt="2022-04-13T22:52:01.855" v="61" actId="478"/>
+          <ac:spMkLst>
+            <pc:docMk/>
+            <pc:sldMk cId="2615784666" sldId="270"/>
+            <ac:spMk id="3" creationId="{17B5D8AC-FB83-4BA0-BF1D-9D56C04B86D1}"/>
+          </ac:spMkLst>
+        </pc:spChg>
+        <pc:spChg chg="add mod">
+          <ac:chgData name="pedro correia" userId="6e7638e249dbe376" providerId="LiveId" clId="{F2BC9C48-AE67-4E7B-9201-C4EDBE223694}" dt="2022-04-13T22:52:14.223" v="62" actId="20577"/>
+          <ac:spMkLst>
+            <pc:docMk/>
+            <pc:sldMk cId="2615784666" sldId="270"/>
+            <ac:spMk id="5" creationId="{E0A9D527-AC5E-4F74-BD13-9F33FB55B4CD}"/>
+          </ac:spMkLst>
+        </pc:spChg>
+        <pc:spChg chg="add mod">
+          <ac:chgData name="pedro correia" userId="6e7638e249dbe376" providerId="LiveId" clId="{F2BC9C48-AE67-4E7B-9201-C4EDBE223694}" dt="2022-04-13T22:51:58.499" v="60"/>
+          <ac:spMkLst>
+            <pc:docMk/>
+            <pc:sldMk cId="2615784666" sldId="270"/>
+            <ac:spMk id="6" creationId="{F18A2A3C-591B-40E0-A021-E0F506517821}"/>
+          </ac:spMkLst>
+        </pc:spChg>
+        <pc:picChg chg="add mod">
+          <ac:chgData name="pedro correia" userId="6e7638e249dbe376" providerId="LiveId" clId="{F2BC9C48-AE67-4E7B-9201-C4EDBE223694}" dt="2022-04-13T22:51:58.499" v="60"/>
+          <ac:picMkLst>
+            <pc:docMk/>
+            <pc:sldMk cId="2615784666" sldId="270"/>
+            <ac:picMk id="4" creationId="{61398ADD-0833-45E1-BAC1-4EE31EB7D8D4}"/>
+          </ac:picMkLst>
+        </pc:picChg>
+      </pc:sldChg>
+    </pc:docChg>
+  </pc:docChgLst>
+</pc:chgInfo>
 </file>
 
 <file path=ppt/slideLayouts/slideLayout1.xml><?xml version="1.0" encoding="utf-8"?>
@@ -4047,6 +4252,166 @@
           <p:cNvPr id="2" name="Title 1">
             <a:extLst>
               <a:ext uri="{FF2B5EF4-FFF2-40B4-BE49-F238E27FC236}">
+                <a16:creationId xmlns:a16="http://schemas.microsoft.com/office/drawing/2014/main" id="{8C742769-4AB3-404D-AA45-B0FC74F1E218}"/>
+              </a:ext>
+            </a:extLst>
+          </p:cNvPr>
+          <p:cNvSpPr>
+            <a:spLocks noGrp="1"/>
+          </p:cNvSpPr>
+          <p:nvPr>
+            <p:ph type="title"/>
+          </p:nvPr>
+        </p:nvSpPr>
+        <p:spPr/>
+        <p:txBody>
+          <a:bodyPr/>
+          <a:lstStyle/>
+          <a:p>
+            <a:endParaRPr lang="pt-PT"/>
+          </a:p>
+        </p:txBody>
+      </p:sp>
+      <p:sp>
+        <p:nvSpPr>
+          <p:cNvPr id="3" name="Content Placeholder 2">
+            <a:extLst>
+              <a:ext uri="{FF2B5EF4-FFF2-40B4-BE49-F238E27FC236}">
+                <a16:creationId xmlns:a16="http://schemas.microsoft.com/office/drawing/2014/main" id="{FFF57B6D-ACD6-4568-86FC-6D1AD2A8AE64}"/>
+              </a:ext>
+            </a:extLst>
+          </p:cNvPr>
+          <p:cNvSpPr>
+            <a:spLocks noGrp="1"/>
+          </p:cNvSpPr>
+          <p:nvPr>
+            <p:ph idx="1"/>
+          </p:nvPr>
+        </p:nvSpPr>
+        <p:spPr/>
+        <p:txBody>
+          <a:bodyPr/>
+          <a:lstStyle/>
+          <a:p>
+            <a:endParaRPr lang="pt-PT"/>
+          </a:p>
+        </p:txBody>
+      </p:sp>
+    </p:spTree>
+    <p:extLst>
+      <p:ext uri="{BB962C8B-B14F-4D97-AF65-F5344CB8AC3E}">
+        <p14:creationId xmlns:p14="http://schemas.microsoft.com/office/powerpoint/2010/main" val="3099424196"/>
+      </p:ext>
+    </p:extLst>
+  </p:cSld>
+  <p:clrMapOvr>
+    <a:masterClrMapping/>
+  </p:clrMapOvr>
+</p:sld>
+</file>
+
+<file path=ppt/slides/slide11.xml><?xml version="1.0" encoding="utf-8"?>
+<p:sld xmlns:a="http://schemas.openxmlformats.org/drawingml/2006/main" xmlns:r="http://schemas.openxmlformats.org/officeDocument/2006/relationships" xmlns:p="http://schemas.openxmlformats.org/presentationml/2006/main">
+  <p:cSld>
+    <p:spTree>
+      <p:nvGrpSpPr>
+        <p:cNvPr id="1" name=""/>
+        <p:cNvGrpSpPr/>
+        <p:nvPr/>
+      </p:nvGrpSpPr>
+      <p:grpSpPr>
+        <a:xfrm>
+          <a:off x="0" y="0"/>
+          <a:ext cx="0" cy="0"/>
+          <a:chOff x="0" y="0"/>
+          <a:chExt cx="0" cy="0"/>
+        </a:xfrm>
+      </p:grpSpPr>
+      <p:sp>
+        <p:nvSpPr>
+          <p:cNvPr id="2" name="Title 1">
+            <a:extLst>
+              <a:ext uri="{FF2B5EF4-FFF2-40B4-BE49-F238E27FC236}">
+                <a16:creationId xmlns:a16="http://schemas.microsoft.com/office/drawing/2014/main" id="{C8A0825C-84D6-4913-86C4-FEAC7C00EBAE}"/>
+              </a:ext>
+            </a:extLst>
+          </p:cNvPr>
+          <p:cNvSpPr>
+            <a:spLocks noGrp="1"/>
+          </p:cNvSpPr>
+          <p:nvPr>
+            <p:ph type="title"/>
+          </p:nvPr>
+        </p:nvSpPr>
+        <p:spPr/>
+        <p:txBody>
+          <a:bodyPr/>
+          <a:lstStyle/>
+          <a:p>
+            <a:endParaRPr lang="pt-PT"/>
+          </a:p>
+        </p:txBody>
+      </p:sp>
+      <p:sp>
+        <p:nvSpPr>
+          <p:cNvPr id="3" name="Content Placeholder 2">
+            <a:extLst>
+              <a:ext uri="{FF2B5EF4-FFF2-40B4-BE49-F238E27FC236}">
+                <a16:creationId xmlns:a16="http://schemas.microsoft.com/office/drawing/2014/main" id="{6CD805D1-8B45-4B3A-B122-F9CE64ED77B6}"/>
+              </a:ext>
+            </a:extLst>
+          </p:cNvPr>
+          <p:cNvSpPr>
+            <a:spLocks noGrp="1"/>
+          </p:cNvSpPr>
+          <p:nvPr>
+            <p:ph idx="1"/>
+          </p:nvPr>
+        </p:nvSpPr>
+        <p:spPr/>
+        <p:txBody>
+          <a:bodyPr/>
+          <a:lstStyle/>
+          <a:p>
+            <a:endParaRPr lang="pt-PT"/>
+          </a:p>
+        </p:txBody>
+      </p:sp>
+    </p:spTree>
+    <p:extLst>
+      <p:ext uri="{BB962C8B-B14F-4D97-AF65-F5344CB8AC3E}">
+        <p14:creationId xmlns:p14="http://schemas.microsoft.com/office/powerpoint/2010/main" val="373675569"/>
+      </p:ext>
+    </p:extLst>
+  </p:cSld>
+  <p:clrMapOvr>
+    <a:masterClrMapping/>
+  </p:clrMapOvr>
+</p:sld>
+</file>
+
+<file path=ppt/slides/slide12.xml><?xml version="1.0" encoding="utf-8"?>
+<p:sld xmlns:a="http://schemas.openxmlformats.org/drawingml/2006/main" xmlns:r="http://schemas.openxmlformats.org/officeDocument/2006/relationships" xmlns:p="http://schemas.openxmlformats.org/presentationml/2006/main">
+  <p:cSld>
+    <p:spTree>
+      <p:nvGrpSpPr>
+        <p:cNvPr id="1" name=""/>
+        <p:cNvGrpSpPr/>
+        <p:nvPr/>
+      </p:nvGrpSpPr>
+      <p:grpSpPr>
+        <a:xfrm>
+          <a:off x="0" y="0"/>
+          <a:ext cx="0" cy="0"/>
+          <a:chOff x="0" y="0"/>
+          <a:chExt cx="0" cy="0"/>
+        </a:xfrm>
+      </p:grpSpPr>
+      <p:sp>
+        <p:nvSpPr>
+          <p:cNvPr id="2" name="Title 1">
+            <a:extLst>
+              <a:ext uri="{FF2B5EF4-FFF2-40B4-BE49-F238E27FC236}">
                 <a16:creationId xmlns:a16="http://schemas.microsoft.com/office/drawing/2014/main" id="{85675E86-C724-43AD-A4C4-C2F1CB42BBAE}"/>
               </a:ext>
             </a:extLst>
@@ -4656,7 +5021,15 @@
             </a:pPr>
             <a:r>
               <a:rPr lang="pt-PT" dirty="0"/>
-              <a:t>1 vetor com carrinhas (C),(Vmax,Pmax,Custo,Vatual,Patual)</a:t>
+              <a:t>1 vetor com carrinhas (C),(</a:t>
+            </a:r>
+            <a:r>
+              <a:rPr lang="pt-PT" dirty="0" err="1"/>
+              <a:t>Vmax,Pmax,Custo,Vatual,Patual</a:t>
+            </a:r>
+            <a:r>
+              <a:rPr lang="pt-PT" dirty="0"/>
+              <a:t>)</a:t>
             </a:r>
           </a:p>
           <a:p>
@@ -4712,6 +5085,26 @@
                 <a:latin typeface="Calibri" panose="020F0502020204030204"/>
               </a:rPr>
               <a:t>D</a:t>
+            </a:r>
+            <a:r>
+              <a:rPr kumimoji="0" lang="pt-PT" sz="2000" b="0" i="0" u="none" strike="noStrike" kern="1200" cap="none" spc="0" normalizeH="0" baseline="0" noProof="0" dirty="0" err="1">
+                <a:ln>
+                  <a:noFill/>
+                </a:ln>
+                <a:solidFill>
+                  <a:srgbClr val="000000">
+                    <a:lumMod val="75000"/>
+                    <a:lumOff val="25000"/>
+                  </a:srgbClr>
+                </a:solidFill>
+                <a:effectLst/>
+                <a:uLnTx/>
+                <a:uFillTx/>
+                <a:latin typeface="Calibri" panose="020F0502020204030204"/>
+                <a:ea typeface="+mn-ea"/>
+                <a:cs typeface="+mn-cs"/>
+              </a:rPr>
+              <a:t>ados</a:t>
             </a:r>
             <a:r>
               <a:rPr kumimoji="0" lang="pt-PT" sz="2000" b="0" i="0" u="none" strike="noStrike" kern="1200" cap="none" spc="0" normalizeH="0" baseline="0" noProof="0" dirty="0">
@@ -4731,7 +5124,7 @@
                 <a:ea typeface="+mn-ea"/>
                 <a:cs typeface="+mn-cs"/>
               </a:rPr>
-              <a:t>ados de saída (1º cenário):</a:t>
+              <a:t> de saída (1º cenário):</a:t>
             </a:r>
           </a:p>
           <a:p>
@@ -4812,83 +5205,502 @@
       </p:grpSpPr>
       <p:sp>
         <p:nvSpPr>
-          <p:cNvPr id="2" name="Title 1">
+          <p:cNvPr id="4" name="Title 1">
             <a:extLst>
               <a:ext uri="{FF2B5EF4-FFF2-40B4-BE49-F238E27FC236}">
-                <a16:creationId xmlns:a16="http://schemas.microsoft.com/office/drawing/2014/main" id="{985620E8-013C-4AB0-BBA5-EF61AB90C269}"/>
+                <a16:creationId xmlns:a16="http://schemas.microsoft.com/office/drawing/2014/main" id="{F29967F0-2C0F-4212-ADA7-2126EE7D643F}"/>
               </a:ext>
             </a:extLst>
           </p:cNvPr>
-          <p:cNvSpPr>
-            <a:spLocks noGrp="1"/>
-          </p:cNvSpPr>
-          <p:nvPr>
-            <p:ph type="title"/>
-          </p:nvPr>
-        </p:nvSpPr>
-        <p:spPr/>
-        <p:txBody>
-          <a:bodyPr/>
-          <a:lstStyle/>
+          <p:cNvSpPr txBox="1">
+            <a:spLocks/>
+          </p:cNvSpPr>
+          <p:nvPr/>
+        </p:nvSpPr>
+        <p:spPr>
+          <a:xfrm>
+            <a:off x="1097280" y="286603"/>
+            <a:ext cx="10058400" cy="1450757"/>
+          </a:xfrm>
+          <a:prstGeom prst="rect">
+            <a:avLst/>
+          </a:prstGeom>
+        </p:spPr>
+        <p:txBody>
+          <a:bodyPr vert="horz" lIns="91440" tIns="45720" rIns="91440" bIns="45720" rtlCol="0" anchor="b">
+            <a:normAutofit/>
+          </a:bodyPr>
+          <a:lstStyle>
+            <a:lvl1pPr marL="0" algn="l" defTabSz="914400" rtl="0" eaLnBrk="1" latinLnBrk="0" hangingPunct="1">
+              <a:lnSpc>
+                <a:spcPct val="85000"/>
+              </a:lnSpc>
+              <a:spcBef>
+                <a:spcPct val="0"/>
+              </a:spcBef>
+              <a:buNone/>
+              <a:defRPr sz="4800" kern="1200" spc="-50" baseline="0">
+                <a:solidFill>
+                  <a:schemeClr val="tx1">
+                    <a:lumMod val="75000"/>
+                    <a:lumOff val="25000"/>
+                  </a:schemeClr>
+                </a:solidFill>
+                <a:latin typeface="+mj-lt"/>
+                <a:ea typeface="+mj-ea"/>
+                <a:cs typeface="+mj-cs"/>
+              </a:defRPr>
+            </a:lvl1pPr>
+          </a:lstStyle>
           <a:p>
             <a:pPr algn="ctr"/>
             <a:r>
               <a:rPr lang="en-US" b="1" dirty="0" err="1"/>
-              <a:t>Descrição</a:t>
+              <a:t>Formalização</a:t>
             </a:r>
             <a:r>
               <a:rPr lang="en-US" b="1" dirty="0"/>
-              <a:t> da </a:t>
+              <a:t> do </a:t>
             </a:r>
             <a:r>
               <a:rPr lang="en-US" b="1" dirty="0" err="1"/>
-              <a:t>Solução</a:t>
+              <a:t>Cenário</a:t>
+            </a:r>
+            <a:r>
+              <a:rPr lang="en-US" b="1" dirty="0"/>
+              <a:t> 1</a:t>
             </a:r>
             <a:endParaRPr lang="pt-PT" b="1" dirty="0"/>
           </a:p>
         </p:txBody>
       </p:sp>
-      <p:pic>
-        <p:nvPicPr>
-          <p:cNvPr id="9" name="Content Placeholder 8" descr="Text, letter&#10;&#10;Description automatically generated">
+      <p:sp>
+        <p:nvSpPr>
+          <p:cNvPr id="5" name="Content Placeholder 2">
             <a:extLst>
               <a:ext uri="{FF2B5EF4-FFF2-40B4-BE49-F238E27FC236}">
-                <a16:creationId xmlns:a16="http://schemas.microsoft.com/office/drawing/2014/main" id="{3F81FF3F-F559-47D5-8A02-21FFA47069F2}"/>
+                <a16:creationId xmlns:a16="http://schemas.microsoft.com/office/drawing/2014/main" id="{F9671397-9D2B-4B4F-B762-DCAA21974E9D}"/>
               </a:ext>
             </a:extLst>
           </p:cNvPr>
-          <p:cNvPicPr>
-            <a:picLocks noGrp="1" noChangeAspect="1"/>
-          </p:cNvPicPr>
-          <p:nvPr>
-            <p:ph idx="1"/>
-          </p:nvPr>
-        </p:nvPicPr>
-        <p:blipFill>
-          <a:blip r:embed="rId2">
-            <a:extLst>
-              <a:ext uri="{28A0092B-C50C-407E-A947-70E740481C1C}">
-                <a14:useLocalDpi xmlns:a14="http://schemas.microsoft.com/office/drawing/2010/main" val="0"/>
-              </a:ext>
-            </a:extLst>
-          </a:blip>
-          <a:stretch>
-            <a:fillRect/>
-          </a:stretch>
-        </p:blipFill>
+          <p:cNvSpPr txBox="1">
+            <a:spLocks/>
+          </p:cNvSpPr>
+          <p:nvPr/>
+        </p:nvSpPr>
         <p:spPr>
           <a:xfrm>
-            <a:off x="4147865" y="1961945"/>
-            <a:ext cx="3896269" cy="2934109"/>
+            <a:off x="614867" y="1831086"/>
+            <a:ext cx="5596378" cy="4494299"/>
           </a:xfrm>
+          <a:prstGeom prst="rect">
+            <a:avLst/>
+          </a:prstGeom>
         </p:spPr>
-      </p:pic>
-      <p:sp>
-        <p:nvSpPr>
-          <p:cNvPr id="12" name="TextBox 11">
+        <p:txBody>
+          <a:bodyPr vert="horz" lIns="0" tIns="45720" rIns="0" bIns="45720" rtlCol="0">
+            <a:normAutofit/>
+          </a:bodyPr>
+          <a:lstStyle>
+            <a:lvl1pPr marL="91440" indent="-91440" algn="l" defTabSz="914400" rtl="0" eaLnBrk="1" latinLnBrk="0" hangingPunct="1">
+              <a:lnSpc>
+                <a:spcPct val="90000"/>
+              </a:lnSpc>
+              <a:spcBef>
+                <a:spcPts val="1200"/>
+              </a:spcBef>
+              <a:spcAft>
+                <a:spcPts val="200"/>
+              </a:spcAft>
+              <a:buClr>
+                <a:schemeClr val="accent1"/>
+              </a:buClr>
+              <a:buSzPct val="100000"/>
+              <a:buFont typeface="Calibri" panose="020F0502020204030204" pitchFamily="34" charset="0"/>
+              <a:buChar char=" "/>
+              <a:defRPr sz="2000" kern="1200">
+                <a:solidFill>
+                  <a:schemeClr val="tx1">
+                    <a:lumMod val="75000"/>
+                    <a:lumOff val="25000"/>
+                  </a:schemeClr>
+                </a:solidFill>
+                <a:latin typeface="+mn-lt"/>
+                <a:ea typeface="+mn-ea"/>
+                <a:cs typeface="+mn-cs"/>
+              </a:defRPr>
+            </a:lvl1pPr>
+            <a:lvl2pPr marL="384048" indent="-182880" algn="l" defTabSz="914400" rtl="0" eaLnBrk="1" latinLnBrk="0" hangingPunct="1">
+              <a:lnSpc>
+                <a:spcPct val="90000"/>
+              </a:lnSpc>
+              <a:spcBef>
+                <a:spcPts val="200"/>
+              </a:spcBef>
+              <a:spcAft>
+                <a:spcPts val="400"/>
+              </a:spcAft>
+              <a:buClr>
+                <a:schemeClr val="accent1"/>
+              </a:buClr>
+              <a:buFont typeface="Calibri" pitchFamily="34" charset="0"/>
+              <a:buChar char="◦"/>
+              <a:defRPr sz="1800" kern="1200">
+                <a:solidFill>
+                  <a:schemeClr val="tx1">
+                    <a:lumMod val="75000"/>
+                    <a:lumOff val="25000"/>
+                  </a:schemeClr>
+                </a:solidFill>
+                <a:latin typeface="+mn-lt"/>
+                <a:ea typeface="+mn-ea"/>
+                <a:cs typeface="+mn-cs"/>
+              </a:defRPr>
+            </a:lvl2pPr>
+            <a:lvl3pPr marL="566928" indent="-182880" algn="l" defTabSz="914400" rtl="0" eaLnBrk="1" latinLnBrk="0" hangingPunct="1">
+              <a:lnSpc>
+                <a:spcPct val="90000"/>
+              </a:lnSpc>
+              <a:spcBef>
+                <a:spcPts val="200"/>
+              </a:spcBef>
+              <a:spcAft>
+                <a:spcPts val="400"/>
+              </a:spcAft>
+              <a:buClr>
+                <a:schemeClr val="accent1"/>
+              </a:buClr>
+              <a:buFont typeface="Calibri" pitchFamily="34" charset="0"/>
+              <a:buChar char="◦"/>
+              <a:defRPr sz="1400" kern="1200">
+                <a:solidFill>
+                  <a:schemeClr val="tx1">
+                    <a:lumMod val="75000"/>
+                    <a:lumOff val="25000"/>
+                  </a:schemeClr>
+                </a:solidFill>
+                <a:latin typeface="+mn-lt"/>
+                <a:ea typeface="+mn-ea"/>
+                <a:cs typeface="+mn-cs"/>
+              </a:defRPr>
+            </a:lvl3pPr>
+            <a:lvl4pPr marL="749808" indent="-182880" algn="l" defTabSz="914400" rtl="0" eaLnBrk="1" latinLnBrk="0" hangingPunct="1">
+              <a:lnSpc>
+                <a:spcPct val="90000"/>
+              </a:lnSpc>
+              <a:spcBef>
+                <a:spcPts val="200"/>
+              </a:spcBef>
+              <a:spcAft>
+                <a:spcPts val="400"/>
+              </a:spcAft>
+              <a:buClr>
+                <a:schemeClr val="accent1"/>
+              </a:buClr>
+              <a:buFont typeface="Calibri" pitchFamily="34" charset="0"/>
+              <a:buChar char="◦"/>
+              <a:defRPr sz="1400" kern="1200">
+                <a:solidFill>
+                  <a:schemeClr val="tx1">
+                    <a:lumMod val="75000"/>
+                    <a:lumOff val="25000"/>
+                  </a:schemeClr>
+                </a:solidFill>
+                <a:latin typeface="+mn-lt"/>
+                <a:ea typeface="+mn-ea"/>
+                <a:cs typeface="+mn-cs"/>
+              </a:defRPr>
+            </a:lvl4pPr>
+            <a:lvl5pPr marL="932688" indent="-182880" algn="l" defTabSz="914400" rtl="0" eaLnBrk="1" latinLnBrk="0" hangingPunct="1">
+              <a:lnSpc>
+                <a:spcPct val="90000"/>
+              </a:lnSpc>
+              <a:spcBef>
+                <a:spcPts val="200"/>
+              </a:spcBef>
+              <a:spcAft>
+                <a:spcPts val="400"/>
+              </a:spcAft>
+              <a:buClr>
+                <a:schemeClr val="accent1"/>
+              </a:buClr>
+              <a:buFont typeface="Calibri" pitchFamily="34" charset="0"/>
+              <a:buChar char="◦"/>
+              <a:defRPr sz="1400" kern="1200">
+                <a:solidFill>
+                  <a:schemeClr val="tx1">
+                    <a:lumMod val="75000"/>
+                    <a:lumOff val="25000"/>
+                  </a:schemeClr>
+                </a:solidFill>
+                <a:latin typeface="+mn-lt"/>
+                <a:ea typeface="+mn-ea"/>
+                <a:cs typeface="+mn-cs"/>
+              </a:defRPr>
+            </a:lvl5pPr>
+            <a:lvl6pPr marL="1100000" indent="-228600" algn="l" defTabSz="914400" rtl="0" eaLnBrk="1" latinLnBrk="0" hangingPunct="1">
+              <a:lnSpc>
+                <a:spcPct val="90000"/>
+              </a:lnSpc>
+              <a:spcBef>
+                <a:spcPts val="200"/>
+              </a:spcBef>
+              <a:spcAft>
+                <a:spcPts val="400"/>
+              </a:spcAft>
+              <a:buClr>
+                <a:schemeClr val="accent1"/>
+              </a:buClr>
+              <a:buFont typeface="Calibri" pitchFamily="34" charset="0"/>
+              <a:buChar char="◦"/>
+              <a:defRPr sz="1400" kern="1200">
+                <a:solidFill>
+                  <a:schemeClr val="tx1">
+                    <a:lumMod val="75000"/>
+                    <a:lumOff val="25000"/>
+                  </a:schemeClr>
+                </a:solidFill>
+                <a:latin typeface="+mn-lt"/>
+                <a:ea typeface="+mn-ea"/>
+                <a:cs typeface="+mn-cs"/>
+              </a:defRPr>
+            </a:lvl6pPr>
+            <a:lvl7pPr marL="1300000" indent="-228600" algn="l" defTabSz="914400" rtl="0" eaLnBrk="1" latinLnBrk="0" hangingPunct="1">
+              <a:lnSpc>
+                <a:spcPct val="90000"/>
+              </a:lnSpc>
+              <a:spcBef>
+                <a:spcPts val="200"/>
+              </a:spcBef>
+              <a:spcAft>
+                <a:spcPts val="400"/>
+              </a:spcAft>
+              <a:buClr>
+                <a:schemeClr val="accent1"/>
+              </a:buClr>
+              <a:buFont typeface="Calibri" pitchFamily="34" charset="0"/>
+              <a:buChar char="◦"/>
+              <a:defRPr sz="1400" kern="1200">
+                <a:solidFill>
+                  <a:schemeClr val="tx1">
+                    <a:lumMod val="75000"/>
+                    <a:lumOff val="25000"/>
+                  </a:schemeClr>
+                </a:solidFill>
+                <a:latin typeface="+mn-lt"/>
+                <a:ea typeface="+mn-ea"/>
+                <a:cs typeface="+mn-cs"/>
+              </a:defRPr>
+            </a:lvl7pPr>
+            <a:lvl8pPr marL="1500000" indent="-228600" algn="l" defTabSz="914400" rtl="0" eaLnBrk="1" latinLnBrk="0" hangingPunct="1">
+              <a:lnSpc>
+                <a:spcPct val="90000"/>
+              </a:lnSpc>
+              <a:spcBef>
+                <a:spcPts val="200"/>
+              </a:spcBef>
+              <a:spcAft>
+                <a:spcPts val="400"/>
+              </a:spcAft>
+              <a:buClr>
+                <a:schemeClr val="accent1"/>
+              </a:buClr>
+              <a:buFont typeface="Calibri" pitchFamily="34" charset="0"/>
+              <a:buChar char="◦"/>
+              <a:defRPr sz="1400" kern="1200">
+                <a:solidFill>
+                  <a:schemeClr val="tx1">
+                    <a:lumMod val="75000"/>
+                    <a:lumOff val="25000"/>
+                  </a:schemeClr>
+                </a:solidFill>
+                <a:latin typeface="+mn-lt"/>
+                <a:ea typeface="+mn-ea"/>
+                <a:cs typeface="+mn-cs"/>
+              </a:defRPr>
+            </a:lvl8pPr>
+            <a:lvl9pPr marL="1700000" indent="-228600" algn="l" defTabSz="914400" rtl="0" eaLnBrk="1" latinLnBrk="0" hangingPunct="1">
+              <a:lnSpc>
+                <a:spcPct val="90000"/>
+              </a:lnSpc>
+              <a:spcBef>
+                <a:spcPts val="200"/>
+              </a:spcBef>
+              <a:spcAft>
+                <a:spcPts val="400"/>
+              </a:spcAft>
+              <a:buClr>
+                <a:schemeClr val="accent1"/>
+              </a:buClr>
+              <a:buFont typeface="Calibri" pitchFamily="34" charset="0"/>
+              <a:buChar char="◦"/>
+              <a:defRPr sz="1400" kern="1200">
+                <a:solidFill>
+                  <a:schemeClr val="tx1">
+                    <a:lumMod val="75000"/>
+                    <a:lumOff val="25000"/>
+                  </a:schemeClr>
+                </a:solidFill>
+                <a:latin typeface="+mn-lt"/>
+                <a:ea typeface="+mn-ea"/>
+                <a:cs typeface="+mn-cs"/>
+              </a:defRPr>
+            </a:lvl9pPr>
+          </a:lstStyle>
+          <a:p>
+            <a:pPr marL="0" indent="0" algn="ctr">
+              <a:buFont typeface="Calibri" panose="020F0502020204030204" pitchFamily="34" charset="0"/>
+              <a:buNone/>
+            </a:pPr>
+            <a:r>
+              <a:rPr lang="pt-PT" sz="1600" u="sng" dirty="0"/>
+              <a:t>Dados de entrada</a:t>
+            </a:r>
+            <a:r>
+              <a:rPr lang="pt-PT" sz="1600" dirty="0"/>
+              <a:t>: </a:t>
+            </a:r>
+          </a:p>
+          <a:p>
+            <a:pPr>
+              <a:buFont typeface="Wingdings" panose="05000000000000000000" pitchFamily="2" charset="2"/>
+              <a:buChar char="Ø"/>
+            </a:pPr>
+            <a:r>
+              <a:rPr lang="pt-PT" sz="1600" dirty="0"/>
+              <a:t>Vetor&lt;Encomenda&gt; E- Conjunto de encomendas caracterizadas por:</a:t>
+            </a:r>
+          </a:p>
+          <a:p>
+            <a:pPr lvl="1">
+              <a:buFont typeface="Wingdings" panose="05000000000000000000" pitchFamily="2" charset="2"/>
+              <a:buChar char="Ø"/>
+            </a:pPr>
+            <a:r>
+              <a:rPr lang="pt-PT" sz="1400" dirty="0"/>
+              <a:t>Peso</a:t>
+            </a:r>
+          </a:p>
+          <a:p>
+            <a:pPr lvl="1">
+              <a:buFont typeface="Wingdings" panose="05000000000000000000" pitchFamily="2" charset="2"/>
+              <a:buChar char="Ø"/>
+            </a:pPr>
+            <a:r>
+              <a:rPr lang="pt-PT" sz="1400" dirty="0"/>
+              <a:t>Volume</a:t>
+            </a:r>
+          </a:p>
+          <a:p>
+            <a:pPr lvl="1">
+              <a:buFont typeface="Wingdings" panose="05000000000000000000" pitchFamily="2" charset="2"/>
+              <a:buChar char="Ø"/>
+            </a:pPr>
+            <a:r>
+              <a:rPr lang="pt-PT" sz="1400" dirty="0"/>
+              <a:t>Recompensa</a:t>
+            </a:r>
+          </a:p>
+          <a:p>
+            <a:pPr lvl="1">
+              <a:buFont typeface="Wingdings" panose="05000000000000000000" pitchFamily="2" charset="2"/>
+              <a:buChar char="Ø"/>
+            </a:pPr>
+            <a:r>
+              <a:rPr lang="pt-PT" sz="1400" dirty="0"/>
+              <a:t>Duração </a:t>
+            </a:r>
+          </a:p>
+          <a:p>
+            <a:pPr lvl="1">
+              <a:buFont typeface="Wingdings" panose="05000000000000000000" pitchFamily="2" charset="2"/>
+              <a:buChar char="Ø"/>
+            </a:pPr>
+            <a:endParaRPr lang="pt-PT" sz="1400" dirty="0"/>
+          </a:p>
+          <a:p>
+            <a:pPr>
+              <a:buFont typeface="Wingdings" panose="05000000000000000000" pitchFamily="2" charset="2"/>
+              <a:buChar char="Ø"/>
+            </a:pPr>
+            <a:r>
+              <a:rPr lang="pt-PT" sz="1600" dirty="0"/>
+              <a:t>Vetor&lt;Carrinha&gt; C –Conjunto de </a:t>
+            </a:r>
+            <a:r>
+              <a:rPr lang="pt-PT" sz="1600" dirty="0" err="1"/>
+              <a:t>carrias</a:t>
+            </a:r>
+            <a:r>
+              <a:rPr lang="pt-PT" sz="1600" dirty="0"/>
+              <a:t> caracterizadas por:</a:t>
+            </a:r>
+          </a:p>
+          <a:p>
+            <a:pPr lvl="1">
+              <a:buFont typeface="Wingdings" panose="05000000000000000000" pitchFamily="2" charset="2"/>
+              <a:buChar char="Ø"/>
+            </a:pPr>
+            <a:r>
+              <a:rPr lang="pt-PT" sz="1400" dirty="0" err="1"/>
+              <a:t>PesoMax</a:t>
+            </a:r>
+            <a:endParaRPr lang="pt-PT" sz="1400" dirty="0"/>
+          </a:p>
+          <a:p>
+            <a:pPr lvl="1">
+              <a:buFont typeface="Wingdings" panose="05000000000000000000" pitchFamily="2" charset="2"/>
+              <a:buChar char="Ø"/>
+            </a:pPr>
+            <a:r>
+              <a:rPr lang="pt-PT" sz="1400" dirty="0" err="1"/>
+              <a:t>VolMax</a:t>
+            </a:r>
+            <a:endParaRPr lang="pt-PT" sz="1400" dirty="0"/>
+          </a:p>
+          <a:p>
+            <a:pPr lvl="1">
+              <a:buFont typeface="Wingdings" panose="05000000000000000000" pitchFamily="2" charset="2"/>
+              <a:buChar char="Ø"/>
+            </a:pPr>
+            <a:r>
+              <a:rPr lang="pt-PT" sz="1400" dirty="0"/>
+              <a:t>Custo</a:t>
+            </a:r>
+          </a:p>
+          <a:p>
+            <a:pPr lvl="1">
+              <a:buFont typeface="Wingdings" panose="05000000000000000000" pitchFamily="2" charset="2"/>
+              <a:buChar char="Ø"/>
+            </a:pPr>
+            <a:r>
+              <a:rPr lang="pt-PT" sz="1400" dirty="0" err="1"/>
+              <a:t>PesoAtual</a:t>
+            </a:r>
+            <a:endParaRPr lang="pt-PT" sz="1400" dirty="0"/>
+          </a:p>
+          <a:p>
+            <a:pPr lvl="1">
+              <a:buFont typeface="Wingdings" panose="05000000000000000000" pitchFamily="2" charset="2"/>
+              <a:buChar char="Ø"/>
+            </a:pPr>
+            <a:r>
+              <a:rPr lang="pt-PT" sz="1400" dirty="0" err="1"/>
+              <a:t>VolAtual</a:t>
+            </a:r>
+            <a:r>
+              <a:rPr lang="pt-PT" dirty="0"/>
+              <a:t> </a:t>
+            </a:r>
+          </a:p>
+        </p:txBody>
+      </p:sp>
+      <p:sp>
+        <p:nvSpPr>
+          <p:cNvPr id="6" name="TextBox 5">
             <a:extLst>
               <a:ext uri="{FF2B5EF4-FFF2-40B4-BE49-F238E27FC236}">
-                <a16:creationId xmlns:a16="http://schemas.microsoft.com/office/drawing/2014/main" id="{2648110A-AB00-47F1-9CED-899E88DFD305}"/>
+                <a16:creationId xmlns:a16="http://schemas.microsoft.com/office/drawing/2014/main" id="{33A1A7FD-057F-42F8-9018-4CE31FB92D8D}"/>
               </a:ext>
             </a:extLst>
           </p:cNvPr>
@@ -4897,8 +5709,8 @@
         </p:nvSpPr>
         <p:spPr>
           <a:xfrm>
-            <a:off x="3045414" y="5120639"/>
-            <a:ext cx="6162131" cy="923330"/>
+            <a:off x="6440631" y="1737360"/>
+            <a:ext cx="5751369" cy="2600712"/>
           </a:xfrm>
           <a:prstGeom prst="rect">
             <a:avLst/>
@@ -4911,25 +5723,425 @@
           </a:bodyPr>
           <a:lstStyle/>
           <a:p>
-            <a:pPr algn="ctr"/>
-            <a:r>
-              <a:rPr lang="pt-PT" dirty="0"/>
-              <a:t>Baseando no algoritmo de bin-packing: first fit. (decreasing)</a:t>
-            </a:r>
-          </a:p>
-          <a:p>
-            <a:pPr algn="ctr"/>
-            <a:r>
-              <a:rPr lang="pt-PT" dirty="0"/>
-              <a:t>Percorremos todos os camiões, vemos no metodo FitsInTruck se a encomenda é válida. </a:t>
-            </a:r>
+            <a:pPr marL="0" indent="0" algn="ctr">
+              <a:buNone/>
+            </a:pPr>
+            <a:r>
+              <a:rPr lang="pt-PT" sz="2000" u="sng" dirty="0">
+                <a:solidFill>
+                  <a:srgbClr val="000000">
+                    <a:lumMod val="75000"/>
+                    <a:lumOff val="25000"/>
+                  </a:srgbClr>
+                </a:solidFill>
+                <a:latin typeface="Calibri" panose="020F0502020204030204"/>
+              </a:rPr>
+              <a:t>D</a:t>
+            </a:r>
+            <a:r>
+              <a:rPr kumimoji="0" lang="pt-PT" sz="2000" b="0" i="0" u="sng" strike="noStrike" kern="1200" cap="none" spc="0" normalizeH="0" baseline="0" noProof="0" dirty="0">
+                <a:ln>
+                  <a:noFill/>
+                </a:ln>
+                <a:solidFill>
+                  <a:srgbClr val="000000">
+                    <a:lumMod val="75000"/>
+                    <a:lumOff val="25000"/>
+                  </a:srgbClr>
+                </a:solidFill>
+                <a:effectLst/>
+                <a:uLnTx/>
+                <a:uFillTx/>
+                <a:latin typeface="Calibri" panose="020F0502020204030204"/>
+                <a:ea typeface="+mn-ea"/>
+                <a:cs typeface="+mn-cs"/>
+              </a:rPr>
+              <a:t>ados de saída</a:t>
+            </a:r>
+          </a:p>
+          <a:p>
+            <a:pPr marL="91440" marR="0" lvl="0" indent="-91440" defTabSz="914400" rtl="0" eaLnBrk="1" fontAlgn="auto" latinLnBrk="0" hangingPunct="1">
+              <a:lnSpc>
+                <a:spcPct val="90000"/>
+              </a:lnSpc>
+              <a:spcBef>
+                <a:spcPts val="1200"/>
+              </a:spcBef>
+              <a:spcAft>
+                <a:spcPts val="200"/>
+              </a:spcAft>
+              <a:buClr>
+                <a:srgbClr val="E48312"/>
+              </a:buClr>
+              <a:buSzPct val="100000"/>
+              <a:buFont typeface="Wingdings" panose="05000000000000000000" pitchFamily="2" charset="2"/>
+              <a:buChar char="Ø"/>
+              <a:tabLst/>
+              <a:defRPr/>
+            </a:pPr>
+            <a:r>
+              <a:rPr kumimoji="0" lang="pt-PT" sz="2000" b="0" i="0" u="none" strike="noStrike" kern="1200" cap="none" spc="0" normalizeH="0" baseline="0" noProof="0" dirty="0">
+                <a:ln>
+                  <a:noFill/>
+                </a:ln>
+                <a:solidFill>
+                  <a:srgbClr val="000000">
+                    <a:lumMod val="75000"/>
+                    <a:lumOff val="25000"/>
+                  </a:srgbClr>
+                </a:solidFill>
+                <a:effectLst/>
+                <a:uLnTx/>
+                <a:uFillTx/>
+                <a:latin typeface="Calibri" panose="020F0502020204030204"/>
+                <a:ea typeface="+mn-ea"/>
+                <a:cs typeface="+mn-cs"/>
+              </a:rPr>
+              <a:t>2 </a:t>
+            </a:r>
+            <a:r>
+              <a:rPr lang="pt-PT" sz="2000" dirty="0">
+                <a:solidFill>
+                  <a:srgbClr val="000000">
+                    <a:lumMod val="75000"/>
+                    <a:lumOff val="25000"/>
+                  </a:srgbClr>
+                </a:solidFill>
+                <a:latin typeface="Calibri" panose="020F0502020204030204"/>
+              </a:rPr>
+              <a:t>Vetores&lt;</a:t>
+            </a:r>
+            <a:r>
+              <a:rPr lang="pt-PT" sz="2000" dirty="0" err="1">
+                <a:solidFill>
+                  <a:srgbClr val="000000">
+                    <a:lumMod val="75000"/>
+                    <a:lumOff val="25000"/>
+                  </a:srgbClr>
+                </a:solidFill>
+                <a:latin typeface="Calibri" panose="020F0502020204030204"/>
+              </a:rPr>
+              <a:t>EstafetaouPedido</a:t>
+            </a:r>
+            <a:r>
+              <a:rPr lang="pt-PT" sz="2000" dirty="0">
+                <a:solidFill>
+                  <a:srgbClr val="000000">
+                    <a:lumMod val="75000"/>
+                    <a:lumOff val="25000"/>
+                  </a:srgbClr>
+                </a:solidFill>
+                <a:latin typeface="Calibri" panose="020F0502020204030204"/>
+              </a:rPr>
+              <a:t>&gt;</a:t>
+            </a:r>
+            <a:r>
+              <a:rPr kumimoji="0" lang="pt-PT" sz="2000" b="0" i="0" u="none" strike="noStrike" kern="1200" cap="none" spc="0" normalizeH="0" baseline="0" noProof="0" dirty="0">
+                <a:ln>
+                  <a:noFill/>
+                </a:ln>
+                <a:solidFill>
+                  <a:srgbClr val="000000">
+                    <a:lumMod val="75000"/>
+                    <a:lumOff val="25000"/>
+                  </a:srgbClr>
+                </a:solidFill>
+                <a:effectLst/>
+                <a:uLnTx/>
+                <a:uFillTx/>
+                <a:latin typeface="Calibri" panose="020F0502020204030204"/>
+                <a:ea typeface="+mn-ea"/>
+                <a:cs typeface="+mn-cs"/>
+              </a:rPr>
+              <a:t>, </a:t>
+            </a:r>
+            <a:r>
+              <a:rPr kumimoji="0" lang="pt-PT" sz="2000" b="0" i="0" u="none" strike="noStrike" kern="1200" cap="none" spc="0" normalizeH="0" baseline="0" noProof="0" dirty="0" err="1">
+                <a:ln>
+                  <a:noFill/>
+                </a:ln>
+                <a:solidFill>
+                  <a:srgbClr val="000000">
+                    <a:lumMod val="75000"/>
+                    <a:lumOff val="25000"/>
+                  </a:srgbClr>
+                </a:solidFill>
+                <a:effectLst/>
+                <a:uLnTx/>
+                <a:uFillTx/>
+                <a:latin typeface="Calibri" panose="020F0502020204030204"/>
+                <a:ea typeface="+mn-ea"/>
+                <a:cs typeface="+mn-cs"/>
+              </a:rPr>
+              <a:t>Est</a:t>
+            </a:r>
+            <a:r>
+              <a:rPr kumimoji="0" lang="pt-PT" sz="2000" b="0" i="0" u="none" strike="noStrike" kern="1200" cap="none" spc="0" normalizeH="0" baseline="0" noProof="0" dirty="0">
+                <a:ln>
+                  <a:noFill/>
+                </a:ln>
+                <a:solidFill>
+                  <a:srgbClr val="000000">
+                    <a:lumMod val="75000"/>
+                    <a:lumOff val="25000"/>
+                  </a:srgbClr>
+                </a:solidFill>
+                <a:effectLst/>
+                <a:uLnTx/>
+                <a:uFillTx/>
+                <a:latin typeface="Calibri" panose="020F0502020204030204"/>
+                <a:ea typeface="+mn-ea"/>
+                <a:cs typeface="+mn-cs"/>
+              </a:rPr>
+              <a:t> e </a:t>
+            </a:r>
+            <a:r>
+              <a:rPr kumimoji="0" lang="pt-PT" sz="2000" b="0" i="0" u="none" strike="noStrike" kern="1200" cap="none" spc="0" normalizeH="0" baseline="0" noProof="0" dirty="0" err="1">
+                <a:ln>
+                  <a:noFill/>
+                </a:ln>
+                <a:solidFill>
+                  <a:srgbClr val="000000">
+                    <a:lumMod val="75000"/>
+                    <a:lumOff val="25000"/>
+                  </a:srgbClr>
+                </a:solidFill>
+                <a:effectLst/>
+                <a:uLnTx/>
+                <a:uFillTx/>
+                <a:latin typeface="Calibri" panose="020F0502020204030204"/>
+                <a:ea typeface="+mn-ea"/>
+                <a:cs typeface="+mn-cs"/>
+              </a:rPr>
+              <a:t>Ped</a:t>
+            </a:r>
+            <a:r>
+              <a:rPr lang="pt-PT" sz="2000" dirty="0">
+                <a:solidFill>
+                  <a:srgbClr val="000000">
+                    <a:lumMod val="75000"/>
+                    <a:lumOff val="25000"/>
+                  </a:srgbClr>
+                </a:solidFill>
+                <a:latin typeface="Calibri" panose="020F0502020204030204"/>
+              </a:rPr>
+              <a:t>-Conjunto de carrinhas registadas e pedidos a entregar caracterizados por:</a:t>
+            </a:r>
+          </a:p>
+          <a:p>
+            <a:pPr marL="548640" lvl="1" indent="-91440" defTabSz="914400">
+              <a:lnSpc>
+                <a:spcPct val="90000"/>
+              </a:lnSpc>
+              <a:spcBef>
+                <a:spcPts val="1200"/>
+              </a:spcBef>
+              <a:spcAft>
+                <a:spcPts val="200"/>
+              </a:spcAft>
+              <a:buClr>
+                <a:srgbClr val="E48312"/>
+              </a:buClr>
+              <a:buSzPct val="100000"/>
+              <a:buFont typeface="Wingdings" panose="05000000000000000000" pitchFamily="2" charset="2"/>
+              <a:buChar char="Ø"/>
+              <a:defRPr/>
+            </a:pPr>
+            <a:r>
+              <a:rPr kumimoji="0" lang="pt-PT" sz="2000" b="0" i="0" u="none" strike="noStrike" kern="1200" cap="none" spc="0" normalizeH="0" baseline="0" noProof="0" dirty="0">
+                <a:ln>
+                  <a:noFill/>
+                </a:ln>
+                <a:solidFill>
+                  <a:srgbClr val="000000">
+                    <a:lumMod val="75000"/>
+                    <a:lumOff val="25000"/>
+                  </a:srgbClr>
+                </a:solidFill>
+                <a:effectLst/>
+                <a:uLnTx/>
+                <a:uFillTx/>
+                <a:latin typeface="Calibri" panose="020F0502020204030204"/>
+                <a:ea typeface="+mn-ea"/>
+                <a:cs typeface="+mn-cs"/>
+              </a:rPr>
+              <a:t>Peso</a:t>
+            </a:r>
+          </a:p>
+          <a:p>
+            <a:pPr marL="548640" lvl="1" indent="-91440" defTabSz="914400">
+              <a:lnSpc>
+                <a:spcPct val="90000"/>
+              </a:lnSpc>
+              <a:spcBef>
+                <a:spcPts val="1200"/>
+              </a:spcBef>
+              <a:spcAft>
+                <a:spcPts val="200"/>
+              </a:spcAft>
+              <a:buClr>
+                <a:srgbClr val="E48312"/>
+              </a:buClr>
+              <a:buSzPct val="100000"/>
+              <a:buFont typeface="Wingdings" panose="05000000000000000000" pitchFamily="2" charset="2"/>
+              <a:buChar char="Ø"/>
+              <a:defRPr/>
+            </a:pPr>
+            <a:r>
+              <a:rPr lang="pt-PT" sz="2000" dirty="0">
+                <a:solidFill>
+                  <a:srgbClr val="000000">
+                    <a:lumMod val="75000"/>
+                    <a:lumOff val="25000"/>
+                  </a:srgbClr>
+                </a:solidFill>
+                <a:latin typeface="Calibri" panose="020F0502020204030204"/>
+              </a:rPr>
+              <a:t>Volume</a:t>
+            </a:r>
+            <a:endParaRPr kumimoji="0" lang="pt-PT" sz="2000" b="0" i="0" u="none" strike="noStrike" kern="1200" cap="none" spc="0" normalizeH="0" baseline="0" noProof="0" dirty="0">
+              <a:ln>
+                <a:noFill/>
+              </a:ln>
+              <a:solidFill>
+                <a:srgbClr val="000000">
+                  <a:lumMod val="75000"/>
+                  <a:lumOff val="25000"/>
+                </a:srgbClr>
+              </a:solidFill>
+              <a:effectLst/>
+              <a:uLnTx/>
+              <a:uFillTx/>
+              <a:latin typeface="Calibri" panose="020F0502020204030204"/>
+              <a:ea typeface="+mn-ea"/>
+              <a:cs typeface="+mn-cs"/>
+            </a:endParaRPr>
+          </a:p>
+          <a:p>
+            <a:endParaRPr lang="pt-PT" dirty="0"/>
+          </a:p>
+        </p:txBody>
+      </p:sp>
+      <p:sp>
+        <p:nvSpPr>
+          <p:cNvPr id="7" name="TextBox 6">
+            <a:extLst>
+              <a:ext uri="{FF2B5EF4-FFF2-40B4-BE49-F238E27FC236}">
+                <a16:creationId xmlns:a16="http://schemas.microsoft.com/office/drawing/2014/main" id="{0FC99067-2FE4-49FA-A359-140ACF56302F}"/>
+              </a:ext>
+            </a:extLst>
+          </p:cNvPr>
+          <p:cNvSpPr txBox="1"/>
+          <p:nvPr/>
+        </p:nvSpPr>
+        <p:spPr>
+          <a:xfrm>
+            <a:off x="6305513" y="4574939"/>
+            <a:ext cx="5751369" cy="1410643"/>
+          </a:xfrm>
+          <a:prstGeom prst="rect">
+            <a:avLst/>
+          </a:prstGeom>
+          <a:noFill/>
+        </p:spPr>
+        <p:txBody>
+          <a:bodyPr wrap="square" rtlCol="0">
+            <a:spAutoFit/>
+          </a:bodyPr>
+          <a:lstStyle/>
+          <a:p>
+            <a:pPr marL="0" indent="0" algn="ctr">
+              <a:buNone/>
+            </a:pPr>
+            <a:r>
+              <a:rPr lang="pt-PT" sz="2000" u="sng" dirty="0">
+                <a:solidFill>
+                  <a:srgbClr val="000000">
+                    <a:lumMod val="75000"/>
+                    <a:lumOff val="25000"/>
+                  </a:srgbClr>
+                </a:solidFill>
+                <a:latin typeface="Calibri" panose="020F0502020204030204"/>
+              </a:rPr>
+              <a:t>Restrições e Domínios de valores</a:t>
+            </a:r>
+            <a:endParaRPr kumimoji="0" lang="pt-PT" sz="2000" b="0" i="0" u="sng" strike="noStrike" kern="1200" cap="none" spc="0" normalizeH="0" baseline="0" noProof="0" dirty="0">
+              <a:ln>
+                <a:noFill/>
+              </a:ln>
+              <a:solidFill>
+                <a:srgbClr val="000000">
+                  <a:lumMod val="75000"/>
+                  <a:lumOff val="25000"/>
+                </a:srgbClr>
+              </a:solidFill>
+              <a:effectLst/>
+              <a:uLnTx/>
+              <a:uFillTx/>
+              <a:latin typeface="Calibri" panose="020F0502020204030204"/>
+              <a:ea typeface="+mn-ea"/>
+              <a:cs typeface="+mn-cs"/>
+            </a:endParaRPr>
+          </a:p>
+          <a:p>
+            <a:pPr marL="91440" marR="0" lvl="0" indent="-91440" defTabSz="914400" rtl="0" eaLnBrk="1" fontAlgn="auto" latinLnBrk="0" hangingPunct="1">
+              <a:lnSpc>
+                <a:spcPct val="90000"/>
+              </a:lnSpc>
+              <a:spcBef>
+                <a:spcPts val="1200"/>
+              </a:spcBef>
+              <a:spcAft>
+                <a:spcPts val="200"/>
+              </a:spcAft>
+              <a:buClr>
+                <a:srgbClr val="E48312"/>
+              </a:buClr>
+              <a:buSzPct val="100000"/>
+              <a:buFont typeface="Wingdings" panose="05000000000000000000" pitchFamily="2" charset="2"/>
+              <a:buChar char="Ø"/>
+              <a:tabLst/>
+              <a:defRPr/>
+            </a:pPr>
+            <a:r>
+              <a:rPr lang="pt-PT" sz="2000" dirty="0">
+                <a:solidFill>
+                  <a:srgbClr val="000000">
+                    <a:lumMod val="75000"/>
+                    <a:lumOff val="25000"/>
+                  </a:srgbClr>
+                </a:solidFill>
+                <a:latin typeface="Calibri" panose="020F0502020204030204"/>
+              </a:rPr>
+              <a:t> Todos os valores têm de ser positivos e pertencentes a N</a:t>
+            </a:r>
+            <a:endParaRPr kumimoji="0" lang="pt-PT" sz="2000" b="0" i="0" u="none" strike="noStrike" kern="1200" cap="none" spc="0" normalizeH="0" baseline="0" noProof="0" dirty="0">
+              <a:ln>
+                <a:noFill/>
+              </a:ln>
+              <a:solidFill>
+                <a:srgbClr val="000000">
+                  <a:lumMod val="75000"/>
+                  <a:lumOff val="25000"/>
+                </a:srgbClr>
+              </a:solidFill>
+              <a:effectLst/>
+              <a:uLnTx/>
+              <a:uFillTx/>
+              <a:latin typeface="Calibri" panose="020F0502020204030204"/>
+              <a:ea typeface="+mn-ea"/>
+              <a:cs typeface="+mn-cs"/>
+            </a:endParaRPr>
+          </a:p>
+          <a:p>
+            <a:endParaRPr lang="pt-PT" dirty="0"/>
           </a:p>
         </p:txBody>
       </p:sp>
     </p:spTree>
     <p:extLst>
       <p:ext uri="{BB962C8B-B14F-4D97-AF65-F5344CB8AC3E}">
-        <p14:creationId xmlns:p14="http://schemas.microsoft.com/office/powerpoint/2010/main" val="3935639374"/>
+        <p14:creationId xmlns:p14="http://schemas.microsoft.com/office/powerpoint/2010/main" val="1507378260"/>
       </p:ext>
     </p:extLst>
   </p:cSld>
@@ -4994,39 +6206,88 @@
           </a:p>
         </p:txBody>
       </p:sp>
-      <p:sp>
-        <p:nvSpPr>
-          <p:cNvPr id="3" name="Content Placeholder 2">
+      <p:pic>
+        <p:nvPicPr>
+          <p:cNvPr id="9" name="Content Placeholder 8" descr="Text, letter&#10;&#10;Description automatically generated">
             <a:extLst>
               <a:ext uri="{FF2B5EF4-FFF2-40B4-BE49-F238E27FC236}">
-                <a16:creationId xmlns:a16="http://schemas.microsoft.com/office/drawing/2014/main" id="{0DA53B97-5997-490C-B21F-AEAD1D079AC5}"/>
+                <a16:creationId xmlns:a16="http://schemas.microsoft.com/office/drawing/2014/main" id="{3F81FF3F-F559-47D5-8A02-21FFA47069F2}"/>
               </a:ext>
             </a:extLst>
           </p:cNvPr>
-          <p:cNvSpPr>
-            <a:spLocks noGrp="1"/>
-          </p:cNvSpPr>
+          <p:cNvPicPr>
+            <a:picLocks noGrp="1" noChangeAspect="1"/>
+          </p:cNvPicPr>
           <p:nvPr>
             <p:ph idx="1"/>
           </p:nvPr>
-        </p:nvSpPr>
-        <p:spPr/>
-        <p:txBody>
-          <a:bodyPr/>
+        </p:nvPicPr>
+        <p:blipFill>
+          <a:blip r:embed="rId2">
+            <a:extLst>
+              <a:ext uri="{28A0092B-C50C-407E-A947-70E740481C1C}">
+                <a14:useLocalDpi xmlns:a14="http://schemas.microsoft.com/office/drawing/2010/main" val="0"/>
+              </a:ext>
+            </a:extLst>
+          </a:blip>
+          <a:stretch>
+            <a:fillRect/>
+          </a:stretch>
+        </p:blipFill>
+        <p:spPr>
+          <a:xfrm>
+            <a:off x="4147865" y="1961945"/>
+            <a:ext cx="3896269" cy="2934109"/>
+          </a:xfrm>
+        </p:spPr>
+      </p:pic>
+      <p:sp>
+        <p:nvSpPr>
+          <p:cNvPr id="12" name="TextBox 11">
+            <a:extLst>
+              <a:ext uri="{FF2B5EF4-FFF2-40B4-BE49-F238E27FC236}">
+                <a16:creationId xmlns:a16="http://schemas.microsoft.com/office/drawing/2014/main" id="{2648110A-AB00-47F1-9CED-899E88DFD305}"/>
+              </a:ext>
+            </a:extLst>
+          </p:cNvPr>
+          <p:cNvSpPr txBox="1"/>
+          <p:nvPr/>
+        </p:nvSpPr>
+        <p:spPr>
+          <a:xfrm>
+            <a:off x="3045414" y="5120639"/>
+            <a:ext cx="6162131" cy="923330"/>
+          </a:xfrm>
+          <a:prstGeom prst="rect">
+            <a:avLst/>
+          </a:prstGeom>
+          <a:noFill/>
+        </p:spPr>
+        <p:txBody>
+          <a:bodyPr wrap="square" rtlCol="0">
+            <a:spAutoFit/>
+          </a:bodyPr>
           <a:lstStyle/>
           <a:p>
-            <a:r>
-              <a:rPr lang="en-US" dirty="0"/>
-              <a:t>Greedy Algorithm</a:t>
-            </a:r>
-            <a:endParaRPr lang="pt-PT" dirty="0"/>
+            <a:pPr algn="ctr"/>
+            <a:r>
+              <a:rPr lang="pt-PT" dirty="0"/>
+              <a:t>Baseando no algoritmo de bin-packing: first fit. (decreasing)</a:t>
+            </a:r>
+          </a:p>
+          <a:p>
+            <a:pPr algn="ctr"/>
+            <a:r>
+              <a:rPr lang="pt-PT" dirty="0"/>
+              <a:t>Percorremos todos os camiões, vemos no metodo FitsInTruck se a encomenda é válida. </a:t>
+            </a:r>
           </a:p>
         </p:txBody>
       </p:sp>
     </p:spTree>
     <p:extLst>
       <p:ext uri="{BB962C8B-B14F-4D97-AF65-F5344CB8AC3E}">
-        <p14:creationId xmlns:p14="http://schemas.microsoft.com/office/powerpoint/2010/main" val="1758428583"/>
+        <p14:creationId xmlns:p14="http://schemas.microsoft.com/office/powerpoint/2010/main" val="3935639374"/>
       </p:ext>
     </p:extLst>
   </p:cSld>
@@ -5058,7 +6319,7 @@
           <p:cNvPr id="2" name="Title 1">
             <a:extLst>
               <a:ext uri="{FF2B5EF4-FFF2-40B4-BE49-F238E27FC236}">
-                <a16:creationId xmlns:a16="http://schemas.microsoft.com/office/drawing/2014/main" id="{985620E8-013C-4AB0-BBA5-EF61AB90C269}"/>
+                <a16:creationId xmlns:a16="http://schemas.microsoft.com/office/drawing/2014/main" id="{905083D3-96D5-454B-A94C-2CB33399B9A1}"/>
               </a:ext>
             </a:extLst>
           </p:cNvPr>
@@ -5087,39 +6348,180 @@
               <a:rPr lang="en-US" b="1" dirty="0" err="1"/>
               <a:t>Solução</a:t>
             </a:r>
-            <a:endParaRPr lang="pt-PT" b="1" dirty="0"/>
-          </a:p>
-        </p:txBody>
-      </p:sp>
-      <p:sp>
-        <p:nvSpPr>
-          <p:cNvPr id="3" name="Content Placeholder 2">
+            <a:endParaRPr lang="pt-PT" dirty="0"/>
+          </a:p>
+        </p:txBody>
+      </p:sp>
+      <p:pic>
+        <p:nvPicPr>
+          <p:cNvPr id="4" name="Content Placeholder 8" descr="Text, letter&#10;&#10;Description automatically generated">
             <a:extLst>
               <a:ext uri="{FF2B5EF4-FFF2-40B4-BE49-F238E27FC236}">
-                <a16:creationId xmlns:a16="http://schemas.microsoft.com/office/drawing/2014/main" id="{0DA53B97-5997-490C-B21F-AEAD1D079AC5}"/>
+                <a16:creationId xmlns:a16="http://schemas.microsoft.com/office/drawing/2014/main" id="{61398ADD-0833-45E1-BAC1-4EE31EB7D8D4}"/>
               </a:ext>
             </a:extLst>
           </p:cNvPr>
-          <p:cNvSpPr>
-            <a:spLocks noGrp="1"/>
-          </p:cNvSpPr>
-          <p:nvPr>
-            <p:ph idx="1"/>
-          </p:nvPr>
-        </p:nvSpPr>
-        <p:spPr/>
-        <p:txBody>
-          <a:bodyPr/>
+          <p:cNvPicPr>
+            <a:picLocks noChangeAspect="1"/>
+          </p:cNvPicPr>
+          <p:nvPr/>
+        </p:nvPicPr>
+        <p:blipFill>
+          <a:blip r:embed="rId2">
+            <a:extLst>
+              <a:ext uri="{28A0092B-C50C-407E-A947-70E740481C1C}">
+                <a14:useLocalDpi xmlns:a14="http://schemas.microsoft.com/office/drawing/2010/main" val="0"/>
+              </a:ext>
+            </a:extLst>
+          </a:blip>
+          <a:stretch>
+            <a:fillRect/>
+          </a:stretch>
+        </p:blipFill>
+        <p:spPr>
+          <a:xfrm>
+            <a:off x="7259411" y="1961945"/>
+            <a:ext cx="3896269" cy="2934109"/>
+          </a:xfrm>
+          <a:prstGeom prst="rect">
+            <a:avLst/>
+          </a:prstGeom>
+        </p:spPr>
+      </p:pic>
+      <p:sp>
+        <p:nvSpPr>
+          <p:cNvPr id="5" name="TextBox 4">
+            <a:extLst>
+              <a:ext uri="{FF2B5EF4-FFF2-40B4-BE49-F238E27FC236}">
+                <a16:creationId xmlns:a16="http://schemas.microsoft.com/office/drawing/2014/main" id="{E0A9D527-AC5E-4F74-BD13-9F33FB55B4CD}"/>
+              </a:ext>
+            </a:extLst>
+          </p:cNvPr>
+          <p:cNvSpPr txBox="1"/>
+          <p:nvPr/>
+        </p:nvSpPr>
+        <p:spPr>
+          <a:xfrm>
+            <a:off x="725235" y="2551836"/>
+            <a:ext cx="6162131" cy="1754326"/>
+          </a:xfrm>
+          <a:prstGeom prst="rect">
+            <a:avLst/>
+          </a:prstGeom>
+          <a:noFill/>
+        </p:spPr>
+        <p:txBody>
+          <a:bodyPr wrap="square" rtlCol="0">
+            <a:spAutoFit/>
+          </a:bodyPr>
           <a:lstStyle/>
           <a:p>
-            <a:endParaRPr lang="pt-PT" dirty="0"/>
+            <a:pPr algn="ctr"/>
+            <a:r>
+              <a:rPr lang="pt-PT" dirty="0"/>
+              <a:t>Baseado no algoritmo de bin-</a:t>
+            </a:r>
+            <a:r>
+              <a:rPr lang="pt-PT" dirty="0" err="1"/>
+              <a:t>packing</a:t>
+            </a:r>
+            <a:r>
+              <a:rPr lang="pt-PT" dirty="0"/>
+              <a:t>: </a:t>
+            </a:r>
+            <a:r>
+              <a:rPr lang="pt-PT" dirty="0" err="1"/>
+              <a:t>first</a:t>
+            </a:r>
+            <a:r>
+              <a:rPr lang="pt-PT" dirty="0"/>
+              <a:t> </a:t>
+            </a:r>
+            <a:r>
+              <a:rPr lang="pt-PT" dirty="0" err="1"/>
+              <a:t>fit</a:t>
+            </a:r>
+            <a:r>
+              <a:rPr lang="pt-PT" dirty="0"/>
+              <a:t> (</a:t>
+            </a:r>
+            <a:r>
+              <a:rPr lang="pt-PT" dirty="0" err="1"/>
+              <a:t>decreasing</a:t>
+            </a:r>
+            <a:r>
+              <a:rPr lang="pt-PT" dirty="0"/>
+              <a:t>).</a:t>
+            </a:r>
+          </a:p>
+          <a:p>
+            <a:pPr algn="ctr"/>
+            <a:r>
+              <a:rPr lang="pt-PT" dirty="0"/>
+              <a:t>Após a ordenação das carrinhas e encomendas por ordem decrescente de capacidade (</a:t>
+            </a:r>
+            <a:r>
+              <a:rPr lang="pt-PT" dirty="0" err="1"/>
+              <a:t>peso+volume</a:t>
+            </a:r>
+            <a:r>
+              <a:rPr lang="pt-PT" dirty="0"/>
+              <a:t>),percorremos todos os camiões um a um e inserimos as encomendas que cabem no camião atual.</a:t>
+            </a:r>
+          </a:p>
+          <a:p>
+            <a:pPr algn="ctr"/>
+            <a:r>
+              <a:rPr lang="pt-PT" dirty="0"/>
+              <a:t> </a:t>
+            </a:r>
+          </a:p>
+        </p:txBody>
+      </p:sp>
+      <p:sp>
+        <p:nvSpPr>
+          <p:cNvPr id="6" name="TextBox 5">
+            <a:extLst>
+              <a:ext uri="{FF2B5EF4-FFF2-40B4-BE49-F238E27FC236}">
+                <a16:creationId xmlns:a16="http://schemas.microsoft.com/office/drawing/2014/main" id="{F18A2A3C-591B-40E0-A021-E0F506517821}"/>
+              </a:ext>
+            </a:extLst>
+          </p:cNvPr>
+          <p:cNvSpPr txBox="1"/>
+          <p:nvPr/>
+        </p:nvSpPr>
+        <p:spPr>
+          <a:xfrm>
+            <a:off x="5817281" y="4909023"/>
+            <a:ext cx="6162131" cy="369332"/>
+          </a:xfrm>
+          <a:prstGeom prst="rect">
+            <a:avLst/>
+          </a:prstGeom>
+          <a:noFill/>
+        </p:spPr>
+        <p:txBody>
+          <a:bodyPr wrap="square" rtlCol="0">
+            <a:spAutoFit/>
+          </a:bodyPr>
+          <a:lstStyle/>
+          <a:p>
+            <a:pPr algn="ctr"/>
+            <a:r>
+              <a:rPr lang="pt-PT" dirty="0" err="1"/>
+              <a:t>Pseudo</a:t>
+            </a:r>
+            <a:r>
+              <a:rPr lang="pt-PT" dirty="0"/>
+              <a:t> código da função aplicada</a:t>
+            </a:r>
           </a:p>
         </p:txBody>
       </p:sp>
     </p:spTree>
     <p:extLst>
       <p:ext uri="{BB962C8B-B14F-4D97-AF65-F5344CB8AC3E}">
-        <p14:creationId xmlns:p14="http://schemas.microsoft.com/office/powerpoint/2010/main" val="470523517"/>
+        <p14:creationId xmlns:p14="http://schemas.microsoft.com/office/powerpoint/2010/main" val="2615784666"/>
       </p:ext>
     </p:extLst>
   </p:cSld>
@@ -5151,7 +6553,7 @@
           <p:cNvPr id="2" name="Title 1">
             <a:extLst>
               <a:ext uri="{FF2B5EF4-FFF2-40B4-BE49-F238E27FC236}">
-                <a16:creationId xmlns:a16="http://schemas.microsoft.com/office/drawing/2014/main" id="{0D827E17-24D3-4ECC-8AD6-8C29A5AF86BF}"/>
+                <a16:creationId xmlns:a16="http://schemas.microsoft.com/office/drawing/2014/main" id="{985620E8-013C-4AB0-BBA5-EF61AB90C269}"/>
               </a:ext>
             </a:extLst>
           </p:cNvPr>
@@ -5167,7 +6569,20 @@
           <a:bodyPr/>
           <a:lstStyle/>
           <a:p>
-            <a:endParaRPr lang="pt-PT"/>
+            <a:pPr algn="ctr"/>
+            <a:r>
+              <a:rPr lang="en-US" b="1" dirty="0" err="1"/>
+              <a:t>Descrição</a:t>
+            </a:r>
+            <a:r>
+              <a:rPr lang="en-US" b="1" dirty="0"/>
+              <a:t> da </a:t>
+            </a:r>
+            <a:r>
+              <a:rPr lang="en-US" b="1" dirty="0" err="1"/>
+              <a:t>Solução</a:t>
+            </a:r>
+            <a:endParaRPr lang="pt-PT" b="1" dirty="0"/>
           </a:p>
         </p:txBody>
       </p:sp>
@@ -5176,7 +6591,7 @@
           <p:cNvPr id="3" name="Content Placeholder 2">
             <a:extLst>
               <a:ext uri="{FF2B5EF4-FFF2-40B4-BE49-F238E27FC236}">
-                <a16:creationId xmlns:a16="http://schemas.microsoft.com/office/drawing/2014/main" id="{ECA0915C-EE2D-4EB4-BF3A-96FCE8158E53}"/>
+                <a16:creationId xmlns:a16="http://schemas.microsoft.com/office/drawing/2014/main" id="{0DA53B97-5997-490C-B21F-AEAD1D079AC5}"/>
               </a:ext>
             </a:extLst>
           </p:cNvPr>
@@ -5192,14 +6607,18 @@
           <a:bodyPr/>
           <a:lstStyle/>
           <a:p>
-            <a:endParaRPr lang="pt-PT"/>
+            <a:r>
+              <a:rPr lang="en-US" dirty="0"/>
+              <a:t>Greedy Algorithm</a:t>
+            </a:r>
+            <a:endParaRPr lang="pt-PT" dirty="0"/>
           </a:p>
         </p:txBody>
       </p:sp>
     </p:spTree>
     <p:extLst>
       <p:ext uri="{BB962C8B-B14F-4D97-AF65-F5344CB8AC3E}">
-        <p14:creationId xmlns:p14="http://schemas.microsoft.com/office/powerpoint/2010/main" val="2126801611"/>
+        <p14:creationId xmlns:p14="http://schemas.microsoft.com/office/powerpoint/2010/main" val="1758428583"/>
       </p:ext>
     </p:extLst>
   </p:cSld>
@@ -5231,7 +6650,7 @@
           <p:cNvPr id="2" name="Title 1">
             <a:extLst>
               <a:ext uri="{FF2B5EF4-FFF2-40B4-BE49-F238E27FC236}">
-                <a16:creationId xmlns:a16="http://schemas.microsoft.com/office/drawing/2014/main" id="{8C742769-4AB3-404D-AA45-B0FC74F1E218}"/>
+                <a16:creationId xmlns:a16="http://schemas.microsoft.com/office/drawing/2014/main" id="{985620E8-013C-4AB0-BBA5-EF61AB90C269}"/>
               </a:ext>
             </a:extLst>
           </p:cNvPr>
@@ -5247,7 +6666,20 @@
           <a:bodyPr/>
           <a:lstStyle/>
           <a:p>
-            <a:endParaRPr lang="pt-PT"/>
+            <a:pPr algn="ctr"/>
+            <a:r>
+              <a:rPr lang="en-US" b="1" dirty="0" err="1"/>
+              <a:t>Descrição</a:t>
+            </a:r>
+            <a:r>
+              <a:rPr lang="en-US" b="1" dirty="0"/>
+              <a:t> da </a:t>
+            </a:r>
+            <a:r>
+              <a:rPr lang="en-US" b="1" dirty="0" err="1"/>
+              <a:t>Solução</a:t>
+            </a:r>
+            <a:endParaRPr lang="pt-PT" b="1" dirty="0"/>
           </a:p>
         </p:txBody>
       </p:sp>
@@ -5256,7 +6688,7 @@
           <p:cNvPr id="3" name="Content Placeholder 2">
             <a:extLst>
               <a:ext uri="{FF2B5EF4-FFF2-40B4-BE49-F238E27FC236}">
-                <a16:creationId xmlns:a16="http://schemas.microsoft.com/office/drawing/2014/main" id="{FFF57B6D-ACD6-4568-86FC-6D1AD2A8AE64}"/>
+                <a16:creationId xmlns:a16="http://schemas.microsoft.com/office/drawing/2014/main" id="{0DA53B97-5997-490C-B21F-AEAD1D079AC5}"/>
               </a:ext>
             </a:extLst>
           </p:cNvPr>
@@ -5272,14 +6704,14 @@
           <a:bodyPr/>
           <a:lstStyle/>
           <a:p>
-            <a:endParaRPr lang="pt-PT"/>
+            <a:endParaRPr lang="pt-PT" dirty="0"/>
           </a:p>
         </p:txBody>
       </p:sp>
     </p:spTree>
     <p:extLst>
       <p:ext uri="{BB962C8B-B14F-4D97-AF65-F5344CB8AC3E}">
-        <p14:creationId xmlns:p14="http://schemas.microsoft.com/office/powerpoint/2010/main" val="3099424196"/>
+        <p14:creationId xmlns:p14="http://schemas.microsoft.com/office/powerpoint/2010/main" val="470523517"/>
       </p:ext>
     </p:extLst>
   </p:cSld>
@@ -5311,7 +6743,7 @@
           <p:cNvPr id="2" name="Title 1">
             <a:extLst>
               <a:ext uri="{FF2B5EF4-FFF2-40B4-BE49-F238E27FC236}">
-                <a16:creationId xmlns:a16="http://schemas.microsoft.com/office/drawing/2014/main" id="{C8A0825C-84D6-4913-86C4-FEAC7C00EBAE}"/>
+                <a16:creationId xmlns:a16="http://schemas.microsoft.com/office/drawing/2014/main" id="{0D827E17-24D3-4ECC-8AD6-8C29A5AF86BF}"/>
               </a:ext>
             </a:extLst>
           </p:cNvPr>
@@ -5336,7 +6768,7 @@
           <p:cNvPr id="3" name="Content Placeholder 2">
             <a:extLst>
               <a:ext uri="{FF2B5EF4-FFF2-40B4-BE49-F238E27FC236}">
-                <a16:creationId xmlns:a16="http://schemas.microsoft.com/office/drawing/2014/main" id="{6CD805D1-8B45-4B3A-B122-F9CE64ED77B6}"/>
+                <a16:creationId xmlns:a16="http://schemas.microsoft.com/office/drawing/2014/main" id="{ECA0915C-EE2D-4EB4-BF3A-96FCE8158E53}"/>
               </a:ext>
             </a:extLst>
           </p:cNvPr>
@@ -5359,7 +6791,7 @@
     </p:spTree>
     <p:extLst>
       <p:ext uri="{BB962C8B-B14F-4D97-AF65-F5344CB8AC3E}">
-        <p14:creationId xmlns:p14="http://schemas.microsoft.com/office/powerpoint/2010/main" val="373675569"/>
+        <p14:creationId xmlns:p14="http://schemas.microsoft.com/office/powerpoint/2010/main" val="2126801611"/>
       </p:ext>
     </p:extLst>
   </p:cSld>

--- a/Presentation/Logística Urbana para Entrega de Mercadorias.pptx
+++ b/Presentation/Logística Urbana para Entrega de Mercadorias.pptx
@@ -7,16 +7,14 @@
   <p:sldIdLst>
     <p:sldId id="256" r:id="rId2"/>
     <p:sldId id="257" r:id="rId3"/>
-    <p:sldId id="258" r:id="rId4"/>
-    <p:sldId id="269" r:id="rId5"/>
-    <p:sldId id="267" r:id="rId6"/>
-    <p:sldId id="270" r:id="rId7"/>
-    <p:sldId id="266" r:id="rId8"/>
-    <p:sldId id="268" r:id="rId9"/>
-    <p:sldId id="262" r:id="rId10"/>
-    <p:sldId id="263" r:id="rId11"/>
-    <p:sldId id="264" r:id="rId12"/>
-    <p:sldId id="265" r:id="rId13"/>
+    <p:sldId id="269" r:id="rId4"/>
+    <p:sldId id="270" r:id="rId5"/>
+    <p:sldId id="271" r:id="rId6"/>
+    <p:sldId id="266" r:id="rId7"/>
+    <p:sldId id="268" r:id="rId8"/>
+    <p:sldId id="262" r:id="rId9"/>
+    <p:sldId id="263" r:id="rId10"/>
+    <p:sldId id="264" r:id="rId11"/>
   </p:sldIdLst>
   <p:sldSz cx="12192000" cy="6858000"/>
   <p:notesSz cx="6858000" cy="9144000"/>
@@ -552,7 +550,7 @@
           <a:p>
             <a:fld id="{B2B3E82F-7782-4578-8D73-D17823895593}" type="datetimeFigureOut">
               <a:rPr lang="pt-PT" smtClean="0"/>
-              <a:t>13/04/2022</a:t>
+              <a:t>14/04/2022</a:t>
             </a:fld>
             <a:endParaRPr lang="pt-PT"/>
           </a:p>
@@ -760,7 +758,7 @@
           <a:p>
             <a:fld id="{B2B3E82F-7782-4578-8D73-D17823895593}" type="datetimeFigureOut">
               <a:rPr lang="pt-PT" smtClean="0"/>
-              <a:t>13/04/2022</a:t>
+              <a:t>14/04/2022</a:t>
             </a:fld>
             <a:endParaRPr lang="pt-PT"/>
           </a:p>
@@ -1016,7 +1014,7 @@
           <a:p>
             <a:fld id="{B2B3E82F-7782-4578-8D73-D17823895593}" type="datetimeFigureOut">
               <a:rPr lang="pt-PT" smtClean="0"/>
-              <a:t>13/04/2022</a:t>
+              <a:t>14/04/2022</a:t>
             </a:fld>
             <a:endParaRPr lang="pt-PT"/>
           </a:p>
@@ -1190,7 +1188,7 @@
           <a:p>
             <a:fld id="{B2B3E82F-7782-4578-8D73-D17823895593}" type="datetimeFigureOut">
               <a:rPr lang="pt-PT" smtClean="0"/>
-              <a:t>13/04/2022</a:t>
+              <a:t>14/04/2022</a:t>
             </a:fld>
             <a:endParaRPr lang="pt-PT"/>
           </a:p>
@@ -1533,7 +1531,7 @@
           <a:p>
             <a:fld id="{B2B3E82F-7782-4578-8D73-D17823895593}" type="datetimeFigureOut">
               <a:rPr lang="pt-PT" smtClean="0"/>
-              <a:t>13/04/2022</a:t>
+              <a:t>14/04/2022</a:t>
             </a:fld>
             <a:endParaRPr lang="pt-PT"/>
           </a:p>
@@ -1808,7 +1806,7 @@
           <a:p>
             <a:fld id="{B2B3E82F-7782-4578-8D73-D17823895593}" type="datetimeFigureOut">
               <a:rPr lang="pt-PT" smtClean="0"/>
-              <a:t>13/04/2022</a:t>
+              <a:t>14/04/2022</a:t>
             </a:fld>
             <a:endParaRPr lang="pt-PT"/>
           </a:p>
@@ -2187,7 +2185,7 @@
           <a:p>
             <a:fld id="{B2B3E82F-7782-4578-8D73-D17823895593}" type="datetimeFigureOut">
               <a:rPr lang="pt-PT" smtClean="0"/>
-              <a:t>13/04/2022</a:t>
+              <a:t>14/04/2022</a:t>
             </a:fld>
             <a:endParaRPr lang="pt-PT"/>
           </a:p>
@@ -2305,7 +2303,7 @@
           <a:p>
             <a:fld id="{B2B3E82F-7782-4578-8D73-D17823895593}" type="datetimeFigureOut">
               <a:rPr lang="pt-PT" smtClean="0"/>
-              <a:t>13/04/2022</a:t>
+              <a:t>14/04/2022</a:t>
             </a:fld>
             <a:endParaRPr lang="pt-PT"/>
           </a:p>
@@ -2476,7 +2474,7 @@
           <a:p>
             <a:fld id="{B2B3E82F-7782-4578-8D73-D17823895593}" type="datetimeFigureOut">
               <a:rPr lang="pt-PT" smtClean="0"/>
-              <a:t>13/04/2022</a:t>
+              <a:t>14/04/2022</a:t>
             </a:fld>
             <a:endParaRPr lang="pt-PT"/>
           </a:p>
@@ -2830,7 +2828,7 @@
           <a:p>
             <a:fld id="{B2B3E82F-7782-4578-8D73-D17823895593}" type="datetimeFigureOut">
               <a:rPr lang="pt-PT" smtClean="0"/>
-              <a:t>13/04/2022</a:t>
+              <a:t>14/04/2022</a:t>
             </a:fld>
             <a:endParaRPr lang="pt-PT"/>
           </a:p>
@@ -3212,7 +3210,7 @@
           <a:p>
             <a:fld id="{B2B3E82F-7782-4578-8D73-D17823895593}" type="datetimeFigureOut">
               <a:rPr lang="pt-PT" smtClean="0"/>
-              <a:t>13/04/2022</a:t>
+              <a:t>14/04/2022</a:t>
             </a:fld>
             <a:endParaRPr lang="pt-PT"/>
           </a:p>
@@ -3499,7 +3497,7 @@
           <a:p>
             <a:fld id="{B2B3E82F-7782-4578-8D73-D17823895593}" type="datetimeFigureOut">
               <a:rPr lang="pt-PT" smtClean="0"/>
-              <a:t>13/04/2022</a:t>
+              <a:t>14/04/2022</a:t>
             </a:fld>
             <a:endParaRPr lang="pt-PT"/>
           </a:p>
@@ -4252,86 +4250,6 @@
           <p:cNvPr id="2" name="Title 1">
             <a:extLst>
               <a:ext uri="{FF2B5EF4-FFF2-40B4-BE49-F238E27FC236}">
-                <a16:creationId xmlns:a16="http://schemas.microsoft.com/office/drawing/2014/main" id="{8C742769-4AB3-404D-AA45-B0FC74F1E218}"/>
-              </a:ext>
-            </a:extLst>
-          </p:cNvPr>
-          <p:cNvSpPr>
-            <a:spLocks noGrp="1"/>
-          </p:cNvSpPr>
-          <p:nvPr>
-            <p:ph type="title"/>
-          </p:nvPr>
-        </p:nvSpPr>
-        <p:spPr/>
-        <p:txBody>
-          <a:bodyPr/>
-          <a:lstStyle/>
-          <a:p>
-            <a:endParaRPr lang="pt-PT"/>
-          </a:p>
-        </p:txBody>
-      </p:sp>
-      <p:sp>
-        <p:nvSpPr>
-          <p:cNvPr id="3" name="Content Placeholder 2">
-            <a:extLst>
-              <a:ext uri="{FF2B5EF4-FFF2-40B4-BE49-F238E27FC236}">
-                <a16:creationId xmlns:a16="http://schemas.microsoft.com/office/drawing/2014/main" id="{FFF57B6D-ACD6-4568-86FC-6D1AD2A8AE64}"/>
-              </a:ext>
-            </a:extLst>
-          </p:cNvPr>
-          <p:cNvSpPr>
-            <a:spLocks noGrp="1"/>
-          </p:cNvSpPr>
-          <p:nvPr>
-            <p:ph idx="1"/>
-          </p:nvPr>
-        </p:nvSpPr>
-        <p:spPr/>
-        <p:txBody>
-          <a:bodyPr/>
-          <a:lstStyle/>
-          <a:p>
-            <a:endParaRPr lang="pt-PT"/>
-          </a:p>
-        </p:txBody>
-      </p:sp>
-    </p:spTree>
-    <p:extLst>
-      <p:ext uri="{BB962C8B-B14F-4D97-AF65-F5344CB8AC3E}">
-        <p14:creationId xmlns:p14="http://schemas.microsoft.com/office/powerpoint/2010/main" val="3099424196"/>
-      </p:ext>
-    </p:extLst>
-  </p:cSld>
-  <p:clrMapOvr>
-    <a:masterClrMapping/>
-  </p:clrMapOvr>
-</p:sld>
-</file>
-
-<file path=ppt/slides/slide11.xml><?xml version="1.0" encoding="utf-8"?>
-<p:sld xmlns:a="http://schemas.openxmlformats.org/drawingml/2006/main" xmlns:r="http://schemas.openxmlformats.org/officeDocument/2006/relationships" xmlns:p="http://schemas.openxmlformats.org/presentationml/2006/main">
-  <p:cSld>
-    <p:spTree>
-      <p:nvGrpSpPr>
-        <p:cNvPr id="1" name=""/>
-        <p:cNvGrpSpPr/>
-        <p:nvPr/>
-      </p:nvGrpSpPr>
-      <p:grpSpPr>
-        <a:xfrm>
-          <a:off x="0" y="0"/>
-          <a:ext cx="0" cy="0"/>
-          <a:chOff x="0" y="0"/>
-          <a:chExt cx="0" cy="0"/>
-        </a:xfrm>
-      </p:grpSpPr>
-      <p:sp>
-        <p:nvSpPr>
-          <p:cNvPr id="2" name="Title 1">
-            <a:extLst>
-              <a:ext uri="{FF2B5EF4-FFF2-40B4-BE49-F238E27FC236}">
                 <a16:creationId xmlns:a16="http://schemas.microsoft.com/office/drawing/2014/main" id="{C8A0825C-84D6-4913-86C4-FEAC7C00EBAE}"/>
               </a:ext>
             </a:extLst>
@@ -4381,152 +4299,6 @@
     <p:extLst>
       <p:ext uri="{BB962C8B-B14F-4D97-AF65-F5344CB8AC3E}">
         <p14:creationId xmlns:p14="http://schemas.microsoft.com/office/powerpoint/2010/main" val="373675569"/>
-      </p:ext>
-    </p:extLst>
-  </p:cSld>
-  <p:clrMapOvr>
-    <a:masterClrMapping/>
-  </p:clrMapOvr>
-</p:sld>
-</file>
-
-<file path=ppt/slides/slide12.xml><?xml version="1.0" encoding="utf-8"?>
-<p:sld xmlns:a="http://schemas.openxmlformats.org/drawingml/2006/main" xmlns:r="http://schemas.openxmlformats.org/officeDocument/2006/relationships" xmlns:p="http://schemas.openxmlformats.org/presentationml/2006/main">
-  <p:cSld>
-    <p:spTree>
-      <p:nvGrpSpPr>
-        <p:cNvPr id="1" name=""/>
-        <p:cNvGrpSpPr/>
-        <p:nvPr/>
-      </p:nvGrpSpPr>
-      <p:grpSpPr>
-        <a:xfrm>
-          <a:off x="0" y="0"/>
-          <a:ext cx="0" cy="0"/>
-          <a:chOff x="0" y="0"/>
-          <a:chExt cx="0" cy="0"/>
-        </a:xfrm>
-      </p:grpSpPr>
-      <p:sp>
-        <p:nvSpPr>
-          <p:cNvPr id="2" name="Title 1">
-            <a:extLst>
-              <a:ext uri="{FF2B5EF4-FFF2-40B4-BE49-F238E27FC236}">
-                <a16:creationId xmlns:a16="http://schemas.microsoft.com/office/drawing/2014/main" id="{85675E86-C724-43AD-A4C4-C2F1CB42BBAE}"/>
-              </a:ext>
-            </a:extLst>
-          </p:cNvPr>
-          <p:cNvSpPr>
-            <a:spLocks noGrp="1"/>
-          </p:cNvSpPr>
-          <p:nvPr>
-            <p:ph type="title"/>
-          </p:nvPr>
-        </p:nvSpPr>
-        <p:spPr/>
-        <p:txBody>
-          <a:bodyPr/>
-          <a:lstStyle/>
-          <a:p>
-            <a:endParaRPr lang="pt-PT"/>
-          </a:p>
-        </p:txBody>
-      </p:sp>
-      <p:sp>
-        <p:nvSpPr>
-          <p:cNvPr id="3" name="Content Placeholder 2">
-            <a:extLst>
-              <a:ext uri="{FF2B5EF4-FFF2-40B4-BE49-F238E27FC236}">
-                <a16:creationId xmlns:a16="http://schemas.microsoft.com/office/drawing/2014/main" id="{59B4D872-E1B0-40ED-A76F-C5392CBAB762}"/>
-              </a:ext>
-            </a:extLst>
-          </p:cNvPr>
-          <p:cNvSpPr>
-            <a:spLocks noGrp="1"/>
-          </p:cNvSpPr>
-          <p:nvPr>
-            <p:ph idx="1"/>
-          </p:nvPr>
-        </p:nvSpPr>
-        <p:spPr/>
-        <p:txBody>
-          <a:bodyPr/>
-          <a:lstStyle/>
-          <a:p>
-            <a:r>
-              <a:rPr lang="pt-PT" dirty="0"/>
-              <a:t>Os dados de entrada (1ºcenario): </a:t>
-            </a:r>
-          </a:p>
-          <a:p>
-            <a:pPr>
-              <a:buFont typeface="Wingdings" panose="05000000000000000000" pitchFamily="2" charset="2"/>
-              <a:buChar char="Ø"/>
-            </a:pPr>
-            <a:r>
-              <a:rPr lang="pt-PT" dirty="0"/>
-              <a:t>1 vetor com encomendas (E),(P,V,R,D)</a:t>
-            </a:r>
-          </a:p>
-          <a:p>
-            <a:pPr>
-              <a:buFont typeface="Wingdings" panose="05000000000000000000" pitchFamily="2" charset="2"/>
-              <a:buChar char="Ø"/>
-            </a:pPr>
-            <a:r>
-              <a:rPr lang="pt-PT" dirty="0"/>
-              <a:t>1 vetor com carrinhas (C),(Vmax,Pmax,Custo,Vatual,Patual)</a:t>
-            </a:r>
-          </a:p>
-          <a:p>
-            <a:pPr marL="0" indent="0">
-              <a:buNone/>
-            </a:pPr>
-            <a:r>
-              <a:rPr lang="pt-PT" dirty="0"/>
-              <a:t> Os dados de saída (1º cenário):</a:t>
-            </a:r>
-          </a:p>
-          <a:p>
-            <a:pPr>
-              <a:buFont typeface="Wingdings" panose="05000000000000000000" pitchFamily="2" charset="2"/>
-              <a:buChar char="Ø"/>
-            </a:pPr>
-            <a:r>
-              <a:rPr lang="pt-PT" dirty="0"/>
-              <a:t>2 vetores do tipo Estafeta ou Pedido (V,P);</a:t>
-            </a:r>
-          </a:p>
-          <a:p>
-            <a:pPr>
-              <a:buFont typeface="Wingdings" panose="05000000000000000000" pitchFamily="2" charset="2"/>
-              <a:buChar char="Ø"/>
-            </a:pPr>
-            <a:r>
-              <a:rPr lang="pt-PT" dirty="0"/>
-              <a:t>1 vetor</a:t>
-            </a:r>
-          </a:p>
-          <a:p>
-            <a:pPr>
-              <a:buFont typeface="Wingdings" panose="05000000000000000000" pitchFamily="2" charset="2"/>
-              <a:buChar char="Ø"/>
-            </a:pPr>
-            <a:endParaRPr lang="pt-PT" dirty="0"/>
-          </a:p>
-          <a:p>
-            <a:pPr>
-              <a:buFont typeface="Wingdings" panose="05000000000000000000" pitchFamily="2" charset="2"/>
-              <a:buChar char="Ø"/>
-            </a:pPr>
-            <a:endParaRPr lang="pt-PT" dirty="0"/>
-          </a:p>
-        </p:txBody>
-      </p:sp>
-    </p:spTree>
-    <p:extLst>
-      <p:ext uri="{BB962C8B-B14F-4D97-AF65-F5344CB8AC3E}">
-        <p14:creationId xmlns:p14="http://schemas.microsoft.com/office/powerpoint/2010/main" val="94136608"/>
       </p:ext>
     </p:extLst>
   </p:cSld>
@@ -4910,283 +4682,6 @@
 </file>
 
 <file path=ppt/slides/slide3.xml><?xml version="1.0" encoding="utf-8"?>
-<p:sld xmlns:a="http://schemas.openxmlformats.org/drawingml/2006/main" xmlns:r="http://schemas.openxmlformats.org/officeDocument/2006/relationships" xmlns:p="http://schemas.openxmlformats.org/presentationml/2006/main">
-  <p:cSld>
-    <p:spTree>
-      <p:nvGrpSpPr>
-        <p:cNvPr id="1" name=""/>
-        <p:cNvGrpSpPr/>
-        <p:nvPr/>
-      </p:nvGrpSpPr>
-      <p:grpSpPr>
-        <a:xfrm>
-          <a:off x="0" y="0"/>
-          <a:ext cx="0" cy="0"/>
-          <a:chOff x="0" y="0"/>
-          <a:chExt cx="0" cy="0"/>
-        </a:xfrm>
-      </p:grpSpPr>
-      <p:sp>
-        <p:nvSpPr>
-          <p:cNvPr id="2" name="Title 1">
-            <a:extLst>
-              <a:ext uri="{FF2B5EF4-FFF2-40B4-BE49-F238E27FC236}">
-                <a16:creationId xmlns:a16="http://schemas.microsoft.com/office/drawing/2014/main" id="{985620E8-013C-4AB0-BBA5-EF61AB90C269}"/>
-              </a:ext>
-            </a:extLst>
-          </p:cNvPr>
-          <p:cNvSpPr>
-            <a:spLocks noGrp="1"/>
-          </p:cNvSpPr>
-          <p:nvPr>
-            <p:ph type="title"/>
-          </p:nvPr>
-        </p:nvSpPr>
-        <p:spPr/>
-        <p:txBody>
-          <a:bodyPr/>
-          <a:lstStyle/>
-          <a:p>
-            <a:pPr algn="ctr"/>
-            <a:r>
-              <a:rPr lang="en-US" b="1" dirty="0" err="1"/>
-              <a:t>Formalização</a:t>
-            </a:r>
-            <a:r>
-              <a:rPr lang="en-US" b="1" dirty="0"/>
-              <a:t> do </a:t>
-            </a:r>
-            <a:r>
-              <a:rPr lang="en-US" b="1" dirty="0" err="1"/>
-              <a:t>Cenário</a:t>
-            </a:r>
-            <a:r>
-              <a:rPr lang="en-US" b="1" dirty="0"/>
-              <a:t> 1</a:t>
-            </a:r>
-            <a:endParaRPr lang="pt-PT" b="1" dirty="0"/>
-          </a:p>
-        </p:txBody>
-      </p:sp>
-      <p:sp>
-        <p:nvSpPr>
-          <p:cNvPr id="3" name="Content Placeholder 2">
-            <a:extLst>
-              <a:ext uri="{FF2B5EF4-FFF2-40B4-BE49-F238E27FC236}">
-                <a16:creationId xmlns:a16="http://schemas.microsoft.com/office/drawing/2014/main" id="{0DA53B97-5997-490C-B21F-AEAD1D079AC5}"/>
-              </a:ext>
-            </a:extLst>
-          </p:cNvPr>
-          <p:cNvSpPr>
-            <a:spLocks noGrp="1"/>
-          </p:cNvSpPr>
-          <p:nvPr>
-            <p:ph idx="1"/>
-          </p:nvPr>
-        </p:nvSpPr>
-        <p:spPr>
-          <a:xfrm>
-            <a:off x="1245832" y="1831087"/>
-            <a:ext cx="4196179" cy="2119476"/>
-          </a:xfrm>
-        </p:spPr>
-        <p:txBody>
-          <a:bodyPr>
-            <a:normAutofit/>
-          </a:bodyPr>
-          <a:lstStyle/>
-          <a:p>
-            <a:pPr marL="0" indent="0" algn="ctr">
-              <a:buNone/>
-            </a:pPr>
-            <a:r>
-              <a:rPr lang="pt-PT" dirty="0"/>
-              <a:t>Os dados de entrada (1ºcenario): </a:t>
-            </a:r>
-          </a:p>
-          <a:p>
-            <a:pPr algn="ctr">
-              <a:buFont typeface="Wingdings" panose="05000000000000000000" pitchFamily="2" charset="2"/>
-              <a:buChar char="Ø"/>
-            </a:pPr>
-            <a:r>
-              <a:rPr lang="pt-PT" dirty="0"/>
-              <a:t>1 vetor com encomendas (E),(P,V,R,D)</a:t>
-            </a:r>
-          </a:p>
-          <a:p>
-            <a:pPr algn="ctr">
-              <a:buFont typeface="Wingdings" panose="05000000000000000000" pitchFamily="2" charset="2"/>
-              <a:buChar char="Ø"/>
-            </a:pPr>
-            <a:r>
-              <a:rPr lang="pt-PT" dirty="0"/>
-              <a:t>1 vetor com carrinhas (C),(</a:t>
-            </a:r>
-            <a:r>
-              <a:rPr lang="pt-PT" dirty="0" err="1"/>
-              <a:t>Vmax,Pmax,Custo,Vatual,Patual</a:t>
-            </a:r>
-            <a:r>
-              <a:rPr lang="pt-PT" dirty="0"/>
-              <a:t>)</a:t>
-            </a:r>
-          </a:p>
-          <a:p>
-            <a:pPr marL="0" indent="0" algn="just">
-              <a:buNone/>
-            </a:pPr>
-            <a:r>
-              <a:rPr lang="pt-PT" dirty="0"/>
-              <a:t> </a:t>
-            </a:r>
-          </a:p>
-        </p:txBody>
-      </p:sp>
-      <p:sp>
-        <p:nvSpPr>
-          <p:cNvPr id="4" name="TextBox 3">
-            <a:extLst>
-              <a:ext uri="{FF2B5EF4-FFF2-40B4-BE49-F238E27FC236}">
-                <a16:creationId xmlns:a16="http://schemas.microsoft.com/office/drawing/2014/main" id="{84452BBA-73B4-4AF6-A2C7-1BB8D1E572F8}"/>
-              </a:ext>
-            </a:extLst>
-          </p:cNvPr>
-          <p:cNvSpPr txBox="1"/>
-          <p:nvPr/>
-        </p:nvSpPr>
-        <p:spPr>
-          <a:xfrm>
-            <a:off x="6305513" y="1842252"/>
-            <a:ext cx="4850167" cy="1410643"/>
-          </a:xfrm>
-          <a:prstGeom prst="rect">
-            <a:avLst/>
-          </a:prstGeom>
-          <a:noFill/>
-        </p:spPr>
-        <p:txBody>
-          <a:bodyPr wrap="square" rtlCol="0">
-            <a:spAutoFit/>
-          </a:bodyPr>
-          <a:lstStyle/>
-          <a:p>
-            <a:pPr marL="0" indent="0" algn="ctr">
-              <a:buNone/>
-            </a:pPr>
-            <a:r>
-              <a:rPr lang="pt-PT" sz="2000" dirty="0">
-                <a:solidFill>
-                  <a:srgbClr val="000000">
-                    <a:lumMod val="75000"/>
-                    <a:lumOff val="25000"/>
-                  </a:srgbClr>
-                </a:solidFill>
-                <a:latin typeface="Calibri" panose="020F0502020204030204"/>
-              </a:rPr>
-              <a:t>D</a:t>
-            </a:r>
-            <a:r>
-              <a:rPr kumimoji="0" lang="pt-PT" sz="2000" b="0" i="0" u="none" strike="noStrike" kern="1200" cap="none" spc="0" normalizeH="0" baseline="0" noProof="0" dirty="0" err="1">
-                <a:ln>
-                  <a:noFill/>
-                </a:ln>
-                <a:solidFill>
-                  <a:srgbClr val="000000">
-                    <a:lumMod val="75000"/>
-                    <a:lumOff val="25000"/>
-                  </a:srgbClr>
-                </a:solidFill>
-                <a:effectLst/>
-                <a:uLnTx/>
-                <a:uFillTx/>
-                <a:latin typeface="Calibri" panose="020F0502020204030204"/>
-                <a:ea typeface="+mn-ea"/>
-                <a:cs typeface="+mn-cs"/>
-              </a:rPr>
-              <a:t>ados</a:t>
-            </a:r>
-            <a:r>
-              <a:rPr kumimoji="0" lang="pt-PT" sz="2000" b="0" i="0" u="none" strike="noStrike" kern="1200" cap="none" spc="0" normalizeH="0" baseline="0" noProof="0" dirty="0">
-                <a:ln>
-                  <a:noFill/>
-                </a:ln>
-                <a:solidFill>
-                  <a:srgbClr val="000000">
-                    <a:lumMod val="75000"/>
-                    <a:lumOff val="25000"/>
-                  </a:srgbClr>
-                </a:solidFill>
-                <a:effectLst/>
-                <a:uLnTx/>
-                <a:uFillTx/>
-                <a:latin typeface="Calibri" panose="020F0502020204030204"/>
-                <a:ea typeface="+mn-ea"/>
-                <a:cs typeface="+mn-cs"/>
-              </a:rPr>
-              <a:t> de saída (1º cenário):</a:t>
-            </a:r>
-          </a:p>
-          <a:p>
-            <a:pPr marL="91440" marR="0" lvl="0" indent="-91440" algn="ctr" defTabSz="914400" rtl="0" eaLnBrk="1" fontAlgn="auto" latinLnBrk="0" hangingPunct="1">
-              <a:lnSpc>
-                <a:spcPct val="90000"/>
-              </a:lnSpc>
-              <a:spcBef>
-                <a:spcPts val="1200"/>
-              </a:spcBef>
-              <a:spcAft>
-                <a:spcPts val="200"/>
-              </a:spcAft>
-              <a:buClr>
-                <a:srgbClr val="E48312"/>
-              </a:buClr>
-              <a:buSzPct val="100000"/>
-              <a:buFont typeface="Wingdings" panose="05000000000000000000" pitchFamily="2" charset="2"/>
-              <a:buChar char="Ø"/>
-              <a:tabLst/>
-              <a:defRPr/>
-            </a:pPr>
-            <a:r>
-              <a:rPr kumimoji="0" lang="pt-PT" sz="2000" b="0" i="0" u="none" strike="noStrike" kern="1200" cap="none" spc="0" normalizeH="0" baseline="0" noProof="0" dirty="0">
-                <a:ln>
-                  <a:noFill/>
-                </a:ln>
-                <a:solidFill>
-                  <a:srgbClr val="000000">
-                    <a:lumMod val="75000"/>
-                    <a:lumOff val="25000"/>
-                  </a:srgbClr>
-                </a:solidFill>
-                <a:effectLst/>
-                <a:uLnTx/>
-                <a:uFillTx/>
-                <a:latin typeface="Calibri" panose="020F0502020204030204"/>
-                <a:ea typeface="+mn-ea"/>
-                <a:cs typeface="+mn-cs"/>
-              </a:rPr>
-              <a:t>2 vetores do tipo Estafeta ou Pedido,vetores Esta e Pede (V,P);</a:t>
-            </a:r>
-          </a:p>
-          <a:p>
-            <a:endParaRPr lang="pt-PT" dirty="0"/>
-          </a:p>
-        </p:txBody>
-      </p:sp>
-    </p:spTree>
-    <p:extLst>
-      <p:ext uri="{BB962C8B-B14F-4D97-AF65-F5344CB8AC3E}">
-        <p14:creationId xmlns:p14="http://schemas.microsoft.com/office/powerpoint/2010/main" val="2921346457"/>
-      </p:ext>
-    </p:extLst>
-  </p:cSld>
-  <p:clrMapOvr>
-    <a:masterClrMapping/>
-  </p:clrMapOvr>
-</p:sld>
-</file>
-
-<file path=ppt/slides/slide4.xml><?xml version="1.0" encoding="utf-8"?>
 <p:sld xmlns:a="http://schemas.openxmlformats.org/drawingml/2006/main" xmlns:r="http://schemas.openxmlformats.org/officeDocument/2006/relationships" xmlns:p="http://schemas.openxmlformats.org/presentationml/2006/main">
   <p:cSld>
     <p:spTree>
@@ -6151,153 +5646,7 @@
 </p:sld>
 </file>
 
-<file path=ppt/slides/slide5.xml><?xml version="1.0" encoding="utf-8"?>
-<p:sld xmlns:a="http://schemas.openxmlformats.org/drawingml/2006/main" xmlns:r="http://schemas.openxmlformats.org/officeDocument/2006/relationships" xmlns:p="http://schemas.openxmlformats.org/presentationml/2006/main">
-  <p:cSld>
-    <p:spTree>
-      <p:nvGrpSpPr>
-        <p:cNvPr id="1" name=""/>
-        <p:cNvGrpSpPr/>
-        <p:nvPr/>
-      </p:nvGrpSpPr>
-      <p:grpSpPr>
-        <a:xfrm>
-          <a:off x="0" y="0"/>
-          <a:ext cx="0" cy="0"/>
-          <a:chOff x="0" y="0"/>
-          <a:chExt cx="0" cy="0"/>
-        </a:xfrm>
-      </p:grpSpPr>
-      <p:sp>
-        <p:nvSpPr>
-          <p:cNvPr id="2" name="Title 1">
-            <a:extLst>
-              <a:ext uri="{FF2B5EF4-FFF2-40B4-BE49-F238E27FC236}">
-                <a16:creationId xmlns:a16="http://schemas.microsoft.com/office/drawing/2014/main" id="{985620E8-013C-4AB0-BBA5-EF61AB90C269}"/>
-              </a:ext>
-            </a:extLst>
-          </p:cNvPr>
-          <p:cNvSpPr>
-            <a:spLocks noGrp="1"/>
-          </p:cNvSpPr>
-          <p:nvPr>
-            <p:ph type="title"/>
-          </p:nvPr>
-        </p:nvSpPr>
-        <p:spPr/>
-        <p:txBody>
-          <a:bodyPr/>
-          <a:lstStyle/>
-          <a:p>
-            <a:pPr algn="ctr"/>
-            <a:r>
-              <a:rPr lang="en-US" b="1" dirty="0" err="1"/>
-              <a:t>Descrição</a:t>
-            </a:r>
-            <a:r>
-              <a:rPr lang="en-US" b="1" dirty="0"/>
-              <a:t> da </a:t>
-            </a:r>
-            <a:r>
-              <a:rPr lang="en-US" b="1" dirty="0" err="1"/>
-              <a:t>Solução</a:t>
-            </a:r>
-            <a:endParaRPr lang="pt-PT" b="1" dirty="0"/>
-          </a:p>
-        </p:txBody>
-      </p:sp>
-      <p:pic>
-        <p:nvPicPr>
-          <p:cNvPr id="9" name="Content Placeholder 8" descr="Text, letter&#10;&#10;Description automatically generated">
-            <a:extLst>
-              <a:ext uri="{FF2B5EF4-FFF2-40B4-BE49-F238E27FC236}">
-                <a16:creationId xmlns:a16="http://schemas.microsoft.com/office/drawing/2014/main" id="{3F81FF3F-F559-47D5-8A02-21FFA47069F2}"/>
-              </a:ext>
-            </a:extLst>
-          </p:cNvPr>
-          <p:cNvPicPr>
-            <a:picLocks noGrp="1" noChangeAspect="1"/>
-          </p:cNvPicPr>
-          <p:nvPr>
-            <p:ph idx="1"/>
-          </p:nvPr>
-        </p:nvPicPr>
-        <p:blipFill>
-          <a:blip r:embed="rId2">
-            <a:extLst>
-              <a:ext uri="{28A0092B-C50C-407E-A947-70E740481C1C}">
-                <a14:useLocalDpi xmlns:a14="http://schemas.microsoft.com/office/drawing/2010/main" val="0"/>
-              </a:ext>
-            </a:extLst>
-          </a:blip>
-          <a:stretch>
-            <a:fillRect/>
-          </a:stretch>
-        </p:blipFill>
-        <p:spPr>
-          <a:xfrm>
-            <a:off x="4147865" y="1961945"/>
-            <a:ext cx="3896269" cy="2934109"/>
-          </a:xfrm>
-        </p:spPr>
-      </p:pic>
-      <p:sp>
-        <p:nvSpPr>
-          <p:cNvPr id="12" name="TextBox 11">
-            <a:extLst>
-              <a:ext uri="{FF2B5EF4-FFF2-40B4-BE49-F238E27FC236}">
-                <a16:creationId xmlns:a16="http://schemas.microsoft.com/office/drawing/2014/main" id="{2648110A-AB00-47F1-9CED-899E88DFD305}"/>
-              </a:ext>
-            </a:extLst>
-          </p:cNvPr>
-          <p:cNvSpPr txBox="1"/>
-          <p:nvPr/>
-        </p:nvSpPr>
-        <p:spPr>
-          <a:xfrm>
-            <a:off x="3045414" y="5120639"/>
-            <a:ext cx="6162131" cy="923330"/>
-          </a:xfrm>
-          <a:prstGeom prst="rect">
-            <a:avLst/>
-          </a:prstGeom>
-          <a:noFill/>
-        </p:spPr>
-        <p:txBody>
-          <a:bodyPr wrap="square" rtlCol="0">
-            <a:spAutoFit/>
-          </a:bodyPr>
-          <a:lstStyle/>
-          <a:p>
-            <a:pPr algn="ctr"/>
-            <a:r>
-              <a:rPr lang="pt-PT" dirty="0"/>
-              <a:t>Baseando no algoritmo de bin-packing: first fit. (decreasing)</a:t>
-            </a:r>
-          </a:p>
-          <a:p>
-            <a:pPr algn="ctr"/>
-            <a:r>
-              <a:rPr lang="pt-PT" dirty="0"/>
-              <a:t>Percorremos todos os camiões, vemos no metodo FitsInTruck se a encomenda é válida. </a:t>
-            </a:r>
-          </a:p>
-        </p:txBody>
-      </p:sp>
-    </p:spTree>
-    <p:extLst>
-      <p:ext uri="{BB962C8B-B14F-4D97-AF65-F5344CB8AC3E}">
-        <p14:creationId xmlns:p14="http://schemas.microsoft.com/office/powerpoint/2010/main" val="3935639374"/>
-      </p:ext>
-    </p:extLst>
-  </p:cSld>
-  <p:clrMapOvr>
-    <a:masterClrMapping/>
-  </p:clrMapOvr>
-</p:sld>
-</file>
-
-<file path=ppt/slides/slide6.xml><?xml version="1.0" encoding="utf-8"?>
+<file path=ppt/slides/slide4.xml><?xml version="1.0" encoding="utf-8"?>
 <p:sld xmlns:a="http://schemas.openxmlformats.org/drawingml/2006/main" xmlns:r="http://schemas.openxmlformats.org/officeDocument/2006/relationships" xmlns:p="http://schemas.openxmlformats.org/presentationml/2006/main">
   <p:cSld>
     <p:spTree>
@@ -6531,6 +5880,1091 @@
 </p:sld>
 </file>
 
+<file path=ppt/slides/slide5.xml><?xml version="1.0" encoding="utf-8"?>
+<p:sld xmlns:a="http://schemas.openxmlformats.org/drawingml/2006/main" xmlns:r="http://schemas.openxmlformats.org/officeDocument/2006/relationships" xmlns:p="http://schemas.openxmlformats.org/presentationml/2006/main">
+  <p:cSld>
+    <p:spTree>
+      <p:nvGrpSpPr>
+        <p:cNvPr id="1" name=""/>
+        <p:cNvGrpSpPr/>
+        <p:nvPr/>
+      </p:nvGrpSpPr>
+      <p:grpSpPr>
+        <a:xfrm>
+          <a:off x="0" y="0"/>
+          <a:ext cx="0" cy="0"/>
+          <a:chOff x="0" y="0"/>
+          <a:chExt cx="0" cy="0"/>
+        </a:xfrm>
+      </p:grpSpPr>
+      <p:sp>
+        <p:nvSpPr>
+          <p:cNvPr id="4" name="Title 1">
+            <a:extLst>
+              <a:ext uri="{FF2B5EF4-FFF2-40B4-BE49-F238E27FC236}">
+                <a16:creationId xmlns:a16="http://schemas.microsoft.com/office/drawing/2014/main" id="{F29967F0-2C0F-4212-ADA7-2126EE7D643F}"/>
+              </a:ext>
+            </a:extLst>
+          </p:cNvPr>
+          <p:cNvSpPr txBox="1">
+            <a:spLocks/>
+          </p:cNvSpPr>
+          <p:nvPr/>
+        </p:nvSpPr>
+        <p:spPr>
+          <a:xfrm>
+            <a:off x="1097280" y="286603"/>
+            <a:ext cx="10058400" cy="1450757"/>
+          </a:xfrm>
+          <a:prstGeom prst="rect">
+            <a:avLst/>
+          </a:prstGeom>
+        </p:spPr>
+        <p:txBody>
+          <a:bodyPr vert="horz" lIns="91440" tIns="45720" rIns="91440" bIns="45720" rtlCol="0" anchor="b">
+            <a:normAutofit/>
+          </a:bodyPr>
+          <a:lstStyle>
+            <a:lvl1pPr marL="0" algn="l" defTabSz="914400" rtl="0" eaLnBrk="1" latinLnBrk="0" hangingPunct="1">
+              <a:lnSpc>
+                <a:spcPct val="85000"/>
+              </a:lnSpc>
+              <a:spcBef>
+                <a:spcPct val="0"/>
+              </a:spcBef>
+              <a:buNone/>
+              <a:defRPr sz="4800" kern="1200" spc="-50" baseline="0">
+                <a:solidFill>
+                  <a:schemeClr val="tx1">
+                    <a:lumMod val="75000"/>
+                    <a:lumOff val="25000"/>
+                  </a:schemeClr>
+                </a:solidFill>
+                <a:latin typeface="+mj-lt"/>
+                <a:ea typeface="+mj-ea"/>
+                <a:cs typeface="+mj-cs"/>
+              </a:defRPr>
+            </a:lvl1pPr>
+          </a:lstStyle>
+          <a:p>
+            <a:pPr algn="ctr"/>
+            <a:r>
+              <a:rPr lang="en-US" b="1" dirty="0" err="1"/>
+              <a:t>Formalização</a:t>
+            </a:r>
+            <a:r>
+              <a:rPr lang="en-US" b="1" dirty="0"/>
+              <a:t> do </a:t>
+            </a:r>
+            <a:r>
+              <a:rPr lang="en-US" b="1" dirty="0" err="1"/>
+              <a:t>Cenário</a:t>
+            </a:r>
+            <a:r>
+              <a:rPr lang="en-US" b="1" dirty="0"/>
+              <a:t> 3</a:t>
+            </a:r>
+            <a:endParaRPr lang="pt-PT" b="1" dirty="0"/>
+          </a:p>
+        </p:txBody>
+      </p:sp>
+      <p:sp>
+        <p:nvSpPr>
+          <p:cNvPr id="5" name="Content Placeholder 2">
+            <a:extLst>
+              <a:ext uri="{FF2B5EF4-FFF2-40B4-BE49-F238E27FC236}">
+                <a16:creationId xmlns:a16="http://schemas.microsoft.com/office/drawing/2014/main" id="{F9671397-9D2B-4B4F-B762-DCAA21974E9D}"/>
+              </a:ext>
+            </a:extLst>
+          </p:cNvPr>
+          <p:cNvSpPr txBox="1">
+            <a:spLocks/>
+          </p:cNvSpPr>
+          <p:nvPr/>
+        </p:nvSpPr>
+        <p:spPr>
+          <a:xfrm>
+            <a:off x="614867" y="1831086"/>
+            <a:ext cx="5596378" cy="4494299"/>
+          </a:xfrm>
+          <a:prstGeom prst="rect">
+            <a:avLst/>
+          </a:prstGeom>
+        </p:spPr>
+        <p:txBody>
+          <a:bodyPr vert="horz" lIns="0" tIns="45720" rIns="0" bIns="45720" rtlCol="0">
+            <a:normAutofit/>
+          </a:bodyPr>
+          <a:lstStyle>
+            <a:lvl1pPr marL="91440" indent="-91440" algn="l" defTabSz="914400" rtl="0" eaLnBrk="1" latinLnBrk="0" hangingPunct="1">
+              <a:lnSpc>
+                <a:spcPct val="90000"/>
+              </a:lnSpc>
+              <a:spcBef>
+                <a:spcPts val="1200"/>
+              </a:spcBef>
+              <a:spcAft>
+                <a:spcPts val="200"/>
+              </a:spcAft>
+              <a:buClr>
+                <a:schemeClr val="accent1"/>
+              </a:buClr>
+              <a:buSzPct val="100000"/>
+              <a:buFont typeface="Calibri" panose="020F0502020204030204" pitchFamily="34" charset="0"/>
+              <a:buChar char=" "/>
+              <a:defRPr sz="2000" kern="1200">
+                <a:solidFill>
+                  <a:schemeClr val="tx1">
+                    <a:lumMod val="75000"/>
+                    <a:lumOff val="25000"/>
+                  </a:schemeClr>
+                </a:solidFill>
+                <a:latin typeface="+mn-lt"/>
+                <a:ea typeface="+mn-ea"/>
+                <a:cs typeface="+mn-cs"/>
+              </a:defRPr>
+            </a:lvl1pPr>
+            <a:lvl2pPr marL="384048" indent="-182880" algn="l" defTabSz="914400" rtl="0" eaLnBrk="1" latinLnBrk="0" hangingPunct="1">
+              <a:lnSpc>
+                <a:spcPct val="90000"/>
+              </a:lnSpc>
+              <a:spcBef>
+                <a:spcPts val="200"/>
+              </a:spcBef>
+              <a:spcAft>
+                <a:spcPts val="400"/>
+              </a:spcAft>
+              <a:buClr>
+                <a:schemeClr val="accent1"/>
+              </a:buClr>
+              <a:buFont typeface="Calibri" pitchFamily="34" charset="0"/>
+              <a:buChar char="◦"/>
+              <a:defRPr sz="1800" kern="1200">
+                <a:solidFill>
+                  <a:schemeClr val="tx1">
+                    <a:lumMod val="75000"/>
+                    <a:lumOff val="25000"/>
+                  </a:schemeClr>
+                </a:solidFill>
+                <a:latin typeface="+mn-lt"/>
+                <a:ea typeface="+mn-ea"/>
+                <a:cs typeface="+mn-cs"/>
+              </a:defRPr>
+            </a:lvl2pPr>
+            <a:lvl3pPr marL="566928" indent="-182880" algn="l" defTabSz="914400" rtl="0" eaLnBrk="1" latinLnBrk="0" hangingPunct="1">
+              <a:lnSpc>
+                <a:spcPct val="90000"/>
+              </a:lnSpc>
+              <a:spcBef>
+                <a:spcPts val="200"/>
+              </a:spcBef>
+              <a:spcAft>
+                <a:spcPts val="400"/>
+              </a:spcAft>
+              <a:buClr>
+                <a:schemeClr val="accent1"/>
+              </a:buClr>
+              <a:buFont typeface="Calibri" pitchFamily="34" charset="0"/>
+              <a:buChar char="◦"/>
+              <a:defRPr sz="1400" kern="1200">
+                <a:solidFill>
+                  <a:schemeClr val="tx1">
+                    <a:lumMod val="75000"/>
+                    <a:lumOff val="25000"/>
+                  </a:schemeClr>
+                </a:solidFill>
+                <a:latin typeface="+mn-lt"/>
+                <a:ea typeface="+mn-ea"/>
+                <a:cs typeface="+mn-cs"/>
+              </a:defRPr>
+            </a:lvl3pPr>
+            <a:lvl4pPr marL="749808" indent="-182880" algn="l" defTabSz="914400" rtl="0" eaLnBrk="1" latinLnBrk="0" hangingPunct="1">
+              <a:lnSpc>
+                <a:spcPct val="90000"/>
+              </a:lnSpc>
+              <a:spcBef>
+                <a:spcPts val="200"/>
+              </a:spcBef>
+              <a:spcAft>
+                <a:spcPts val="400"/>
+              </a:spcAft>
+              <a:buClr>
+                <a:schemeClr val="accent1"/>
+              </a:buClr>
+              <a:buFont typeface="Calibri" pitchFamily="34" charset="0"/>
+              <a:buChar char="◦"/>
+              <a:defRPr sz="1400" kern="1200">
+                <a:solidFill>
+                  <a:schemeClr val="tx1">
+                    <a:lumMod val="75000"/>
+                    <a:lumOff val="25000"/>
+                  </a:schemeClr>
+                </a:solidFill>
+                <a:latin typeface="+mn-lt"/>
+                <a:ea typeface="+mn-ea"/>
+                <a:cs typeface="+mn-cs"/>
+              </a:defRPr>
+            </a:lvl4pPr>
+            <a:lvl5pPr marL="932688" indent="-182880" algn="l" defTabSz="914400" rtl="0" eaLnBrk="1" latinLnBrk="0" hangingPunct="1">
+              <a:lnSpc>
+                <a:spcPct val="90000"/>
+              </a:lnSpc>
+              <a:spcBef>
+                <a:spcPts val="200"/>
+              </a:spcBef>
+              <a:spcAft>
+                <a:spcPts val="400"/>
+              </a:spcAft>
+              <a:buClr>
+                <a:schemeClr val="accent1"/>
+              </a:buClr>
+              <a:buFont typeface="Calibri" pitchFamily="34" charset="0"/>
+              <a:buChar char="◦"/>
+              <a:defRPr sz="1400" kern="1200">
+                <a:solidFill>
+                  <a:schemeClr val="tx1">
+                    <a:lumMod val="75000"/>
+                    <a:lumOff val="25000"/>
+                  </a:schemeClr>
+                </a:solidFill>
+                <a:latin typeface="+mn-lt"/>
+                <a:ea typeface="+mn-ea"/>
+                <a:cs typeface="+mn-cs"/>
+              </a:defRPr>
+            </a:lvl5pPr>
+            <a:lvl6pPr marL="1100000" indent="-228600" algn="l" defTabSz="914400" rtl="0" eaLnBrk="1" latinLnBrk="0" hangingPunct="1">
+              <a:lnSpc>
+                <a:spcPct val="90000"/>
+              </a:lnSpc>
+              <a:spcBef>
+                <a:spcPts val="200"/>
+              </a:spcBef>
+              <a:spcAft>
+                <a:spcPts val="400"/>
+              </a:spcAft>
+              <a:buClr>
+                <a:schemeClr val="accent1"/>
+              </a:buClr>
+              <a:buFont typeface="Calibri" pitchFamily="34" charset="0"/>
+              <a:buChar char="◦"/>
+              <a:defRPr sz="1400" kern="1200">
+                <a:solidFill>
+                  <a:schemeClr val="tx1">
+                    <a:lumMod val="75000"/>
+                    <a:lumOff val="25000"/>
+                  </a:schemeClr>
+                </a:solidFill>
+                <a:latin typeface="+mn-lt"/>
+                <a:ea typeface="+mn-ea"/>
+                <a:cs typeface="+mn-cs"/>
+              </a:defRPr>
+            </a:lvl6pPr>
+            <a:lvl7pPr marL="1300000" indent="-228600" algn="l" defTabSz="914400" rtl="0" eaLnBrk="1" latinLnBrk="0" hangingPunct="1">
+              <a:lnSpc>
+                <a:spcPct val="90000"/>
+              </a:lnSpc>
+              <a:spcBef>
+                <a:spcPts val="200"/>
+              </a:spcBef>
+              <a:spcAft>
+                <a:spcPts val="400"/>
+              </a:spcAft>
+              <a:buClr>
+                <a:schemeClr val="accent1"/>
+              </a:buClr>
+              <a:buFont typeface="Calibri" pitchFamily="34" charset="0"/>
+              <a:buChar char="◦"/>
+              <a:defRPr sz="1400" kern="1200">
+                <a:solidFill>
+                  <a:schemeClr val="tx1">
+                    <a:lumMod val="75000"/>
+                    <a:lumOff val="25000"/>
+                  </a:schemeClr>
+                </a:solidFill>
+                <a:latin typeface="+mn-lt"/>
+                <a:ea typeface="+mn-ea"/>
+                <a:cs typeface="+mn-cs"/>
+              </a:defRPr>
+            </a:lvl7pPr>
+            <a:lvl8pPr marL="1500000" indent="-228600" algn="l" defTabSz="914400" rtl="0" eaLnBrk="1" latinLnBrk="0" hangingPunct="1">
+              <a:lnSpc>
+                <a:spcPct val="90000"/>
+              </a:lnSpc>
+              <a:spcBef>
+                <a:spcPts val="200"/>
+              </a:spcBef>
+              <a:spcAft>
+                <a:spcPts val="400"/>
+              </a:spcAft>
+              <a:buClr>
+                <a:schemeClr val="accent1"/>
+              </a:buClr>
+              <a:buFont typeface="Calibri" pitchFamily="34" charset="0"/>
+              <a:buChar char="◦"/>
+              <a:defRPr sz="1400" kern="1200">
+                <a:solidFill>
+                  <a:schemeClr val="tx1">
+                    <a:lumMod val="75000"/>
+                    <a:lumOff val="25000"/>
+                  </a:schemeClr>
+                </a:solidFill>
+                <a:latin typeface="+mn-lt"/>
+                <a:ea typeface="+mn-ea"/>
+                <a:cs typeface="+mn-cs"/>
+              </a:defRPr>
+            </a:lvl8pPr>
+            <a:lvl9pPr marL="1700000" indent="-228600" algn="l" defTabSz="914400" rtl="0" eaLnBrk="1" latinLnBrk="0" hangingPunct="1">
+              <a:lnSpc>
+                <a:spcPct val="90000"/>
+              </a:lnSpc>
+              <a:spcBef>
+                <a:spcPts val="200"/>
+              </a:spcBef>
+              <a:spcAft>
+                <a:spcPts val="400"/>
+              </a:spcAft>
+              <a:buClr>
+                <a:schemeClr val="accent1"/>
+              </a:buClr>
+              <a:buFont typeface="Calibri" pitchFamily="34" charset="0"/>
+              <a:buChar char="◦"/>
+              <a:defRPr sz="1400" kern="1200">
+                <a:solidFill>
+                  <a:schemeClr val="tx1">
+                    <a:lumMod val="75000"/>
+                    <a:lumOff val="25000"/>
+                  </a:schemeClr>
+                </a:solidFill>
+                <a:latin typeface="+mn-lt"/>
+                <a:ea typeface="+mn-ea"/>
+                <a:cs typeface="+mn-cs"/>
+              </a:defRPr>
+            </a:lvl9pPr>
+          </a:lstStyle>
+          <a:p>
+            <a:pPr marL="0" indent="0" algn="ctr">
+              <a:buFont typeface="Calibri" panose="020F0502020204030204" pitchFamily="34" charset="0"/>
+              <a:buNone/>
+            </a:pPr>
+            <a:r>
+              <a:rPr lang="pt-PT" u="sng" dirty="0"/>
+              <a:t>Dados de entrada</a:t>
+            </a:r>
+            <a:r>
+              <a:rPr lang="pt-PT" dirty="0"/>
+              <a:t>: </a:t>
+            </a:r>
+          </a:p>
+          <a:p>
+            <a:pPr>
+              <a:buFont typeface="Wingdings" panose="05000000000000000000" pitchFamily="2" charset="2"/>
+              <a:buChar char="Ø"/>
+            </a:pPr>
+            <a:r>
+              <a:rPr lang="pt-PT" sz="1600" dirty="0"/>
+              <a:t>Vetor&lt;Encomenda&gt; E- Conjunto de encomendas caracterizadas por:</a:t>
+            </a:r>
+          </a:p>
+          <a:p>
+            <a:pPr lvl="1">
+              <a:buFont typeface="Wingdings" panose="05000000000000000000" pitchFamily="2" charset="2"/>
+              <a:buChar char="Ø"/>
+            </a:pPr>
+            <a:r>
+              <a:rPr lang="pt-PT" sz="1400" dirty="0"/>
+              <a:t>Peso</a:t>
+            </a:r>
+          </a:p>
+          <a:p>
+            <a:pPr lvl="1">
+              <a:buFont typeface="Wingdings" panose="05000000000000000000" pitchFamily="2" charset="2"/>
+              <a:buChar char="Ø"/>
+            </a:pPr>
+            <a:r>
+              <a:rPr lang="pt-PT" sz="1400" dirty="0"/>
+              <a:t>Volume</a:t>
+            </a:r>
+          </a:p>
+          <a:p>
+            <a:pPr lvl="1">
+              <a:buFont typeface="Wingdings" panose="05000000000000000000" pitchFamily="2" charset="2"/>
+              <a:buChar char="Ø"/>
+            </a:pPr>
+            <a:r>
+              <a:rPr lang="pt-PT" sz="1400" dirty="0"/>
+              <a:t>Recompensa</a:t>
+            </a:r>
+          </a:p>
+          <a:p>
+            <a:pPr lvl="1">
+              <a:buFont typeface="Wingdings" panose="05000000000000000000" pitchFamily="2" charset="2"/>
+              <a:buChar char="Ø"/>
+            </a:pPr>
+            <a:r>
+              <a:rPr lang="pt-PT" sz="1400" dirty="0"/>
+              <a:t>Duração </a:t>
+            </a:r>
+          </a:p>
+          <a:p>
+            <a:pPr lvl="1">
+              <a:buFont typeface="Wingdings" panose="05000000000000000000" pitchFamily="2" charset="2"/>
+              <a:buChar char="Ø"/>
+            </a:pPr>
+            <a:endParaRPr lang="pt-PT" sz="1400" dirty="0"/>
+          </a:p>
+          <a:p>
+            <a:pPr>
+              <a:buFont typeface="Wingdings" panose="05000000000000000000" pitchFamily="2" charset="2"/>
+              <a:buChar char="Ø"/>
+            </a:pPr>
+            <a:r>
+              <a:rPr lang="pt-PT" sz="1600" dirty="0"/>
+              <a:t>Vetor&lt;Carrinha&gt; C –Conjunto de carrinhas caracterizadas por:</a:t>
+            </a:r>
+          </a:p>
+          <a:p>
+            <a:pPr lvl="1">
+              <a:buFont typeface="Wingdings" panose="05000000000000000000" pitchFamily="2" charset="2"/>
+              <a:buChar char="Ø"/>
+            </a:pPr>
+            <a:r>
+              <a:rPr lang="pt-PT" sz="1400" dirty="0" err="1"/>
+              <a:t>PesoMax</a:t>
+            </a:r>
+            <a:endParaRPr lang="pt-PT" sz="1400" dirty="0"/>
+          </a:p>
+          <a:p>
+            <a:pPr lvl="1">
+              <a:buFont typeface="Wingdings" panose="05000000000000000000" pitchFamily="2" charset="2"/>
+              <a:buChar char="Ø"/>
+            </a:pPr>
+            <a:r>
+              <a:rPr lang="pt-PT" sz="1400" dirty="0" err="1"/>
+              <a:t>VolMax</a:t>
+            </a:r>
+            <a:endParaRPr lang="pt-PT" sz="1400" dirty="0"/>
+          </a:p>
+          <a:p>
+            <a:pPr lvl="1">
+              <a:buFont typeface="Wingdings" panose="05000000000000000000" pitchFamily="2" charset="2"/>
+              <a:buChar char="Ø"/>
+            </a:pPr>
+            <a:r>
+              <a:rPr lang="pt-PT" sz="1400" dirty="0"/>
+              <a:t>Custo</a:t>
+            </a:r>
+          </a:p>
+          <a:p>
+            <a:pPr lvl="1">
+              <a:buFont typeface="Wingdings" panose="05000000000000000000" pitchFamily="2" charset="2"/>
+              <a:buChar char="Ø"/>
+            </a:pPr>
+            <a:r>
+              <a:rPr lang="pt-PT" sz="1400" dirty="0" err="1"/>
+              <a:t>PesoAtual</a:t>
+            </a:r>
+            <a:endParaRPr lang="pt-PT" sz="1400" dirty="0"/>
+          </a:p>
+          <a:p>
+            <a:pPr lvl="1">
+              <a:buFont typeface="Wingdings" panose="05000000000000000000" pitchFamily="2" charset="2"/>
+              <a:buChar char="Ø"/>
+            </a:pPr>
+            <a:r>
+              <a:rPr lang="pt-PT" sz="1400" dirty="0" err="1"/>
+              <a:t>VolAtual</a:t>
+            </a:r>
+            <a:r>
+              <a:rPr lang="pt-PT" dirty="0"/>
+              <a:t> </a:t>
+            </a:r>
+          </a:p>
+        </p:txBody>
+      </p:sp>
+      <p:sp>
+        <p:nvSpPr>
+          <p:cNvPr id="6" name="TextBox 5">
+            <a:extLst>
+              <a:ext uri="{FF2B5EF4-FFF2-40B4-BE49-F238E27FC236}">
+                <a16:creationId xmlns:a16="http://schemas.microsoft.com/office/drawing/2014/main" id="{33A1A7FD-057F-42F8-9018-4CE31FB92D8D}"/>
+              </a:ext>
+            </a:extLst>
+          </p:cNvPr>
+          <p:cNvSpPr txBox="1"/>
+          <p:nvPr/>
+        </p:nvSpPr>
+        <p:spPr>
+          <a:xfrm>
+            <a:off x="6440631" y="1737360"/>
+            <a:ext cx="5751369" cy="2154436"/>
+          </a:xfrm>
+          <a:prstGeom prst="rect">
+            <a:avLst/>
+          </a:prstGeom>
+          <a:noFill/>
+        </p:spPr>
+        <p:txBody>
+          <a:bodyPr wrap="square" rtlCol="0">
+            <a:spAutoFit/>
+          </a:bodyPr>
+          <a:lstStyle/>
+          <a:p>
+            <a:pPr marL="0" indent="0" algn="ctr">
+              <a:buNone/>
+            </a:pPr>
+            <a:r>
+              <a:rPr lang="pt-PT" sz="2000" u="sng" dirty="0">
+                <a:solidFill>
+                  <a:srgbClr val="000000">
+                    <a:lumMod val="75000"/>
+                    <a:lumOff val="25000"/>
+                  </a:srgbClr>
+                </a:solidFill>
+                <a:latin typeface="Calibri" panose="020F0502020204030204"/>
+              </a:rPr>
+              <a:t>D</a:t>
+            </a:r>
+            <a:r>
+              <a:rPr kumimoji="0" lang="pt-PT" sz="2000" b="0" i="0" u="sng" strike="noStrike" kern="1200" cap="none" spc="0" normalizeH="0" baseline="0" noProof="0" dirty="0">
+                <a:ln>
+                  <a:noFill/>
+                </a:ln>
+                <a:solidFill>
+                  <a:srgbClr val="000000">
+                    <a:lumMod val="75000"/>
+                    <a:lumOff val="25000"/>
+                  </a:srgbClr>
+                </a:solidFill>
+                <a:effectLst/>
+                <a:uLnTx/>
+                <a:uFillTx/>
+                <a:latin typeface="Calibri" panose="020F0502020204030204"/>
+                <a:ea typeface="+mn-ea"/>
+                <a:cs typeface="+mn-cs"/>
+              </a:rPr>
+              <a:t>ados de saída:</a:t>
+            </a:r>
+          </a:p>
+          <a:p>
+            <a:pPr marL="342900" indent="-342900">
+              <a:buClr>
+                <a:schemeClr val="accent1"/>
+              </a:buClr>
+              <a:buFont typeface="Wingdings" panose="05000000000000000000" pitchFamily="2" charset="2"/>
+              <a:buChar char="Ø"/>
+            </a:pPr>
+            <a:r>
+              <a:rPr kumimoji="0" lang="pt-PT" sz="1600" b="0" i="0" strike="noStrike" kern="1200" cap="none" spc="0" normalizeH="0" baseline="0" noProof="0" dirty="0">
+                <a:ln>
+                  <a:noFill/>
+                </a:ln>
+                <a:solidFill>
+                  <a:srgbClr val="000000">
+                    <a:lumMod val="75000"/>
+                    <a:lumOff val="25000"/>
+                  </a:srgbClr>
+                </a:solidFill>
+                <a:effectLst/>
+                <a:uLnTx/>
+                <a:uFillTx/>
+                <a:latin typeface="Calibri" panose="020F0502020204030204"/>
+                <a:ea typeface="+mn-ea"/>
+                <a:cs typeface="+mn-cs"/>
+              </a:rPr>
+              <a:t>1 Vetor&lt;Pedido&gt; P-Conjunto de Pedidos caracterizados por:</a:t>
+            </a:r>
+          </a:p>
+          <a:p>
+            <a:pPr marL="800100" lvl="1" indent="-342900">
+              <a:buClr>
+                <a:schemeClr val="accent1"/>
+              </a:buClr>
+              <a:buFont typeface="Wingdings" panose="05000000000000000000" pitchFamily="2" charset="2"/>
+              <a:buChar char="Ø"/>
+            </a:pPr>
+            <a:r>
+              <a:rPr lang="pt-PT" sz="1600" dirty="0">
+                <a:solidFill>
+                  <a:srgbClr val="000000">
+                    <a:lumMod val="75000"/>
+                    <a:lumOff val="25000"/>
+                  </a:srgbClr>
+                </a:solidFill>
+                <a:latin typeface="Calibri" panose="020F0502020204030204"/>
+              </a:rPr>
+              <a:t>Peso</a:t>
+            </a:r>
+          </a:p>
+          <a:p>
+            <a:pPr marL="800100" lvl="1" indent="-342900">
+              <a:buClr>
+                <a:schemeClr val="accent1"/>
+              </a:buClr>
+              <a:buFont typeface="Wingdings" panose="05000000000000000000" pitchFamily="2" charset="2"/>
+              <a:buChar char="Ø"/>
+            </a:pPr>
+            <a:r>
+              <a:rPr kumimoji="0" lang="pt-PT" sz="1600" b="0" i="0" strike="noStrike" kern="1200" cap="none" spc="0" normalizeH="0" baseline="0" noProof="0" dirty="0">
+                <a:ln>
+                  <a:noFill/>
+                </a:ln>
+                <a:solidFill>
+                  <a:srgbClr val="000000">
+                    <a:lumMod val="75000"/>
+                    <a:lumOff val="25000"/>
+                  </a:srgbClr>
+                </a:solidFill>
+                <a:effectLst/>
+                <a:uLnTx/>
+                <a:uFillTx/>
+                <a:latin typeface="Calibri" panose="020F0502020204030204"/>
+                <a:ea typeface="+mn-ea"/>
+                <a:cs typeface="+mn-cs"/>
+              </a:rPr>
+              <a:t>Volume</a:t>
+            </a:r>
+          </a:p>
+          <a:p>
+            <a:pPr marL="800100" lvl="1" indent="-342900">
+              <a:buClr>
+                <a:schemeClr val="accent1"/>
+              </a:buClr>
+              <a:buFont typeface="Wingdings" panose="05000000000000000000" pitchFamily="2" charset="2"/>
+              <a:buChar char="Ø"/>
+            </a:pPr>
+            <a:r>
+              <a:rPr lang="pt-PT" sz="1600" dirty="0">
+                <a:solidFill>
+                  <a:srgbClr val="000000">
+                    <a:lumMod val="75000"/>
+                    <a:lumOff val="25000"/>
+                  </a:srgbClr>
+                </a:solidFill>
+                <a:latin typeface="Calibri" panose="020F0502020204030204"/>
+              </a:rPr>
+              <a:t>Duração</a:t>
+            </a:r>
+            <a:endParaRPr kumimoji="0" lang="pt-PT" sz="1600" b="0" i="0" strike="noStrike" kern="1200" cap="none" spc="0" normalizeH="0" baseline="0" noProof="0" dirty="0">
+              <a:ln>
+                <a:noFill/>
+              </a:ln>
+              <a:solidFill>
+                <a:srgbClr val="000000">
+                  <a:lumMod val="75000"/>
+                  <a:lumOff val="25000"/>
+                </a:srgbClr>
+              </a:solidFill>
+              <a:effectLst/>
+              <a:uLnTx/>
+              <a:uFillTx/>
+              <a:latin typeface="Calibri" panose="020F0502020204030204"/>
+              <a:ea typeface="+mn-ea"/>
+              <a:cs typeface="+mn-cs"/>
+            </a:endParaRPr>
+          </a:p>
+          <a:p>
+            <a:pPr marL="342900" indent="-342900">
+              <a:buClr>
+                <a:schemeClr val="accent1"/>
+              </a:buClr>
+              <a:buFont typeface="Wingdings" panose="05000000000000000000" pitchFamily="2" charset="2"/>
+              <a:buChar char="Ø"/>
+            </a:pPr>
+            <a:r>
+              <a:rPr lang="pt-PT" sz="1600" dirty="0">
+                <a:solidFill>
+                  <a:srgbClr val="000000">
+                    <a:lumMod val="75000"/>
+                    <a:lumOff val="25000"/>
+                  </a:srgbClr>
+                </a:solidFill>
+                <a:latin typeface="Calibri" panose="020F0502020204030204"/>
+              </a:rPr>
+              <a:t>2 variáveis que guardam o somatório de Peso e Volume do Vetor.</a:t>
+            </a:r>
+            <a:endParaRPr kumimoji="0" lang="pt-PT" sz="1600" b="0" i="0" strike="noStrike" kern="1200" cap="none" spc="0" normalizeH="0" baseline="0" noProof="0" dirty="0">
+              <a:ln>
+                <a:noFill/>
+              </a:ln>
+              <a:solidFill>
+                <a:srgbClr val="000000">
+                  <a:lumMod val="75000"/>
+                  <a:lumOff val="25000"/>
+                </a:srgbClr>
+              </a:solidFill>
+              <a:effectLst/>
+              <a:uLnTx/>
+              <a:uFillTx/>
+              <a:latin typeface="Calibri" panose="020F0502020204030204"/>
+              <a:ea typeface="+mn-ea"/>
+              <a:cs typeface="+mn-cs"/>
+            </a:endParaRPr>
+          </a:p>
+          <a:p>
+            <a:endParaRPr lang="pt-PT" dirty="0"/>
+          </a:p>
+        </p:txBody>
+      </p:sp>
+      <p:sp>
+        <p:nvSpPr>
+          <p:cNvPr id="7" name="TextBox 6">
+            <a:extLst>
+              <a:ext uri="{FF2B5EF4-FFF2-40B4-BE49-F238E27FC236}">
+                <a16:creationId xmlns:a16="http://schemas.microsoft.com/office/drawing/2014/main" id="{0FC99067-2FE4-49FA-A359-140ACF56302F}"/>
+              </a:ext>
+            </a:extLst>
+          </p:cNvPr>
+          <p:cNvSpPr txBox="1"/>
+          <p:nvPr/>
+        </p:nvSpPr>
+        <p:spPr>
+          <a:xfrm>
+            <a:off x="6211245" y="4180707"/>
+            <a:ext cx="5751369" cy="1078244"/>
+          </a:xfrm>
+          <a:prstGeom prst="rect">
+            <a:avLst/>
+          </a:prstGeom>
+          <a:noFill/>
+        </p:spPr>
+        <p:txBody>
+          <a:bodyPr wrap="square" rtlCol="0">
+            <a:spAutoFit/>
+          </a:bodyPr>
+          <a:lstStyle/>
+          <a:p>
+            <a:pPr marL="0" indent="0" algn="ctr">
+              <a:buNone/>
+            </a:pPr>
+            <a:r>
+              <a:rPr lang="pt-PT" sz="2000" u="sng" dirty="0">
+                <a:solidFill>
+                  <a:srgbClr val="000000">
+                    <a:lumMod val="75000"/>
+                    <a:lumOff val="25000"/>
+                  </a:srgbClr>
+                </a:solidFill>
+                <a:latin typeface="Calibri" panose="020F0502020204030204"/>
+              </a:rPr>
+              <a:t>Restrições e Domínios de valores</a:t>
+            </a:r>
+            <a:endParaRPr kumimoji="0" lang="pt-PT" sz="2000" b="0" i="0" u="sng" strike="noStrike" kern="1200" cap="none" spc="0" normalizeH="0" baseline="0" noProof="0" dirty="0">
+              <a:ln>
+                <a:noFill/>
+              </a:ln>
+              <a:solidFill>
+                <a:srgbClr val="000000">
+                  <a:lumMod val="75000"/>
+                  <a:lumOff val="25000"/>
+                </a:srgbClr>
+              </a:solidFill>
+              <a:effectLst/>
+              <a:uLnTx/>
+              <a:uFillTx/>
+              <a:latin typeface="Calibri" panose="020F0502020204030204"/>
+              <a:ea typeface="+mn-ea"/>
+              <a:cs typeface="+mn-cs"/>
+            </a:endParaRPr>
+          </a:p>
+          <a:p>
+            <a:pPr marL="91440" marR="0" lvl="0" indent="-91440" defTabSz="914400" rtl="0" eaLnBrk="1" fontAlgn="auto" latinLnBrk="0" hangingPunct="1">
+              <a:lnSpc>
+                <a:spcPct val="90000"/>
+              </a:lnSpc>
+              <a:spcBef>
+                <a:spcPts val="1200"/>
+              </a:spcBef>
+              <a:spcAft>
+                <a:spcPts val="200"/>
+              </a:spcAft>
+              <a:buClr>
+                <a:srgbClr val="E48312"/>
+              </a:buClr>
+              <a:buSzPct val="100000"/>
+              <a:buFont typeface="Wingdings" panose="05000000000000000000" pitchFamily="2" charset="2"/>
+              <a:buChar char="Ø"/>
+              <a:tabLst/>
+              <a:defRPr/>
+            </a:pPr>
+            <a:r>
+              <a:rPr lang="pt-PT" sz="1600" dirty="0">
+                <a:solidFill>
+                  <a:srgbClr val="000000">
+                    <a:lumMod val="75000"/>
+                    <a:lumOff val="25000"/>
+                  </a:srgbClr>
+                </a:solidFill>
+                <a:latin typeface="Calibri" panose="020F0502020204030204"/>
+              </a:rPr>
+              <a:t> Todos os valores pertencem a N</a:t>
+            </a:r>
+            <a:endParaRPr kumimoji="0" lang="pt-PT" sz="1600" b="0" i="0" u="none" strike="noStrike" kern="1200" cap="none" spc="0" normalizeH="0" baseline="0" noProof="0" dirty="0">
+              <a:ln>
+                <a:noFill/>
+              </a:ln>
+              <a:solidFill>
+                <a:srgbClr val="000000">
+                  <a:lumMod val="75000"/>
+                  <a:lumOff val="25000"/>
+                </a:srgbClr>
+              </a:solidFill>
+              <a:effectLst/>
+              <a:uLnTx/>
+              <a:uFillTx/>
+              <a:latin typeface="Calibri" panose="020F0502020204030204"/>
+              <a:ea typeface="+mn-ea"/>
+              <a:cs typeface="+mn-cs"/>
+            </a:endParaRPr>
+          </a:p>
+          <a:p>
+            <a:endParaRPr lang="pt-PT" dirty="0"/>
+          </a:p>
+        </p:txBody>
+      </p:sp>
+    </p:spTree>
+    <p:extLst>
+      <p:ext uri="{BB962C8B-B14F-4D97-AF65-F5344CB8AC3E}">
+        <p14:creationId xmlns:p14="http://schemas.microsoft.com/office/powerpoint/2010/main" val="679503092"/>
+      </p:ext>
+    </p:extLst>
+  </p:cSld>
+  <p:clrMapOvr>
+    <a:masterClrMapping/>
+  </p:clrMapOvr>
+</p:sld>
+</file>
+
+<file path=ppt/slides/slide6.xml><?xml version="1.0" encoding="utf-8"?>
+<p:sld xmlns:a="http://schemas.openxmlformats.org/drawingml/2006/main" xmlns:r="http://schemas.openxmlformats.org/officeDocument/2006/relationships" xmlns:p="http://schemas.openxmlformats.org/presentationml/2006/main">
+  <p:cSld>
+    <p:spTree>
+      <p:nvGrpSpPr>
+        <p:cNvPr id="1" name=""/>
+        <p:cNvGrpSpPr/>
+        <p:nvPr/>
+      </p:nvGrpSpPr>
+      <p:grpSpPr>
+        <a:xfrm>
+          <a:off x="0" y="0"/>
+          <a:ext cx="0" cy="0"/>
+          <a:chOff x="0" y="0"/>
+          <a:chExt cx="0" cy="0"/>
+        </a:xfrm>
+      </p:grpSpPr>
+      <p:sp>
+        <p:nvSpPr>
+          <p:cNvPr id="2" name="Title 1">
+            <a:extLst>
+              <a:ext uri="{FF2B5EF4-FFF2-40B4-BE49-F238E27FC236}">
+                <a16:creationId xmlns:a16="http://schemas.microsoft.com/office/drawing/2014/main" id="{985620E8-013C-4AB0-BBA5-EF61AB90C269}"/>
+              </a:ext>
+            </a:extLst>
+          </p:cNvPr>
+          <p:cNvSpPr>
+            <a:spLocks noGrp="1"/>
+          </p:cNvSpPr>
+          <p:nvPr>
+            <p:ph type="title"/>
+          </p:nvPr>
+        </p:nvSpPr>
+        <p:spPr/>
+        <p:txBody>
+          <a:bodyPr/>
+          <a:lstStyle/>
+          <a:p>
+            <a:pPr algn="ctr"/>
+            <a:r>
+              <a:rPr lang="en-US" b="1" dirty="0" err="1"/>
+              <a:t>Descrição</a:t>
+            </a:r>
+            <a:r>
+              <a:rPr lang="en-US" b="1" dirty="0"/>
+              <a:t> da </a:t>
+            </a:r>
+            <a:r>
+              <a:rPr lang="en-US" b="1" dirty="0" err="1"/>
+              <a:t>Solução</a:t>
+            </a:r>
+            <a:r>
+              <a:rPr lang="en-US" b="1" dirty="0"/>
+              <a:t> </a:t>
+            </a:r>
+            <a:endParaRPr lang="pt-PT" b="1" dirty="0"/>
+          </a:p>
+        </p:txBody>
+      </p:sp>
+      <p:sp>
+        <p:nvSpPr>
+          <p:cNvPr id="3" name="Content Placeholder 2">
+            <a:extLst>
+              <a:ext uri="{FF2B5EF4-FFF2-40B4-BE49-F238E27FC236}">
+                <a16:creationId xmlns:a16="http://schemas.microsoft.com/office/drawing/2014/main" id="{0DA53B97-5997-490C-B21F-AEAD1D079AC5}"/>
+              </a:ext>
+            </a:extLst>
+          </p:cNvPr>
+          <p:cNvSpPr>
+            <a:spLocks noGrp="1"/>
+          </p:cNvSpPr>
+          <p:nvPr>
+            <p:ph idx="1"/>
+          </p:nvPr>
+        </p:nvSpPr>
+        <p:spPr/>
+        <p:txBody>
+          <a:bodyPr/>
+          <a:lstStyle/>
+          <a:p>
+            <a:endParaRPr lang="pt-PT" dirty="0"/>
+          </a:p>
+        </p:txBody>
+      </p:sp>
+      <p:pic>
+        <p:nvPicPr>
+          <p:cNvPr id="9" name="Picture 8" descr="Text&#10;&#10;Description automatically generated">
+            <a:extLst>
+              <a:ext uri="{FF2B5EF4-FFF2-40B4-BE49-F238E27FC236}">
+                <a16:creationId xmlns:a16="http://schemas.microsoft.com/office/drawing/2014/main" id="{22B1E745-B022-4B91-8A26-3B12A31E81BB}"/>
+              </a:ext>
+            </a:extLst>
+          </p:cNvPr>
+          <p:cNvPicPr>
+            <a:picLocks/>
+          </p:cNvPicPr>
+          <p:nvPr/>
+        </p:nvPicPr>
+        <p:blipFill>
+          <a:blip r:embed="rId2">
+            <a:extLst>
+              <a:ext uri="{28A0092B-C50C-407E-A947-70E740481C1C}">
+                <a14:useLocalDpi xmlns:a14="http://schemas.microsoft.com/office/drawing/2010/main" val="0"/>
+              </a:ext>
+            </a:extLst>
+          </a:blip>
+          <a:stretch>
+            <a:fillRect/>
+          </a:stretch>
+        </p:blipFill>
+        <p:spPr>
+          <a:xfrm>
+            <a:off x="3404118" y="2340139"/>
+            <a:ext cx="5383763" cy="1343608"/>
+          </a:xfrm>
+          <a:prstGeom prst="rect">
+            <a:avLst/>
+          </a:prstGeom>
+        </p:spPr>
+      </p:pic>
+      <p:sp>
+        <p:nvSpPr>
+          <p:cNvPr id="10" name="TextBox 9">
+            <a:extLst>
+              <a:ext uri="{FF2B5EF4-FFF2-40B4-BE49-F238E27FC236}">
+                <a16:creationId xmlns:a16="http://schemas.microsoft.com/office/drawing/2014/main" id="{06E9AA9B-7600-4EA8-8A20-B28C4F864E64}"/>
+              </a:ext>
+            </a:extLst>
+          </p:cNvPr>
+          <p:cNvSpPr txBox="1"/>
+          <p:nvPr/>
+        </p:nvSpPr>
+        <p:spPr>
+          <a:xfrm>
+            <a:off x="4297679" y="3903939"/>
+            <a:ext cx="3657601" cy="369332"/>
+          </a:xfrm>
+          <a:prstGeom prst="rect">
+            <a:avLst/>
+          </a:prstGeom>
+          <a:noFill/>
+        </p:spPr>
+        <p:txBody>
+          <a:bodyPr wrap="square" rtlCol="0">
+            <a:spAutoFit/>
+          </a:bodyPr>
+          <a:lstStyle/>
+          <a:p>
+            <a:r>
+              <a:rPr lang="pt-PT" dirty="0" err="1"/>
+              <a:t>Pseudo-código</a:t>
+            </a:r>
+            <a:r>
+              <a:rPr lang="pt-PT" dirty="0"/>
+              <a:t> da função aplicada</a:t>
+            </a:r>
+          </a:p>
+        </p:txBody>
+      </p:sp>
+      <p:sp>
+        <p:nvSpPr>
+          <p:cNvPr id="11" name="TextBox 10">
+            <a:extLst>
+              <a:ext uri="{FF2B5EF4-FFF2-40B4-BE49-F238E27FC236}">
+                <a16:creationId xmlns:a16="http://schemas.microsoft.com/office/drawing/2014/main" id="{2F96400E-727F-4025-AD39-648AED8C74BB}"/>
+              </a:ext>
+            </a:extLst>
+          </p:cNvPr>
+          <p:cNvSpPr txBox="1"/>
+          <p:nvPr/>
+        </p:nvSpPr>
+        <p:spPr>
+          <a:xfrm>
+            <a:off x="3461657" y="4493463"/>
+            <a:ext cx="5047861" cy="923330"/>
+          </a:xfrm>
+          <a:prstGeom prst="rect">
+            <a:avLst/>
+          </a:prstGeom>
+          <a:noFill/>
+        </p:spPr>
+        <p:txBody>
+          <a:bodyPr wrap="square" rtlCol="0">
+            <a:spAutoFit/>
+          </a:bodyPr>
+          <a:lstStyle/>
+          <a:p>
+            <a:r>
+              <a:rPr lang="pt-PT" dirty="0"/>
+              <a:t>Baseando no conceito de </a:t>
+            </a:r>
+            <a:r>
+              <a:rPr lang="pt-PT" dirty="0" err="1"/>
+              <a:t>Greedy</a:t>
+            </a:r>
+            <a:r>
+              <a:rPr lang="pt-PT" dirty="0"/>
+              <a:t> </a:t>
+            </a:r>
+            <a:r>
+              <a:rPr lang="pt-PT" dirty="0" err="1"/>
+              <a:t>Algorithm</a:t>
+            </a:r>
+            <a:r>
+              <a:rPr lang="pt-PT" dirty="0"/>
+              <a:t> vamos percorrer as encomendas organizadas por duração </a:t>
+            </a:r>
+            <a:r>
+              <a:rPr lang="pt-PT" dirty="0" err="1"/>
+              <a:t>descrescente</a:t>
+            </a:r>
+            <a:r>
+              <a:rPr lang="pt-PT" dirty="0"/>
+              <a:t> ate o período de tempo se esgotar.</a:t>
+            </a:r>
+          </a:p>
+        </p:txBody>
+      </p:sp>
+    </p:spTree>
+    <p:extLst>
+      <p:ext uri="{BB962C8B-B14F-4D97-AF65-F5344CB8AC3E}">
+        <p14:creationId xmlns:p14="http://schemas.microsoft.com/office/powerpoint/2010/main" val="1758428583"/>
+      </p:ext>
+    </p:extLst>
+  </p:cSld>
+  <p:clrMapOvr>
+    <a:masterClrMapping/>
+  </p:clrMapOvr>
+</p:sld>
+</file>
+
 <file path=ppt/slides/slide7.xml><?xml version="1.0" encoding="utf-8"?>
 <p:sld xmlns:a="http://schemas.openxmlformats.org/drawingml/2006/main" xmlns:r="http://schemas.openxmlformats.org/officeDocument/2006/relationships" xmlns:p="http://schemas.openxmlformats.org/presentationml/2006/main">
   <p:cSld>
@@ -6572,15 +7006,7 @@
             <a:pPr algn="ctr"/>
             <a:r>
               <a:rPr lang="en-US" b="1" dirty="0" err="1"/>
-              <a:t>Descrição</a:t>
-            </a:r>
-            <a:r>
-              <a:rPr lang="en-US" b="1" dirty="0"/>
-              <a:t> da </a:t>
-            </a:r>
-            <a:r>
-              <a:rPr lang="en-US" b="1" dirty="0" err="1"/>
-              <a:t>Solução</a:t>
+              <a:t>Dificuldades</a:t>
             </a:r>
             <a:endParaRPr lang="pt-PT" b="1" dirty="0"/>
           </a:p>
@@ -6607,10 +7033,6 @@
           <a:bodyPr/>
           <a:lstStyle/>
           <a:p>
-            <a:r>
-              <a:rPr lang="en-US" dirty="0"/>
-              <a:t>Greedy Algorithm</a:t>
-            </a:r>
             <a:endParaRPr lang="pt-PT" dirty="0"/>
           </a:p>
         </p:txBody>
@@ -6618,7 +7040,7 @@
     </p:spTree>
     <p:extLst>
       <p:ext uri="{BB962C8B-B14F-4D97-AF65-F5344CB8AC3E}">
-        <p14:creationId xmlns:p14="http://schemas.microsoft.com/office/powerpoint/2010/main" val="1758428583"/>
+        <p14:creationId xmlns:p14="http://schemas.microsoft.com/office/powerpoint/2010/main" val="470523517"/>
       </p:ext>
     </p:extLst>
   </p:cSld>
@@ -6650,7 +7072,7 @@
           <p:cNvPr id="2" name="Title 1">
             <a:extLst>
               <a:ext uri="{FF2B5EF4-FFF2-40B4-BE49-F238E27FC236}">
-                <a16:creationId xmlns:a16="http://schemas.microsoft.com/office/drawing/2014/main" id="{985620E8-013C-4AB0-BBA5-EF61AB90C269}"/>
+                <a16:creationId xmlns:a16="http://schemas.microsoft.com/office/drawing/2014/main" id="{0D827E17-24D3-4ECC-8AD6-8C29A5AF86BF}"/>
               </a:ext>
             </a:extLst>
           </p:cNvPr>
@@ -6666,20 +7088,7 @@
           <a:bodyPr/>
           <a:lstStyle/>
           <a:p>
-            <a:pPr algn="ctr"/>
-            <a:r>
-              <a:rPr lang="en-US" b="1" dirty="0" err="1"/>
-              <a:t>Descrição</a:t>
-            </a:r>
-            <a:r>
-              <a:rPr lang="en-US" b="1" dirty="0"/>
-              <a:t> da </a:t>
-            </a:r>
-            <a:r>
-              <a:rPr lang="en-US" b="1" dirty="0" err="1"/>
-              <a:t>Solução</a:t>
-            </a:r>
-            <a:endParaRPr lang="pt-PT" b="1" dirty="0"/>
+            <a:endParaRPr lang="pt-PT"/>
           </a:p>
         </p:txBody>
       </p:sp>
@@ -6688,7 +7097,7 @@
           <p:cNvPr id="3" name="Content Placeholder 2">
             <a:extLst>
               <a:ext uri="{FF2B5EF4-FFF2-40B4-BE49-F238E27FC236}">
-                <a16:creationId xmlns:a16="http://schemas.microsoft.com/office/drawing/2014/main" id="{0DA53B97-5997-490C-B21F-AEAD1D079AC5}"/>
+                <a16:creationId xmlns:a16="http://schemas.microsoft.com/office/drawing/2014/main" id="{ECA0915C-EE2D-4EB4-BF3A-96FCE8158E53}"/>
               </a:ext>
             </a:extLst>
           </p:cNvPr>
@@ -6704,14 +7113,14 @@
           <a:bodyPr/>
           <a:lstStyle/>
           <a:p>
-            <a:endParaRPr lang="pt-PT" dirty="0"/>
+            <a:endParaRPr lang="pt-PT"/>
           </a:p>
         </p:txBody>
       </p:sp>
     </p:spTree>
     <p:extLst>
       <p:ext uri="{BB962C8B-B14F-4D97-AF65-F5344CB8AC3E}">
-        <p14:creationId xmlns:p14="http://schemas.microsoft.com/office/powerpoint/2010/main" val="470523517"/>
+        <p14:creationId xmlns:p14="http://schemas.microsoft.com/office/powerpoint/2010/main" val="2126801611"/>
       </p:ext>
     </p:extLst>
   </p:cSld>
@@ -6743,7 +7152,7 @@
           <p:cNvPr id="2" name="Title 1">
             <a:extLst>
               <a:ext uri="{FF2B5EF4-FFF2-40B4-BE49-F238E27FC236}">
-                <a16:creationId xmlns:a16="http://schemas.microsoft.com/office/drawing/2014/main" id="{0D827E17-24D3-4ECC-8AD6-8C29A5AF86BF}"/>
+                <a16:creationId xmlns:a16="http://schemas.microsoft.com/office/drawing/2014/main" id="{8C742769-4AB3-404D-AA45-B0FC74F1E218}"/>
               </a:ext>
             </a:extLst>
           </p:cNvPr>
@@ -6768,7 +7177,7 @@
           <p:cNvPr id="3" name="Content Placeholder 2">
             <a:extLst>
               <a:ext uri="{FF2B5EF4-FFF2-40B4-BE49-F238E27FC236}">
-                <a16:creationId xmlns:a16="http://schemas.microsoft.com/office/drawing/2014/main" id="{ECA0915C-EE2D-4EB4-BF3A-96FCE8158E53}"/>
+                <a16:creationId xmlns:a16="http://schemas.microsoft.com/office/drawing/2014/main" id="{FFF57B6D-ACD6-4568-86FC-6D1AD2A8AE64}"/>
               </a:ext>
             </a:extLst>
           </p:cNvPr>
@@ -6791,7 +7200,7 @@
     </p:spTree>
     <p:extLst>
       <p:ext uri="{BB962C8B-B14F-4D97-AF65-F5344CB8AC3E}">
-        <p14:creationId xmlns:p14="http://schemas.microsoft.com/office/powerpoint/2010/main" val="2126801611"/>
+        <p14:creationId xmlns:p14="http://schemas.microsoft.com/office/powerpoint/2010/main" val="3099424196"/>
       </p:ext>
     </p:extLst>
   </p:cSld>

--- a/Presentation/Logística Urbana para Entrega de Mercadorias.pptx
+++ b/Presentation/Logística Urbana para Entrega de Mercadorias.pptx
@@ -9,12 +9,14 @@
     <p:sldId id="257" r:id="rId3"/>
     <p:sldId id="269" r:id="rId4"/>
     <p:sldId id="270" r:id="rId5"/>
-    <p:sldId id="271" r:id="rId6"/>
-    <p:sldId id="266" r:id="rId7"/>
-    <p:sldId id="268" r:id="rId8"/>
-    <p:sldId id="262" r:id="rId9"/>
-    <p:sldId id="263" r:id="rId10"/>
-    <p:sldId id="264" r:id="rId11"/>
+    <p:sldId id="272" r:id="rId6"/>
+    <p:sldId id="274" r:id="rId7"/>
+    <p:sldId id="271" r:id="rId8"/>
+    <p:sldId id="266" r:id="rId9"/>
+    <p:sldId id="268" r:id="rId10"/>
+    <p:sldId id="262" r:id="rId11"/>
+    <p:sldId id="263" r:id="rId12"/>
+    <p:sldId id="264" r:id="rId13"/>
   </p:sldIdLst>
   <p:sldSz cx="12192000" cy="6858000"/>
   <p:notesSz cx="6858000" cy="9144000"/>
@@ -4250,6 +4252,166 @@
           <p:cNvPr id="2" name="Title 1">
             <a:extLst>
               <a:ext uri="{FF2B5EF4-FFF2-40B4-BE49-F238E27FC236}">
+                <a16:creationId xmlns:a16="http://schemas.microsoft.com/office/drawing/2014/main" id="{0D827E17-24D3-4ECC-8AD6-8C29A5AF86BF}"/>
+              </a:ext>
+            </a:extLst>
+          </p:cNvPr>
+          <p:cNvSpPr>
+            <a:spLocks noGrp="1"/>
+          </p:cNvSpPr>
+          <p:nvPr>
+            <p:ph type="title"/>
+          </p:nvPr>
+        </p:nvSpPr>
+        <p:spPr/>
+        <p:txBody>
+          <a:bodyPr/>
+          <a:lstStyle/>
+          <a:p>
+            <a:endParaRPr lang="pt-PT"/>
+          </a:p>
+        </p:txBody>
+      </p:sp>
+      <p:sp>
+        <p:nvSpPr>
+          <p:cNvPr id="3" name="Content Placeholder 2">
+            <a:extLst>
+              <a:ext uri="{FF2B5EF4-FFF2-40B4-BE49-F238E27FC236}">
+                <a16:creationId xmlns:a16="http://schemas.microsoft.com/office/drawing/2014/main" id="{ECA0915C-EE2D-4EB4-BF3A-96FCE8158E53}"/>
+              </a:ext>
+            </a:extLst>
+          </p:cNvPr>
+          <p:cNvSpPr>
+            <a:spLocks noGrp="1"/>
+          </p:cNvSpPr>
+          <p:nvPr>
+            <p:ph idx="1"/>
+          </p:nvPr>
+        </p:nvSpPr>
+        <p:spPr/>
+        <p:txBody>
+          <a:bodyPr/>
+          <a:lstStyle/>
+          <a:p>
+            <a:endParaRPr lang="pt-PT"/>
+          </a:p>
+        </p:txBody>
+      </p:sp>
+    </p:spTree>
+    <p:extLst>
+      <p:ext uri="{BB962C8B-B14F-4D97-AF65-F5344CB8AC3E}">
+        <p14:creationId xmlns:p14="http://schemas.microsoft.com/office/powerpoint/2010/main" val="2126801611"/>
+      </p:ext>
+    </p:extLst>
+  </p:cSld>
+  <p:clrMapOvr>
+    <a:masterClrMapping/>
+  </p:clrMapOvr>
+</p:sld>
+</file>
+
+<file path=ppt/slides/slide11.xml><?xml version="1.0" encoding="utf-8"?>
+<p:sld xmlns:a="http://schemas.openxmlformats.org/drawingml/2006/main" xmlns:r="http://schemas.openxmlformats.org/officeDocument/2006/relationships" xmlns:p="http://schemas.openxmlformats.org/presentationml/2006/main">
+  <p:cSld>
+    <p:spTree>
+      <p:nvGrpSpPr>
+        <p:cNvPr id="1" name=""/>
+        <p:cNvGrpSpPr/>
+        <p:nvPr/>
+      </p:nvGrpSpPr>
+      <p:grpSpPr>
+        <a:xfrm>
+          <a:off x="0" y="0"/>
+          <a:ext cx="0" cy="0"/>
+          <a:chOff x="0" y="0"/>
+          <a:chExt cx="0" cy="0"/>
+        </a:xfrm>
+      </p:grpSpPr>
+      <p:sp>
+        <p:nvSpPr>
+          <p:cNvPr id="2" name="Title 1">
+            <a:extLst>
+              <a:ext uri="{FF2B5EF4-FFF2-40B4-BE49-F238E27FC236}">
+                <a16:creationId xmlns:a16="http://schemas.microsoft.com/office/drawing/2014/main" id="{8C742769-4AB3-404D-AA45-B0FC74F1E218}"/>
+              </a:ext>
+            </a:extLst>
+          </p:cNvPr>
+          <p:cNvSpPr>
+            <a:spLocks noGrp="1"/>
+          </p:cNvSpPr>
+          <p:nvPr>
+            <p:ph type="title"/>
+          </p:nvPr>
+        </p:nvSpPr>
+        <p:spPr/>
+        <p:txBody>
+          <a:bodyPr/>
+          <a:lstStyle/>
+          <a:p>
+            <a:endParaRPr lang="pt-PT"/>
+          </a:p>
+        </p:txBody>
+      </p:sp>
+      <p:sp>
+        <p:nvSpPr>
+          <p:cNvPr id="3" name="Content Placeholder 2">
+            <a:extLst>
+              <a:ext uri="{FF2B5EF4-FFF2-40B4-BE49-F238E27FC236}">
+                <a16:creationId xmlns:a16="http://schemas.microsoft.com/office/drawing/2014/main" id="{FFF57B6D-ACD6-4568-86FC-6D1AD2A8AE64}"/>
+              </a:ext>
+            </a:extLst>
+          </p:cNvPr>
+          <p:cNvSpPr>
+            <a:spLocks noGrp="1"/>
+          </p:cNvSpPr>
+          <p:nvPr>
+            <p:ph idx="1"/>
+          </p:nvPr>
+        </p:nvSpPr>
+        <p:spPr/>
+        <p:txBody>
+          <a:bodyPr/>
+          <a:lstStyle/>
+          <a:p>
+            <a:endParaRPr lang="pt-PT"/>
+          </a:p>
+        </p:txBody>
+      </p:sp>
+    </p:spTree>
+    <p:extLst>
+      <p:ext uri="{BB962C8B-B14F-4D97-AF65-F5344CB8AC3E}">
+        <p14:creationId xmlns:p14="http://schemas.microsoft.com/office/powerpoint/2010/main" val="3099424196"/>
+      </p:ext>
+    </p:extLst>
+  </p:cSld>
+  <p:clrMapOvr>
+    <a:masterClrMapping/>
+  </p:clrMapOvr>
+</p:sld>
+</file>
+
+<file path=ppt/slides/slide12.xml><?xml version="1.0" encoding="utf-8"?>
+<p:sld xmlns:a="http://schemas.openxmlformats.org/drawingml/2006/main" xmlns:r="http://schemas.openxmlformats.org/officeDocument/2006/relationships" xmlns:p="http://schemas.openxmlformats.org/presentationml/2006/main">
+  <p:cSld>
+    <p:spTree>
+      <p:nvGrpSpPr>
+        <p:cNvPr id="1" name=""/>
+        <p:cNvGrpSpPr/>
+        <p:nvPr/>
+      </p:nvGrpSpPr>
+      <p:grpSpPr>
+        <a:xfrm>
+          <a:off x="0" y="0"/>
+          <a:ext cx="0" cy="0"/>
+          <a:chOff x="0" y="0"/>
+          <a:chExt cx="0" cy="0"/>
+        </a:xfrm>
+      </p:grpSpPr>
+      <p:sp>
+        <p:nvSpPr>
+          <p:cNvPr id="2" name="Title 1">
+            <a:extLst>
+              <a:ext uri="{FF2B5EF4-FFF2-40B4-BE49-F238E27FC236}">
                 <a16:creationId xmlns:a16="http://schemas.microsoft.com/office/drawing/2014/main" id="{C8A0825C-84D6-4913-86C4-FEAC7C00EBAE}"/>
               </a:ext>
             </a:extLst>
@@ -5204,8 +5366,8 @@
         </p:nvSpPr>
         <p:spPr>
           <a:xfrm>
-            <a:off x="6440631" y="1737360"/>
-            <a:ext cx="5751369" cy="2600712"/>
+            <a:off x="6370293" y="1747520"/>
+            <a:ext cx="5751369" cy="2102114"/>
           </a:xfrm>
           <a:prstGeom prst="rect">
             <a:avLst/>
@@ -5222,7 +5384,7 @@
               <a:buNone/>
             </a:pPr>
             <a:r>
-              <a:rPr lang="pt-PT" sz="2000" u="sng" dirty="0">
+              <a:rPr lang="pt-PT" sz="1600" u="sng" dirty="0">
                 <a:solidFill>
                   <a:srgbClr val="000000">
                     <a:lumMod val="75000"/>
@@ -5234,7 +5396,7 @@
               <a:t>D</a:t>
             </a:r>
             <a:r>
-              <a:rPr kumimoji="0" lang="pt-PT" sz="2000" b="0" i="0" u="sng" strike="noStrike" kern="1200" cap="none" spc="0" normalizeH="0" baseline="0" noProof="0" dirty="0">
+              <a:rPr kumimoji="0" lang="pt-PT" sz="1600" b="0" i="0" u="sng" strike="noStrike" kern="1200" cap="none" spc="0" normalizeH="0" baseline="0" noProof="0" dirty="0">
                 <a:ln>
                   <a:noFill/>
                 </a:ln>
@@ -5251,7 +5413,7 @@
                 <a:ea typeface="+mn-ea"/>
                 <a:cs typeface="+mn-cs"/>
               </a:rPr>
-              <a:t>ados de saída</a:t>
+              <a:t>ados de saída:</a:t>
             </a:r>
           </a:p>
           <a:p>
@@ -5275,7 +5437,7 @@
               <a:defRPr/>
             </a:pPr>
             <a:r>
-              <a:rPr kumimoji="0" lang="pt-PT" sz="2000" b="0" i="0" u="none" strike="noStrike" kern="1200" cap="none" spc="0" normalizeH="0" baseline="0" noProof="0" dirty="0">
+              <a:rPr kumimoji="0" lang="pt-PT" sz="1600" b="0" i="0" u="none" strike="noStrike" kern="1200" cap="none" spc="0" normalizeH="0" baseline="0" noProof="0" dirty="0">
                 <a:ln>
                   <a:noFill/>
                 </a:ln>
@@ -5295,7 +5457,7 @@
               <a:t>2 </a:t>
             </a:r>
             <a:r>
-              <a:rPr lang="pt-PT" sz="2000" dirty="0">
+              <a:rPr lang="pt-PT" sz="1600" dirty="0">
                 <a:solidFill>
                   <a:srgbClr val="000000">
                     <a:lumMod val="75000"/>
@@ -5307,7 +5469,7 @@
               <a:t>Vetores&lt;</a:t>
             </a:r>
             <a:r>
-              <a:rPr lang="pt-PT" sz="2000" dirty="0" err="1">
+              <a:rPr lang="pt-PT" sz="1600" dirty="0" err="1">
                 <a:solidFill>
                   <a:srgbClr val="000000">
                     <a:lumMod val="75000"/>
@@ -5319,7 +5481,7 @@
               <a:t>EstafetaouPedido</a:t>
             </a:r>
             <a:r>
-              <a:rPr lang="pt-PT" sz="2000" dirty="0">
+              <a:rPr lang="pt-PT" sz="1600" dirty="0">
                 <a:solidFill>
                   <a:srgbClr val="000000">
                     <a:lumMod val="75000"/>
@@ -5331,7 +5493,7 @@
               <a:t>&gt;</a:t>
             </a:r>
             <a:r>
-              <a:rPr kumimoji="0" lang="pt-PT" sz="2000" b="0" i="0" u="none" strike="noStrike" kern="1200" cap="none" spc="0" normalizeH="0" baseline="0" noProof="0" dirty="0">
+              <a:rPr kumimoji="0" lang="pt-PT" sz="1600" b="0" i="0" u="none" strike="noStrike" kern="1200" cap="none" spc="0" normalizeH="0" baseline="0" noProof="0" dirty="0">
                 <a:ln>
                   <a:noFill/>
                 </a:ln>
@@ -5351,7 +5513,7 @@
               <a:t>, </a:t>
             </a:r>
             <a:r>
-              <a:rPr kumimoji="0" lang="pt-PT" sz="2000" b="0" i="0" u="none" strike="noStrike" kern="1200" cap="none" spc="0" normalizeH="0" baseline="0" noProof="0" dirty="0" err="1">
+              <a:rPr kumimoji="0" lang="pt-PT" sz="1600" b="0" i="0" u="none" strike="noStrike" kern="1200" cap="none" spc="0" normalizeH="0" baseline="0" noProof="0" dirty="0" err="1">
                 <a:ln>
                   <a:noFill/>
                 </a:ln>
@@ -5371,7 +5533,7 @@
               <a:t>Est</a:t>
             </a:r>
             <a:r>
-              <a:rPr kumimoji="0" lang="pt-PT" sz="2000" b="0" i="0" u="none" strike="noStrike" kern="1200" cap="none" spc="0" normalizeH="0" baseline="0" noProof="0" dirty="0">
+              <a:rPr kumimoji="0" lang="pt-PT" sz="1600" b="0" i="0" u="none" strike="noStrike" kern="1200" cap="none" spc="0" normalizeH="0" baseline="0" noProof="0" dirty="0">
                 <a:ln>
                   <a:noFill/>
                 </a:ln>
@@ -5391,7 +5553,7 @@
               <a:t> e </a:t>
             </a:r>
             <a:r>
-              <a:rPr kumimoji="0" lang="pt-PT" sz="2000" b="0" i="0" u="none" strike="noStrike" kern="1200" cap="none" spc="0" normalizeH="0" baseline="0" noProof="0" dirty="0" err="1">
+              <a:rPr kumimoji="0" lang="pt-PT" sz="1600" b="0" i="0" u="none" strike="noStrike" kern="1200" cap="none" spc="0" normalizeH="0" baseline="0" noProof="0" dirty="0" err="1">
                 <a:ln>
                   <a:noFill/>
                 </a:ln>
@@ -5411,7 +5573,7 @@
               <a:t>Ped</a:t>
             </a:r>
             <a:r>
-              <a:rPr lang="pt-PT" sz="2000" dirty="0">
+              <a:rPr lang="pt-PT" sz="1600" dirty="0">
                 <a:solidFill>
                   <a:srgbClr val="000000">
                     <a:lumMod val="75000"/>
@@ -5443,7 +5605,7 @@
               <a:defRPr/>
             </a:pPr>
             <a:r>
-              <a:rPr kumimoji="0" lang="pt-PT" sz="2000" b="0" i="0" u="none" strike="noStrike" kern="1200" cap="none" spc="0" normalizeH="0" baseline="0" noProof="0" dirty="0">
+              <a:rPr kumimoji="0" lang="pt-PT" sz="1600" b="0" i="0" u="none" strike="noStrike" kern="1200" cap="none" spc="0" normalizeH="0" baseline="0" noProof="0" dirty="0">
                 <a:ln>
                   <a:noFill/>
                 </a:ln>
@@ -5483,7 +5645,7 @@
               <a:defRPr/>
             </a:pPr>
             <a:r>
-              <a:rPr lang="pt-PT" sz="2000" dirty="0">
+              <a:rPr lang="pt-PT" sz="1600" dirty="0">
                 <a:solidFill>
                   <a:srgbClr val="000000">
                     <a:lumMod val="75000"/>
@@ -5494,7 +5656,7 @@
               </a:rPr>
               <a:t>Volume</a:t>
             </a:r>
-            <a:endParaRPr kumimoji="0" lang="pt-PT" sz="2000" b="0" i="0" u="none" strike="noStrike" kern="1200" cap="none" spc="0" normalizeH="0" baseline="0" noProof="0" dirty="0">
+            <a:endParaRPr kumimoji="0" lang="pt-PT" sz="1600" b="0" i="0" u="none" strike="noStrike" kern="1200" cap="none" spc="0" normalizeH="0" baseline="0" noProof="0" dirty="0">
               <a:ln>
                 <a:noFill/>
               </a:ln>
@@ -5531,8 +5693,8 @@
         </p:nvSpPr>
         <p:spPr>
           <a:xfrm>
-            <a:off x="6305513" y="4574939"/>
-            <a:ext cx="5751369" cy="1410643"/>
+            <a:off x="6126480" y="4103952"/>
+            <a:ext cx="5751369" cy="1016689"/>
           </a:xfrm>
           <a:prstGeom prst="rect">
             <a:avLst/>
@@ -5549,7 +5711,7 @@
               <a:buNone/>
             </a:pPr>
             <a:r>
-              <a:rPr lang="pt-PT" sz="2000" u="sng" dirty="0">
+              <a:rPr lang="pt-PT" sz="1600" u="sng" dirty="0">
                 <a:solidFill>
                   <a:srgbClr val="000000">
                     <a:lumMod val="75000"/>
@@ -5558,9 +5720,9 @@
                 </a:solidFill>
                 <a:latin typeface="Calibri" panose="020F0502020204030204"/>
               </a:rPr>
-              <a:t>Restrições e Domínios de valores</a:t>
-            </a:r>
-            <a:endParaRPr kumimoji="0" lang="pt-PT" sz="2000" b="0" i="0" u="sng" strike="noStrike" kern="1200" cap="none" spc="0" normalizeH="0" baseline="0" noProof="0" dirty="0">
+              <a:t>Restrições e Domínios de valores:</a:t>
+            </a:r>
+            <a:endParaRPr kumimoji="0" lang="pt-PT" sz="1600" b="0" i="0" u="sng" strike="noStrike" kern="1200" cap="none" spc="0" normalizeH="0" baseline="0" noProof="0" dirty="0">
               <a:ln>
                 <a:noFill/>
               </a:ln>
@@ -5599,7 +5761,7 @@
               <a:defRPr/>
             </a:pPr>
             <a:r>
-              <a:rPr lang="pt-PT" sz="2000" dirty="0">
+              <a:rPr lang="pt-PT" sz="1600" dirty="0">
                 <a:solidFill>
                   <a:srgbClr val="000000">
                     <a:lumMod val="75000"/>
@@ -5610,7 +5772,7 @@
               </a:rPr>
               <a:t> Todos os valores têm de ser positivos e pertencentes a N</a:t>
             </a:r>
-            <a:endParaRPr kumimoji="0" lang="pt-PT" sz="2000" b="0" i="0" u="none" strike="noStrike" kern="1200" cap="none" spc="0" normalizeH="0" baseline="0" noProof="0" dirty="0">
+            <a:endParaRPr kumimoji="0" lang="pt-PT" sz="1600" b="0" i="0" u="none" strike="noStrike" kern="1200" cap="none" spc="0" normalizeH="0" baseline="0" noProof="0" dirty="0">
               <a:ln>
                 <a:noFill/>
               </a:ln>
@@ -5962,7 +6124,7 @@
             </a:r>
             <a:r>
               <a:rPr lang="en-US" b="1" dirty="0"/>
-              <a:t> 3</a:t>
+              <a:t> 2</a:t>
             </a:r>
             <a:endParaRPr lang="pt-PT" b="1" dirty="0"/>
           </a:p>
@@ -6247,11 +6409,11 @@
               <a:buNone/>
             </a:pPr>
             <a:r>
-              <a:rPr lang="pt-PT" u="sng" dirty="0"/>
+              <a:rPr lang="pt-PT" sz="1600" u="sng" dirty="0"/>
               <a:t>Dados de entrada</a:t>
             </a:r>
             <a:r>
-              <a:rPr lang="pt-PT" dirty="0"/>
+              <a:rPr lang="pt-PT" sz="1600" dirty="0"/>
               <a:t>: </a:t>
             </a:r>
           </a:p>
@@ -6319,7 +6481,15 @@
             </a:pPr>
             <a:r>
               <a:rPr lang="pt-PT" sz="1600" dirty="0"/>
-              <a:t>Vetor&lt;Carrinha&gt; C –Conjunto de carrinhas caracterizadas por:</a:t>
+              <a:t>Vetor&lt;Carrinha&gt; C –Conjunto de </a:t>
+            </a:r>
+            <a:r>
+              <a:rPr lang="pt-PT" sz="1600" dirty="0" err="1"/>
+              <a:t>carrias</a:t>
+            </a:r>
+            <a:r>
+              <a:rPr lang="pt-PT" sz="1600" dirty="0"/>
+              <a:t> caracterizadas por:</a:t>
             </a:r>
           </a:p>
           <a:p>
@@ -6395,8 +6565,8 @@
         </p:nvSpPr>
         <p:spPr>
           <a:xfrm>
-            <a:off x="6440631" y="1737360"/>
-            <a:ext cx="5751369" cy="2154436"/>
+            <a:off x="6370293" y="1747520"/>
+            <a:ext cx="5751369" cy="2102114"/>
           </a:xfrm>
           <a:prstGeom prst="rect">
             <a:avLst/>
@@ -6413,7 +6583,7 @@
               <a:buNone/>
             </a:pPr>
             <a:r>
-              <a:rPr lang="pt-PT" sz="2000" u="sng" dirty="0">
+              <a:rPr lang="pt-PT" sz="1600" u="sng" dirty="0">
                 <a:solidFill>
                   <a:srgbClr val="000000">
                     <a:lumMod val="75000"/>
@@ -6425,7 +6595,7 @@
               <a:t>D</a:t>
             </a:r>
             <a:r>
-              <a:rPr kumimoji="0" lang="pt-PT" sz="2000" b="0" i="0" u="sng" strike="noStrike" kern="1200" cap="none" spc="0" normalizeH="0" baseline="0" noProof="0" dirty="0">
+              <a:rPr kumimoji="0" lang="pt-PT" sz="1600" b="0" i="0" u="sng" strike="noStrike" kern="1200" cap="none" spc="0" normalizeH="0" baseline="0" noProof="0" dirty="0">
                 <a:ln>
                   <a:noFill/>
                 </a:ln>
@@ -6444,227 +6614,6 @@
               </a:rPr>
               <a:t>ados de saída:</a:t>
             </a:r>
-          </a:p>
-          <a:p>
-            <a:pPr marL="342900" indent="-342900">
-              <a:buClr>
-                <a:schemeClr val="accent1"/>
-              </a:buClr>
-              <a:buFont typeface="Wingdings" panose="05000000000000000000" pitchFamily="2" charset="2"/>
-              <a:buChar char="Ø"/>
-            </a:pPr>
-            <a:r>
-              <a:rPr kumimoji="0" lang="pt-PT" sz="1600" b="0" i="0" strike="noStrike" kern="1200" cap="none" spc="0" normalizeH="0" baseline="0" noProof="0" dirty="0">
-                <a:ln>
-                  <a:noFill/>
-                </a:ln>
-                <a:solidFill>
-                  <a:srgbClr val="000000">
-                    <a:lumMod val="75000"/>
-                    <a:lumOff val="25000"/>
-                  </a:srgbClr>
-                </a:solidFill>
-                <a:effectLst/>
-                <a:uLnTx/>
-                <a:uFillTx/>
-                <a:latin typeface="Calibri" panose="020F0502020204030204"/>
-                <a:ea typeface="+mn-ea"/>
-                <a:cs typeface="+mn-cs"/>
-              </a:rPr>
-              <a:t>1 Vetor&lt;Pedido&gt; P-Conjunto de Pedidos caracterizados por:</a:t>
-            </a:r>
-          </a:p>
-          <a:p>
-            <a:pPr marL="800100" lvl="1" indent="-342900">
-              <a:buClr>
-                <a:schemeClr val="accent1"/>
-              </a:buClr>
-              <a:buFont typeface="Wingdings" panose="05000000000000000000" pitchFamily="2" charset="2"/>
-              <a:buChar char="Ø"/>
-            </a:pPr>
-            <a:r>
-              <a:rPr lang="pt-PT" sz="1600" dirty="0">
-                <a:solidFill>
-                  <a:srgbClr val="000000">
-                    <a:lumMod val="75000"/>
-                    <a:lumOff val="25000"/>
-                  </a:srgbClr>
-                </a:solidFill>
-                <a:latin typeface="Calibri" panose="020F0502020204030204"/>
-              </a:rPr>
-              <a:t>Peso</a:t>
-            </a:r>
-          </a:p>
-          <a:p>
-            <a:pPr marL="800100" lvl="1" indent="-342900">
-              <a:buClr>
-                <a:schemeClr val="accent1"/>
-              </a:buClr>
-              <a:buFont typeface="Wingdings" panose="05000000000000000000" pitchFamily="2" charset="2"/>
-              <a:buChar char="Ø"/>
-            </a:pPr>
-            <a:r>
-              <a:rPr kumimoji="0" lang="pt-PT" sz="1600" b="0" i="0" strike="noStrike" kern="1200" cap="none" spc="0" normalizeH="0" baseline="0" noProof="0" dirty="0">
-                <a:ln>
-                  <a:noFill/>
-                </a:ln>
-                <a:solidFill>
-                  <a:srgbClr val="000000">
-                    <a:lumMod val="75000"/>
-                    <a:lumOff val="25000"/>
-                  </a:srgbClr>
-                </a:solidFill>
-                <a:effectLst/>
-                <a:uLnTx/>
-                <a:uFillTx/>
-                <a:latin typeface="Calibri" panose="020F0502020204030204"/>
-                <a:ea typeface="+mn-ea"/>
-                <a:cs typeface="+mn-cs"/>
-              </a:rPr>
-              <a:t>Volume</a:t>
-            </a:r>
-          </a:p>
-          <a:p>
-            <a:pPr marL="800100" lvl="1" indent="-342900">
-              <a:buClr>
-                <a:schemeClr val="accent1"/>
-              </a:buClr>
-              <a:buFont typeface="Wingdings" panose="05000000000000000000" pitchFamily="2" charset="2"/>
-              <a:buChar char="Ø"/>
-            </a:pPr>
-            <a:r>
-              <a:rPr lang="pt-PT" sz="1600" dirty="0">
-                <a:solidFill>
-                  <a:srgbClr val="000000">
-                    <a:lumMod val="75000"/>
-                    <a:lumOff val="25000"/>
-                  </a:srgbClr>
-                </a:solidFill>
-                <a:latin typeface="Calibri" panose="020F0502020204030204"/>
-              </a:rPr>
-              <a:t>Duração</a:t>
-            </a:r>
-            <a:endParaRPr kumimoji="0" lang="pt-PT" sz="1600" b="0" i="0" strike="noStrike" kern="1200" cap="none" spc="0" normalizeH="0" baseline="0" noProof="0" dirty="0">
-              <a:ln>
-                <a:noFill/>
-              </a:ln>
-              <a:solidFill>
-                <a:srgbClr val="000000">
-                  <a:lumMod val="75000"/>
-                  <a:lumOff val="25000"/>
-                </a:srgbClr>
-              </a:solidFill>
-              <a:effectLst/>
-              <a:uLnTx/>
-              <a:uFillTx/>
-              <a:latin typeface="Calibri" panose="020F0502020204030204"/>
-              <a:ea typeface="+mn-ea"/>
-              <a:cs typeface="+mn-cs"/>
-            </a:endParaRPr>
-          </a:p>
-          <a:p>
-            <a:pPr marL="342900" indent="-342900">
-              <a:buClr>
-                <a:schemeClr val="accent1"/>
-              </a:buClr>
-              <a:buFont typeface="Wingdings" panose="05000000000000000000" pitchFamily="2" charset="2"/>
-              <a:buChar char="Ø"/>
-            </a:pPr>
-            <a:r>
-              <a:rPr lang="pt-PT" sz="1600" dirty="0">
-                <a:solidFill>
-                  <a:srgbClr val="000000">
-                    <a:lumMod val="75000"/>
-                    <a:lumOff val="25000"/>
-                  </a:srgbClr>
-                </a:solidFill>
-                <a:latin typeface="Calibri" panose="020F0502020204030204"/>
-              </a:rPr>
-              <a:t>2 variáveis que guardam o somatório de Peso e Volume do Vetor.</a:t>
-            </a:r>
-            <a:endParaRPr kumimoji="0" lang="pt-PT" sz="1600" b="0" i="0" strike="noStrike" kern="1200" cap="none" spc="0" normalizeH="0" baseline="0" noProof="0" dirty="0">
-              <a:ln>
-                <a:noFill/>
-              </a:ln>
-              <a:solidFill>
-                <a:srgbClr val="000000">
-                  <a:lumMod val="75000"/>
-                  <a:lumOff val="25000"/>
-                </a:srgbClr>
-              </a:solidFill>
-              <a:effectLst/>
-              <a:uLnTx/>
-              <a:uFillTx/>
-              <a:latin typeface="Calibri" panose="020F0502020204030204"/>
-              <a:ea typeface="+mn-ea"/>
-              <a:cs typeface="+mn-cs"/>
-            </a:endParaRPr>
-          </a:p>
-          <a:p>
-            <a:endParaRPr lang="pt-PT" dirty="0"/>
-          </a:p>
-        </p:txBody>
-      </p:sp>
-      <p:sp>
-        <p:nvSpPr>
-          <p:cNvPr id="7" name="TextBox 6">
-            <a:extLst>
-              <a:ext uri="{FF2B5EF4-FFF2-40B4-BE49-F238E27FC236}">
-                <a16:creationId xmlns:a16="http://schemas.microsoft.com/office/drawing/2014/main" id="{0FC99067-2FE4-49FA-A359-140ACF56302F}"/>
-              </a:ext>
-            </a:extLst>
-          </p:cNvPr>
-          <p:cNvSpPr txBox="1"/>
-          <p:nvPr/>
-        </p:nvSpPr>
-        <p:spPr>
-          <a:xfrm>
-            <a:off x="6211245" y="4180707"/>
-            <a:ext cx="5751369" cy="1078244"/>
-          </a:xfrm>
-          <a:prstGeom prst="rect">
-            <a:avLst/>
-          </a:prstGeom>
-          <a:noFill/>
-        </p:spPr>
-        <p:txBody>
-          <a:bodyPr wrap="square" rtlCol="0">
-            <a:spAutoFit/>
-          </a:bodyPr>
-          <a:lstStyle/>
-          <a:p>
-            <a:pPr marL="0" indent="0" algn="ctr">
-              <a:buNone/>
-            </a:pPr>
-            <a:r>
-              <a:rPr lang="pt-PT" sz="2000" u="sng" dirty="0">
-                <a:solidFill>
-                  <a:srgbClr val="000000">
-                    <a:lumMod val="75000"/>
-                    <a:lumOff val="25000"/>
-                  </a:srgbClr>
-                </a:solidFill>
-                <a:latin typeface="Calibri" panose="020F0502020204030204"/>
-              </a:rPr>
-              <a:t>Restrições e Domínios de valores</a:t>
-            </a:r>
-            <a:endParaRPr kumimoji="0" lang="pt-PT" sz="2000" b="0" i="0" u="sng" strike="noStrike" kern="1200" cap="none" spc="0" normalizeH="0" baseline="0" noProof="0" dirty="0">
-              <a:ln>
-                <a:noFill/>
-              </a:ln>
-              <a:solidFill>
-                <a:srgbClr val="000000">
-                  <a:lumMod val="75000"/>
-                  <a:lumOff val="25000"/>
-                </a:srgbClr>
-              </a:solidFill>
-              <a:effectLst/>
-              <a:uLnTx/>
-              <a:uFillTx/>
-              <a:latin typeface="Calibri" panose="020F0502020204030204"/>
-              <a:ea typeface="+mn-ea"/>
-              <a:cs typeface="+mn-cs"/>
-            </a:endParaRPr>
           </a:p>
           <a:p>
             <a:pPr marL="91440" marR="0" lvl="0" indent="-91440" defTabSz="914400" rtl="0" eaLnBrk="1" fontAlgn="auto" latinLnBrk="0" hangingPunct="1">
@@ -6687,16 +6636,224 @@
               <a:defRPr/>
             </a:pPr>
             <a:r>
-              <a:rPr lang="pt-PT" sz="1600" dirty="0">
+              <a:rPr kumimoji="0" lang="pt-PT" sz="1600" b="0" i="0" u="none" strike="noStrike" kern="1200" cap="none" spc="0" normalizeH="0" baseline="0" noProof="0" dirty="0">
+                <a:ln>
+                  <a:noFill/>
+                </a:ln>
                 <a:solidFill>
                   <a:srgbClr val="000000">
                     <a:lumMod val="75000"/>
                     <a:lumOff val="25000"/>
                   </a:srgbClr>
                 </a:solidFill>
+                <a:effectLst/>
+                <a:uLnTx/>
+                <a:uFillTx/>
+                <a:latin typeface="Calibri" panose="020F0502020204030204"/>
+                <a:ea typeface="+mn-ea"/>
+                <a:cs typeface="+mn-cs"/>
+              </a:rPr>
+              <a:t>2 </a:t>
+            </a:r>
+            <a:r>
+              <a:rPr lang="pt-PT" sz="1600" dirty="0">
+                <a:solidFill>
+                  <a:srgbClr val="000000">
+                    <a:lumMod val="75000"/>
+                    <a:lumOff val="25000"/>
+                  </a:srgbClr>
+                </a:solidFill>
                 <a:latin typeface="Calibri" panose="020F0502020204030204"/>
               </a:rPr>
-              <a:t> Todos os valores pertencem a N</a:t>
+              <a:t>Vetores&lt;</a:t>
+            </a:r>
+            <a:r>
+              <a:rPr lang="pt-PT" sz="1600" dirty="0" err="1">
+                <a:solidFill>
+                  <a:srgbClr val="000000">
+                    <a:lumMod val="75000"/>
+                    <a:lumOff val="25000"/>
+                  </a:srgbClr>
+                </a:solidFill>
+                <a:latin typeface="Calibri" panose="020F0502020204030204"/>
+              </a:rPr>
+              <a:t>EstafetaouPedido</a:t>
+            </a:r>
+            <a:r>
+              <a:rPr lang="pt-PT" sz="1600" dirty="0">
+                <a:solidFill>
+                  <a:srgbClr val="000000">
+                    <a:lumMod val="75000"/>
+                    <a:lumOff val="25000"/>
+                  </a:srgbClr>
+                </a:solidFill>
+                <a:latin typeface="Calibri" panose="020F0502020204030204"/>
+              </a:rPr>
+              <a:t>&gt;</a:t>
+            </a:r>
+            <a:r>
+              <a:rPr kumimoji="0" lang="pt-PT" sz="1600" b="0" i="0" u="none" strike="noStrike" kern="1200" cap="none" spc="0" normalizeH="0" baseline="0" noProof="0" dirty="0">
+                <a:ln>
+                  <a:noFill/>
+                </a:ln>
+                <a:solidFill>
+                  <a:srgbClr val="000000">
+                    <a:lumMod val="75000"/>
+                    <a:lumOff val="25000"/>
+                  </a:srgbClr>
+                </a:solidFill>
+                <a:effectLst/>
+                <a:uLnTx/>
+                <a:uFillTx/>
+                <a:latin typeface="Calibri" panose="020F0502020204030204"/>
+                <a:ea typeface="+mn-ea"/>
+                <a:cs typeface="+mn-cs"/>
+              </a:rPr>
+              <a:t>, </a:t>
+            </a:r>
+            <a:r>
+              <a:rPr kumimoji="0" lang="pt-PT" sz="1600" b="0" i="0" u="none" strike="noStrike" kern="1200" cap="none" spc="0" normalizeH="0" baseline="0" noProof="0" dirty="0" err="1">
+                <a:ln>
+                  <a:noFill/>
+                </a:ln>
+                <a:solidFill>
+                  <a:srgbClr val="000000">
+                    <a:lumMod val="75000"/>
+                    <a:lumOff val="25000"/>
+                  </a:srgbClr>
+                </a:solidFill>
+                <a:effectLst/>
+                <a:uLnTx/>
+                <a:uFillTx/>
+                <a:latin typeface="Calibri" panose="020F0502020204030204"/>
+                <a:ea typeface="+mn-ea"/>
+                <a:cs typeface="+mn-cs"/>
+              </a:rPr>
+              <a:t>Est</a:t>
+            </a:r>
+            <a:r>
+              <a:rPr kumimoji="0" lang="pt-PT" sz="1600" b="0" i="0" u="none" strike="noStrike" kern="1200" cap="none" spc="0" normalizeH="0" baseline="0" noProof="0" dirty="0">
+                <a:ln>
+                  <a:noFill/>
+                </a:ln>
+                <a:solidFill>
+                  <a:srgbClr val="000000">
+                    <a:lumMod val="75000"/>
+                    <a:lumOff val="25000"/>
+                  </a:srgbClr>
+                </a:solidFill>
+                <a:effectLst/>
+                <a:uLnTx/>
+                <a:uFillTx/>
+                <a:latin typeface="Calibri" panose="020F0502020204030204"/>
+                <a:ea typeface="+mn-ea"/>
+                <a:cs typeface="+mn-cs"/>
+              </a:rPr>
+              <a:t> e </a:t>
+            </a:r>
+            <a:r>
+              <a:rPr kumimoji="0" lang="pt-PT" sz="1600" b="0" i="0" u="none" strike="noStrike" kern="1200" cap="none" spc="0" normalizeH="0" baseline="0" noProof="0" dirty="0" err="1">
+                <a:ln>
+                  <a:noFill/>
+                </a:ln>
+                <a:solidFill>
+                  <a:srgbClr val="000000">
+                    <a:lumMod val="75000"/>
+                    <a:lumOff val="25000"/>
+                  </a:srgbClr>
+                </a:solidFill>
+                <a:effectLst/>
+                <a:uLnTx/>
+                <a:uFillTx/>
+                <a:latin typeface="Calibri" panose="020F0502020204030204"/>
+                <a:ea typeface="+mn-ea"/>
+                <a:cs typeface="+mn-cs"/>
+              </a:rPr>
+              <a:t>Ped</a:t>
+            </a:r>
+            <a:r>
+              <a:rPr lang="pt-PT" sz="1600" dirty="0">
+                <a:solidFill>
+                  <a:srgbClr val="000000">
+                    <a:lumMod val="75000"/>
+                    <a:lumOff val="25000"/>
+                  </a:srgbClr>
+                </a:solidFill>
+                <a:latin typeface="Calibri" panose="020F0502020204030204"/>
+              </a:rPr>
+              <a:t>-Conjunto de carrinhas registadas e pedidos a entregar caracterizados por:</a:t>
+            </a:r>
+          </a:p>
+          <a:p>
+            <a:pPr marL="548640" lvl="1" indent="-91440" defTabSz="914400">
+              <a:lnSpc>
+                <a:spcPct val="90000"/>
+              </a:lnSpc>
+              <a:spcBef>
+                <a:spcPts val="1200"/>
+              </a:spcBef>
+              <a:spcAft>
+                <a:spcPts val="200"/>
+              </a:spcAft>
+              <a:buClr>
+                <a:srgbClr val="E48312"/>
+              </a:buClr>
+              <a:buSzPct val="100000"/>
+              <a:buFont typeface="Wingdings" panose="05000000000000000000" pitchFamily="2" charset="2"/>
+              <a:buChar char="Ø"/>
+              <a:defRPr/>
+            </a:pPr>
+            <a:r>
+              <a:rPr kumimoji="0" lang="pt-PT" sz="1600" b="0" i="0" u="none" strike="noStrike" kern="1200" cap="none" spc="0" normalizeH="0" baseline="0" noProof="0" dirty="0">
+                <a:ln>
+                  <a:noFill/>
+                </a:ln>
+                <a:solidFill>
+                  <a:srgbClr val="000000">
+                    <a:lumMod val="75000"/>
+                    <a:lumOff val="25000"/>
+                  </a:srgbClr>
+                </a:solidFill>
+                <a:effectLst/>
+                <a:uLnTx/>
+                <a:uFillTx/>
+                <a:latin typeface="Calibri" panose="020F0502020204030204"/>
+                <a:ea typeface="+mn-ea"/>
+                <a:cs typeface="+mn-cs"/>
+              </a:rPr>
+              <a:t>Peso</a:t>
+            </a:r>
+          </a:p>
+          <a:p>
+            <a:pPr marL="548640" lvl="1" indent="-91440" defTabSz="914400">
+              <a:lnSpc>
+                <a:spcPct val="90000"/>
+              </a:lnSpc>
+              <a:spcBef>
+                <a:spcPts val="1200"/>
+              </a:spcBef>
+              <a:spcAft>
+                <a:spcPts val="200"/>
+              </a:spcAft>
+              <a:buClr>
+                <a:srgbClr val="E48312"/>
+              </a:buClr>
+              <a:buSzPct val="100000"/>
+              <a:buFont typeface="Wingdings" panose="05000000000000000000" pitchFamily="2" charset="2"/>
+              <a:buChar char="Ø"/>
+              <a:defRPr/>
+            </a:pPr>
+            <a:r>
+              <a:rPr lang="pt-PT" sz="1600" dirty="0">
+                <a:solidFill>
+                  <a:srgbClr val="000000">
+                    <a:lumMod val="75000"/>
+                    <a:lumOff val="25000"/>
+                  </a:srgbClr>
+                </a:solidFill>
+                <a:latin typeface="Calibri" panose="020F0502020204030204"/>
+              </a:rPr>
+              <a:t>Volume</a:t>
             </a:r>
             <a:endParaRPr kumimoji="0" lang="pt-PT" sz="1600" b="0" i="0" u="none" strike="noStrike" kern="1200" cap="none" spc="0" normalizeH="0" baseline="0" noProof="0" dirty="0">
               <a:ln>
@@ -6721,6 +6878,1074 @@
           </a:p>
         </p:txBody>
       </p:sp>
+      <p:sp>
+        <p:nvSpPr>
+          <p:cNvPr id="7" name="TextBox 6">
+            <a:extLst>
+              <a:ext uri="{FF2B5EF4-FFF2-40B4-BE49-F238E27FC236}">
+                <a16:creationId xmlns:a16="http://schemas.microsoft.com/office/drawing/2014/main" id="{0FC99067-2FE4-49FA-A359-140ACF56302F}"/>
+              </a:ext>
+            </a:extLst>
+          </p:cNvPr>
+          <p:cNvSpPr txBox="1"/>
+          <p:nvPr/>
+        </p:nvSpPr>
+        <p:spPr>
+          <a:xfrm>
+            <a:off x="6126480" y="4103952"/>
+            <a:ext cx="5751369" cy="1016689"/>
+          </a:xfrm>
+          <a:prstGeom prst="rect">
+            <a:avLst/>
+          </a:prstGeom>
+          <a:noFill/>
+        </p:spPr>
+        <p:txBody>
+          <a:bodyPr wrap="square" rtlCol="0">
+            <a:spAutoFit/>
+          </a:bodyPr>
+          <a:lstStyle/>
+          <a:p>
+            <a:pPr marL="0" indent="0" algn="ctr">
+              <a:buNone/>
+            </a:pPr>
+            <a:r>
+              <a:rPr lang="pt-PT" sz="1600" u="sng" dirty="0">
+                <a:solidFill>
+                  <a:srgbClr val="000000">
+                    <a:lumMod val="75000"/>
+                    <a:lumOff val="25000"/>
+                  </a:srgbClr>
+                </a:solidFill>
+                <a:latin typeface="Calibri" panose="020F0502020204030204"/>
+              </a:rPr>
+              <a:t>Restrições e Domínios de valores:</a:t>
+            </a:r>
+            <a:endParaRPr kumimoji="0" lang="pt-PT" sz="1600" b="0" i="0" u="sng" strike="noStrike" kern="1200" cap="none" spc="0" normalizeH="0" baseline="0" noProof="0" dirty="0">
+              <a:ln>
+                <a:noFill/>
+              </a:ln>
+              <a:solidFill>
+                <a:srgbClr val="000000">
+                  <a:lumMod val="75000"/>
+                  <a:lumOff val="25000"/>
+                </a:srgbClr>
+              </a:solidFill>
+              <a:effectLst/>
+              <a:uLnTx/>
+              <a:uFillTx/>
+              <a:latin typeface="Calibri" panose="020F0502020204030204"/>
+              <a:ea typeface="+mn-ea"/>
+              <a:cs typeface="+mn-cs"/>
+            </a:endParaRPr>
+          </a:p>
+          <a:p>
+            <a:pPr marL="91440" marR="0" lvl="0" indent="-91440" defTabSz="914400" rtl="0" eaLnBrk="1" fontAlgn="auto" latinLnBrk="0" hangingPunct="1">
+              <a:lnSpc>
+                <a:spcPct val="90000"/>
+              </a:lnSpc>
+              <a:spcBef>
+                <a:spcPts val="1200"/>
+              </a:spcBef>
+              <a:spcAft>
+                <a:spcPts val="200"/>
+              </a:spcAft>
+              <a:buClr>
+                <a:srgbClr val="E48312"/>
+              </a:buClr>
+              <a:buSzPct val="100000"/>
+              <a:buFont typeface="Wingdings" panose="05000000000000000000" pitchFamily="2" charset="2"/>
+              <a:buChar char="Ø"/>
+              <a:tabLst/>
+              <a:defRPr/>
+            </a:pPr>
+            <a:r>
+              <a:rPr lang="pt-PT" sz="1600" dirty="0">
+                <a:solidFill>
+                  <a:srgbClr val="000000">
+                    <a:lumMod val="75000"/>
+                    <a:lumOff val="25000"/>
+                  </a:srgbClr>
+                </a:solidFill>
+                <a:latin typeface="Calibri" panose="020F0502020204030204"/>
+              </a:rPr>
+              <a:t> Todos os valores têm de ser positivos e pertencentes a N</a:t>
+            </a:r>
+            <a:endParaRPr kumimoji="0" lang="pt-PT" sz="1600" b="0" i="0" u="none" strike="noStrike" kern="1200" cap="none" spc="0" normalizeH="0" baseline="0" noProof="0" dirty="0">
+              <a:ln>
+                <a:noFill/>
+              </a:ln>
+              <a:solidFill>
+                <a:srgbClr val="000000">
+                  <a:lumMod val="75000"/>
+                  <a:lumOff val="25000"/>
+                </a:srgbClr>
+              </a:solidFill>
+              <a:effectLst/>
+              <a:uLnTx/>
+              <a:uFillTx/>
+              <a:latin typeface="Calibri" panose="020F0502020204030204"/>
+              <a:ea typeface="+mn-ea"/>
+              <a:cs typeface="+mn-cs"/>
+            </a:endParaRPr>
+          </a:p>
+          <a:p>
+            <a:endParaRPr lang="pt-PT" dirty="0"/>
+          </a:p>
+        </p:txBody>
+      </p:sp>
+    </p:spTree>
+    <p:extLst>
+      <p:ext uri="{BB962C8B-B14F-4D97-AF65-F5344CB8AC3E}">
+        <p14:creationId xmlns:p14="http://schemas.microsoft.com/office/powerpoint/2010/main" val="2598294835"/>
+      </p:ext>
+    </p:extLst>
+  </p:cSld>
+  <p:clrMapOvr>
+    <a:masterClrMapping/>
+  </p:clrMapOvr>
+</p:sld>
+</file>
+
+<file path=ppt/slides/slide6.xml><?xml version="1.0" encoding="utf-8"?>
+<p:sld xmlns:a="http://schemas.openxmlformats.org/drawingml/2006/main" xmlns:r="http://schemas.openxmlformats.org/officeDocument/2006/relationships" xmlns:p="http://schemas.openxmlformats.org/presentationml/2006/main">
+  <p:cSld>
+    <p:spTree>
+      <p:nvGrpSpPr>
+        <p:cNvPr id="1" name=""/>
+        <p:cNvGrpSpPr/>
+        <p:nvPr/>
+      </p:nvGrpSpPr>
+      <p:grpSpPr>
+        <a:xfrm>
+          <a:off x="0" y="0"/>
+          <a:ext cx="0" cy="0"/>
+          <a:chOff x="0" y="0"/>
+          <a:chExt cx="0" cy="0"/>
+        </a:xfrm>
+      </p:grpSpPr>
+      <p:sp>
+        <p:nvSpPr>
+          <p:cNvPr id="2" name="Title 1">
+            <a:extLst>
+              <a:ext uri="{FF2B5EF4-FFF2-40B4-BE49-F238E27FC236}">
+                <a16:creationId xmlns:a16="http://schemas.microsoft.com/office/drawing/2014/main" id="{905083D3-96D5-454B-A94C-2CB33399B9A1}"/>
+              </a:ext>
+            </a:extLst>
+          </p:cNvPr>
+          <p:cNvSpPr>
+            <a:spLocks noGrp="1"/>
+          </p:cNvSpPr>
+          <p:nvPr>
+            <p:ph type="title"/>
+          </p:nvPr>
+        </p:nvSpPr>
+        <p:spPr/>
+        <p:txBody>
+          <a:bodyPr/>
+          <a:lstStyle/>
+          <a:p>
+            <a:pPr algn="ctr"/>
+            <a:r>
+              <a:rPr lang="en-US" b="1" dirty="0" err="1"/>
+              <a:t>Descrição</a:t>
+            </a:r>
+            <a:r>
+              <a:rPr lang="en-US" b="1" dirty="0"/>
+              <a:t> da </a:t>
+            </a:r>
+            <a:r>
+              <a:rPr lang="en-US" b="1" dirty="0" err="1"/>
+              <a:t>Solução</a:t>
+            </a:r>
+            <a:endParaRPr lang="pt-PT" dirty="0"/>
+          </a:p>
+        </p:txBody>
+      </p:sp>
+      <p:pic>
+        <p:nvPicPr>
+          <p:cNvPr id="7" name="Picture 6">
+            <a:extLst>
+              <a:ext uri="{FF2B5EF4-FFF2-40B4-BE49-F238E27FC236}">
+                <a16:creationId xmlns:a16="http://schemas.microsoft.com/office/drawing/2014/main" id="{77094200-7941-463A-BE8B-45462315B4B9}"/>
+              </a:ext>
+            </a:extLst>
+          </p:cNvPr>
+          <p:cNvPicPr>
+            <a:picLocks noChangeAspect="1"/>
+          </p:cNvPicPr>
+          <p:nvPr/>
+        </p:nvPicPr>
+        <p:blipFill>
+          <a:blip r:embed="rId2"/>
+          <a:stretch>
+            <a:fillRect/>
+          </a:stretch>
+        </p:blipFill>
+        <p:spPr>
+          <a:xfrm>
+            <a:off x="2874838" y="2133600"/>
+            <a:ext cx="6573961" cy="3581054"/>
+          </a:xfrm>
+          <a:prstGeom prst="rect">
+            <a:avLst/>
+          </a:prstGeom>
+        </p:spPr>
+      </p:pic>
+    </p:spTree>
+    <p:extLst>
+      <p:ext uri="{BB962C8B-B14F-4D97-AF65-F5344CB8AC3E}">
+        <p14:creationId xmlns:p14="http://schemas.microsoft.com/office/powerpoint/2010/main" val="1282879808"/>
+      </p:ext>
+    </p:extLst>
+  </p:cSld>
+  <p:clrMapOvr>
+    <a:masterClrMapping/>
+  </p:clrMapOvr>
+</p:sld>
+</file>
+
+<file path=ppt/slides/slide7.xml><?xml version="1.0" encoding="utf-8"?>
+<p:sld xmlns:a="http://schemas.openxmlformats.org/drawingml/2006/main" xmlns:r="http://schemas.openxmlformats.org/officeDocument/2006/relationships" xmlns:p="http://schemas.openxmlformats.org/presentationml/2006/main">
+  <p:cSld>
+    <p:spTree>
+      <p:nvGrpSpPr>
+        <p:cNvPr id="1" name=""/>
+        <p:cNvGrpSpPr/>
+        <p:nvPr/>
+      </p:nvGrpSpPr>
+      <p:grpSpPr>
+        <a:xfrm>
+          <a:off x="0" y="0"/>
+          <a:ext cx="0" cy="0"/>
+          <a:chOff x="0" y="0"/>
+          <a:chExt cx="0" cy="0"/>
+        </a:xfrm>
+      </p:grpSpPr>
+      <p:sp>
+        <p:nvSpPr>
+          <p:cNvPr id="4" name="Title 1">
+            <a:extLst>
+              <a:ext uri="{FF2B5EF4-FFF2-40B4-BE49-F238E27FC236}">
+                <a16:creationId xmlns:a16="http://schemas.microsoft.com/office/drawing/2014/main" id="{F29967F0-2C0F-4212-ADA7-2126EE7D643F}"/>
+              </a:ext>
+            </a:extLst>
+          </p:cNvPr>
+          <p:cNvSpPr txBox="1">
+            <a:spLocks/>
+          </p:cNvSpPr>
+          <p:nvPr/>
+        </p:nvSpPr>
+        <p:spPr>
+          <a:xfrm>
+            <a:off x="1097280" y="286603"/>
+            <a:ext cx="10058400" cy="1450757"/>
+          </a:xfrm>
+          <a:prstGeom prst="rect">
+            <a:avLst/>
+          </a:prstGeom>
+        </p:spPr>
+        <p:txBody>
+          <a:bodyPr vert="horz" lIns="91440" tIns="45720" rIns="91440" bIns="45720" rtlCol="0" anchor="b">
+            <a:normAutofit/>
+          </a:bodyPr>
+          <a:lstStyle>
+            <a:lvl1pPr marL="0" algn="l" defTabSz="914400" rtl="0" eaLnBrk="1" latinLnBrk="0" hangingPunct="1">
+              <a:lnSpc>
+                <a:spcPct val="85000"/>
+              </a:lnSpc>
+              <a:spcBef>
+                <a:spcPct val="0"/>
+              </a:spcBef>
+              <a:buNone/>
+              <a:defRPr sz="4800" kern="1200" spc="-50" baseline="0">
+                <a:solidFill>
+                  <a:schemeClr val="tx1">
+                    <a:lumMod val="75000"/>
+                    <a:lumOff val="25000"/>
+                  </a:schemeClr>
+                </a:solidFill>
+                <a:latin typeface="+mj-lt"/>
+                <a:ea typeface="+mj-ea"/>
+                <a:cs typeface="+mj-cs"/>
+              </a:defRPr>
+            </a:lvl1pPr>
+          </a:lstStyle>
+          <a:p>
+            <a:pPr algn="ctr"/>
+            <a:r>
+              <a:rPr lang="en-US" b="1" dirty="0" err="1"/>
+              <a:t>Formalização</a:t>
+            </a:r>
+            <a:r>
+              <a:rPr lang="en-US" b="1" dirty="0"/>
+              <a:t> do </a:t>
+            </a:r>
+            <a:r>
+              <a:rPr lang="en-US" b="1" dirty="0" err="1"/>
+              <a:t>Cenário</a:t>
+            </a:r>
+            <a:r>
+              <a:rPr lang="en-US" b="1" dirty="0"/>
+              <a:t> 3</a:t>
+            </a:r>
+            <a:endParaRPr lang="pt-PT" b="1" dirty="0"/>
+          </a:p>
+        </p:txBody>
+      </p:sp>
+      <p:sp>
+        <p:nvSpPr>
+          <p:cNvPr id="5" name="Content Placeholder 2">
+            <a:extLst>
+              <a:ext uri="{FF2B5EF4-FFF2-40B4-BE49-F238E27FC236}">
+                <a16:creationId xmlns:a16="http://schemas.microsoft.com/office/drawing/2014/main" id="{F9671397-9D2B-4B4F-B762-DCAA21974E9D}"/>
+              </a:ext>
+            </a:extLst>
+          </p:cNvPr>
+          <p:cNvSpPr txBox="1">
+            <a:spLocks/>
+          </p:cNvSpPr>
+          <p:nvPr/>
+        </p:nvSpPr>
+        <p:spPr>
+          <a:xfrm>
+            <a:off x="614867" y="1831086"/>
+            <a:ext cx="5596378" cy="4494299"/>
+          </a:xfrm>
+          <a:prstGeom prst="rect">
+            <a:avLst/>
+          </a:prstGeom>
+        </p:spPr>
+        <p:txBody>
+          <a:bodyPr vert="horz" lIns="0" tIns="45720" rIns="0" bIns="45720" rtlCol="0">
+            <a:normAutofit/>
+          </a:bodyPr>
+          <a:lstStyle>
+            <a:lvl1pPr marL="91440" indent="-91440" algn="l" defTabSz="914400" rtl="0" eaLnBrk="1" latinLnBrk="0" hangingPunct="1">
+              <a:lnSpc>
+                <a:spcPct val="90000"/>
+              </a:lnSpc>
+              <a:spcBef>
+                <a:spcPts val="1200"/>
+              </a:spcBef>
+              <a:spcAft>
+                <a:spcPts val="200"/>
+              </a:spcAft>
+              <a:buClr>
+                <a:schemeClr val="accent1"/>
+              </a:buClr>
+              <a:buSzPct val="100000"/>
+              <a:buFont typeface="Calibri" panose="020F0502020204030204" pitchFamily="34" charset="0"/>
+              <a:buChar char=" "/>
+              <a:defRPr sz="2000" kern="1200">
+                <a:solidFill>
+                  <a:schemeClr val="tx1">
+                    <a:lumMod val="75000"/>
+                    <a:lumOff val="25000"/>
+                  </a:schemeClr>
+                </a:solidFill>
+                <a:latin typeface="+mn-lt"/>
+                <a:ea typeface="+mn-ea"/>
+                <a:cs typeface="+mn-cs"/>
+              </a:defRPr>
+            </a:lvl1pPr>
+            <a:lvl2pPr marL="384048" indent="-182880" algn="l" defTabSz="914400" rtl="0" eaLnBrk="1" latinLnBrk="0" hangingPunct="1">
+              <a:lnSpc>
+                <a:spcPct val="90000"/>
+              </a:lnSpc>
+              <a:spcBef>
+                <a:spcPts val="200"/>
+              </a:spcBef>
+              <a:spcAft>
+                <a:spcPts val="400"/>
+              </a:spcAft>
+              <a:buClr>
+                <a:schemeClr val="accent1"/>
+              </a:buClr>
+              <a:buFont typeface="Calibri" pitchFamily="34" charset="0"/>
+              <a:buChar char="◦"/>
+              <a:defRPr sz="1800" kern="1200">
+                <a:solidFill>
+                  <a:schemeClr val="tx1">
+                    <a:lumMod val="75000"/>
+                    <a:lumOff val="25000"/>
+                  </a:schemeClr>
+                </a:solidFill>
+                <a:latin typeface="+mn-lt"/>
+                <a:ea typeface="+mn-ea"/>
+                <a:cs typeface="+mn-cs"/>
+              </a:defRPr>
+            </a:lvl2pPr>
+            <a:lvl3pPr marL="566928" indent="-182880" algn="l" defTabSz="914400" rtl="0" eaLnBrk="1" latinLnBrk="0" hangingPunct="1">
+              <a:lnSpc>
+                <a:spcPct val="90000"/>
+              </a:lnSpc>
+              <a:spcBef>
+                <a:spcPts val="200"/>
+              </a:spcBef>
+              <a:spcAft>
+                <a:spcPts val="400"/>
+              </a:spcAft>
+              <a:buClr>
+                <a:schemeClr val="accent1"/>
+              </a:buClr>
+              <a:buFont typeface="Calibri" pitchFamily="34" charset="0"/>
+              <a:buChar char="◦"/>
+              <a:defRPr sz="1400" kern="1200">
+                <a:solidFill>
+                  <a:schemeClr val="tx1">
+                    <a:lumMod val="75000"/>
+                    <a:lumOff val="25000"/>
+                  </a:schemeClr>
+                </a:solidFill>
+                <a:latin typeface="+mn-lt"/>
+                <a:ea typeface="+mn-ea"/>
+                <a:cs typeface="+mn-cs"/>
+              </a:defRPr>
+            </a:lvl3pPr>
+            <a:lvl4pPr marL="749808" indent="-182880" algn="l" defTabSz="914400" rtl="0" eaLnBrk="1" latinLnBrk="0" hangingPunct="1">
+              <a:lnSpc>
+                <a:spcPct val="90000"/>
+              </a:lnSpc>
+              <a:spcBef>
+                <a:spcPts val="200"/>
+              </a:spcBef>
+              <a:spcAft>
+                <a:spcPts val="400"/>
+              </a:spcAft>
+              <a:buClr>
+                <a:schemeClr val="accent1"/>
+              </a:buClr>
+              <a:buFont typeface="Calibri" pitchFamily="34" charset="0"/>
+              <a:buChar char="◦"/>
+              <a:defRPr sz="1400" kern="1200">
+                <a:solidFill>
+                  <a:schemeClr val="tx1">
+                    <a:lumMod val="75000"/>
+                    <a:lumOff val="25000"/>
+                  </a:schemeClr>
+                </a:solidFill>
+                <a:latin typeface="+mn-lt"/>
+                <a:ea typeface="+mn-ea"/>
+                <a:cs typeface="+mn-cs"/>
+              </a:defRPr>
+            </a:lvl4pPr>
+            <a:lvl5pPr marL="932688" indent="-182880" algn="l" defTabSz="914400" rtl="0" eaLnBrk="1" latinLnBrk="0" hangingPunct="1">
+              <a:lnSpc>
+                <a:spcPct val="90000"/>
+              </a:lnSpc>
+              <a:spcBef>
+                <a:spcPts val="200"/>
+              </a:spcBef>
+              <a:spcAft>
+                <a:spcPts val="400"/>
+              </a:spcAft>
+              <a:buClr>
+                <a:schemeClr val="accent1"/>
+              </a:buClr>
+              <a:buFont typeface="Calibri" pitchFamily="34" charset="0"/>
+              <a:buChar char="◦"/>
+              <a:defRPr sz="1400" kern="1200">
+                <a:solidFill>
+                  <a:schemeClr val="tx1">
+                    <a:lumMod val="75000"/>
+                    <a:lumOff val="25000"/>
+                  </a:schemeClr>
+                </a:solidFill>
+                <a:latin typeface="+mn-lt"/>
+                <a:ea typeface="+mn-ea"/>
+                <a:cs typeface="+mn-cs"/>
+              </a:defRPr>
+            </a:lvl5pPr>
+            <a:lvl6pPr marL="1100000" indent="-228600" algn="l" defTabSz="914400" rtl="0" eaLnBrk="1" latinLnBrk="0" hangingPunct="1">
+              <a:lnSpc>
+                <a:spcPct val="90000"/>
+              </a:lnSpc>
+              <a:spcBef>
+                <a:spcPts val="200"/>
+              </a:spcBef>
+              <a:spcAft>
+                <a:spcPts val="400"/>
+              </a:spcAft>
+              <a:buClr>
+                <a:schemeClr val="accent1"/>
+              </a:buClr>
+              <a:buFont typeface="Calibri" pitchFamily="34" charset="0"/>
+              <a:buChar char="◦"/>
+              <a:defRPr sz="1400" kern="1200">
+                <a:solidFill>
+                  <a:schemeClr val="tx1">
+                    <a:lumMod val="75000"/>
+                    <a:lumOff val="25000"/>
+                  </a:schemeClr>
+                </a:solidFill>
+                <a:latin typeface="+mn-lt"/>
+                <a:ea typeface="+mn-ea"/>
+                <a:cs typeface="+mn-cs"/>
+              </a:defRPr>
+            </a:lvl6pPr>
+            <a:lvl7pPr marL="1300000" indent="-228600" algn="l" defTabSz="914400" rtl="0" eaLnBrk="1" latinLnBrk="0" hangingPunct="1">
+              <a:lnSpc>
+                <a:spcPct val="90000"/>
+              </a:lnSpc>
+              <a:spcBef>
+                <a:spcPts val="200"/>
+              </a:spcBef>
+              <a:spcAft>
+                <a:spcPts val="400"/>
+              </a:spcAft>
+              <a:buClr>
+                <a:schemeClr val="accent1"/>
+              </a:buClr>
+              <a:buFont typeface="Calibri" pitchFamily="34" charset="0"/>
+              <a:buChar char="◦"/>
+              <a:defRPr sz="1400" kern="1200">
+                <a:solidFill>
+                  <a:schemeClr val="tx1">
+                    <a:lumMod val="75000"/>
+                    <a:lumOff val="25000"/>
+                  </a:schemeClr>
+                </a:solidFill>
+                <a:latin typeface="+mn-lt"/>
+                <a:ea typeface="+mn-ea"/>
+                <a:cs typeface="+mn-cs"/>
+              </a:defRPr>
+            </a:lvl7pPr>
+            <a:lvl8pPr marL="1500000" indent="-228600" algn="l" defTabSz="914400" rtl="0" eaLnBrk="1" latinLnBrk="0" hangingPunct="1">
+              <a:lnSpc>
+                <a:spcPct val="90000"/>
+              </a:lnSpc>
+              <a:spcBef>
+                <a:spcPts val="200"/>
+              </a:spcBef>
+              <a:spcAft>
+                <a:spcPts val="400"/>
+              </a:spcAft>
+              <a:buClr>
+                <a:schemeClr val="accent1"/>
+              </a:buClr>
+              <a:buFont typeface="Calibri" pitchFamily="34" charset="0"/>
+              <a:buChar char="◦"/>
+              <a:defRPr sz="1400" kern="1200">
+                <a:solidFill>
+                  <a:schemeClr val="tx1">
+                    <a:lumMod val="75000"/>
+                    <a:lumOff val="25000"/>
+                  </a:schemeClr>
+                </a:solidFill>
+                <a:latin typeface="+mn-lt"/>
+                <a:ea typeface="+mn-ea"/>
+                <a:cs typeface="+mn-cs"/>
+              </a:defRPr>
+            </a:lvl8pPr>
+            <a:lvl9pPr marL="1700000" indent="-228600" algn="l" defTabSz="914400" rtl="0" eaLnBrk="1" latinLnBrk="0" hangingPunct="1">
+              <a:lnSpc>
+                <a:spcPct val="90000"/>
+              </a:lnSpc>
+              <a:spcBef>
+                <a:spcPts val="200"/>
+              </a:spcBef>
+              <a:spcAft>
+                <a:spcPts val="400"/>
+              </a:spcAft>
+              <a:buClr>
+                <a:schemeClr val="accent1"/>
+              </a:buClr>
+              <a:buFont typeface="Calibri" pitchFamily="34" charset="0"/>
+              <a:buChar char="◦"/>
+              <a:defRPr sz="1400" kern="1200">
+                <a:solidFill>
+                  <a:schemeClr val="tx1">
+                    <a:lumMod val="75000"/>
+                    <a:lumOff val="25000"/>
+                  </a:schemeClr>
+                </a:solidFill>
+                <a:latin typeface="+mn-lt"/>
+                <a:ea typeface="+mn-ea"/>
+                <a:cs typeface="+mn-cs"/>
+              </a:defRPr>
+            </a:lvl9pPr>
+          </a:lstStyle>
+          <a:p>
+            <a:pPr marL="0" indent="0" algn="ctr">
+              <a:buFont typeface="Calibri" panose="020F0502020204030204" pitchFamily="34" charset="0"/>
+              <a:buNone/>
+            </a:pPr>
+            <a:r>
+              <a:rPr lang="pt-PT" u="sng" dirty="0"/>
+              <a:t>Dados de entrada</a:t>
+            </a:r>
+            <a:r>
+              <a:rPr lang="pt-PT" dirty="0"/>
+              <a:t>: </a:t>
+            </a:r>
+          </a:p>
+          <a:p>
+            <a:pPr>
+              <a:buFont typeface="Wingdings" panose="05000000000000000000" pitchFamily="2" charset="2"/>
+              <a:buChar char="Ø"/>
+            </a:pPr>
+            <a:r>
+              <a:rPr lang="pt-PT" sz="1600" dirty="0"/>
+              <a:t>Vetor&lt;Encomenda&gt; E- Conjunto de encomendas caracterizadas por:</a:t>
+            </a:r>
+          </a:p>
+          <a:p>
+            <a:pPr lvl="1">
+              <a:buFont typeface="Wingdings" panose="05000000000000000000" pitchFamily="2" charset="2"/>
+              <a:buChar char="Ø"/>
+            </a:pPr>
+            <a:r>
+              <a:rPr lang="pt-PT" sz="1400" dirty="0"/>
+              <a:t>Peso</a:t>
+            </a:r>
+          </a:p>
+          <a:p>
+            <a:pPr lvl="1">
+              <a:buFont typeface="Wingdings" panose="05000000000000000000" pitchFamily="2" charset="2"/>
+              <a:buChar char="Ø"/>
+            </a:pPr>
+            <a:r>
+              <a:rPr lang="pt-PT" sz="1400" dirty="0"/>
+              <a:t>Volume</a:t>
+            </a:r>
+          </a:p>
+          <a:p>
+            <a:pPr lvl="1">
+              <a:buFont typeface="Wingdings" panose="05000000000000000000" pitchFamily="2" charset="2"/>
+              <a:buChar char="Ø"/>
+            </a:pPr>
+            <a:r>
+              <a:rPr lang="pt-PT" sz="1400" dirty="0"/>
+              <a:t>Recompensa</a:t>
+            </a:r>
+          </a:p>
+          <a:p>
+            <a:pPr lvl="1">
+              <a:buFont typeface="Wingdings" panose="05000000000000000000" pitchFamily="2" charset="2"/>
+              <a:buChar char="Ø"/>
+            </a:pPr>
+            <a:r>
+              <a:rPr lang="pt-PT" sz="1400" dirty="0"/>
+              <a:t>Duração </a:t>
+            </a:r>
+          </a:p>
+          <a:p>
+            <a:pPr lvl="1">
+              <a:buFont typeface="Wingdings" panose="05000000000000000000" pitchFamily="2" charset="2"/>
+              <a:buChar char="Ø"/>
+            </a:pPr>
+            <a:endParaRPr lang="pt-PT" sz="1400" dirty="0"/>
+          </a:p>
+          <a:p>
+            <a:pPr>
+              <a:buFont typeface="Wingdings" panose="05000000000000000000" pitchFamily="2" charset="2"/>
+              <a:buChar char="Ø"/>
+            </a:pPr>
+            <a:r>
+              <a:rPr lang="pt-PT" sz="1600" dirty="0"/>
+              <a:t>Vetor&lt;Carrinha&gt; C –Conjunto de carrinhas caracterizadas por:</a:t>
+            </a:r>
+          </a:p>
+          <a:p>
+            <a:pPr lvl="1">
+              <a:buFont typeface="Wingdings" panose="05000000000000000000" pitchFamily="2" charset="2"/>
+              <a:buChar char="Ø"/>
+            </a:pPr>
+            <a:r>
+              <a:rPr lang="pt-PT" sz="1400" dirty="0" err="1"/>
+              <a:t>PesoMax</a:t>
+            </a:r>
+            <a:endParaRPr lang="pt-PT" sz="1400" dirty="0"/>
+          </a:p>
+          <a:p>
+            <a:pPr lvl="1">
+              <a:buFont typeface="Wingdings" panose="05000000000000000000" pitchFamily="2" charset="2"/>
+              <a:buChar char="Ø"/>
+            </a:pPr>
+            <a:r>
+              <a:rPr lang="pt-PT" sz="1400" dirty="0" err="1"/>
+              <a:t>VolMax</a:t>
+            </a:r>
+            <a:endParaRPr lang="pt-PT" sz="1400" dirty="0"/>
+          </a:p>
+          <a:p>
+            <a:pPr lvl="1">
+              <a:buFont typeface="Wingdings" panose="05000000000000000000" pitchFamily="2" charset="2"/>
+              <a:buChar char="Ø"/>
+            </a:pPr>
+            <a:r>
+              <a:rPr lang="pt-PT" sz="1400" dirty="0"/>
+              <a:t>Custo</a:t>
+            </a:r>
+          </a:p>
+          <a:p>
+            <a:pPr lvl="1">
+              <a:buFont typeface="Wingdings" panose="05000000000000000000" pitchFamily="2" charset="2"/>
+              <a:buChar char="Ø"/>
+            </a:pPr>
+            <a:r>
+              <a:rPr lang="pt-PT" sz="1400" dirty="0" err="1"/>
+              <a:t>PesoAtual</a:t>
+            </a:r>
+            <a:endParaRPr lang="pt-PT" sz="1400" dirty="0"/>
+          </a:p>
+          <a:p>
+            <a:pPr lvl="1">
+              <a:buFont typeface="Wingdings" panose="05000000000000000000" pitchFamily="2" charset="2"/>
+              <a:buChar char="Ø"/>
+            </a:pPr>
+            <a:r>
+              <a:rPr lang="pt-PT" sz="1400" dirty="0" err="1"/>
+              <a:t>VolAtual</a:t>
+            </a:r>
+            <a:r>
+              <a:rPr lang="pt-PT" dirty="0"/>
+              <a:t> </a:t>
+            </a:r>
+          </a:p>
+        </p:txBody>
+      </p:sp>
+      <p:sp>
+        <p:nvSpPr>
+          <p:cNvPr id="6" name="TextBox 5">
+            <a:extLst>
+              <a:ext uri="{FF2B5EF4-FFF2-40B4-BE49-F238E27FC236}">
+                <a16:creationId xmlns:a16="http://schemas.microsoft.com/office/drawing/2014/main" id="{33A1A7FD-057F-42F8-9018-4CE31FB92D8D}"/>
+              </a:ext>
+            </a:extLst>
+          </p:cNvPr>
+          <p:cNvSpPr txBox="1"/>
+          <p:nvPr/>
+        </p:nvSpPr>
+        <p:spPr>
+          <a:xfrm>
+            <a:off x="6440631" y="1737360"/>
+            <a:ext cx="5751369" cy="2154436"/>
+          </a:xfrm>
+          <a:prstGeom prst="rect">
+            <a:avLst/>
+          </a:prstGeom>
+          <a:noFill/>
+        </p:spPr>
+        <p:txBody>
+          <a:bodyPr wrap="square" rtlCol="0">
+            <a:spAutoFit/>
+          </a:bodyPr>
+          <a:lstStyle/>
+          <a:p>
+            <a:pPr marL="0" indent="0" algn="ctr">
+              <a:buNone/>
+            </a:pPr>
+            <a:r>
+              <a:rPr lang="pt-PT" sz="2000" u="sng" dirty="0">
+                <a:solidFill>
+                  <a:srgbClr val="000000">
+                    <a:lumMod val="75000"/>
+                    <a:lumOff val="25000"/>
+                  </a:srgbClr>
+                </a:solidFill>
+                <a:latin typeface="Calibri" panose="020F0502020204030204"/>
+              </a:rPr>
+              <a:t>D</a:t>
+            </a:r>
+            <a:r>
+              <a:rPr kumimoji="0" lang="pt-PT" sz="2000" b="0" i="0" u="sng" strike="noStrike" kern="1200" cap="none" spc="0" normalizeH="0" baseline="0" noProof="0" dirty="0">
+                <a:ln>
+                  <a:noFill/>
+                </a:ln>
+                <a:solidFill>
+                  <a:srgbClr val="000000">
+                    <a:lumMod val="75000"/>
+                    <a:lumOff val="25000"/>
+                  </a:srgbClr>
+                </a:solidFill>
+                <a:effectLst/>
+                <a:uLnTx/>
+                <a:uFillTx/>
+                <a:latin typeface="Calibri" panose="020F0502020204030204"/>
+                <a:ea typeface="+mn-ea"/>
+                <a:cs typeface="+mn-cs"/>
+              </a:rPr>
+              <a:t>ados de saída:</a:t>
+            </a:r>
+          </a:p>
+          <a:p>
+            <a:pPr marL="342900" indent="-342900">
+              <a:buClr>
+                <a:schemeClr val="accent1"/>
+              </a:buClr>
+              <a:buFont typeface="Wingdings" panose="05000000000000000000" pitchFamily="2" charset="2"/>
+              <a:buChar char="Ø"/>
+            </a:pPr>
+            <a:r>
+              <a:rPr kumimoji="0" lang="pt-PT" sz="1600" b="0" i="0" strike="noStrike" kern="1200" cap="none" spc="0" normalizeH="0" baseline="0" noProof="0" dirty="0">
+                <a:ln>
+                  <a:noFill/>
+                </a:ln>
+                <a:solidFill>
+                  <a:srgbClr val="000000">
+                    <a:lumMod val="75000"/>
+                    <a:lumOff val="25000"/>
+                  </a:srgbClr>
+                </a:solidFill>
+                <a:effectLst/>
+                <a:uLnTx/>
+                <a:uFillTx/>
+                <a:latin typeface="Calibri" panose="020F0502020204030204"/>
+                <a:ea typeface="+mn-ea"/>
+                <a:cs typeface="+mn-cs"/>
+              </a:rPr>
+              <a:t>1 Vetor&lt;Pedido&gt; P-Conjunto de Pedidos caracterizados por:</a:t>
+            </a:r>
+          </a:p>
+          <a:p>
+            <a:pPr marL="800100" lvl="1" indent="-342900">
+              <a:buClr>
+                <a:schemeClr val="accent1"/>
+              </a:buClr>
+              <a:buFont typeface="Wingdings" panose="05000000000000000000" pitchFamily="2" charset="2"/>
+              <a:buChar char="Ø"/>
+            </a:pPr>
+            <a:r>
+              <a:rPr lang="pt-PT" sz="1600" dirty="0">
+                <a:solidFill>
+                  <a:srgbClr val="000000">
+                    <a:lumMod val="75000"/>
+                    <a:lumOff val="25000"/>
+                  </a:srgbClr>
+                </a:solidFill>
+                <a:latin typeface="Calibri" panose="020F0502020204030204"/>
+              </a:rPr>
+              <a:t>Peso</a:t>
+            </a:r>
+          </a:p>
+          <a:p>
+            <a:pPr marL="800100" lvl="1" indent="-342900">
+              <a:buClr>
+                <a:schemeClr val="accent1"/>
+              </a:buClr>
+              <a:buFont typeface="Wingdings" panose="05000000000000000000" pitchFamily="2" charset="2"/>
+              <a:buChar char="Ø"/>
+            </a:pPr>
+            <a:r>
+              <a:rPr kumimoji="0" lang="pt-PT" sz="1600" b="0" i="0" strike="noStrike" kern="1200" cap="none" spc="0" normalizeH="0" baseline="0" noProof="0" dirty="0">
+                <a:ln>
+                  <a:noFill/>
+                </a:ln>
+                <a:solidFill>
+                  <a:srgbClr val="000000">
+                    <a:lumMod val="75000"/>
+                    <a:lumOff val="25000"/>
+                  </a:srgbClr>
+                </a:solidFill>
+                <a:effectLst/>
+                <a:uLnTx/>
+                <a:uFillTx/>
+                <a:latin typeface="Calibri" panose="020F0502020204030204"/>
+                <a:ea typeface="+mn-ea"/>
+                <a:cs typeface="+mn-cs"/>
+              </a:rPr>
+              <a:t>Volume</a:t>
+            </a:r>
+          </a:p>
+          <a:p>
+            <a:pPr marL="800100" lvl="1" indent="-342900">
+              <a:buClr>
+                <a:schemeClr val="accent1"/>
+              </a:buClr>
+              <a:buFont typeface="Wingdings" panose="05000000000000000000" pitchFamily="2" charset="2"/>
+              <a:buChar char="Ø"/>
+            </a:pPr>
+            <a:r>
+              <a:rPr lang="pt-PT" sz="1600" dirty="0">
+                <a:solidFill>
+                  <a:srgbClr val="000000">
+                    <a:lumMod val="75000"/>
+                    <a:lumOff val="25000"/>
+                  </a:srgbClr>
+                </a:solidFill>
+                <a:latin typeface="Calibri" panose="020F0502020204030204"/>
+              </a:rPr>
+              <a:t>Duração</a:t>
+            </a:r>
+            <a:endParaRPr kumimoji="0" lang="pt-PT" sz="1600" b="0" i="0" strike="noStrike" kern="1200" cap="none" spc="0" normalizeH="0" baseline="0" noProof="0" dirty="0">
+              <a:ln>
+                <a:noFill/>
+              </a:ln>
+              <a:solidFill>
+                <a:srgbClr val="000000">
+                  <a:lumMod val="75000"/>
+                  <a:lumOff val="25000"/>
+                </a:srgbClr>
+              </a:solidFill>
+              <a:effectLst/>
+              <a:uLnTx/>
+              <a:uFillTx/>
+              <a:latin typeface="Calibri" panose="020F0502020204030204"/>
+              <a:ea typeface="+mn-ea"/>
+              <a:cs typeface="+mn-cs"/>
+            </a:endParaRPr>
+          </a:p>
+          <a:p>
+            <a:pPr marL="342900" indent="-342900">
+              <a:buClr>
+                <a:schemeClr val="accent1"/>
+              </a:buClr>
+              <a:buFont typeface="Wingdings" panose="05000000000000000000" pitchFamily="2" charset="2"/>
+              <a:buChar char="Ø"/>
+            </a:pPr>
+            <a:r>
+              <a:rPr lang="pt-PT" sz="1600" dirty="0">
+                <a:solidFill>
+                  <a:srgbClr val="000000">
+                    <a:lumMod val="75000"/>
+                    <a:lumOff val="25000"/>
+                  </a:srgbClr>
+                </a:solidFill>
+                <a:latin typeface="Calibri" panose="020F0502020204030204"/>
+              </a:rPr>
+              <a:t>2 variáveis que guardam o somatório de Peso e Volume do Vetor.</a:t>
+            </a:r>
+            <a:endParaRPr kumimoji="0" lang="pt-PT" sz="1600" b="0" i="0" strike="noStrike" kern="1200" cap="none" spc="0" normalizeH="0" baseline="0" noProof="0" dirty="0">
+              <a:ln>
+                <a:noFill/>
+              </a:ln>
+              <a:solidFill>
+                <a:srgbClr val="000000">
+                  <a:lumMod val="75000"/>
+                  <a:lumOff val="25000"/>
+                </a:srgbClr>
+              </a:solidFill>
+              <a:effectLst/>
+              <a:uLnTx/>
+              <a:uFillTx/>
+              <a:latin typeface="Calibri" panose="020F0502020204030204"/>
+              <a:ea typeface="+mn-ea"/>
+              <a:cs typeface="+mn-cs"/>
+            </a:endParaRPr>
+          </a:p>
+          <a:p>
+            <a:endParaRPr lang="pt-PT" dirty="0"/>
+          </a:p>
+        </p:txBody>
+      </p:sp>
+      <p:sp>
+        <p:nvSpPr>
+          <p:cNvPr id="7" name="TextBox 6">
+            <a:extLst>
+              <a:ext uri="{FF2B5EF4-FFF2-40B4-BE49-F238E27FC236}">
+                <a16:creationId xmlns:a16="http://schemas.microsoft.com/office/drawing/2014/main" id="{0FC99067-2FE4-49FA-A359-140ACF56302F}"/>
+              </a:ext>
+            </a:extLst>
+          </p:cNvPr>
+          <p:cNvSpPr txBox="1"/>
+          <p:nvPr/>
+        </p:nvSpPr>
+        <p:spPr>
+          <a:xfrm>
+            <a:off x="6211245" y="4180707"/>
+            <a:ext cx="5751369" cy="1078244"/>
+          </a:xfrm>
+          <a:prstGeom prst="rect">
+            <a:avLst/>
+          </a:prstGeom>
+          <a:noFill/>
+        </p:spPr>
+        <p:txBody>
+          <a:bodyPr wrap="square" rtlCol="0">
+            <a:spAutoFit/>
+          </a:bodyPr>
+          <a:lstStyle/>
+          <a:p>
+            <a:pPr marL="0" indent="0" algn="ctr">
+              <a:buNone/>
+            </a:pPr>
+            <a:r>
+              <a:rPr lang="pt-PT" sz="2000" u="sng" dirty="0">
+                <a:solidFill>
+                  <a:srgbClr val="000000">
+                    <a:lumMod val="75000"/>
+                    <a:lumOff val="25000"/>
+                  </a:srgbClr>
+                </a:solidFill>
+                <a:latin typeface="Calibri" panose="020F0502020204030204"/>
+              </a:rPr>
+              <a:t>Restrições e Domínios de valores</a:t>
+            </a:r>
+            <a:endParaRPr kumimoji="0" lang="pt-PT" sz="2000" b="0" i="0" u="sng" strike="noStrike" kern="1200" cap="none" spc="0" normalizeH="0" baseline="0" noProof="0" dirty="0">
+              <a:ln>
+                <a:noFill/>
+              </a:ln>
+              <a:solidFill>
+                <a:srgbClr val="000000">
+                  <a:lumMod val="75000"/>
+                  <a:lumOff val="25000"/>
+                </a:srgbClr>
+              </a:solidFill>
+              <a:effectLst/>
+              <a:uLnTx/>
+              <a:uFillTx/>
+              <a:latin typeface="Calibri" panose="020F0502020204030204"/>
+              <a:ea typeface="+mn-ea"/>
+              <a:cs typeface="+mn-cs"/>
+            </a:endParaRPr>
+          </a:p>
+          <a:p>
+            <a:pPr marL="91440" marR="0" lvl="0" indent="-91440" defTabSz="914400" rtl="0" eaLnBrk="1" fontAlgn="auto" latinLnBrk="0" hangingPunct="1">
+              <a:lnSpc>
+                <a:spcPct val="90000"/>
+              </a:lnSpc>
+              <a:spcBef>
+                <a:spcPts val="1200"/>
+              </a:spcBef>
+              <a:spcAft>
+                <a:spcPts val="200"/>
+              </a:spcAft>
+              <a:buClr>
+                <a:srgbClr val="E48312"/>
+              </a:buClr>
+              <a:buSzPct val="100000"/>
+              <a:buFont typeface="Wingdings" panose="05000000000000000000" pitchFamily="2" charset="2"/>
+              <a:buChar char="Ø"/>
+              <a:tabLst/>
+              <a:defRPr/>
+            </a:pPr>
+            <a:r>
+              <a:rPr lang="pt-PT" sz="1600" dirty="0">
+                <a:solidFill>
+                  <a:srgbClr val="000000">
+                    <a:lumMod val="75000"/>
+                    <a:lumOff val="25000"/>
+                  </a:srgbClr>
+                </a:solidFill>
+                <a:latin typeface="Calibri" panose="020F0502020204030204"/>
+              </a:rPr>
+              <a:t> Todos os valores pertencem a N</a:t>
+            </a:r>
+            <a:endParaRPr kumimoji="0" lang="pt-PT" sz="1600" b="0" i="0" u="none" strike="noStrike" kern="1200" cap="none" spc="0" normalizeH="0" baseline="0" noProof="0" dirty="0">
+              <a:ln>
+                <a:noFill/>
+              </a:ln>
+              <a:solidFill>
+                <a:srgbClr val="000000">
+                  <a:lumMod val="75000"/>
+                  <a:lumOff val="25000"/>
+                </a:srgbClr>
+              </a:solidFill>
+              <a:effectLst/>
+              <a:uLnTx/>
+              <a:uFillTx/>
+              <a:latin typeface="Calibri" panose="020F0502020204030204"/>
+              <a:ea typeface="+mn-ea"/>
+              <a:cs typeface="+mn-cs"/>
+            </a:endParaRPr>
+          </a:p>
+          <a:p>
+            <a:endParaRPr lang="pt-PT" dirty="0"/>
+          </a:p>
+        </p:txBody>
+      </p:sp>
     </p:spTree>
     <p:extLst>
       <p:ext uri="{BB962C8B-B14F-4D97-AF65-F5344CB8AC3E}">
@@ -6734,7 +7959,7 @@
 </p:sld>
 </file>
 
-<file path=ppt/slides/slide6.xml><?xml version="1.0" encoding="utf-8"?>
+<file path=ppt/slides/slide8.xml><?xml version="1.0" encoding="utf-8"?>
 <p:sld xmlns:a="http://schemas.openxmlformats.org/drawingml/2006/main" xmlns:r="http://schemas.openxmlformats.org/officeDocument/2006/relationships" xmlns:p="http://schemas.openxmlformats.org/presentationml/2006/main">
   <p:cSld>
     <p:spTree>
@@ -6846,8 +8071,8 @@
         </p:blipFill>
         <p:spPr>
           <a:xfrm>
-            <a:off x="3404118" y="2340139"/>
-            <a:ext cx="5383763" cy="1343608"/>
+            <a:off x="6844575" y="2828835"/>
+            <a:ext cx="3860800" cy="1200329"/>
           </a:xfrm>
           <a:prstGeom prst="rect">
             <a:avLst/>
@@ -6868,8 +8093,8 @@
         </p:nvSpPr>
         <p:spPr>
           <a:xfrm>
-            <a:off x="4297679" y="3903939"/>
-            <a:ext cx="3657601" cy="369332"/>
+            <a:off x="6711714" y="4032363"/>
+            <a:ext cx="3657601" cy="276999"/>
           </a:xfrm>
           <a:prstGeom prst="rect">
             <a:avLst/>
@@ -6882,13 +8107,10 @@
           </a:bodyPr>
           <a:lstStyle/>
           <a:p>
-            <a:r>
-              <a:rPr lang="pt-PT" dirty="0" err="1"/>
-              <a:t>Pseudo-código</a:t>
-            </a:r>
-            <a:r>
-              <a:rPr lang="pt-PT" dirty="0"/>
-              <a:t> da função aplicada</a:t>
+            <a:pPr algn="ctr"/>
+            <a:r>
+              <a:rPr lang="pt-PT" sz="1200" dirty="0"/>
+              <a:t>Pseudocódigo da função aplicada</a:t>
             </a:r>
           </a:p>
         </p:txBody>
@@ -6907,8 +8129,8 @@
         </p:nvSpPr>
         <p:spPr>
           <a:xfrm>
-            <a:off x="3461657" y="4493463"/>
-            <a:ext cx="5047861" cy="923330"/>
+            <a:off x="1486625" y="2828834"/>
+            <a:ext cx="4294763" cy="1200329"/>
           </a:xfrm>
           <a:prstGeom prst="rect">
             <a:avLst/>
@@ -6939,15 +8161,7 @@
             </a:r>
             <a:r>
               <a:rPr lang="pt-PT" dirty="0"/>
-              <a:t> vamos percorrer as encomendas organizadas por duração </a:t>
-            </a:r>
-            <a:r>
-              <a:rPr lang="pt-PT" dirty="0" err="1"/>
-              <a:t>descrescente</a:t>
-            </a:r>
-            <a:r>
-              <a:rPr lang="pt-PT" dirty="0"/>
-              <a:t> ate o período de tempo se esgotar.</a:t>
+              <a:t> vamos percorrer as encomendas organizadas por duração decrescente ate o período de tempo se esgotar.</a:t>
             </a:r>
           </a:p>
         </p:txBody>
@@ -6956,171 +8170,6 @@
     <p:extLst>
       <p:ext uri="{BB962C8B-B14F-4D97-AF65-F5344CB8AC3E}">
         <p14:creationId xmlns:p14="http://schemas.microsoft.com/office/powerpoint/2010/main" val="1758428583"/>
-      </p:ext>
-    </p:extLst>
-  </p:cSld>
-  <p:clrMapOvr>
-    <a:masterClrMapping/>
-  </p:clrMapOvr>
-</p:sld>
-</file>
-
-<file path=ppt/slides/slide7.xml><?xml version="1.0" encoding="utf-8"?>
-<p:sld xmlns:a="http://schemas.openxmlformats.org/drawingml/2006/main" xmlns:r="http://schemas.openxmlformats.org/officeDocument/2006/relationships" xmlns:p="http://schemas.openxmlformats.org/presentationml/2006/main">
-  <p:cSld>
-    <p:spTree>
-      <p:nvGrpSpPr>
-        <p:cNvPr id="1" name=""/>
-        <p:cNvGrpSpPr/>
-        <p:nvPr/>
-      </p:nvGrpSpPr>
-      <p:grpSpPr>
-        <a:xfrm>
-          <a:off x="0" y="0"/>
-          <a:ext cx="0" cy="0"/>
-          <a:chOff x="0" y="0"/>
-          <a:chExt cx="0" cy="0"/>
-        </a:xfrm>
-      </p:grpSpPr>
-      <p:sp>
-        <p:nvSpPr>
-          <p:cNvPr id="2" name="Title 1">
-            <a:extLst>
-              <a:ext uri="{FF2B5EF4-FFF2-40B4-BE49-F238E27FC236}">
-                <a16:creationId xmlns:a16="http://schemas.microsoft.com/office/drawing/2014/main" id="{985620E8-013C-4AB0-BBA5-EF61AB90C269}"/>
-              </a:ext>
-            </a:extLst>
-          </p:cNvPr>
-          <p:cNvSpPr>
-            <a:spLocks noGrp="1"/>
-          </p:cNvSpPr>
-          <p:nvPr>
-            <p:ph type="title"/>
-          </p:nvPr>
-        </p:nvSpPr>
-        <p:spPr/>
-        <p:txBody>
-          <a:bodyPr/>
-          <a:lstStyle/>
-          <a:p>
-            <a:pPr algn="ctr"/>
-            <a:r>
-              <a:rPr lang="en-US" b="1" dirty="0" err="1"/>
-              <a:t>Dificuldades</a:t>
-            </a:r>
-            <a:endParaRPr lang="pt-PT" b="1" dirty="0"/>
-          </a:p>
-        </p:txBody>
-      </p:sp>
-      <p:sp>
-        <p:nvSpPr>
-          <p:cNvPr id="3" name="Content Placeholder 2">
-            <a:extLst>
-              <a:ext uri="{FF2B5EF4-FFF2-40B4-BE49-F238E27FC236}">
-                <a16:creationId xmlns:a16="http://schemas.microsoft.com/office/drawing/2014/main" id="{0DA53B97-5997-490C-B21F-AEAD1D079AC5}"/>
-              </a:ext>
-            </a:extLst>
-          </p:cNvPr>
-          <p:cNvSpPr>
-            <a:spLocks noGrp="1"/>
-          </p:cNvSpPr>
-          <p:nvPr>
-            <p:ph idx="1"/>
-          </p:nvPr>
-        </p:nvSpPr>
-        <p:spPr/>
-        <p:txBody>
-          <a:bodyPr/>
-          <a:lstStyle/>
-          <a:p>
-            <a:endParaRPr lang="pt-PT" dirty="0"/>
-          </a:p>
-        </p:txBody>
-      </p:sp>
-    </p:spTree>
-    <p:extLst>
-      <p:ext uri="{BB962C8B-B14F-4D97-AF65-F5344CB8AC3E}">
-        <p14:creationId xmlns:p14="http://schemas.microsoft.com/office/powerpoint/2010/main" val="470523517"/>
-      </p:ext>
-    </p:extLst>
-  </p:cSld>
-  <p:clrMapOvr>
-    <a:masterClrMapping/>
-  </p:clrMapOvr>
-</p:sld>
-</file>
-
-<file path=ppt/slides/slide8.xml><?xml version="1.0" encoding="utf-8"?>
-<p:sld xmlns:a="http://schemas.openxmlformats.org/drawingml/2006/main" xmlns:r="http://schemas.openxmlformats.org/officeDocument/2006/relationships" xmlns:p="http://schemas.openxmlformats.org/presentationml/2006/main">
-  <p:cSld>
-    <p:spTree>
-      <p:nvGrpSpPr>
-        <p:cNvPr id="1" name=""/>
-        <p:cNvGrpSpPr/>
-        <p:nvPr/>
-      </p:nvGrpSpPr>
-      <p:grpSpPr>
-        <a:xfrm>
-          <a:off x="0" y="0"/>
-          <a:ext cx="0" cy="0"/>
-          <a:chOff x="0" y="0"/>
-          <a:chExt cx="0" cy="0"/>
-        </a:xfrm>
-      </p:grpSpPr>
-      <p:sp>
-        <p:nvSpPr>
-          <p:cNvPr id="2" name="Title 1">
-            <a:extLst>
-              <a:ext uri="{FF2B5EF4-FFF2-40B4-BE49-F238E27FC236}">
-                <a16:creationId xmlns:a16="http://schemas.microsoft.com/office/drawing/2014/main" id="{0D827E17-24D3-4ECC-8AD6-8C29A5AF86BF}"/>
-              </a:ext>
-            </a:extLst>
-          </p:cNvPr>
-          <p:cNvSpPr>
-            <a:spLocks noGrp="1"/>
-          </p:cNvSpPr>
-          <p:nvPr>
-            <p:ph type="title"/>
-          </p:nvPr>
-        </p:nvSpPr>
-        <p:spPr/>
-        <p:txBody>
-          <a:bodyPr/>
-          <a:lstStyle/>
-          <a:p>
-            <a:endParaRPr lang="pt-PT"/>
-          </a:p>
-        </p:txBody>
-      </p:sp>
-      <p:sp>
-        <p:nvSpPr>
-          <p:cNvPr id="3" name="Content Placeholder 2">
-            <a:extLst>
-              <a:ext uri="{FF2B5EF4-FFF2-40B4-BE49-F238E27FC236}">
-                <a16:creationId xmlns:a16="http://schemas.microsoft.com/office/drawing/2014/main" id="{ECA0915C-EE2D-4EB4-BF3A-96FCE8158E53}"/>
-              </a:ext>
-            </a:extLst>
-          </p:cNvPr>
-          <p:cNvSpPr>
-            <a:spLocks noGrp="1"/>
-          </p:cNvSpPr>
-          <p:nvPr>
-            <p:ph idx="1"/>
-          </p:nvPr>
-        </p:nvSpPr>
-        <p:spPr/>
-        <p:txBody>
-          <a:bodyPr/>
-          <a:lstStyle/>
-          <a:p>
-            <a:endParaRPr lang="pt-PT"/>
-          </a:p>
-        </p:txBody>
-      </p:sp>
-    </p:spTree>
-    <p:extLst>
-      <p:ext uri="{BB962C8B-B14F-4D97-AF65-F5344CB8AC3E}">
-        <p14:creationId xmlns:p14="http://schemas.microsoft.com/office/powerpoint/2010/main" val="2126801611"/>
       </p:ext>
     </p:extLst>
   </p:cSld>
@@ -7152,7 +8201,7 @@
           <p:cNvPr id="2" name="Title 1">
             <a:extLst>
               <a:ext uri="{FF2B5EF4-FFF2-40B4-BE49-F238E27FC236}">
-                <a16:creationId xmlns:a16="http://schemas.microsoft.com/office/drawing/2014/main" id="{8C742769-4AB3-404D-AA45-B0FC74F1E218}"/>
+                <a16:creationId xmlns:a16="http://schemas.microsoft.com/office/drawing/2014/main" id="{985620E8-013C-4AB0-BBA5-EF61AB90C269}"/>
               </a:ext>
             </a:extLst>
           </p:cNvPr>
@@ -7168,7 +8217,12 @@
           <a:bodyPr/>
           <a:lstStyle/>
           <a:p>
-            <a:endParaRPr lang="pt-PT"/>
+            <a:pPr algn="ctr"/>
+            <a:r>
+              <a:rPr lang="en-US" b="1" dirty="0" err="1"/>
+              <a:t>Dificuldades</a:t>
+            </a:r>
+            <a:endParaRPr lang="pt-PT" b="1" dirty="0"/>
           </a:p>
         </p:txBody>
       </p:sp>
@@ -7177,7 +8231,7 @@
           <p:cNvPr id="3" name="Content Placeholder 2">
             <a:extLst>
               <a:ext uri="{FF2B5EF4-FFF2-40B4-BE49-F238E27FC236}">
-                <a16:creationId xmlns:a16="http://schemas.microsoft.com/office/drawing/2014/main" id="{FFF57B6D-ACD6-4568-86FC-6D1AD2A8AE64}"/>
+                <a16:creationId xmlns:a16="http://schemas.microsoft.com/office/drawing/2014/main" id="{0DA53B97-5997-490C-B21F-AEAD1D079AC5}"/>
               </a:ext>
             </a:extLst>
           </p:cNvPr>
@@ -7193,14 +8247,14 @@
           <a:bodyPr/>
           <a:lstStyle/>
           <a:p>
-            <a:endParaRPr lang="pt-PT"/>
+            <a:endParaRPr lang="pt-PT" dirty="0"/>
           </a:p>
         </p:txBody>
       </p:sp>
     </p:spTree>
     <p:extLst>
       <p:ext uri="{BB962C8B-B14F-4D97-AF65-F5344CB8AC3E}">
-        <p14:creationId xmlns:p14="http://schemas.microsoft.com/office/powerpoint/2010/main" val="3099424196"/>
+        <p14:creationId xmlns:p14="http://schemas.microsoft.com/office/powerpoint/2010/main" val="470523517"/>
       </p:ext>
     </p:extLst>
   </p:cSld>

--- a/Presentation/Logística Urbana para Entrega de Mercadorias.pptx
+++ b/Presentation/Logística Urbana para Entrega de Mercadorias.pptx
@@ -552,7 +552,7 @@
           <a:p>
             <a:fld id="{B2B3E82F-7782-4578-8D73-D17823895593}" type="datetimeFigureOut">
               <a:rPr lang="pt-PT" smtClean="0"/>
-              <a:t>14/04/2022</a:t>
+              <a:t>16/04/2022</a:t>
             </a:fld>
             <a:endParaRPr lang="pt-PT"/>
           </a:p>
@@ -760,7 +760,7 @@
           <a:p>
             <a:fld id="{B2B3E82F-7782-4578-8D73-D17823895593}" type="datetimeFigureOut">
               <a:rPr lang="pt-PT" smtClean="0"/>
-              <a:t>14/04/2022</a:t>
+              <a:t>16/04/2022</a:t>
             </a:fld>
             <a:endParaRPr lang="pt-PT"/>
           </a:p>
@@ -1016,7 +1016,7 @@
           <a:p>
             <a:fld id="{B2B3E82F-7782-4578-8D73-D17823895593}" type="datetimeFigureOut">
               <a:rPr lang="pt-PT" smtClean="0"/>
-              <a:t>14/04/2022</a:t>
+              <a:t>16/04/2022</a:t>
             </a:fld>
             <a:endParaRPr lang="pt-PT"/>
           </a:p>
@@ -1190,7 +1190,7 @@
           <a:p>
             <a:fld id="{B2B3E82F-7782-4578-8D73-D17823895593}" type="datetimeFigureOut">
               <a:rPr lang="pt-PT" smtClean="0"/>
-              <a:t>14/04/2022</a:t>
+              <a:t>16/04/2022</a:t>
             </a:fld>
             <a:endParaRPr lang="pt-PT"/>
           </a:p>
@@ -1533,7 +1533,7 @@
           <a:p>
             <a:fld id="{B2B3E82F-7782-4578-8D73-D17823895593}" type="datetimeFigureOut">
               <a:rPr lang="pt-PT" smtClean="0"/>
-              <a:t>14/04/2022</a:t>
+              <a:t>16/04/2022</a:t>
             </a:fld>
             <a:endParaRPr lang="pt-PT"/>
           </a:p>
@@ -1808,7 +1808,7 @@
           <a:p>
             <a:fld id="{B2B3E82F-7782-4578-8D73-D17823895593}" type="datetimeFigureOut">
               <a:rPr lang="pt-PT" smtClean="0"/>
-              <a:t>14/04/2022</a:t>
+              <a:t>16/04/2022</a:t>
             </a:fld>
             <a:endParaRPr lang="pt-PT"/>
           </a:p>
@@ -2187,7 +2187,7 @@
           <a:p>
             <a:fld id="{B2B3E82F-7782-4578-8D73-D17823895593}" type="datetimeFigureOut">
               <a:rPr lang="pt-PT" smtClean="0"/>
-              <a:t>14/04/2022</a:t>
+              <a:t>16/04/2022</a:t>
             </a:fld>
             <a:endParaRPr lang="pt-PT"/>
           </a:p>
@@ -2305,7 +2305,7 @@
           <a:p>
             <a:fld id="{B2B3E82F-7782-4578-8D73-D17823895593}" type="datetimeFigureOut">
               <a:rPr lang="pt-PT" smtClean="0"/>
-              <a:t>14/04/2022</a:t>
+              <a:t>16/04/2022</a:t>
             </a:fld>
             <a:endParaRPr lang="pt-PT"/>
           </a:p>
@@ -2476,7 +2476,7 @@
           <a:p>
             <a:fld id="{B2B3E82F-7782-4578-8D73-D17823895593}" type="datetimeFigureOut">
               <a:rPr lang="pt-PT" smtClean="0"/>
-              <a:t>14/04/2022</a:t>
+              <a:t>16/04/2022</a:t>
             </a:fld>
             <a:endParaRPr lang="pt-PT"/>
           </a:p>
@@ -2830,7 +2830,7 @@
           <a:p>
             <a:fld id="{B2B3E82F-7782-4578-8D73-D17823895593}" type="datetimeFigureOut">
               <a:rPr lang="pt-PT" smtClean="0"/>
-              <a:t>14/04/2022</a:t>
+              <a:t>16/04/2022</a:t>
             </a:fld>
             <a:endParaRPr lang="pt-PT"/>
           </a:p>
@@ -3212,7 +3212,7 @@
           <a:p>
             <a:fld id="{B2B3E82F-7782-4578-8D73-D17823895593}" type="datetimeFigureOut">
               <a:rPr lang="pt-PT" smtClean="0"/>
-              <a:t>14/04/2022</a:t>
+              <a:t>16/04/2022</a:t>
             </a:fld>
             <a:endParaRPr lang="pt-PT"/>
           </a:p>
@@ -3499,7 +3499,7 @@
           <a:p>
             <a:fld id="{B2B3E82F-7782-4578-8D73-D17823895593}" type="datetimeFigureOut">
               <a:rPr lang="pt-PT" smtClean="0"/>
-              <a:t>14/04/2022</a:t>
+              <a:t>16/04/2022</a:t>
             </a:fld>
             <a:endParaRPr lang="pt-PT"/>
           </a:p>
@@ -5841,7 +5841,12 @@
             <p:ph type="title"/>
           </p:nvPr>
         </p:nvSpPr>
-        <p:spPr/>
+        <p:spPr>
+          <a:xfrm>
+            <a:off x="680030" y="393965"/>
+            <a:ext cx="10058400" cy="1450757"/>
+          </a:xfrm>
+        </p:spPr>
         <p:txBody>
           <a:bodyPr/>
           <a:lstStyle/>
@@ -5891,8 +5896,8 @@
         </p:blipFill>
         <p:spPr>
           <a:xfrm>
-            <a:off x="7259411" y="1961945"/>
-            <a:ext cx="3896269" cy="2934109"/>
+            <a:off x="4618951" y="2118483"/>
+            <a:ext cx="2954095" cy="2224599"/>
           </a:xfrm>
           <a:prstGeom prst="rect">
             <a:avLst/>
@@ -5913,8 +5918,8 @@
         </p:nvSpPr>
         <p:spPr>
           <a:xfrm>
-            <a:off x="725235" y="2551836"/>
-            <a:ext cx="6162131" cy="1754326"/>
+            <a:off x="1669002" y="4713498"/>
+            <a:ext cx="9241654" cy="1477328"/>
           </a:xfrm>
           <a:prstGeom prst="rect">
             <a:avLst/>
@@ -6003,8 +6008,8 @@
         </p:nvSpPr>
         <p:spPr>
           <a:xfrm>
-            <a:off x="5817281" y="4909023"/>
-            <a:ext cx="6162131" cy="369332"/>
+            <a:off x="3014934" y="4343082"/>
+            <a:ext cx="6162131" cy="261610"/>
           </a:xfrm>
           <a:prstGeom prst="rect">
             <a:avLst/>
@@ -6019,11 +6024,11 @@
           <a:p>
             <a:pPr algn="ctr"/>
             <a:r>
-              <a:rPr lang="pt-PT" dirty="0" err="1"/>
+              <a:rPr lang="pt-PT" sz="1100" dirty="0" err="1"/>
               <a:t>Pseudo</a:t>
             </a:r>
             <a:r>
-              <a:rPr lang="pt-PT" dirty="0"/>
+              <a:rPr lang="pt-PT" sz="1100" dirty="0"/>
               <a:t> código da função aplicada</a:t>
             </a:r>
           </a:p>
@@ -7084,8 +7089,8 @@
         </p:blipFill>
         <p:spPr>
           <a:xfrm>
-            <a:off x="2874838" y="2133600"/>
-            <a:ext cx="6573961" cy="3581054"/>
+            <a:off x="4783538" y="2006354"/>
+            <a:ext cx="4965962" cy="2705124"/>
           </a:xfrm>
           <a:prstGeom prst="rect">
             <a:avLst/>
@@ -7992,7 +7997,12 @@
             <p:ph type="title"/>
           </p:nvPr>
         </p:nvSpPr>
-        <p:spPr/>
+        <p:spPr>
+          <a:xfrm>
+            <a:off x="573498" y="286002"/>
+            <a:ext cx="10058400" cy="1450757"/>
+          </a:xfrm>
+        </p:spPr>
         <p:txBody>
           <a:bodyPr/>
           <a:lstStyle/>
@@ -8071,8 +8081,8 @@
         </p:blipFill>
         <p:spPr>
           <a:xfrm>
-            <a:off x="6844575" y="2828835"/>
-            <a:ext cx="3860800" cy="1200329"/>
+            <a:off x="3401627" y="2109439"/>
+            <a:ext cx="5388745" cy="1846556"/>
           </a:xfrm>
           <a:prstGeom prst="rect">
             <a:avLst/>
@@ -8093,7 +8103,7 @@
         </p:nvSpPr>
         <p:spPr>
           <a:xfrm>
-            <a:off x="6711714" y="4032363"/>
+            <a:off x="3853104" y="3955995"/>
             <a:ext cx="3657601" cy="276999"/>
           </a:xfrm>
           <a:prstGeom prst="rect">
@@ -8110,7 +8120,7 @@
             <a:pPr algn="ctr"/>
             <a:r>
               <a:rPr lang="pt-PT" sz="1200" dirty="0"/>
-              <a:t>Pseudocódigo da função aplicada</a:t>
+              <a:t>  Pseudocódigo da função aplicada</a:t>
             </a:r>
           </a:p>
         </p:txBody>
@@ -8129,8 +8139,8 @@
         </p:nvSpPr>
         <p:spPr>
           <a:xfrm>
-            <a:off x="1486625" y="2828834"/>
-            <a:ext cx="4294763" cy="1200329"/>
+            <a:off x="3195083" y="4589379"/>
+            <a:ext cx="6249880" cy="923330"/>
           </a:xfrm>
           <a:prstGeom prst="rect">
             <a:avLst/>
@@ -8143,6 +8153,7 @@
           </a:bodyPr>
           <a:lstStyle/>
           <a:p>
+            <a:pPr algn="ctr"/>
             <a:r>
               <a:rPr lang="pt-PT" dirty="0"/>
               <a:t>Baseando no conceito de </a:t>

--- a/Presentation/Logística Urbana para Entrega de Mercadorias.pptx
+++ b/Presentation/Logística Urbana para Entrega de Mercadorias.pptx
@@ -9,14 +9,13 @@
     <p:sldId id="257" r:id="rId3"/>
     <p:sldId id="269" r:id="rId4"/>
     <p:sldId id="270" r:id="rId5"/>
-    <p:sldId id="272" r:id="rId6"/>
-    <p:sldId id="274" r:id="rId7"/>
-    <p:sldId id="271" r:id="rId8"/>
-    <p:sldId id="266" r:id="rId9"/>
-    <p:sldId id="268" r:id="rId10"/>
-    <p:sldId id="262" r:id="rId11"/>
-    <p:sldId id="263" r:id="rId12"/>
-    <p:sldId id="264" r:id="rId13"/>
+    <p:sldId id="275" r:id="rId6"/>
+    <p:sldId id="272" r:id="rId7"/>
+    <p:sldId id="274" r:id="rId8"/>
+    <p:sldId id="271" r:id="rId9"/>
+    <p:sldId id="266" r:id="rId10"/>
+    <p:sldId id="276" r:id="rId11"/>
+    <p:sldId id="268" r:id="rId12"/>
   </p:sldIdLst>
   <p:sldSz cx="12192000" cy="6858000"/>
   <p:notesSz cx="6858000" cy="9144000"/>
@@ -126,7 +125,7 @@
 <file path=ppt/revisionInfo.xml><?xml version="1.0" encoding="utf-8"?>
 <p1510:revInfo xmlns:a="http://schemas.openxmlformats.org/drawingml/2006/main" xmlns:r="http://schemas.openxmlformats.org/officeDocument/2006/relationships" xmlns:p1510="http://schemas.microsoft.com/office/powerpoint/2015/10/main">
   <p1510:revLst>
-    <p1510:client id="{F2BC9C48-AE67-4E7B-9201-C4EDBE223694}" v="14" dt="2022-04-13T22:51:58.499"/>
+    <p1510:client id="{F2BC9C48-AE67-4E7B-9201-C4EDBE223694}" v="534" dt="2022-04-18T15:38:07.970"/>
   </p1510:revLst>
 </p1510:revInfo>
 </file>
@@ -135,11 +134,34 @@
 <pc:chgInfo xmlns:a="http://schemas.openxmlformats.org/drawingml/2006/main" xmlns:r="http://schemas.openxmlformats.org/officeDocument/2006/relationships" xmlns:ac="http://schemas.microsoft.com/office/drawing/2013/main/command" xmlns:pc="http://schemas.microsoft.com/office/powerpoint/2013/main/command">
   <pc:docChgLst>
     <pc:chgData name="pedro correia" userId="6e7638e249dbe376" providerId="LiveId" clId="{F2BC9C48-AE67-4E7B-9201-C4EDBE223694}"/>
-    <pc:docChg chg="undo custSel addSld modSld">
-      <pc:chgData name="pedro correia" userId="6e7638e249dbe376" providerId="LiveId" clId="{F2BC9C48-AE67-4E7B-9201-C4EDBE223694}" dt="2022-04-13T22:52:14.223" v="62" actId="20577"/>
+    <pc:docChg chg="undo custSel addSld delSld modSld">
+      <pc:chgData name="pedro correia" userId="6e7638e249dbe376" providerId="LiveId" clId="{F2BC9C48-AE67-4E7B-9201-C4EDBE223694}" dt="2022-04-18T15:45:24.357" v="1299" actId="47"/>
       <pc:docMkLst>
         <pc:docMk/>
       </pc:docMkLst>
+      <pc:sldChg chg="modSp mod">
+        <pc:chgData name="pedro correia" userId="6e7638e249dbe376" providerId="LiveId" clId="{F2BC9C48-AE67-4E7B-9201-C4EDBE223694}" dt="2022-04-18T14:08:51.516" v="68" actId="15"/>
+        <pc:sldMkLst>
+          <pc:docMk/>
+          <pc:sldMk cId="2805447520" sldId="257"/>
+        </pc:sldMkLst>
+        <pc:spChg chg="mod">
+          <ac:chgData name="pedro correia" userId="6e7638e249dbe376" providerId="LiveId" clId="{F2BC9C48-AE67-4E7B-9201-C4EDBE223694}" dt="2022-04-18T14:06:30.794" v="66" actId="20577"/>
+          <ac:spMkLst>
+            <pc:docMk/>
+            <pc:sldMk cId="2805447520" sldId="257"/>
+            <ac:spMk id="2" creationId="{06A0ADAF-CC42-45AA-A713-0E6B627F2343}"/>
+          </ac:spMkLst>
+        </pc:spChg>
+        <pc:spChg chg="mod">
+          <ac:chgData name="pedro correia" userId="6e7638e249dbe376" providerId="LiveId" clId="{F2BC9C48-AE67-4E7B-9201-C4EDBE223694}" dt="2022-04-18T14:08:51.516" v="68" actId="15"/>
+          <ac:spMkLst>
+            <pc:docMk/>
+            <pc:sldMk cId="2805447520" sldId="257"/>
+            <ac:spMk id="3" creationId="{70053397-7EA5-4266-B43E-583BBC8639A4}"/>
+          </ac:spMkLst>
+        </pc:spChg>
+      </pc:sldChg>
       <pc:sldChg chg="addSp delSp modSp mod">
         <pc:chgData name="pedro correia" userId="6e7638e249dbe376" providerId="LiveId" clId="{F2BC9C48-AE67-4E7B-9201-C4EDBE223694}" dt="2022-04-13T22:50:34.664" v="43"/>
         <pc:sldMkLst>
@@ -219,8 +241,76 @@
           </ac:spMkLst>
         </pc:spChg>
       </pc:sldChg>
+      <pc:sldChg chg="del">
+        <pc:chgData name="pedro correia" userId="6e7638e249dbe376" providerId="LiveId" clId="{F2BC9C48-AE67-4E7B-9201-C4EDBE223694}" dt="2022-04-18T15:45:24.357" v="1299" actId="47"/>
+        <pc:sldMkLst>
+          <pc:docMk/>
+          <pc:sldMk cId="2126801611" sldId="262"/>
+        </pc:sldMkLst>
+      </pc:sldChg>
+      <pc:sldChg chg="del">
+        <pc:chgData name="pedro correia" userId="6e7638e249dbe376" providerId="LiveId" clId="{F2BC9C48-AE67-4E7B-9201-C4EDBE223694}" dt="2022-04-18T15:45:23.464" v="1298" actId="47"/>
+        <pc:sldMkLst>
+          <pc:docMk/>
+          <pc:sldMk cId="3099424196" sldId="263"/>
+        </pc:sldMkLst>
+      </pc:sldChg>
+      <pc:sldChg chg="del">
+        <pc:chgData name="pedro correia" userId="6e7638e249dbe376" providerId="LiveId" clId="{F2BC9C48-AE67-4E7B-9201-C4EDBE223694}" dt="2022-04-18T15:45:22.863" v="1297" actId="47"/>
+        <pc:sldMkLst>
+          <pc:docMk/>
+          <pc:sldMk cId="373675569" sldId="264"/>
+        </pc:sldMkLst>
+      </pc:sldChg>
+      <pc:sldChg chg="addSp delSp modSp mod">
+        <pc:chgData name="pedro correia" userId="6e7638e249dbe376" providerId="LiveId" clId="{F2BC9C48-AE67-4E7B-9201-C4EDBE223694}" dt="2022-04-18T15:43:43.057" v="1216" actId="1076"/>
+        <pc:sldMkLst>
+          <pc:docMk/>
+          <pc:sldMk cId="1758428583" sldId="266"/>
+        </pc:sldMkLst>
+        <pc:spChg chg="del">
+          <ac:chgData name="pedro correia" userId="6e7638e249dbe376" providerId="LiveId" clId="{F2BC9C48-AE67-4E7B-9201-C4EDBE223694}" dt="2022-04-18T15:33:58.678" v="1026" actId="478"/>
+          <ac:spMkLst>
+            <pc:docMk/>
+            <pc:sldMk cId="1758428583" sldId="266"/>
+            <ac:spMk id="3" creationId="{0DA53B97-5997-490C-B21F-AEAD1D079AC5}"/>
+          </ac:spMkLst>
+        </pc:spChg>
+        <pc:spChg chg="mod">
+          <ac:chgData name="pedro correia" userId="6e7638e249dbe376" providerId="LiveId" clId="{F2BC9C48-AE67-4E7B-9201-C4EDBE223694}" dt="2022-04-18T15:39:51.507" v="1111" actId="403"/>
+          <ac:spMkLst>
+            <pc:docMk/>
+            <pc:sldMk cId="1758428583" sldId="266"/>
+            <ac:spMk id="10" creationId="{06E9AA9B-7600-4EA8-8A20-B28C4F864E64}"/>
+          </ac:spMkLst>
+        </pc:spChg>
+        <pc:spChg chg="mod">
+          <ac:chgData name="pedro correia" userId="6e7638e249dbe376" providerId="LiveId" clId="{F2BC9C48-AE67-4E7B-9201-C4EDBE223694}" dt="2022-04-18T15:43:43.057" v="1216" actId="1076"/>
+          <ac:spMkLst>
+            <pc:docMk/>
+            <pc:sldMk cId="1758428583" sldId="266"/>
+            <ac:spMk id="11" creationId="{2F96400E-727F-4025-AD39-648AED8C74BB}"/>
+          </ac:spMkLst>
+        </pc:spChg>
+        <pc:picChg chg="add del">
+          <ac:chgData name="pedro correia" userId="6e7638e249dbe376" providerId="LiveId" clId="{F2BC9C48-AE67-4E7B-9201-C4EDBE223694}" dt="2022-04-18T15:34:08.500" v="1028" actId="22"/>
+          <ac:picMkLst>
+            <pc:docMk/>
+            <pc:sldMk cId="1758428583" sldId="266"/>
+            <ac:picMk id="5" creationId="{8D9C8C70-1DCF-4C81-BE6E-7EBD5B4CE629}"/>
+          </ac:picMkLst>
+        </pc:picChg>
+        <pc:picChg chg="mod">
+          <ac:chgData name="pedro correia" userId="6e7638e249dbe376" providerId="LiveId" clId="{F2BC9C48-AE67-4E7B-9201-C4EDBE223694}" dt="2022-04-18T15:34:36.838" v="1036" actId="1076"/>
+          <ac:picMkLst>
+            <pc:docMk/>
+            <pc:sldMk cId="1758428583" sldId="266"/>
+            <ac:picMk id="9" creationId="{22B1E745-B022-4B91-8A26-3B12A31E81BB}"/>
+          </ac:picMkLst>
+        </pc:picChg>
+      </pc:sldChg>
       <pc:sldChg chg="addSp delSp modSp new mod">
-        <pc:chgData name="pedro correia" userId="6e7638e249dbe376" providerId="LiveId" clId="{F2BC9C48-AE67-4E7B-9201-C4EDBE223694}" dt="2022-04-13T22:51:25.576" v="56" actId="1076"/>
+        <pc:chgData name="pedro correia" userId="6e7638e249dbe376" providerId="LiveId" clId="{F2BC9C48-AE67-4E7B-9201-C4EDBE223694}" dt="2022-04-18T15:33:33.758" v="1020" actId="20577"/>
         <pc:sldMkLst>
           <pc:docMk/>
           <pc:sldMk cId="1507378260" sldId="269"/>
@@ -242,7 +332,7 @@
           </ac:spMkLst>
         </pc:spChg>
         <pc:spChg chg="add mod">
-          <ac:chgData name="pedro correia" userId="6e7638e249dbe376" providerId="LiveId" clId="{F2BC9C48-AE67-4E7B-9201-C4EDBE223694}" dt="2022-04-13T22:50:55.428" v="49" actId="6549"/>
+          <ac:chgData name="pedro correia" userId="6e7638e249dbe376" providerId="LiveId" clId="{F2BC9C48-AE67-4E7B-9201-C4EDBE223694}" dt="2022-04-18T14:12:56.597" v="101" actId="14100"/>
           <ac:spMkLst>
             <pc:docMk/>
             <pc:sldMk cId="1507378260" sldId="269"/>
@@ -250,15 +340,15 @@
           </ac:spMkLst>
         </pc:spChg>
         <pc:spChg chg="add mod">
-          <ac:chgData name="pedro correia" userId="6e7638e249dbe376" providerId="LiveId" clId="{F2BC9C48-AE67-4E7B-9201-C4EDBE223694}" dt="2022-04-13T22:51:19.785" v="54" actId="1076"/>
+          <ac:chgData name="pedro correia" userId="6e7638e249dbe376" providerId="LiveId" clId="{F2BC9C48-AE67-4E7B-9201-C4EDBE223694}" dt="2022-04-18T14:29:24.525" v="298" actId="20577"/>
           <ac:spMkLst>
             <pc:docMk/>
             <pc:sldMk cId="1507378260" sldId="269"/>
             <ac:spMk id="5" creationId="{F9671397-9D2B-4B4F-B762-DCAA21974E9D}"/>
           </ac:spMkLst>
         </pc:spChg>
-        <pc:spChg chg="add mod">
-          <ac:chgData name="pedro correia" userId="6e7638e249dbe376" providerId="LiveId" clId="{F2BC9C48-AE67-4E7B-9201-C4EDBE223694}" dt="2022-04-13T22:51:23.659" v="55" actId="1076"/>
+        <pc:spChg chg="add del mod">
+          <ac:chgData name="pedro correia" userId="6e7638e249dbe376" providerId="LiveId" clId="{F2BC9C48-AE67-4E7B-9201-C4EDBE223694}" dt="2022-04-18T14:11:50.559" v="70" actId="478"/>
           <ac:spMkLst>
             <pc:docMk/>
             <pc:sldMk cId="1507378260" sldId="269"/>
@@ -266,11 +356,19 @@
           </ac:spMkLst>
         </pc:spChg>
         <pc:spChg chg="add mod">
-          <ac:chgData name="pedro correia" userId="6e7638e249dbe376" providerId="LiveId" clId="{F2BC9C48-AE67-4E7B-9201-C4EDBE223694}" dt="2022-04-13T22:51:25.576" v="56" actId="1076"/>
+          <ac:chgData name="pedro correia" userId="6e7638e249dbe376" providerId="LiveId" clId="{F2BC9C48-AE67-4E7B-9201-C4EDBE223694}" dt="2022-04-18T15:33:33.758" v="1020" actId="20577"/>
           <ac:spMkLst>
             <pc:docMk/>
             <pc:sldMk cId="1507378260" sldId="269"/>
             <ac:spMk id="7" creationId="{0FC99067-2FE4-49FA-A359-140ACF56302F}"/>
+          </ac:spMkLst>
+        </pc:spChg>
+        <pc:spChg chg="add mod">
+          <ac:chgData name="pedro correia" userId="6e7638e249dbe376" providerId="LiveId" clId="{F2BC9C48-AE67-4E7B-9201-C4EDBE223694}" dt="2022-04-18T14:15:45.049" v="272" actId="14100"/>
+          <ac:spMkLst>
+            <pc:docMk/>
+            <pc:sldMk cId="1507378260" sldId="269"/>
+            <ac:spMk id="8" creationId="{ED1D3427-9946-4555-BE2E-AB44424DF598}"/>
           </ac:spMkLst>
         </pc:spChg>
       </pc:sldChg>
@@ -320,6 +418,145 @@
             <ac:picMk id="4" creationId="{61398ADD-0833-45E1-BAC1-4EE31EB7D8D4}"/>
           </ac:picMkLst>
         </pc:picChg>
+      </pc:sldChg>
+      <pc:sldChg chg="modSp mod">
+        <pc:chgData name="pedro correia" userId="6e7638e249dbe376" providerId="LiveId" clId="{F2BC9C48-AE67-4E7B-9201-C4EDBE223694}" dt="2022-04-18T15:40:00.584" v="1115" actId="20577"/>
+        <pc:sldMkLst>
+          <pc:docMk/>
+          <pc:sldMk cId="679503092" sldId="271"/>
+        </pc:sldMkLst>
+        <pc:spChg chg="mod">
+          <ac:chgData name="pedro correia" userId="6e7638e249dbe376" providerId="LiveId" clId="{F2BC9C48-AE67-4E7B-9201-C4EDBE223694}" dt="2022-04-18T15:40:00.584" v="1115" actId="20577"/>
+          <ac:spMkLst>
+            <pc:docMk/>
+            <pc:sldMk cId="679503092" sldId="271"/>
+            <ac:spMk id="5" creationId="{F9671397-9D2B-4B4F-B762-DCAA21974E9D}"/>
+          </ac:spMkLst>
+        </pc:spChg>
+        <pc:spChg chg="mod">
+          <ac:chgData name="pedro correia" userId="6e7638e249dbe376" providerId="LiveId" clId="{F2BC9C48-AE67-4E7B-9201-C4EDBE223694}" dt="2022-04-18T15:33:00.194" v="993" actId="20577"/>
+          <ac:spMkLst>
+            <pc:docMk/>
+            <pc:sldMk cId="679503092" sldId="271"/>
+            <ac:spMk id="6" creationId="{33A1A7FD-057F-42F8-9018-4CE31FB92D8D}"/>
+          </ac:spMkLst>
+        </pc:spChg>
+        <pc:spChg chg="mod">
+          <ac:chgData name="pedro correia" userId="6e7638e249dbe376" providerId="LiveId" clId="{F2BC9C48-AE67-4E7B-9201-C4EDBE223694}" dt="2022-04-18T15:38:07.970" v="1102" actId="20577"/>
+          <ac:spMkLst>
+            <pc:docMk/>
+            <pc:sldMk cId="679503092" sldId="271"/>
+            <ac:spMk id="7" creationId="{0FC99067-2FE4-49FA-A359-140ACF56302F}"/>
+          </ac:spMkLst>
+        </pc:spChg>
+      </pc:sldChg>
+      <pc:sldChg chg="addSp delSp modSp mod">
+        <pc:chgData name="pedro correia" userId="6e7638e249dbe376" providerId="LiveId" clId="{F2BC9C48-AE67-4E7B-9201-C4EDBE223694}" dt="2022-04-18T15:32:20.307" v="941" actId="20577"/>
+        <pc:sldMkLst>
+          <pc:docMk/>
+          <pc:sldMk cId="2598294835" sldId="272"/>
+        </pc:sldMkLst>
+        <pc:spChg chg="mod">
+          <ac:chgData name="pedro correia" userId="6e7638e249dbe376" providerId="LiveId" clId="{F2BC9C48-AE67-4E7B-9201-C4EDBE223694}" dt="2022-04-18T15:22:04.642" v="872" actId="27636"/>
+          <ac:spMkLst>
+            <pc:docMk/>
+            <pc:sldMk cId="2598294835" sldId="272"/>
+            <ac:spMk id="4" creationId="{F29967F0-2C0F-4212-ADA7-2126EE7D643F}"/>
+          </ac:spMkLst>
+        </pc:spChg>
+        <pc:spChg chg="mod">
+          <ac:chgData name="pedro correia" userId="6e7638e249dbe376" providerId="LiveId" clId="{F2BC9C48-AE67-4E7B-9201-C4EDBE223694}" dt="2022-04-18T15:22:11.011" v="874" actId="1076"/>
+          <ac:spMkLst>
+            <pc:docMk/>
+            <pc:sldMk cId="2598294835" sldId="272"/>
+            <ac:spMk id="5" creationId="{F9671397-9D2B-4B4F-B762-DCAA21974E9D}"/>
+          </ac:spMkLst>
+        </pc:spChg>
+        <pc:spChg chg="del mod">
+          <ac:chgData name="pedro correia" userId="6e7638e249dbe376" providerId="LiveId" clId="{F2BC9C48-AE67-4E7B-9201-C4EDBE223694}" dt="2022-04-18T15:09:05.173" v="598" actId="478"/>
+          <ac:spMkLst>
+            <pc:docMk/>
+            <pc:sldMk cId="2598294835" sldId="272"/>
+            <ac:spMk id="6" creationId="{33A1A7FD-057F-42F8-9018-4CE31FB92D8D}"/>
+          </ac:spMkLst>
+        </pc:spChg>
+        <pc:spChg chg="mod">
+          <ac:chgData name="pedro correia" userId="6e7638e249dbe376" providerId="LiveId" clId="{F2BC9C48-AE67-4E7B-9201-C4EDBE223694}" dt="2022-04-18T15:32:20.307" v="941" actId="20577"/>
+          <ac:spMkLst>
+            <pc:docMk/>
+            <pc:sldMk cId="2598294835" sldId="272"/>
+            <ac:spMk id="7" creationId="{0FC99067-2FE4-49FA-A359-140ACF56302F}"/>
+          </ac:spMkLst>
+        </pc:spChg>
+        <pc:spChg chg="add mod">
+          <ac:chgData name="pedro correia" userId="6e7638e249dbe376" providerId="LiveId" clId="{F2BC9C48-AE67-4E7B-9201-C4EDBE223694}" dt="2022-04-18T15:24:55.318" v="940" actId="1076"/>
+          <ac:spMkLst>
+            <pc:docMk/>
+            <pc:sldMk cId="2598294835" sldId="272"/>
+            <ac:spMk id="8" creationId="{0F0302A7-8CF7-4B21-8D60-1FB8CF426F02}"/>
+          </ac:spMkLst>
+        </pc:spChg>
+      </pc:sldChg>
+      <pc:sldChg chg="modSp mod">
+        <pc:chgData name="pedro correia" userId="6e7638e249dbe376" providerId="LiveId" clId="{F2BC9C48-AE67-4E7B-9201-C4EDBE223694}" dt="2022-04-18T15:14:05.328" v="684" actId="1076"/>
+        <pc:sldMkLst>
+          <pc:docMk/>
+          <pc:sldMk cId="1282879808" sldId="274"/>
+        </pc:sldMkLst>
+        <pc:picChg chg="mod">
+          <ac:chgData name="pedro correia" userId="6e7638e249dbe376" providerId="LiveId" clId="{F2BC9C48-AE67-4E7B-9201-C4EDBE223694}" dt="2022-04-18T15:14:05.328" v="684" actId="1076"/>
+          <ac:picMkLst>
+            <pc:docMk/>
+            <pc:sldMk cId="1282879808" sldId="274"/>
+            <ac:picMk id="7" creationId="{77094200-7941-463A-BE8B-45462315B4B9}"/>
+          </ac:picMkLst>
+        </pc:picChg>
+      </pc:sldChg>
+      <pc:sldChg chg="modSp new mod">
+        <pc:chgData name="pedro correia" userId="6e7638e249dbe376" providerId="LiveId" clId="{F2BC9C48-AE67-4E7B-9201-C4EDBE223694}" dt="2022-04-18T14:46:45.130" v="594" actId="20577"/>
+        <pc:sldMkLst>
+          <pc:docMk/>
+          <pc:sldMk cId="1429117583" sldId="275"/>
+        </pc:sldMkLst>
+        <pc:spChg chg="mod">
+          <ac:chgData name="pedro correia" userId="6e7638e249dbe376" providerId="LiveId" clId="{F2BC9C48-AE67-4E7B-9201-C4EDBE223694}" dt="2022-04-18T14:38:44.650" v="506" actId="122"/>
+          <ac:spMkLst>
+            <pc:docMk/>
+            <pc:sldMk cId="1429117583" sldId="275"/>
+            <ac:spMk id="2" creationId="{E57A16D9-4571-457E-863F-CCB1924F17BA}"/>
+          </ac:spMkLst>
+        </pc:spChg>
+        <pc:spChg chg="mod">
+          <ac:chgData name="pedro correia" userId="6e7638e249dbe376" providerId="LiveId" clId="{F2BC9C48-AE67-4E7B-9201-C4EDBE223694}" dt="2022-04-18T14:46:45.130" v="594" actId="20577"/>
+          <ac:spMkLst>
+            <pc:docMk/>
+            <pc:sldMk cId="1429117583" sldId="275"/>
+            <ac:spMk id="3" creationId="{590BC303-E1EB-4BBE-B9C3-034232C408DB}"/>
+          </ac:spMkLst>
+        </pc:spChg>
+      </pc:sldChg>
+      <pc:sldChg chg="modSp new mod">
+        <pc:chgData name="pedro correia" userId="6e7638e249dbe376" providerId="LiveId" clId="{F2BC9C48-AE67-4E7B-9201-C4EDBE223694}" dt="2022-04-18T15:45:14.622" v="1296" actId="20577"/>
+        <pc:sldMkLst>
+          <pc:docMk/>
+          <pc:sldMk cId="2208482107" sldId="276"/>
+        </pc:sldMkLst>
+        <pc:spChg chg="mod">
+          <ac:chgData name="pedro correia" userId="6e7638e249dbe376" providerId="LiveId" clId="{F2BC9C48-AE67-4E7B-9201-C4EDBE223694}" dt="2022-04-18T15:44:28.570" v="1230" actId="20577"/>
+          <ac:spMkLst>
+            <pc:docMk/>
+            <pc:sldMk cId="2208482107" sldId="276"/>
+            <ac:spMk id="2" creationId="{4BE8705F-A62B-4EC5-AD90-C39E2279B63D}"/>
+          </ac:spMkLst>
+        </pc:spChg>
+        <pc:spChg chg="mod">
+          <ac:chgData name="pedro correia" userId="6e7638e249dbe376" providerId="LiveId" clId="{F2BC9C48-AE67-4E7B-9201-C4EDBE223694}" dt="2022-04-18T15:45:14.622" v="1296" actId="20577"/>
+          <ac:spMkLst>
+            <pc:docMk/>
+            <pc:sldMk cId="2208482107" sldId="276"/>
+            <ac:spMk id="3" creationId="{668A82B2-4552-475A-B99A-C0D2A2209064}"/>
+          </ac:spMkLst>
+        </pc:spChg>
       </pc:sldChg>
     </pc:docChg>
   </pc:docChgLst>
@@ -552,7 +789,7 @@
           <a:p>
             <a:fld id="{B2B3E82F-7782-4578-8D73-D17823895593}" type="datetimeFigureOut">
               <a:rPr lang="pt-PT" smtClean="0"/>
-              <a:t>16/04/2022</a:t>
+              <a:t>18/04/2022</a:t>
             </a:fld>
             <a:endParaRPr lang="pt-PT"/>
           </a:p>
@@ -760,7 +997,7 @@
           <a:p>
             <a:fld id="{B2B3E82F-7782-4578-8D73-D17823895593}" type="datetimeFigureOut">
               <a:rPr lang="pt-PT" smtClean="0"/>
-              <a:t>16/04/2022</a:t>
+              <a:t>18/04/2022</a:t>
             </a:fld>
             <a:endParaRPr lang="pt-PT"/>
           </a:p>
@@ -1016,7 +1253,7 @@
           <a:p>
             <a:fld id="{B2B3E82F-7782-4578-8D73-D17823895593}" type="datetimeFigureOut">
               <a:rPr lang="pt-PT" smtClean="0"/>
-              <a:t>16/04/2022</a:t>
+              <a:t>18/04/2022</a:t>
             </a:fld>
             <a:endParaRPr lang="pt-PT"/>
           </a:p>
@@ -1190,7 +1427,7 @@
           <a:p>
             <a:fld id="{B2B3E82F-7782-4578-8D73-D17823895593}" type="datetimeFigureOut">
               <a:rPr lang="pt-PT" smtClean="0"/>
-              <a:t>16/04/2022</a:t>
+              <a:t>18/04/2022</a:t>
             </a:fld>
             <a:endParaRPr lang="pt-PT"/>
           </a:p>
@@ -1533,7 +1770,7 @@
           <a:p>
             <a:fld id="{B2B3E82F-7782-4578-8D73-D17823895593}" type="datetimeFigureOut">
               <a:rPr lang="pt-PT" smtClean="0"/>
-              <a:t>16/04/2022</a:t>
+              <a:t>18/04/2022</a:t>
             </a:fld>
             <a:endParaRPr lang="pt-PT"/>
           </a:p>
@@ -1808,7 +2045,7 @@
           <a:p>
             <a:fld id="{B2B3E82F-7782-4578-8D73-D17823895593}" type="datetimeFigureOut">
               <a:rPr lang="pt-PT" smtClean="0"/>
-              <a:t>16/04/2022</a:t>
+              <a:t>18/04/2022</a:t>
             </a:fld>
             <a:endParaRPr lang="pt-PT"/>
           </a:p>
@@ -2187,7 +2424,7 @@
           <a:p>
             <a:fld id="{B2B3E82F-7782-4578-8D73-D17823895593}" type="datetimeFigureOut">
               <a:rPr lang="pt-PT" smtClean="0"/>
-              <a:t>16/04/2022</a:t>
+              <a:t>18/04/2022</a:t>
             </a:fld>
             <a:endParaRPr lang="pt-PT"/>
           </a:p>
@@ -2305,7 +2542,7 @@
           <a:p>
             <a:fld id="{B2B3E82F-7782-4578-8D73-D17823895593}" type="datetimeFigureOut">
               <a:rPr lang="pt-PT" smtClean="0"/>
-              <a:t>16/04/2022</a:t>
+              <a:t>18/04/2022</a:t>
             </a:fld>
             <a:endParaRPr lang="pt-PT"/>
           </a:p>
@@ -2476,7 +2713,7 @@
           <a:p>
             <a:fld id="{B2B3E82F-7782-4578-8D73-D17823895593}" type="datetimeFigureOut">
               <a:rPr lang="pt-PT" smtClean="0"/>
-              <a:t>16/04/2022</a:t>
+              <a:t>18/04/2022</a:t>
             </a:fld>
             <a:endParaRPr lang="pt-PT"/>
           </a:p>
@@ -2830,7 +3067,7 @@
           <a:p>
             <a:fld id="{B2B3E82F-7782-4578-8D73-D17823895593}" type="datetimeFigureOut">
               <a:rPr lang="pt-PT" smtClean="0"/>
-              <a:t>16/04/2022</a:t>
+              <a:t>18/04/2022</a:t>
             </a:fld>
             <a:endParaRPr lang="pt-PT"/>
           </a:p>
@@ -3212,7 +3449,7 @@
           <a:p>
             <a:fld id="{B2B3E82F-7782-4578-8D73-D17823895593}" type="datetimeFigureOut">
               <a:rPr lang="pt-PT" smtClean="0"/>
-              <a:t>16/04/2022</a:t>
+              <a:t>18/04/2022</a:t>
             </a:fld>
             <a:endParaRPr lang="pt-PT"/>
           </a:p>
@@ -3499,7 +3736,7 @@
           <a:p>
             <a:fld id="{B2B3E82F-7782-4578-8D73-D17823895593}" type="datetimeFigureOut">
               <a:rPr lang="pt-PT" smtClean="0"/>
-              <a:t>16/04/2022</a:t>
+              <a:t>18/04/2022</a:t>
             </a:fld>
             <a:endParaRPr lang="pt-PT"/>
           </a:p>
@@ -4252,7 +4489,7 @@
           <p:cNvPr id="2" name="Title 1">
             <a:extLst>
               <a:ext uri="{FF2B5EF4-FFF2-40B4-BE49-F238E27FC236}">
-                <a16:creationId xmlns:a16="http://schemas.microsoft.com/office/drawing/2014/main" id="{0D827E17-24D3-4ECC-8AD6-8C29A5AF86BF}"/>
+                <a16:creationId xmlns:a16="http://schemas.microsoft.com/office/drawing/2014/main" id="{4BE8705F-A62B-4EC5-AD90-C39E2279B63D}"/>
               </a:ext>
             </a:extLst>
           </p:cNvPr>
@@ -4268,7 +4505,11 @@
           <a:bodyPr/>
           <a:lstStyle/>
           <a:p>
-            <a:endParaRPr lang="pt-PT"/>
+            <a:pPr algn="ctr"/>
+            <a:r>
+              <a:rPr lang="pt-PT" dirty="0"/>
+              <a:t>Complexidade</a:t>
+            </a:r>
           </a:p>
         </p:txBody>
       </p:sp>
@@ -4277,7 +4518,7 @@
           <p:cNvPr id="3" name="Content Placeholder 2">
             <a:extLst>
               <a:ext uri="{FF2B5EF4-FFF2-40B4-BE49-F238E27FC236}">
-                <a16:creationId xmlns:a16="http://schemas.microsoft.com/office/drawing/2014/main" id="{ECA0915C-EE2D-4EB4-BF3A-96FCE8158E53}"/>
+                <a16:creationId xmlns:a16="http://schemas.microsoft.com/office/drawing/2014/main" id="{668A82B2-4552-475A-B99A-C0D2A2209064}"/>
               </a:ext>
             </a:extLst>
           </p:cNvPr>
@@ -4293,14 +4534,17 @@
           <a:bodyPr/>
           <a:lstStyle/>
           <a:p>
-            <a:endParaRPr lang="pt-PT"/>
+            <a:r>
+              <a:rPr lang="pt-PT" dirty="0"/>
+              <a:t>Complexidade temporal do algoritmo: O(n)</a:t>
+            </a:r>
           </a:p>
         </p:txBody>
       </p:sp>
     </p:spTree>
     <p:extLst>
       <p:ext uri="{BB962C8B-B14F-4D97-AF65-F5344CB8AC3E}">
-        <p14:creationId xmlns:p14="http://schemas.microsoft.com/office/powerpoint/2010/main" val="2126801611"/>
+        <p14:creationId xmlns:p14="http://schemas.microsoft.com/office/powerpoint/2010/main" val="2208482107"/>
       </p:ext>
     </p:extLst>
   </p:cSld>
@@ -4332,7 +4576,7 @@
           <p:cNvPr id="2" name="Title 1">
             <a:extLst>
               <a:ext uri="{FF2B5EF4-FFF2-40B4-BE49-F238E27FC236}">
-                <a16:creationId xmlns:a16="http://schemas.microsoft.com/office/drawing/2014/main" id="{8C742769-4AB3-404D-AA45-B0FC74F1E218}"/>
+                <a16:creationId xmlns:a16="http://schemas.microsoft.com/office/drawing/2014/main" id="{985620E8-013C-4AB0-BBA5-EF61AB90C269}"/>
               </a:ext>
             </a:extLst>
           </p:cNvPr>
@@ -4348,7 +4592,12 @@
           <a:bodyPr/>
           <a:lstStyle/>
           <a:p>
-            <a:endParaRPr lang="pt-PT"/>
+            <a:pPr algn="ctr"/>
+            <a:r>
+              <a:rPr lang="en-US" b="1" dirty="0" err="1"/>
+              <a:t>Dificuldades</a:t>
+            </a:r>
+            <a:endParaRPr lang="pt-PT" b="1" dirty="0"/>
           </a:p>
         </p:txBody>
       </p:sp>
@@ -4357,7 +4606,7 @@
           <p:cNvPr id="3" name="Content Placeholder 2">
             <a:extLst>
               <a:ext uri="{FF2B5EF4-FFF2-40B4-BE49-F238E27FC236}">
-                <a16:creationId xmlns:a16="http://schemas.microsoft.com/office/drawing/2014/main" id="{FFF57B6D-ACD6-4568-86FC-6D1AD2A8AE64}"/>
+                <a16:creationId xmlns:a16="http://schemas.microsoft.com/office/drawing/2014/main" id="{0DA53B97-5997-490C-B21F-AEAD1D079AC5}"/>
               </a:ext>
             </a:extLst>
           </p:cNvPr>
@@ -4373,94 +4622,14 @@
           <a:bodyPr/>
           <a:lstStyle/>
           <a:p>
-            <a:endParaRPr lang="pt-PT"/>
+            <a:endParaRPr lang="pt-PT" dirty="0"/>
           </a:p>
         </p:txBody>
       </p:sp>
     </p:spTree>
     <p:extLst>
       <p:ext uri="{BB962C8B-B14F-4D97-AF65-F5344CB8AC3E}">
-        <p14:creationId xmlns:p14="http://schemas.microsoft.com/office/powerpoint/2010/main" val="3099424196"/>
-      </p:ext>
-    </p:extLst>
-  </p:cSld>
-  <p:clrMapOvr>
-    <a:masterClrMapping/>
-  </p:clrMapOvr>
-</p:sld>
-</file>
-
-<file path=ppt/slides/slide12.xml><?xml version="1.0" encoding="utf-8"?>
-<p:sld xmlns:a="http://schemas.openxmlformats.org/drawingml/2006/main" xmlns:r="http://schemas.openxmlformats.org/officeDocument/2006/relationships" xmlns:p="http://schemas.openxmlformats.org/presentationml/2006/main">
-  <p:cSld>
-    <p:spTree>
-      <p:nvGrpSpPr>
-        <p:cNvPr id="1" name=""/>
-        <p:cNvGrpSpPr/>
-        <p:nvPr/>
-      </p:nvGrpSpPr>
-      <p:grpSpPr>
-        <a:xfrm>
-          <a:off x="0" y="0"/>
-          <a:ext cx="0" cy="0"/>
-          <a:chOff x="0" y="0"/>
-          <a:chExt cx="0" cy="0"/>
-        </a:xfrm>
-      </p:grpSpPr>
-      <p:sp>
-        <p:nvSpPr>
-          <p:cNvPr id="2" name="Title 1">
-            <a:extLst>
-              <a:ext uri="{FF2B5EF4-FFF2-40B4-BE49-F238E27FC236}">
-                <a16:creationId xmlns:a16="http://schemas.microsoft.com/office/drawing/2014/main" id="{C8A0825C-84D6-4913-86C4-FEAC7C00EBAE}"/>
-              </a:ext>
-            </a:extLst>
-          </p:cNvPr>
-          <p:cNvSpPr>
-            <a:spLocks noGrp="1"/>
-          </p:cNvSpPr>
-          <p:nvPr>
-            <p:ph type="title"/>
-          </p:nvPr>
-        </p:nvSpPr>
-        <p:spPr/>
-        <p:txBody>
-          <a:bodyPr/>
-          <a:lstStyle/>
-          <a:p>
-            <a:endParaRPr lang="pt-PT"/>
-          </a:p>
-        </p:txBody>
-      </p:sp>
-      <p:sp>
-        <p:nvSpPr>
-          <p:cNvPr id="3" name="Content Placeholder 2">
-            <a:extLst>
-              <a:ext uri="{FF2B5EF4-FFF2-40B4-BE49-F238E27FC236}">
-                <a16:creationId xmlns:a16="http://schemas.microsoft.com/office/drawing/2014/main" id="{6CD805D1-8B45-4B3A-B122-F9CE64ED77B6}"/>
-              </a:ext>
-            </a:extLst>
-          </p:cNvPr>
-          <p:cNvSpPr>
-            <a:spLocks noGrp="1"/>
-          </p:cNvSpPr>
-          <p:nvPr>
-            <p:ph idx="1"/>
-          </p:nvPr>
-        </p:nvSpPr>
-        <p:spPr/>
-        <p:txBody>
-          <a:bodyPr/>
-          <a:lstStyle/>
-          <a:p>
-            <a:endParaRPr lang="pt-PT"/>
-          </a:p>
-        </p:txBody>
-      </p:sp>
-    </p:spTree>
-    <p:extLst>
-      <p:ext uri="{BB962C8B-B14F-4D97-AF65-F5344CB8AC3E}">
-        <p14:creationId xmlns:p14="http://schemas.microsoft.com/office/powerpoint/2010/main" val="373675569"/>
+        <p14:creationId xmlns:p14="http://schemas.microsoft.com/office/powerpoint/2010/main" val="470523517"/>
       </p:ext>
     </p:extLst>
   </p:cSld>
@@ -4515,11 +4684,11 @@
             </a:r>
             <a:r>
               <a:rPr lang="en-US" b="1" dirty="0"/>
-              <a:t> do </a:t>
+              <a:t> dos </a:t>
             </a:r>
             <a:r>
               <a:rPr lang="en-US" b="1" dirty="0" err="1"/>
-              <a:t>Problema</a:t>
+              <a:t>Problemas</a:t>
             </a:r>
             <a:endParaRPr lang="pt-PT" b="1" dirty="0"/>
           </a:p>
@@ -4926,6 +5095,3851 @@
             <a:r>
               <a:rPr lang="en-US" b="1" dirty="0"/>
               <a:t> 1</a:t>
+            </a:r>
+            <a:endParaRPr lang="pt-PT" b="1" dirty="0"/>
+          </a:p>
+        </p:txBody>
+      </p:sp>
+      <p:sp>
+        <p:nvSpPr>
+          <p:cNvPr id="5" name="Content Placeholder 2">
+            <a:extLst>
+              <a:ext uri="{FF2B5EF4-FFF2-40B4-BE49-F238E27FC236}">
+                <a16:creationId xmlns:a16="http://schemas.microsoft.com/office/drawing/2014/main" id="{F9671397-9D2B-4B4F-B762-DCAA21974E9D}"/>
+              </a:ext>
+            </a:extLst>
+          </p:cNvPr>
+          <p:cNvSpPr txBox="1">
+            <a:spLocks/>
+          </p:cNvSpPr>
+          <p:nvPr/>
+        </p:nvSpPr>
+        <p:spPr>
+          <a:xfrm>
+            <a:off x="139288" y="1737081"/>
+            <a:ext cx="5596378" cy="4494299"/>
+          </a:xfrm>
+          <a:prstGeom prst="rect">
+            <a:avLst/>
+          </a:prstGeom>
+        </p:spPr>
+        <p:txBody>
+          <a:bodyPr vert="horz" lIns="0" tIns="45720" rIns="0" bIns="45720" rtlCol="0">
+            <a:normAutofit/>
+          </a:bodyPr>
+          <a:lstStyle>
+            <a:lvl1pPr marL="91440" indent="-91440" algn="l" defTabSz="914400" rtl="0" eaLnBrk="1" latinLnBrk="0" hangingPunct="1">
+              <a:lnSpc>
+                <a:spcPct val="90000"/>
+              </a:lnSpc>
+              <a:spcBef>
+                <a:spcPts val="1200"/>
+              </a:spcBef>
+              <a:spcAft>
+                <a:spcPts val="200"/>
+              </a:spcAft>
+              <a:buClr>
+                <a:schemeClr val="accent1"/>
+              </a:buClr>
+              <a:buSzPct val="100000"/>
+              <a:buFont typeface="Calibri" panose="020F0502020204030204" pitchFamily="34" charset="0"/>
+              <a:buChar char=" "/>
+              <a:defRPr sz="2000" kern="1200">
+                <a:solidFill>
+                  <a:schemeClr val="tx1">
+                    <a:lumMod val="75000"/>
+                    <a:lumOff val="25000"/>
+                  </a:schemeClr>
+                </a:solidFill>
+                <a:latin typeface="+mn-lt"/>
+                <a:ea typeface="+mn-ea"/>
+                <a:cs typeface="+mn-cs"/>
+              </a:defRPr>
+            </a:lvl1pPr>
+            <a:lvl2pPr marL="384048" indent="-182880" algn="l" defTabSz="914400" rtl="0" eaLnBrk="1" latinLnBrk="0" hangingPunct="1">
+              <a:lnSpc>
+                <a:spcPct val="90000"/>
+              </a:lnSpc>
+              <a:spcBef>
+                <a:spcPts val="200"/>
+              </a:spcBef>
+              <a:spcAft>
+                <a:spcPts val="400"/>
+              </a:spcAft>
+              <a:buClr>
+                <a:schemeClr val="accent1"/>
+              </a:buClr>
+              <a:buFont typeface="Calibri" pitchFamily="34" charset="0"/>
+              <a:buChar char="◦"/>
+              <a:defRPr sz="1800" kern="1200">
+                <a:solidFill>
+                  <a:schemeClr val="tx1">
+                    <a:lumMod val="75000"/>
+                    <a:lumOff val="25000"/>
+                  </a:schemeClr>
+                </a:solidFill>
+                <a:latin typeface="+mn-lt"/>
+                <a:ea typeface="+mn-ea"/>
+                <a:cs typeface="+mn-cs"/>
+              </a:defRPr>
+            </a:lvl2pPr>
+            <a:lvl3pPr marL="566928" indent="-182880" algn="l" defTabSz="914400" rtl="0" eaLnBrk="1" latinLnBrk="0" hangingPunct="1">
+              <a:lnSpc>
+                <a:spcPct val="90000"/>
+              </a:lnSpc>
+              <a:spcBef>
+                <a:spcPts val="200"/>
+              </a:spcBef>
+              <a:spcAft>
+                <a:spcPts val="400"/>
+              </a:spcAft>
+              <a:buClr>
+                <a:schemeClr val="accent1"/>
+              </a:buClr>
+              <a:buFont typeface="Calibri" pitchFamily="34" charset="0"/>
+              <a:buChar char="◦"/>
+              <a:defRPr sz="1400" kern="1200">
+                <a:solidFill>
+                  <a:schemeClr val="tx1">
+                    <a:lumMod val="75000"/>
+                    <a:lumOff val="25000"/>
+                  </a:schemeClr>
+                </a:solidFill>
+                <a:latin typeface="+mn-lt"/>
+                <a:ea typeface="+mn-ea"/>
+                <a:cs typeface="+mn-cs"/>
+              </a:defRPr>
+            </a:lvl3pPr>
+            <a:lvl4pPr marL="749808" indent="-182880" algn="l" defTabSz="914400" rtl="0" eaLnBrk="1" latinLnBrk="0" hangingPunct="1">
+              <a:lnSpc>
+                <a:spcPct val="90000"/>
+              </a:lnSpc>
+              <a:spcBef>
+                <a:spcPts val="200"/>
+              </a:spcBef>
+              <a:spcAft>
+                <a:spcPts val="400"/>
+              </a:spcAft>
+              <a:buClr>
+                <a:schemeClr val="accent1"/>
+              </a:buClr>
+              <a:buFont typeface="Calibri" pitchFamily="34" charset="0"/>
+              <a:buChar char="◦"/>
+              <a:defRPr sz="1400" kern="1200">
+                <a:solidFill>
+                  <a:schemeClr val="tx1">
+                    <a:lumMod val="75000"/>
+                    <a:lumOff val="25000"/>
+                  </a:schemeClr>
+                </a:solidFill>
+                <a:latin typeface="+mn-lt"/>
+                <a:ea typeface="+mn-ea"/>
+                <a:cs typeface="+mn-cs"/>
+              </a:defRPr>
+            </a:lvl4pPr>
+            <a:lvl5pPr marL="932688" indent="-182880" algn="l" defTabSz="914400" rtl="0" eaLnBrk="1" latinLnBrk="0" hangingPunct="1">
+              <a:lnSpc>
+                <a:spcPct val="90000"/>
+              </a:lnSpc>
+              <a:spcBef>
+                <a:spcPts val="200"/>
+              </a:spcBef>
+              <a:spcAft>
+                <a:spcPts val="400"/>
+              </a:spcAft>
+              <a:buClr>
+                <a:schemeClr val="accent1"/>
+              </a:buClr>
+              <a:buFont typeface="Calibri" pitchFamily="34" charset="0"/>
+              <a:buChar char="◦"/>
+              <a:defRPr sz="1400" kern="1200">
+                <a:solidFill>
+                  <a:schemeClr val="tx1">
+                    <a:lumMod val="75000"/>
+                    <a:lumOff val="25000"/>
+                  </a:schemeClr>
+                </a:solidFill>
+                <a:latin typeface="+mn-lt"/>
+                <a:ea typeface="+mn-ea"/>
+                <a:cs typeface="+mn-cs"/>
+              </a:defRPr>
+            </a:lvl5pPr>
+            <a:lvl6pPr marL="1100000" indent="-228600" algn="l" defTabSz="914400" rtl="0" eaLnBrk="1" latinLnBrk="0" hangingPunct="1">
+              <a:lnSpc>
+                <a:spcPct val="90000"/>
+              </a:lnSpc>
+              <a:spcBef>
+                <a:spcPts val="200"/>
+              </a:spcBef>
+              <a:spcAft>
+                <a:spcPts val="400"/>
+              </a:spcAft>
+              <a:buClr>
+                <a:schemeClr val="accent1"/>
+              </a:buClr>
+              <a:buFont typeface="Calibri" pitchFamily="34" charset="0"/>
+              <a:buChar char="◦"/>
+              <a:defRPr sz="1400" kern="1200">
+                <a:solidFill>
+                  <a:schemeClr val="tx1">
+                    <a:lumMod val="75000"/>
+                    <a:lumOff val="25000"/>
+                  </a:schemeClr>
+                </a:solidFill>
+                <a:latin typeface="+mn-lt"/>
+                <a:ea typeface="+mn-ea"/>
+                <a:cs typeface="+mn-cs"/>
+              </a:defRPr>
+            </a:lvl6pPr>
+            <a:lvl7pPr marL="1300000" indent="-228600" algn="l" defTabSz="914400" rtl="0" eaLnBrk="1" latinLnBrk="0" hangingPunct="1">
+              <a:lnSpc>
+                <a:spcPct val="90000"/>
+              </a:lnSpc>
+              <a:spcBef>
+                <a:spcPts val="200"/>
+              </a:spcBef>
+              <a:spcAft>
+                <a:spcPts val="400"/>
+              </a:spcAft>
+              <a:buClr>
+                <a:schemeClr val="accent1"/>
+              </a:buClr>
+              <a:buFont typeface="Calibri" pitchFamily="34" charset="0"/>
+              <a:buChar char="◦"/>
+              <a:defRPr sz="1400" kern="1200">
+                <a:solidFill>
+                  <a:schemeClr val="tx1">
+                    <a:lumMod val="75000"/>
+                    <a:lumOff val="25000"/>
+                  </a:schemeClr>
+                </a:solidFill>
+                <a:latin typeface="+mn-lt"/>
+                <a:ea typeface="+mn-ea"/>
+                <a:cs typeface="+mn-cs"/>
+              </a:defRPr>
+            </a:lvl7pPr>
+            <a:lvl8pPr marL="1500000" indent="-228600" algn="l" defTabSz="914400" rtl="0" eaLnBrk="1" latinLnBrk="0" hangingPunct="1">
+              <a:lnSpc>
+                <a:spcPct val="90000"/>
+              </a:lnSpc>
+              <a:spcBef>
+                <a:spcPts val="200"/>
+              </a:spcBef>
+              <a:spcAft>
+                <a:spcPts val="400"/>
+              </a:spcAft>
+              <a:buClr>
+                <a:schemeClr val="accent1"/>
+              </a:buClr>
+              <a:buFont typeface="Calibri" pitchFamily="34" charset="0"/>
+              <a:buChar char="◦"/>
+              <a:defRPr sz="1400" kern="1200">
+                <a:solidFill>
+                  <a:schemeClr val="tx1">
+                    <a:lumMod val="75000"/>
+                    <a:lumOff val="25000"/>
+                  </a:schemeClr>
+                </a:solidFill>
+                <a:latin typeface="+mn-lt"/>
+                <a:ea typeface="+mn-ea"/>
+                <a:cs typeface="+mn-cs"/>
+              </a:defRPr>
+            </a:lvl8pPr>
+            <a:lvl9pPr marL="1700000" indent="-228600" algn="l" defTabSz="914400" rtl="0" eaLnBrk="1" latinLnBrk="0" hangingPunct="1">
+              <a:lnSpc>
+                <a:spcPct val="90000"/>
+              </a:lnSpc>
+              <a:spcBef>
+                <a:spcPts val="200"/>
+              </a:spcBef>
+              <a:spcAft>
+                <a:spcPts val="400"/>
+              </a:spcAft>
+              <a:buClr>
+                <a:schemeClr val="accent1"/>
+              </a:buClr>
+              <a:buFont typeface="Calibri" pitchFamily="34" charset="0"/>
+              <a:buChar char="◦"/>
+              <a:defRPr sz="1400" kern="1200">
+                <a:solidFill>
+                  <a:schemeClr val="tx1">
+                    <a:lumMod val="75000"/>
+                    <a:lumOff val="25000"/>
+                  </a:schemeClr>
+                </a:solidFill>
+                <a:latin typeface="+mn-lt"/>
+                <a:ea typeface="+mn-ea"/>
+                <a:cs typeface="+mn-cs"/>
+              </a:defRPr>
+            </a:lvl9pPr>
+          </a:lstStyle>
+          <a:p>
+            <a:pPr marL="0" indent="0" algn="ctr">
+              <a:buFont typeface="Calibri" panose="020F0502020204030204" pitchFamily="34" charset="0"/>
+              <a:buNone/>
+            </a:pPr>
+            <a:r>
+              <a:rPr lang="pt-PT" sz="1600" u="sng" dirty="0"/>
+              <a:t>Dados de entrada</a:t>
+            </a:r>
+            <a:r>
+              <a:rPr lang="pt-PT" sz="1600" dirty="0"/>
+              <a:t>: </a:t>
+            </a:r>
+          </a:p>
+          <a:p>
+            <a:pPr>
+              <a:buFont typeface="Wingdings" panose="05000000000000000000" pitchFamily="2" charset="2"/>
+              <a:buChar char="Ø"/>
+            </a:pPr>
+            <a:r>
+              <a:rPr lang="pt-PT" sz="1600" dirty="0"/>
+              <a:t>Vetor&lt;Encomenda&gt; </a:t>
+            </a:r>
+            <a:r>
+              <a:rPr lang="pt-PT" sz="1600" dirty="0" err="1"/>
+              <a:t>Enco</a:t>
+            </a:r>
+            <a:r>
+              <a:rPr lang="pt-PT" sz="1600" dirty="0"/>
+              <a:t>- Conjunto de encomendas caracterizadas por:</a:t>
+            </a:r>
+          </a:p>
+          <a:p>
+            <a:pPr lvl="1">
+              <a:buFont typeface="Wingdings" panose="05000000000000000000" pitchFamily="2" charset="2"/>
+              <a:buChar char="Ø"/>
+            </a:pPr>
+            <a:r>
+              <a:rPr lang="pt-PT" sz="1400" dirty="0"/>
+              <a:t>Peso (1,..,n)</a:t>
+            </a:r>
+          </a:p>
+          <a:p>
+            <a:pPr lvl="1">
+              <a:buFont typeface="Wingdings" panose="05000000000000000000" pitchFamily="2" charset="2"/>
+              <a:buChar char="Ø"/>
+            </a:pPr>
+            <a:r>
+              <a:rPr lang="pt-PT" sz="1400" dirty="0"/>
+              <a:t>Volume</a:t>
+            </a:r>
+          </a:p>
+          <a:p>
+            <a:pPr lvl="1">
+              <a:buFont typeface="Wingdings" panose="05000000000000000000" pitchFamily="2" charset="2"/>
+              <a:buChar char="Ø"/>
+            </a:pPr>
+            <a:r>
+              <a:rPr lang="pt-PT" sz="1400" dirty="0"/>
+              <a:t>Recompensa</a:t>
+            </a:r>
+          </a:p>
+          <a:p>
+            <a:pPr lvl="1">
+              <a:buFont typeface="Wingdings" panose="05000000000000000000" pitchFamily="2" charset="2"/>
+              <a:buChar char="Ø"/>
+            </a:pPr>
+            <a:r>
+              <a:rPr lang="pt-PT" sz="1400" dirty="0"/>
+              <a:t>Duração </a:t>
+            </a:r>
+          </a:p>
+          <a:p>
+            <a:pPr lvl="1">
+              <a:buFont typeface="Wingdings" panose="05000000000000000000" pitchFamily="2" charset="2"/>
+              <a:buChar char="Ø"/>
+            </a:pPr>
+            <a:endParaRPr lang="pt-PT" sz="1400" dirty="0"/>
+          </a:p>
+          <a:p>
+            <a:pPr>
+              <a:buFont typeface="Wingdings" panose="05000000000000000000" pitchFamily="2" charset="2"/>
+              <a:buChar char="Ø"/>
+            </a:pPr>
+            <a:r>
+              <a:rPr lang="pt-PT" sz="1600" dirty="0"/>
+              <a:t>Vetor&lt;Carrinha&gt; C –Conjunto de carrinhas caracterizadas por:</a:t>
+            </a:r>
+          </a:p>
+          <a:p>
+            <a:pPr lvl="1">
+              <a:buFont typeface="Wingdings" panose="05000000000000000000" pitchFamily="2" charset="2"/>
+              <a:buChar char="Ø"/>
+            </a:pPr>
+            <a:r>
+              <a:rPr lang="pt-PT" sz="1400" dirty="0" err="1"/>
+              <a:t>PesoMax</a:t>
+            </a:r>
+            <a:endParaRPr lang="pt-PT" sz="1400" dirty="0"/>
+          </a:p>
+          <a:p>
+            <a:pPr lvl="1">
+              <a:buFont typeface="Wingdings" panose="05000000000000000000" pitchFamily="2" charset="2"/>
+              <a:buChar char="Ø"/>
+            </a:pPr>
+            <a:r>
+              <a:rPr lang="pt-PT" sz="1400" dirty="0" err="1"/>
+              <a:t>VolMax</a:t>
+            </a:r>
+            <a:endParaRPr lang="pt-PT" sz="1400" dirty="0"/>
+          </a:p>
+          <a:p>
+            <a:pPr lvl="1">
+              <a:buFont typeface="Wingdings" panose="05000000000000000000" pitchFamily="2" charset="2"/>
+              <a:buChar char="Ø"/>
+            </a:pPr>
+            <a:r>
+              <a:rPr lang="pt-PT" sz="1400" dirty="0"/>
+              <a:t>Custo</a:t>
+            </a:r>
+          </a:p>
+          <a:p>
+            <a:pPr lvl="1">
+              <a:buFont typeface="Wingdings" panose="05000000000000000000" pitchFamily="2" charset="2"/>
+              <a:buChar char="Ø"/>
+            </a:pPr>
+            <a:r>
+              <a:rPr lang="pt-PT" sz="1400" dirty="0" err="1"/>
+              <a:t>PesoAtual</a:t>
+            </a:r>
+            <a:endParaRPr lang="pt-PT" sz="1400" dirty="0"/>
+          </a:p>
+          <a:p>
+            <a:pPr lvl="1">
+              <a:buFont typeface="Wingdings" panose="05000000000000000000" pitchFamily="2" charset="2"/>
+              <a:buChar char="Ø"/>
+            </a:pPr>
+            <a:r>
+              <a:rPr lang="pt-PT" sz="1400" dirty="0" err="1"/>
+              <a:t>VolAtual</a:t>
+            </a:r>
+            <a:r>
+              <a:rPr lang="pt-PT" dirty="0"/>
+              <a:t> </a:t>
+            </a:r>
+          </a:p>
+        </p:txBody>
+      </p:sp>
+      <mc:AlternateContent xmlns:mc="http://schemas.openxmlformats.org/markup-compatibility/2006">
+        <mc:Choice xmlns:a14="http://schemas.microsoft.com/office/drawing/2010/main" Requires="a14">
+          <p:sp>
+            <p:nvSpPr>
+              <p:cNvPr id="7" name="TextBox 6">
+                <a:extLst>
+                  <a:ext uri="{FF2B5EF4-FFF2-40B4-BE49-F238E27FC236}">
+                    <a16:creationId xmlns:a16="http://schemas.microsoft.com/office/drawing/2014/main" id="{0FC99067-2FE4-49FA-A359-140ACF56302F}"/>
+                  </a:ext>
+                </a:extLst>
+              </p:cNvPr>
+              <p:cNvSpPr txBox="1"/>
+              <p:nvPr/>
+            </p:nvSpPr>
+            <p:spPr>
+              <a:xfrm>
+                <a:off x="4487159" y="4612296"/>
+                <a:ext cx="7704841" cy="1633268"/>
+              </a:xfrm>
+              <a:prstGeom prst="rect">
+                <a:avLst/>
+              </a:prstGeom>
+              <a:noFill/>
+            </p:spPr>
+            <p:txBody>
+              <a:bodyPr wrap="square" rtlCol="0">
+                <a:spAutoFit/>
+              </a:bodyPr>
+              <a:lstStyle/>
+              <a:p>
+                <a:pPr marL="0" indent="0" algn="ctr">
+                  <a:buNone/>
+                </a:pPr>
+                <a:r>
+                  <a:rPr lang="pt-PT" sz="1600" u="sng" dirty="0">
+                    <a:solidFill>
+                      <a:srgbClr val="000000">
+                        <a:lumMod val="75000"/>
+                        <a:lumOff val="25000"/>
+                      </a:srgbClr>
+                    </a:solidFill>
+                    <a:latin typeface="Calibri" panose="020F0502020204030204"/>
+                  </a:rPr>
+                  <a:t>Restrições e Domínios de valores:</a:t>
+                </a:r>
+                <a:endParaRPr kumimoji="0" lang="pt-PT" sz="1600" b="0" i="0" u="sng" strike="noStrike" kern="1200" cap="none" spc="0" normalizeH="0" baseline="0" noProof="0" dirty="0">
+                  <a:ln>
+                    <a:noFill/>
+                  </a:ln>
+                  <a:solidFill>
+                    <a:srgbClr val="000000">
+                      <a:lumMod val="75000"/>
+                      <a:lumOff val="25000"/>
+                    </a:srgbClr>
+                  </a:solidFill>
+                  <a:effectLst/>
+                  <a:uLnTx/>
+                  <a:uFillTx/>
+                  <a:latin typeface="Calibri" panose="020F0502020204030204"/>
+                  <a:ea typeface="+mn-ea"/>
+                  <a:cs typeface="+mn-cs"/>
+                </a:endParaRPr>
+              </a:p>
+              <a:p>
+                <a:pPr marL="91440" marR="0" lvl="0" indent="-91440" defTabSz="914400" rtl="0" eaLnBrk="1" fontAlgn="auto" latinLnBrk="0" hangingPunct="1">
+                  <a:lnSpc>
+                    <a:spcPct val="90000"/>
+                  </a:lnSpc>
+                  <a:spcBef>
+                    <a:spcPts val="1200"/>
+                  </a:spcBef>
+                  <a:spcAft>
+                    <a:spcPts val="200"/>
+                  </a:spcAft>
+                  <a:buClr>
+                    <a:srgbClr val="E48312"/>
+                  </a:buClr>
+                  <a:buSzPct val="100000"/>
+                  <a:buFont typeface="Wingdings" panose="05000000000000000000" pitchFamily="2" charset="2"/>
+                  <a:buChar char="Ø"/>
+                  <a:tabLst/>
+                  <a:defRPr/>
+                </a:pPr>
+                <a:r>
+                  <a:rPr lang="pt-PT" sz="1600" dirty="0">
+                    <a:solidFill>
+                      <a:srgbClr val="000000">
+                        <a:lumMod val="75000"/>
+                        <a:lumOff val="25000"/>
+                      </a:srgbClr>
+                    </a:solidFill>
+                    <a:latin typeface="Calibri" panose="020F0502020204030204"/>
+                  </a:rPr>
+                  <a:t> Todos os valores têm de pertencer a </a:t>
+                </a:r>
+                <a14:m>
+                  <m:oMath xmlns:m="http://schemas.openxmlformats.org/officeDocument/2006/math">
+                    <m:r>
+                      <a:rPr kumimoji="0" lang="pt-PT" sz="1600" b="0" i="1" u="none" strike="noStrike" kern="1200" cap="none" spc="0" normalizeH="0" baseline="0" noProof="0" smtClean="0">
+                        <a:ln>
+                          <a:noFill/>
+                        </a:ln>
+                        <a:solidFill>
+                          <a:srgbClr val="000000">
+                            <a:lumMod val="75000"/>
+                            <a:lumOff val="25000"/>
+                          </a:srgbClr>
+                        </a:solidFill>
+                        <a:effectLst/>
+                        <a:uLnTx/>
+                        <a:uFillTx/>
+                        <a:latin typeface="Cambria Math" panose="02040503050406030204" pitchFamily="18" charset="0"/>
+                        <a:ea typeface="Cambria Math" panose="02040503050406030204" pitchFamily="18" charset="0"/>
+                      </a:rPr>
+                      <m:t>ℕ</m:t>
+                    </m:r>
+                    <m:r>
+                      <a:rPr kumimoji="0" lang="pt-PT" sz="1600" b="0" i="1" u="none" strike="noStrike" kern="1200" cap="none" spc="0" normalizeH="0" baseline="0" noProof="0" smtClean="0">
+                        <a:ln>
+                          <a:noFill/>
+                        </a:ln>
+                        <a:solidFill>
+                          <a:srgbClr val="000000">
+                            <a:lumMod val="75000"/>
+                            <a:lumOff val="25000"/>
+                          </a:srgbClr>
+                        </a:solidFill>
+                        <a:effectLst/>
+                        <a:uLnTx/>
+                        <a:uFillTx/>
+                        <a:latin typeface="Cambria Math" panose="02040503050406030204" pitchFamily="18" charset="0"/>
+                        <a:ea typeface="Cambria Math" panose="02040503050406030204" pitchFamily="18" charset="0"/>
+                      </a:rPr>
+                      <m:t>. </m:t>
+                    </m:r>
+                  </m:oMath>
+                </a14:m>
+                <a:endParaRPr lang="pt-PT" sz="1600" dirty="0"/>
+              </a:p>
+              <a:p>
+                <a:pPr marL="91440" marR="0" lvl="0" indent="-91440" defTabSz="914400" rtl="0" eaLnBrk="1" fontAlgn="auto" latinLnBrk="0" hangingPunct="1">
+                  <a:lnSpc>
+                    <a:spcPct val="90000"/>
+                  </a:lnSpc>
+                  <a:spcBef>
+                    <a:spcPts val="1200"/>
+                  </a:spcBef>
+                  <a:spcAft>
+                    <a:spcPts val="200"/>
+                  </a:spcAft>
+                  <a:buClr>
+                    <a:srgbClr val="E48312"/>
+                  </a:buClr>
+                  <a:buSzPct val="100000"/>
+                  <a:buFont typeface="Wingdings" panose="05000000000000000000" pitchFamily="2" charset="2"/>
+                  <a:buChar char="Ø"/>
+                  <a:tabLst/>
+                  <a:defRPr/>
+                </a:pPr>
+                <a:r>
+                  <a:rPr lang="pt-PT" sz="1600" dirty="0"/>
+                  <a:t>Minimizar: </a:t>
+                </a:r>
+                <a14:m>
+                  <m:oMath xmlns:m="http://schemas.openxmlformats.org/officeDocument/2006/math">
+                    <m:nary>
+                      <m:naryPr>
+                        <m:chr m:val="∑"/>
+                        <m:subHide m:val="on"/>
+                        <m:supHide m:val="on"/>
+                        <m:ctrlPr>
+                          <a:rPr lang="pt-PT" sz="1600" i="1" smtClean="0">
+                            <a:latin typeface="Cambria Math" panose="02040503050406030204" pitchFamily="18" charset="0"/>
+                          </a:rPr>
+                        </m:ctrlPr>
+                      </m:naryPr>
+                      <m:sub/>
+                      <m:sup/>
+                      <m:e>
+                        <m:r>
+                          <a:rPr lang="pt-PT" sz="1600" b="0" i="1" smtClean="0">
+                            <a:latin typeface="Cambria Math" panose="02040503050406030204" pitchFamily="18" charset="0"/>
+                          </a:rPr>
+                          <m:t>𝑒𝑠𝑡</m:t>
+                        </m:r>
+                      </m:e>
+                    </m:nary>
+                    <m:r>
+                      <a:rPr lang="pt-PT" sz="1600" b="0" i="0" smtClean="0">
+                        <a:latin typeface="Cambria Math" panose="02040503050406030204" pitchFamily="18" charset="0"/>
+                      </a:rPr>
+                      <m:t>,</m:t>
+                    </m:r>
+                    <m:r>
+                      <a:rPr lang="pt-PT" sz="1600" b="0" i="1" smtClean="0">
+                        <a:latin typeface="Cambria Math" panose="02040503050406030204" pitchFamily="18" charset="0"/>
+                      </a:rPr>
+                      <m:t>𝑒𝑠𝑡</m:t>
+                    </m:r>
+                    <m:r>
+                      <a:rPr lang="pt-PT" sz="1600" b="0" i="1" smtClean="0">
+                        <a:latin typeface="Cambria Math" panose="02040503050406030204" pitchFamily="18" charset="0"/>
+                        <a:ea typeface="Cambria Math" panose="02040503050406030204" pitchFamily="18" charset="0"/>
+                      </a:rPr>
+                      <m:t>∈</m:t>
+                    </m:r>
+                    <m:r>
+                      <a:rPr lang="pt-PT" sz="1600" b="0" i="1" smtClean="0">
+                        <a:latin typeface="Cambria Math" panose="02040503050406030204" pitchFamily="18" charset="0"/>
+                        <a:ea typeface="Cambria Math" panose="02040503050406030204" pitchFamily="18" charset="0"/>
+                      </a:rPr>
+                      <m:t>𝐸𝑠𝑡</m:t>
+                    </m:r>
+                  </m:oMath>
+                </a14:m>
+                <a:endParaRPr lang="pt-PT" sz="1600" dirty="0"/>
+              </a:p>
+              <a:p>
+                <a:r>
+                  <a:rPr lang="pt-PT" sz="1600" dirty="0"/>
+                  <a:t>Dentro de um estafeta: </a:t>
+                </a:r>
+                <a14:m>
+                  <m:oMath xmlns:m="http://schemas.openxmlformats.org/officeDocument/2006/math">
+                    <m:nary>
+                      <m:naryPr>
+                        <m:chr m:val="∑"/>
+                        <m:subHide m:val="on"/>
+                        <m:supHide m:val="on"/>
+                        <m:ctrlPr>
+                          <a:rPr lang="pt-PT" sz="1600" i="1" smtClean="0">
+                            <a:latin typeface="Cambria Math" panose="02040503050406030204" pitchFamily="18" charset="0"/>
+                          </a:rPr>
+                        </m:ctrlPr>
+                      </m:naryPr>
+                      <m:sub/>
+                      <m:sup/>
+                      <m:e>
+                        <m:r>
+                          <a:rPr lang="pt-PT" sz="1600" b="0" i="1" smtClean="0">
+                            <a:latin typeface="Cambria Math" panose="02040503050406030204" pitchFamily="18" charset="0"/>
+                          </a:rPr>
+                          <m:t>(</m:t>
+                        </m:r>
+                        <m:r>
+                          <a:rPr lang="pt-PT" sz="1600" b="0" i="1" smtClean="0">
+                            <a:latin typeface="Cambria Math" panose="02040503050406030204" pitchFamily="18" charset="0"/>
+                          </a:rPr>
+                          <m:t>𝑝</m:t>
+                        </m:r>
+                        <m:r>
+                          <a:rPr lang="pt-PT" sz="1600" b="0" i="1" smtClean="0">
+                            <a:latin typeface="Cambria Math" panose="02040503050406030204" pitchFamily="18" charset="0"/>
+                          </a:rPr>
+                          <m:t>.</m:t>
+                        </m:r>
+                        <m:r>
+                          <a:rPr lang="pt-PT" sz="1600" b="0" i="1" smtClean="0">
+                            <a:latin typeface="Cambria Math" panose="02040503050406030204" pitchFamily="18" charset="0"/>
+                          </a:rPr>
+                          <m:t>𝑃𝑒𝑠𝑜</m:t>
+                        </m:r>
+                        <m:r>
+                          <a:rPr lang="pt-PT" sz="1600" b="0" i="1" smtClean="0">
+                            <a:latin typeface="Cambria Math" panose="02040503050406030204" pitchFamily="18" charset="0"/>
+                          </a:rPr>
+                          <m:t>,</m:t>
+                        </m:r>
+                        <m:r>
+                          <a:rPr lang="pt-PT" sz="1600" b="0" i="1" smtClean="0">
+                            <a:latin typeface="Cambria Math" panose="02040503050406030204" pitchFamily="18" charset="0"/>
+                          </a:rPr>
+                          <m:t>𝑝</m:t>
+                        </m:r>
+                        <m:r>
+                          <a:rPr lang="pt-PT" sz="1600" b="0" i="1" smtClean="0">
+                            <a:latin typeface="Cambria Math" panose="02040503050406030204" pitchFamily="18" charset="0"/>
+                          </a:rPr>
+                          <m:t>.</m:t>
+                        </m:r>
+                        <m:r>
+                          <a:rPr lang="pt-PT" sz="1600" b="0" i="1" smtClean="0">
+                            <a:latin typeface="Cambria Math" panose="02040503050406030204" pitchFamily="18" charset="0"/>
+                          </a:rPr>
+                          <m:t>𝑉𝑜𝑙𝑢𝑚𝑒</m:t>
+                        </m:r>
+                        <m:r>
+                          <a:rPr lang="pt-PT" sz="1600" b="0" i="1" smtClean="0">
+                            <a:latin typeface="Cambria Math" panose="02040503050406030204" pitchFamily="18" charset="0"/>
+                          </a:rPr>
+                          <m:t>)</m:t>
+                        </m:r>
+                      </m:e>
+                    </m:nary>
+                    <m:r>
+                      <a:rPr lang="pt-PT" sz="1600" b="0" i="1" smtClean="0">
+                        <a:latin typeface="Cambria Math" panose="02040503050406030204" pitchFamily="18" charset="0"/>
+                      </a:rPr>
+                      <m:t>≤</m:t>
+                    </m:r>
+                    <m:d>
+                      <m:dPr>
+                        <m:ctrlPr>
+                          <a:rPr lang="pt-PT" sz="1600" b="0" i="1" smtClean="0">
+                            <a:latin typeface="Cambria Math" panose="02040503050406030204" pitchFamily="18" charset="0"/>
+                          </a:rPr>
+                        </m:ctrlPr>
+                      </m:dPr>
+                      <m:e>
+                        <m:r>
+                          <a:rPr lang="pt-PT" sz="1600" b="0" i="1" smtClean="0">
+                            <a:latin typeface="Cambria Math" panose="02040503050406030204" pitchFamily="18" charset="0"/>
+                          </a:rPr>
+                          <m:t>𝑒𝑠𝑡</m:t>
+                        </m:r>
+                        <m:r>
+                          <a:rPr lang="pt-PT" sz="1600" b="0" i="1" smtClean="0">
+                            <a:latin typeface="Cambria Math" panose="02040503050406030204" pitchFamily="18" charset="0"/>
+                          </a:rPr>
+                          <m:t>.</m:t>
+                        </m:r>
+                        <m:r>
+                          <a:rPr lang="pt-PT" sz="1600" b="0" i="1" smtClean="0">
+                            <a:latin typeface="Cambria Math" panose="02040503050406030204" pitchFamily="18" charset="0"/>
+                          </a:rPr>
+                          <m:t>𝑃𝑒𝑠𝑜𝑀𝑎𝑥</m:t>
+                        </m:r>
+                        <m:r>
+                          <a:rPr lang="pt-PT" sz="1600" b="0" i="1" smtClean="0">
+                            <a:latin typeface="Cambria Math" panose="02040503050406030204" pitchFamily="18" charset="0"/>
+                          </a:rPr>
+                          <m:t>,</m:t>
+                        </m:r>
+                        <m:r>
+                          <a:rPr lang="pt-PT" sz="1600" b="0" i="1" smtClean="0">
+                            <a:latin typeface="Cambria Math" panose="02040503050406030204" pitchFamily="18" charset="0"/>
+                          </a:rPr>
+                          <m:t>𝑒𝑠𝑡</m:t>
+                        </m:r>
+                        <m:r>
+                          <a:rPr lang="pt-PT" sz="1600" b="0" i="1" smtClean="0">
+                            <a:latin typeface="Cambria Math" panose="02040503050406030204" pitchFamily="18" charset="0"/>
+                          </a:rPr>
+                          <m:t>.</m:t>
+                        </m:r>
+                        <m:r>
+                          <a:rPr lang="pt-PT" sz="1600" b="0" i="1" smtClean="0">
+                            <a:latin typeface="Cambria Math" panose="02040503050406030204" pitchFamily="18" charset="0"/>
+                          </a:rPr>
+                          <m:t>𝑉𝑜𝑙𝑀𝑎𝑥</m:t>
+                        </m:r>
+                      </m:e>
+                    </m:d>
+                    <m:r>
+                      <a:rPr lang="pt-PT" sz="1600" b="0" i="1" smtClean="0">
+                        <a:latin typeface="Cambria Math" panose="02040503050406030204" pitchFamily="18" charset="0"/>
+                      </a:rPr>
+                      <m:t>, </m:t>
+                    </m:r>
+                  </m:oMath>
+                </a14:m>
+                <a:endParaRPr lang="pt-PT" sz="1600" b="0" i="1" dirty="0">
+                  <a:latin typeface="Cambria Math" panose="02040503050406030204" pitchFamily="18" charset="0"/>
+                </a:endParaRPr>
+              </a:p>
+              <a:p>
+                <a14:m>
+                  <m:oMathPara xmlns:m="http://schemas.openxmlformats.org/officeDocument/2006/math">
+                    <m:oMathParaPr>
+                      <m:jc m:val="centerGroup"/>
+                    </m:oMathParaPr>
+                    <m:oMath xmlns:m="http://schemas.openxmlformats.org/officeDocument/2006/math">
+                      <m:r>
+                        <a:rPr lang="pt-PT" sz="1600" b="0" i="1" smtClean="0">
+                          <a:latin typeface="Cambria Math" panose="02040503050406030204" pitchFamily="18" charset="0"/>
+                        </a:rPr>
+                        <m:t>𝑝</m:t>
+                      </m:r>
+                      <m:r>
+                        <a:rPr lang="pt-PT" sz="1600" b="0" i="1" smtClean="0">
+                          <a:latin typeface="Cambria Math" panose="02040503050406030204" pitchFamily="18" charset="0"/>
+                        </a:rPr>
+                        <m:t>,</m:t>
+                      </m:r>
+                      <m:r>
+                        <a:rPr lang="pt-PT" sz="1600" b="0" i="1" smtClean="0">
+                          <a:latin typeface="Cambria Math" panose="02040503050406030204" pitchFamily="18" charset="0"/>
+                        </a:rPr>
+                        <m:t>𝑒𝑠𝑡</m:t>
+                      </m:r>
+                      <m:r>
+                        <a:rPr lang="pt-PT" sz="1600" b="0" i="1" smtClean="0">
+                          <a:latin typeface="Cambria Math" panose="02040503050406030204" pitchFamily="18" charset="0"/>
+                        </a:rPr>
+                        <m:t> ∈</m:t>
+                      </m:r>
+                      <m:r>
+                        <a:rPr lang="pt-PT" sz="1600" b="0" i="1" smtClean="0">
+                          <a:latin typeface="Cambria Math" panose="02040503050406030204" pitchFamily="18" charset="0"/>
+                          <a:ea typeface="Cambria Math" panose="02040503050406030204" pitchFamily="18" charset="0"/>
+                        </a:rPr>
+                        <m:t>𝑃</m:t>
+                      </m:r>
+                      <m:r>
+                        <a:rPr lang="pt-PT" sz="1600" b="0" i="1" smtClean="0">
+                          <a:latin typeface="Cambria Math" panose="02040503050406030204" pitchFamily="18" charset="0"/>
+                          <a:ea typeface="Cambria Math" panose="02040503050406030204" pitchFamily="18" charset="0"/>
+                        </a:rPr>
+                        <m:t>,</m:t>
+                      </m:r>
+                      <m:r>
+                        <a:rPr lang="pt-PT" sz="1600" b="0" i="1" smtClean="0">
+                          <a:latin typeface="Cambria Math" panose="02040503050406030204" pitchFamily="18" charset="0"/>
+                          <a:ea typeface="Cambria Math" panose="02040503050406030204" pitchFamily="18" charset="0"/>
+                        </a:rPr>
+                        <m:t>𝐸𝑠𝑡</m:t>
+                      </m:r>
+                      <m:r>
+                        <a:rPr lang="pt-PT" sz="1600" b="0" i="1" smtClean="0">
+                          <a:latin typeface="Cambria Math" panose="02040503050406030204" pitchFamily="18" charset="0"/>
+                          <a:ea typeface="Cambria Math" panose="02040503050406030204" pitchFamily="18" charset="0"/>
+                        </a:rPr>
+                        <m:t> </m:t>
+                      </m:r>
+                      <m:r>
+                        <a:rPr lang="pt-PT" sz="1600" b="0" i="1" smtClean="0">
+                          <a:latin typeface="Cambria Math" panose="02040503050406030204" pitchFamily="18" charset="0"/>
+                          <a:ea typeface="Cambria Math" panose="02040503050406030204" pitchFamily="18" charset="0"/>
+                        </a:rPr>
+                        <m:t>𝑟𝑒𝑠𝑝𝑒𝑡𝑖𝑣𝑎𝑚𝑒𝑛𝑡𝑒</m:t>
+                      </m:r>
+                    </m:oMath>
+                  </m:oMathPara>
+                </a14:m>
+                <a:endParaRPr lang="pt-PT" sz="1600" dirty="0"/>
+              </a:p>
+            </p:txBody>
+          </p:sp>
+        </mc:Choice>
+        <mc:Fallback>
+          <p:sp>
+            <p:nvSpPr>
+              <p:cNvPr id="7" name="TextBox 6">
+                <a:extLst>
+                  <a:ext uri="{FF2B5EF4-FFF2-40B4-BE49-F238E27FC236}">
+                    <a16:creationId xmlns:a16="http://schemas.microsoft.com/office/drawing/2014/main" id="{0FC99067-2FE4-49FA-A359-140ACF56302F}"/>
+                  </a:ext>
+                </a:extLst>
+              </p:cNvPr>
+              <p:cNvSpPr txBox="1">
+                <a:spLocks noRot="1" noChangeAspect="1" noMove="1" noResize="1" noEditPoints="1" noAdjustHandles="1" noChangeArrowheads="1" noChangeShapeType="1" noTextEdit="1"/>
+              </p:cNvSpPr>
+              <p:nvPr/>
+            </p:nvSpPr>
+            <p:spPr>
+              <a:xfrm>
+                <a:off x="4487159" y="4612296"/>
+                <a:ext cx="7704841" cy="1633268"/>
+              </a:xfrm>
+              <a:prstGeom prst="rect">
+                <a:avLst/>
+              </a:prstGeom>
+              <a:blipFill>
+                <a:blip r:embed="rId2"/>
+                <a:stretch>
+                  <a:fillRect l="-396" t="-1119" b="-19776"/>
+                </a:stretch>
+              </a:blipFill>
+            </p:spPr>
+            <p:txBody>
+              <a:bodyPr/>
+              <a:lstStyle/>
+              <a:p>
+                <a:r>
+                  <a:rPr lang="pt-PT">
+                    <a:noFill/>
+                  </a:rPr>
+                  <a:t> </a:t>
+                </a:r>
+              </a:p>
+            </p:txBody>
+          </p:sp>
+        </mc:Fallback>
+      </mc:AlternateContent>
+      <p:sp>
+        <p:nvSpPr>
+          <p:cNvPr id="8" name="Content Placeholder 2">
+            <a:extLst>
+              <a:ext uri="{FF2B5EF4-FFF2-40B4-BE49-F238E27FC236}">
+                <a16:creationId xmlns:a16="http://schemas.microsoft.com/office/drawing/2014/main" id="{ED1D3427-9946-4555-BE2E-AB44424DF598}"/>
+              </a:ext>
+            </a:extLst>
+          </p:cNvPr>
+          <p:cNvSpPr txBox="1">
+            <a:spLocks/>
+          </p:cNvSpPr>
+          <p:nvPr/>
+        </p:nvSpPr>
+        <p:spPr>
+          <a:xfrm>
+            <a:off x="5950116" y="1739631"/>
+            <a:ext cx="5596378" cy="3020906"/>
+          </a:xfrm>
+          <a:prstGeom prst="rect">
+            <a:avLst/>
+          </a:prstGeom>
+        </p:spPr>
+        <p:txBody>
+          <a:bodyPr vert="horz" lIns="0" tIns="45720" rIns="0" bIns="45720" rtlCol="0">
+            <a:normAutofit/>
+          </a:bodyPr>
+          <a:lstStyle>
+            <a:lvl1pPr marL="91440" indent="-91440" algn="l" defTabSz="914400" rtl="0" eaLnBrk="1" latinLnBrk="0" hangingPunct="1">
+              <a:lnSpc>
+                <a:spcPct val="90000"/>
+              </a:lnSpc>
+              <a:spcBef>
+                <a:spcPts val="1200"/>
+              </a:spcBef>
+              <a:spcAft>
+                <a:spcPts val="200"/>
+              </a:spcAft>
+              <a:buClr>
+                <a:schemeClr val="accent1"/>
+              </a:buClr>
+              <a:buSzPct val="100000"/>
+              <a:buFont typeface="Calibri" panose="020F0502020204030204" pitchFamily="34" charset="0"/>
+              <a:buChar char=" "/>
+              <a:defRPr sz="2000" kern="1200">
+                <a:solidFill>
+                  <a:schemeClr val="tx1">
+                    <a:lumMod val="75000"/>
+                    <a:lumOff val="25000"/>
+                  </a:schemeClr>
+                </a:solidFill>
+                <a:latin typeface="+mn-lt"/>
+                <a:ea typeface="+mn-ea"/>
+                <a:cs typeface="+mn-cs"/>
+              </a:defRPr>
+            </a:lvl1pPr>
+            <a:lvl2pPr marL="384048" indent="-182880" algn="l" defTabSz="914400" rtl="0" eaLnBrk="1" latinLnBrk="0" hangingPunct="1">
+              <a:lnSpc>
+                <a:spcPct val="90000"/>
+              </a:lnSpc>
+              <a:spcBef>
+                <a:spcPts val="200"/>
+              </a:spcBef>
+              <a:spcAft>
+                <a:spcPts val="400"/>
+              </a:spcAft>
+              <a:buClr>
+                <a:schemeClr val="accent1"/>
+              </a:buClr>
+              <a:buFont typeface="Calibri" pitchFamily="34" charset="0"/>
+              <a:buChar char="◦"/>
+              <a:defRPr sz="1800" kern="1200">
+                <a:solidFill>
+                  <a:schemeClr val="tx1">
+                    <a:lumMod val="75000"/>
+                    <a:lumOff val="25000"/>
+                  </a:schemeClr>
+                </a:solidFill>
+                <a:latin typeface="+mn-lt"/>
+                <a:ea typeface="+mn-ea"/>
+                <a:cs typeface="+mn-cs"/>
+              </a:defRPr>
+            </a:lvl2pPr>
+            <a:lvl3pPr marL="566928" indent="-182880" algn="l" defTabSz="914400" rtl="0" eaLnBrk="1" latinLnBrk="0" hangingPunct="1">
+              <a:lnSpc>
+                <a:spcPct val="90000"/>
+              </a:lnSpc>
+              <a:spcBef>
+                <a:spcPts val="200"/>
+              </a:spcBef>
+              <a:spcAft>
+                <a:spcPts val="400"/>
+              </a:spcAft>
+              <a:buClr>
+                <a:schemeClr val="accent1"/>
+              </a:buClr>
+              <a:buFont typeface="Calibri" pitchFamily="34" charset="0"/>
+              <a:buChar char="◦"/>
+              <a:defRPr sz="1400" kern="1200">
+                <a:solidFill>
+                  <a:schemeClr val="tx1">
+                    <a:lumMod val="75000"/>
+                    <a:lumOff val="25000"/>
+                  </a:schemeClr>
+                </a:solidFill>
+                <a:latin typeface="+mn-lt"/>
+                <a:ea typeface="+mn-ea"/>
+                <a:cs typeface="+mn-cs"/>
+              </a:defRPr>
+            </a:lvl3pPr>
+            <a:lvl4pPr marL="749808" indent="-182880" algn="l" defTabSz="914400" rtl="0" eaLnBrk="1" latinLnBrk="0" hangingPunct="1">
+              <a:lnSpc>
+                <a:spcPct val="90000"/>
+              </a:lnSpc>
+              <a:spcBef>
+                <a:spcPts val="200"/>
+              </a:spcBef>
+              <a:spcAft>
+                <a:spcPts val="400"/>
+              </a:spcAft>
+              <a:buClr>
+                <a:schemeClr val="accent1"/>
+              </a:buClr>
+              <a:buFont typeface="Calibri" pitchFamily="34" charset="0"/>
+              <a:buChar char="◦"/>
+              <a:defRPr sz="1400" kern="1200">
+                <a:solidFill>
+                  <a:schemeClr val="tx1">
+                    <a:lumMod val="75000"/>
+                    <a:lumOff val="25000"/>
+                  </a:schemeClr>
+                </a:solidFill>
+                <a:latin typeface="+mn-lt"/>
+                <a:ea typeface="+mn-ea"/>
+                <a:cs typeface="+mn-cs"/>
+              </a:defRPr>
+            </a:lvl4pPr>
+            <a:lvl5pPr marL="932688" indent="-182880" algn="l" defTabSz="914400" rtl="0" eaLnBrk="1" latinLnBrk="0" hangingPunct="1">
+              <a:lnSpc>
+                <a:spcPct val="90000"/>
+              </a:lnSpc>
+              <a:spcBef>
+                <a:spcPts val="200"/>
+              </a:spcBef>
+              <a:spcAft>
+                <a:spcPts val="400"/>
+              </a:spcAft>
+              <a:buClr>
+                <a:schemeClr val="accent1"/>
+              </a:buClr>
+              <a:buFont typeface="Calibri" pitchFamily="34" charset="0"/>
+              <a:buChar char="◦"/>
+              <a:defRPr sz="1400" kern="1200">
+                <a:solidFill>
+                  <a:schemeClr val="tx1">
+                    <a:lumMod val="75000"/>
+                    <a:lumOff val="25000"/>
+                  </a:schemeClr>
+                </a:solidFill>
+                <a:latin typeface="+mn-lt"/>
+                <a:ea typeface="+mn-ea"/>
+                <a:cs typeface="+mn-cs"/>
+              </a:defRPr>
+            </a:lvl5pPr>
+            <a:lvl6pPr marL="1100000" indent="-228600" algn="l" defTabSz="914400" rtl="0" eaLnBrk="1" latinLnBrk="0" hangingPunct="1">
+              <a:lnSpc>
+                <a:spcPct val="90000"/>
+              </a:lnSpc>
+              <a:spcBef>
+                <a:spcPts val="200"/>
+              </a:spcBef>
+              <a:spcAft>
+                <a:spcPts val="400"/>
+              </a:spcAft>
+              <a:buClr>
+                <a:schemeClr val="accent1"/>
+              </a:buClr>
+              <a:buFont typeface="Calibri" pitchFamily="34" charset="0"/>
+              <a:buChar char="◦"/>
+              <a:defRPr sz="1400" kern="1200">
+                <a:solidFill>
+                  <a:schemeClr val="tx1">
+                    <a:lumMod val="75000"/>
+                    <a:lumOff val="25000"/>
+                  </a:schemeClr>
+                </a:solidFill>
+                <a:latin typeface="+mn-lt"/>
+                <a:ea typeface="+mn-ea"/>
+                <a:cs typeface="+mn-cs"/>
+              </a:defRPr>
+            </a:lvl6pPr>
+            <a:lvl7pPr marL="1300000" indent="-228600" algn="l" defTabSz="914400" rtl="0" eaLnBrk="1" latinLnBrk="0" hangingPunct="1">
+              <a:lnSpc>
+                <a:spcPct val="90000"/>
+              </a:lnSpc>
+              <a:spcBef>
+                <a:spcPts val="200"/>
+              </a:spcBef>
+              <a:spcAft>
+                <a:spcPts val="400"/>
+              </a:spcAft>
+              <a:buClr>
+                <a:schemeClr val="accent1"/>
+              </a:buClr>
+              <a:buFont typeface="Calibri" pitchFamily="34" charset="0"/>
+              <a:buChar char="◦"/>
+              <a:defRPr sz="1400" kern="1200">
+                <a:solidFill>
+                  <a:schemeClr val="tx1">
+                    <a:lumMod val="75000"/>
+                    <a:lumOff val="25000"/>
+                  </a:schemeClr>
+                </a:solidFill>
+                <a:latin typeface="+mn-lt"/>
+                <a:ea typeface="+mn-ea"/>
+                <a:cs typeface="+mn-cs"/>
+              </a:defRPr>
+            </a:lvl7pPr>
+            <a:lvl8pPr marL="1500000" indent="-228600" algn="l" defTabSz="914400" rtl="0" eaLnBrk="1" latinLnBrk="0" hangingPunct="1">
+              <a:lnSpc>
+                <a:spcPct val="90000"/>
+              </a:lnSpc>
+              <a:spcBef>
+                <a:spcPts val="200"/>
+              </a:spcBef>
+              <a:spcAft>
+                <a:spcPts val="400"/>
+              </a:spcAft>
+              <a:buClr>
+                <a:schemeClr val="accent1"/>
+              </a:buClr>
+              <a:buFont typeface="Calibri" pitchFamily="34" charset="0"/>
+              <a:buChar char="◦"/>
+              <a:defRPr sz="1400" kern="1200">
+                <a:solidFill>
+                  <a:schemeClr val="tx1">
+                    <a:lumMod val="75000"/>
+                    <a:lumOff val="25000"/>
+                  </a:schemeClr>
+                </a:solidFill>
+                <a:latin typeface="+mn-lt"/>
+                <a:ea typeface="+mn-ea"/>
+                <a:cs typeface="+mn-cs"/>
+              </a:defRPr>
+            </a:lvl8pPr>
+            <a:lvl9pPr marL="1700000" indent="-228600" algn="l" defTabSz="914400" rtl="0" eaLnBrk="1" latinLnBrk="0" hangingPunct="1">
+              <a:lnSpc>
+                <a:spcPct val="90000"/>
+              </a:lnSpc>
+              <a:spcBef>
+                <a:spcPts val="200"/>
+              </a:spcBef>
+              <a:spcAft>
+                <a:spcPts val="400"/>
+              </a:spcAft>
+              <a:buClr>
+                <a:schemeClr val="accent1"/>
+              </a:buClr>
+              <a:buFont typeface="Calibri" pitchFamily="34" charset="0"/>
+              <a:buChar char="◦"/>
+              <a:defRPr sz="1400" kern="1200">
+                <a:solidFill>
+                  <a:schemeClr val="tx1">
+                    <a:lumMod val="75000"/>
+                    <a:lumOff val="25000"/>
+                  </a:schemeClr>
+                </a:solidFill>
+                <a:latin typeface="+mn-lt"/>
+                <a:ea typeface="+mn-ea"/>
+                <a:cs typeface="+mn-cs"/>
+              </a:defRPr>
+            </a:lvl9pPr>
+          </a:lstStyle>
+          <a:p>
+            <a:pPr marL="0" indent="0" algn="ctr">
+              <a:buFont typeface="Calibri" panose="020F0502020204030204" pitchFamily="34" charset="0"/>
+              <a:buNone/>
+            </a:pPr>
+            <a:r>
+              <a:rPr lang="pt-PT" sz="1600" u="sng" dirty="0"/>
+              <a:t>Dados de saída</a:t>
+            </a:r>
+            <a:r>
+              <a:rPr lang="pt-PT" sz="1600" dirty="0"/>
+              <a:t>: </a:t>
+            </a:r>
+          </a:p>
+          <a:p>
+            <a:pPr>
+              <a:buFont typeface="Wingdings" panose="05000000000000000000" pitchFamily="2" charset="2"/>
+              <a:buChar char="Ø"/>
+            </a:pPr>
+            <a:r>
+              <a:rPr lang="pt-PT" sz="1600" dirty="0"/>
+              <a:t>Vetor&lt;Encomenda&gt; P- Conjunto de pedidos  que vão ser entregues caracterizadas por (Recompensa e duração irrelevantes):</a:t>
+            </a:r>
+          </a:p>
+          <a:p>
+            <a:pPr lvl="1">
+              <a:buFont typeface="Wingdings" panose="05000000000000000000" pitchFamily="2" charset="2"/>
+              <a:buChar char="Ø"/>
+            </a:pPr>
+            <a:r>
+              <a:rPr lang="pt-PT" sz="1400" dirty="0"/>
+              <a:t>Peso</a:t>
+            </a:r>
+          </a:p>
+          <a:p>
+            <a:pPr lvl="1">
+              <a:buFont typeface="Wingdings" panose="05000000000000000000" pitchFamily="2" charset="2"/>
+              <a:buChar char="Ø"/>
+            </a:pPr>
+            <a:r>
+              <a:rPr lang="pt-PT" sz="1400" dirty="0"/>
+              <a:t>Volume</a:t>
+            </a:r>
+          </a:p>
+          <a:p>
+            <a:pPr>
+              <a:buFont typeface="Wingdings" panose="05000000000000000000" pitchFamily="2" charset="2"/>
+              <a:buChar char="Ø"/>
+            </a:pPr>
+            <a:r>
+              <a:rPr lang="pt-PT" sz="1600" dirty="0"/>
+              <a:t>Vetor&lt;Carrinha&gt;</a:t>
+            </a:r>
+            <a:r>
+              <a:rPr lang="pt-PT" sz="1600" dirty="0" err="1"/>
+              <a:t>Est</a:t>
+            </a:r>
+            <a:r>
+              <a:rPr lang="pt-PT" sz="1600" dirty="0"/>
+              <a:t>–Conjunto de carrinhas </a:t>
+            </a:r>
+            <a:r>
+              <a:rPr lang="pt-PT" sz="1600" dirty="0" err="1"/>
+              <a:t>usadas,caracterizadas</a:t>
+            </a:r>
+            <a:r>
+              <a:rPr lang="pt-PT" sz="1600" dirty="0"/>
+              <a:t> por(Custo, </a:t>
+            </a:r>
+            <a:r>
+              <a:rPr lang="pt-PT" sz="1600" dirty="0" err="1"/>
+              <a:t>PesoAtual</a:t>
+            </a:r>
+            <a:r>
+              <a:rPr lang="pt-PT" sz="1600" dirty="0"/>
+              <a:t> e </a:t>
+            </a:r>
+            <a:r>
+              <a:rPr lang="pt-PT" sz="1600" dirty="0" err="1"/>
+              <a:t>VolAtual</a:t>
+            </a:r>
+            <a:r>
+              <a:rPr lang="pt-PT" sz="1600" dirty="0"/>
+              <a:t> irrelevantes):</a:t>
+            </a:r>
+          </a:p>
+          <a:p>
+            <a:pPr lvl="1">
+              <a:buFont typeface="Wingdings" panose="05000000000000000000" pitchFamily="2" charset="2"/>
+              <a:buChar char="Ø"/>
+            </a:pPr>
+            <a:r>
+              <a:rPr lang="pt-PT" sz="1400" dirty="0" err="1"/>
+              <a:t>PesoMax</a:t>
+            </a:r>
+            <a:endParaRPr lang="pt-PT" sz="1400" dirty="0"/>
+          </a:p>
+          <a:p>
+            <a:pPr lvl="1">
+              <a:buFont typeface="Wingdings" panose="05000000000000000000" pitchFamily="2" charset="2"/>
+              <a:buChar char="Ø"/>
+            </a:pPr>
+            <a:r>
+              <a:rPr lang="pt-PT" sz="1400" dirty="0" err="1"/>
+              <a:t>VolMax</a:t>
+            </a:r>
+            <a:endParaRPr lang="pt-PT" sz="1400" dirty="0"/>
+          </a:p>
+        </p:txBody>
+      </p:sp>
+    </p:spTree>
+    <p:extLst>
+      <p:ext uri="{BB962C8B-B14F-4D97-AF65-F5344CB8AC3E}">
+        <p14:creationId xmlns:p14="http://schemas.microsoft.com/office/powerpoint/2010/main" val="1507378260"/>
+      </p:ext>
+    </p:extLst>
+  </p:cSld>
+  <p:clrMapOvr>
+    <a:masterClrMapping/>
+  </p:clrMapOvr>
+</p:sld>
+</file>
+
+<file path=ppt/slides/slide4.xml><?xml version="1.0" encoding="utf-8"?>
+<p:sld xmlns:a="http://schemas.openxmlformats.org/drawingml/2006/main" xmlns:r="http://schemas.openxmlformats.org/officeDocument/2006/relationships" xmlns:p="http://schemas.openxmlformats.org/presentationml/2006/main">
+  <p:cSld>
+    <p:spTree>
+      <p:nvGrpSpPr>
+        <p:cNvPr id="1" name=""/>
+        <p:cNvGrpSpPr/>
+        <p:nvPr/>
+      </p:nvGrpSpPr>
+      <p:grpSpPr>
+        <a:xfrm>
+          <a:off x="0" y="0"/>
+          <a:ext cx="0" cy="0"/>
+          <a:chOff x="0" y="0"/>
+          <a:chExt cx="0" cy="0"/>
+        </a:xfrm>
+      </p:grpSpPr>
+      <p:sp>
+        <p:nvSpPr>
+          <p:cNvPr id="2" name="Title 1">
+            <a:extLst>
+              <a:ext uri="{FF2B5EF4-FFF2-40B4-BE49-F238E27FC236}">
+                <a16:creationId xmlns:a16="http://schemas.microsoft.com/office/drawing/2014/main" id="{905083D3-96D5-454B-A94C-2CB33399B9A1}"/>
+              </a:ext>
+            </a:extLst>
+          </p:cNvPr>
+          <p:cNvSpPr>
+            <a:spLocks noGrp="1"/>
+          </p:cNvSpPr>
+          <p:nvPr>
+            <p:ph type="title"/>
+          </p:nvPr>
+        </p:nvSpPr>
+        <p:spPr>
+          <a:xfrm>
+            <a:off x="680030" y="393965"/>
+            <a:ext cx="10058400" cy="1450757"/>
+          </a:xfrm>
+        </p:spPr>
+        <p:txBody>
+          <a:bodyPr/>
+          <a:lstStyle/>
+          <a:p>
+            <a:pPr algn="ctr"/>
+            <a:r>
+              <a:rPr lang="en-US" b="1" dirty="0" err="1"/>
+              <a:t>Descrição</a:t>
+            </a:r>
+            <a:r>
+              <a:rPr lang="en-US" b="1" dirty="0"/>
+              <a:t> da </a:t>
+            </a:r>
+            <a:r>
+              <a:rPr lang="en-US" b="1" dirty="0" err="1"/>
+              <a:t>Solução</a:t>
+            </a:r>
+            <a:endParaRPr lang="pt-PT" dirty="0"/>
+          </a:p>
+        </p:txBody>
+      </p:sp>
+      <p:pic>
+        <p:nvPicPr>
+          <p:cNvPr id="4" name="Content Placeholder 8" descr="Text, letter&#10;&#10;Description automatically generated">
+            <a:extLst>
+              <a:ext uri="{FF2B5EF4-FFF2-40B4-BE49-F238E27FC236}">
+                <a16:creationId xmlns:a16="http://schemas.microsoft.com/office/drawing/2014/main" id="{61398ADD-0833-45E1-BAC1-4EE31EB7D8D4}"/>
+              </a:ext>
+            </a:extLst>
+          </p:cNvPr>
+          <p:cNvPicPr>
+            <a:picLocks noChangeAspect="1"/>
+          </p:cNvPicPr>
+          <p:nvPr/>
+        </p:nvPicPr>
+        <p:blipFill>
+          <a:blip r:embed="rId2">
+            <a:extLst>
+              <a:ext uri="{28A0092B-C50C-407E-A947-70E740481C1C}">
+                <a14:useLocalDpi xmlns:a14="http://schemas.microsoft.com/office/drawing/2010/main" val="0"/>
+              </a:ext>
+            </a:extLst>
+          </a:blip>
+          <a:stretch>
+            <a:fillRect/>
+          </a:stretch>
+        </p:blipFill>
+        <p:spPr>
+          <a:xfrm>
+            <a:off x="4618951" y="2118483"/>
+            <a:ext cx="2954095" cy="2224599"/>
+          </a:xfrm>
+          <a:prstGeom prst="rect">
+            <a:avLst/>
+          </a:prstGeom>
+        </p:spPr>
+      </p:pic>
+      <p:sp>
+        <p:nvSpPr>
+          <p:cNvPr id="5" name="TextBox 4">
+            <a:extLst>
+              <a:ext uri="{FF2B5EF4-FFF2-40B4-BE49-F238E27FC236}">
+                <a16:creationId xmlns:a16="http://schemas.microsoft.com/office/drawing/2014/main" id="{E0A9D527-AC5E-4F74-BD13-9F33FB55B4CD}"/>
+              </a:ext>
+            </a:extLst>
+          </p:cNvPr>
+          <p:cNvSpPr txBox="1"/>
+          <p:nvPr/>
+        </p:nvSpPr>
+        <p:spPr>
+          <a:xfrm>
+            <a:off x="1669002" y="4713498"/>
+            <a:ext cx="9241654" cy="1477328"/>
+          </a:xfrm>
+          <a:prstGeom prst="rect">
+            <a:avLst/>
+          </a:prstGeom>
+          <a:noFill/>
+        </p:spPr>
+        <p:txBody>
+          <a:bodyPr wrap="square" rtlCol="0">
+            <a:spAutoFit/>
+          </a:bodyPr>
+          <a:lstStyle/>
+          <a:p>
+            <a:pPr algn="ctr"/>
+            <a:r>
+              <a:rPr lang="pt-PT" dirty="0"/>
+              <a:t>Baseado no algoritmo de bin-</a:t>
+            </a:r>
+            <a:r>
+              <a:rPr lang="pt-PT" dirty="0" err="1"/>
+              <a:t>packing</a:t>
+            </a:r>
+            <a:r>
+              <a:rPr lang="pt-PT" dirty="0"/>
+              <a:t>: </a:t>
+            </a:r>
+            <a:r>
+              <a:rPr lang="pt-PT" dirty="0" err="1"/>
+              <a:t>first</a:t>
+            </a:r>
+            <a:r>
+              <a:rPr lang="pt-PT" dirty="0"/>
+              <a:t> </a:t>
+            </a:r>
+            <a:r>
+              <a:rPr lang="pt-PT" dirty="0" err="1"/>
+              <a:t>fit</a:t>
+            </a:r>
+            <a:r>
+              <a:rPr lang="pt-PT" dirty="0"/>
+              <a:t> (</a:t>
+            </a:r>
+            <a:r>
+              <a:rPr lang="pt-PT" dirty="0" err="1"/>
+              <a:t>decreasing</a:t>
+            </a:r>
+            <a:r>
+              <a:rPr lang="pt-PT" dirty="0"/>
+              <a:t>).</a:t>
+            </a:r>
+          </a:p>
+          <a:p>
+            <a:pPr algn="ctr"/>
+            <a:r>
+              <a:rPr lang="pt-PT" dirty="0"/>
+              <a:t>Após a ordenação das carrinhas e encomendas por ordem decrescente de capacidade (</a:t>
+            </a:r>
+            <a:r>
+              <a:rPr lang="pt-PT" dirty="0" err="1"/>
+              <a:t>peso+volume</a:t>
+            </a:r>
+            <a:r>
+              <a:rPr lang="pt-PT" dirty="0"/>
+              <a:t>),percorremos todos os camiões um a um e inserimos as encomendas que cabem no camião atual.</a:t>
+            </a:r>
+          </a:p>
+          <a:p>
+            <a:pPr algn="ctr"/>
+            <a:r>
+              <a:rPr lang="pt-PT" dirty="0"/>
+              <a:t> </a:t>
+            </a:r>
+          </a:p>
+        </p:txBody>
+      </p:sp>
+      <p:sp>
+        <p:nvSpPr>
+          <p:cNvPr id="6" name="TextBox 5">
+            <a:extLst>
+              <a:ext uri="{FF2B5EF4-FFF2-40B4-BE49-F238E27FC236}">
+                <a16:creationId xmlns:a16="http://schemas.microsoft.com/office/drawing/2014/main" id="{F18A2A3C-591B-40E0-A021-E0F506517821}"/>
+              </a:ext>
+            </a:extLst>
+          </p:cNvPr>
+          <p:cNvSpPr txBox="1"/>
+          <p:nvPr/>
+        </p:nvSpPr>
+        <p:spPr>
+          <a:xfrm>
+            <a:off x="3014934" y="4343082"/>
+            <a:ext cx="6162131" cy="261610"/>
+          </a:xfrm>
+          <a:prstGeom prst="rect">
+            <a:avLst/>
+          </a:prstGeom>
+          <a:noFill/>
+        </p:spPr>
+        <p:txBody>
+          <a:bodyPr wrap="square" rtlCol="0">
+            <a:spAutoFit/>
+          </a:bodyPr>
+          <a:lstStyle/>
+          <a:p>
+            <a:pPr algn="ctr"/>
+            <a:r>
+              <a:rPr lang="pt-PT" sz="1100" dirty="0" err="1"/>
+              <a:t>Pseudo</a:t>
+            </a:r>
+            <a:r>
+              <a:rPr lang="pt-PT" sz="1100" dirty="0"/>
+              <a:t> código da função aplicada</a:t>
+            </a:r>
+          </a:p>
+        </p:txBody>
+      </p:sp>
+    </p:spTree>
+    <p:extLst>
+      <p:ext uri="{BB962C8B-B14F-4D97-AF65-F5344CB8AC3E}">
+        <p14:creationId xmlns:p14="http://schemas.microsoft.com/office/powerpoint/2010/main" val="2615784666"/>
+      </p:ext>
+    </p:extLst>
+  </p:cSld>
+  <p:clrMapOvr>
+    <a:masterClrMapping/>
+  </p:clrMapOvr>
+</p:sld>
+</file>
+
+<file path=ppt/slides/slide5.xml><?xml version="1.0" encoding="utf-8"?>
+<p:sld xmlns:a="http://schemas.openxmlformats.org/drawingml/2006/main" xmlns:r="http://schemas.openxmlformats.org/officeDocument/2006/relationships" xmlns:p="http://schemas.openxmlformats.org/presentationml/2006/main">
+  <p:cSld>
+    <p:spTree>
+      <p:nvGrpSpPr>
+        <p:cNvPr id="1" name=""/>
+        <p:cNvGrpSpPr/>
+        <p:nvPr/>
+      </p:nvGrpSpPr>
+      <p:grpSpPr>
+        <a:xfrm>
+          <a:off x="0" y="0"/>
+          <a:ext cx="0" cy="0"/>
+          <a:chOff x="0" y="0"/>
+          <a:chExt cx="0" cy="0"/>
+        </a:xfrm>
+      </p:grpSpPr>
+      <p:sp>
+        <p:nvSpPr>
+          <p:cNvPr id="2" name="Title 1">
+            <a:extLst>
+              <a:ext uri="{FF2B5EF4-FFF2-40B4-BE49-F238E27FC236}">
+                <a16:creationId xmlns:a16="http://schemas.microsoft.com/office/drawing/2014/main" id="{E57A16D9-4571-457E-863F-CCB1924F17BA}"/>
+              </a:ext>
+            </a:extLst>
+          </p:cNvPr>
+          <p:cNvSpPr>
+            <a:spLocks noGrp="1"/>
+          </p:cNvSpPr>
+          <p:nvPr>
+            <p:ph type="title"/>
+          </p:nvPr>
+        </p:nvSpPr>
+        <p:spPr/>
+        <p:txBody>
+          <a:bodyPr/>
+          <a:lstStyle/>
+          <a:p>
+            <a:pPr algn="ctr"/>
+            <a:r>
+              <a:rPr lang="pt-PT" dirty="0"/>
+              <a:t>Complexidade</a:t>
+            </a:r>
+          </a:p>
+        </p:txBody>
+      </p:sp>
+      <p:sp>
+        <p:nvSpPr>
+          <p:cNvPr id="3" name="Content Placeholder 2">
+            <a:extLst>
+              <a:ext uri="{FF2B5EF4-FFF2-40B4-BE49-F238E27FC236}">
+                <a16:creationId xmlns:a16="http://schemas.microsoft.com/office/drawing/2014/main" id="{590BC303-E1EB-4BBE-B9C3-034232C408DB}"/>
+              </a:ext>
+            </a:extLst>
+          </p:cNvPr>
+          <p:cNvSpPr>
+            <a:spLocks noGrp="1"/>
+          </p:cNvSpPr>
+          <p:nvPr>
+            <p:ph idx="1"/>
+          </p:nvPr>
+        </p:nvSpPr>
+        <p:spPr/>
+        <p:txBody>
+          <a:bodyPr/>
+          <a:lstStyle/>
+          <a:p>
+            <a:r>
+              <a:rPr lang="pt-PT" dirty="0">
+                <a:solidFill>
+                  <a:srgbClr val="273239"/>
+                </a:solidFill>
+                <a:latin typeface="urw-din"/>
+              </a:rPr>
+              <a:t>-Complexidade temporal: </a:t>
+            </a:r>
+            <a:r>
+              <a:rPr lang="pt-PT" b="0" i="0" dirty="0">
+                <a:solidFill>
+                  <a:srgbClr val="273239"/>
+                </a:solidFill>
+                <a:effectLst/>
+                <a:latin typeface="urw-din"/>
+              </a:rPr>
+              <a:t> O(n</a:t>
+            </a:r>
+            <a:r>
+              <a:rPr lang="pt-PT" b="0" i="0" baseline="30000" dirty="0">
+                <a:solidFill>
+                  <a:srgbClr val="273239"/>
+                </a:solidFill>
+                <a:effectLst/>
+                <a:latin typeface="urw-din"/>
+              </a:rPr>
+              <a:t>2</a:t>
+            </a:r>
+            <a:r>
+              <a:rPr lang="pt-PT" b="0" i="0" dirty="0">
+                <a:solidFill>
+                  <a:srgbClr val="273239"/>
+                </a:solidFill>
+                <a:effectLst/>
+                <a:latin typeface="urw-din"/>
+              </a:rPr>
+              <a:t>)</a:t>
+            </a:r>
+            <a:endParaRPr lang="pt-PT" dirty="0"/>
+          </a:p>
+        </p:txBody>
+      </p:sp>
+    </p:spTree>
+    <p:extLst>
+      <p:ext uri="{BB962C8B-B14F-4D97-AF65-F5344CB8AC3E}">
+        <p14:creationId xmlns:p14="http://schemas.microsoft.com/office/powerpoint/2010/main" val="1429117583"/>
+      </p:ext>
+    </p:extLst>
+  </p:cSld>
+  <p:clrMapOvr>
+    <a:masterClrMapping/>
+  </p:clrMapOvr>
+</p:sld>
+</file>
+
+<file path=ppt/slides/slide6.xml><?xml version="1.0" encoding="utf-8"?>
+<p:sld xmlns:a="http://schemas.openxmlformats.org/drawingml/2006/main" xmlns:r="http://schemas.openxmlformats.org/officeDocument/2006/relationships" xmlns:p="http://schemas.openxmlformats.org/presentationml/2006/main">
+  <p:cSld>
+    <p:spTree>
+      <p:nvGrpSpPr>
+        <p:cNvPr id="1" name=""/>
+        <p:cNvGrpSpPr/>
+        <p:nvPr/>
+      </p:nvGrpSpPr>
+      <p:grpSpPr>
+        <a:xfrm>
+          <a:off x="0" y="0"/>
+          <a:ext cx="0" cy="0"/>
+          <a:chOff x="0" y="0"/>
+          <a:chExt cx="0" cy="0"/>
+        </a:xfrm>
+      </p:grpSpPr>
+      <p:sp>
+        <p:nvSpPr>
+          <p:cNvPr id="4" name="Title 1">
+            <a:extLst>
+              <a:ext uri="{FF2B5EF4-FFF2-40B4-BE49-F238E27FC236}">
+                <a16:creationId xmlns:a16="http://schemas.microsoft.com/office/drawing/2014/main" id="{F29967F0-2C0F-4212-ADA7-2126EE7D643F}"/>
+              </a:ext>
+            </a:extLst>
+          </p:cNvPr>
+          <p:cNvSpPr txBox="1">
+            <a:spLocks/>
+          </p:cNvSpPr>
+          <p:nvPr/>
+        </p:nvSpPr>
+        <p:spPr>
+          <a:xfrm>
+            <a:off x="1097280" y="286604"/>
+            <a:ext cx="10058400" cy="684358"/>
+          </a:xfrm>
+          <a:prstGeom prst="rect">
+            <a:avLst/>
+          </a:prstGeom>
+        </p:spPr>
+        <p:txBody>
+          <a:bodyPr vert="horz" lIns="91440" tIns="45720" rIns="91440" bIns="45720" rtlCol="0" anchor="b">
+            <a:normAutofit lnSpcReduction="10000"/>
+          </a:bodyPr>
+          <a:lstStyle>
+            <a:lvl1pPr marL="0" algn="l" defTabSz="914400" rtl="0" eaLnBrk="1" latinLnBrk="0" hangingPunct="1">
+              <a:lnSpc>
+                <a:spcPct val="85000"/>
+              </a:lnSpc>
+              <a:spcBef>
+                <a:spcPct val="0"/>
+              </a:spcBef>
+              <a:buNone/>
+              <a:defRPr sz="4800" kern="1200" spc="-50" baseline="0">
+                <a:solidFill>
+                  <a:schemeClr val="tx1">
+                    <a:lumMod val="75000"/>
+                    <a:lumOff val="25000"/>
+                  </a:schemeClr>
+                </a:solidFill>
+                <a:latin typeface="+mj-lt"/>
+                <a:ea typeface="+mj-ea"/>
+                <a:cs typeface="+mj-cs"/>
+              </a:defRPr>
+            </a:lvl1pPr>
+          </a:lstStyle>
+          <a:p>
+            <a:pPr algn="ctr"/>
+            <a:r>
+              <a:rPr lang="en-US" b="1" dirty="0" err="1"/>
+              <a:t>Formalização</a:t>
+            </a:r>
+            <a:r>
+              <a:rPr lang="en-US" b="1" dirty="0"/>
+              <a:t> do </a:t>
+            </a:r>
+            <a:r>
+              <a:rPr lang="en-US" b="1" dirty="0" err="1"/>
+              <a:t>Cenário</a:t>
+            </a:r>
+            <a:r>
+              <a:rPr lang="en-US" b="1" dirty="0"/>
+              <a:t> 2</a:t>
+            </a:r>
+            <a:endParaRPr lang="pt-PT" b="1" dirty="0"/>
+          </a:p>
+        </p:txBody>
+      </p:sp>
+      <p:sp>
+        <p:nvSpPr>
+          <p:cNvPr id="5" name="Content Placeholder 2">
+            <a:extLst>
+              <a:ext uri="{FF2B5EF4-FFF2-40B4-BE49-F238E27FC236}">
+                <a16:creationId xmlns:a16="http://schemas.microsoft.com/office/drawing/2014/main" id="{F9671397-9D2B-4B4F-B762-DCAA21974E9D}"/>
+              </a:ext>
+            </a:extLst>
+          </p:cNvPr>
+          <p:cNvSpPr txBox="1">
+            <a:spLocks/>
+          </p:cNvSpPr>
+          <p:nvPr/>
+        </p:nvSpPr>
+        <p:spPr>
+          <a:xfrm>
+            <a:off x="407477" y="1097008"/>
+            <a:ext cx="5596378" cy="4494299"/>
+          </a:xfrm>
+          <a:prstGeom prst="rect">
+            <a:avLst/>
+          </a:prstGeom>
+        </p:spPr>
+        <p:txBody>
+          <a:bodyPr vert="horz" lIns="0" tIns="45720" rIns="0" bIns="45720" rtlCol="0">
+            <a:normAutofit/>
+          </a:bodyPr>
+          <a:lstStyle>
+            <a:lvl1pPr marL="91440" indent="-91440" algn="l" defTabSz="914400" rtl="0" eaLnBrk="1" latinLnBrk="0" hangingPunct="1">
+              <a:lnSpc>
+                <a:spcPct val="90000"/>
+              </a:lnSpc>
+              <a:spcBef>
+                <a:spcPts val="1200"/>
+              </a:spcBef>
+              <a:spcAft>
+                <a:spcPts val="200"/>
+              </a:spcAft>
+              <a:buClr>
+                <a:schemeClr val="accent1"/>
+              </a:buClr>
+              <a:buSzPct val="100000"/>
+              <a:buFont typeface="Calibri" panose="020F0502020204030204" pitchFamily="34" charset="0"/>
+              <a:buChar char=" "/>
+              <a:defRPr sz="2000" kern="1200">
+                <a:solidFill>
+                  <a:schemeClr val="tx1">
+                    <a:lumMod val="75000"/>
+                    <a:lumOff val="25000"/>
+                  </a:schemeClr>
+                </a:solidFill>
+                <a:latin typeface="+mn-lt"/>
+                <a:ea typeface="+mn-ea"/>
+                <a:cs typeface="+mn-cs"/>
+              </a:defRPr>
+            </a:lvl1pPr>
+            <a:lvl2pPr marL="384048" indent="-182880" algn="l" defTabSz="914400" rtl="0" eaLnBrk="1" latinLnBrk="0" hangingPunct="1">
+              <a:lnSpc>
+                <a:spcPct val="90000"/>
+              </a:lnSpc>
+              <a:spcBef>
+                <a:spcPts val="200"/>
+              </a:spcBef>
+              <a:spcAft>
+                <a:spcPts val="400"/>
+              </a:spcAft>
+              <a:buClr>
+                <a:schemeClr val="accent1"/>
+              </a:buClr>
+              <a:buFont typeface="Calibri" pitchFamily="34" charset="0"/>
+              <a:buChar char="◦"/>
+              <a:defRPr sz="1800" kern="1200">
+                <a:solidFill>
+                  <a:schemeClr val="tx1">
+                    <a:lumMod val="75000"/>
+                    <a:lumOff val="25000"/>
+                  </a:schemeClr>
+                </a:solidFill>
+                <a:latin typeface="+mn-lt"/>
+                <a:ea typeface="+mn-ea"/>
+                <a:cs typeface="+mn-cs"/>
+              </a:defRPr>
+            </a:lvl2pPr>
+            <a:lvl3pPr marL="566928" indent="-182880" algn="l" defTabSz="914400" rtl="0" eaLnBrk="1" latinLnBrk="0" hangingPunct="1">
+              <a:lnSpc>
+                <a:spcPct val="90000"/>
+              </a:lnSpc>
+              <a:spcBef>
+                <a:spcPts val="200"/>
+              </a:spcBef>
+              <a:spcAft>
+                <a:spcPts val="400"/>
+              </a:spcAft>
+              <a:buClr>
+                <a:schemeClr val="accent1"/>
+              </a:buClr>
+              <a:buFont typeface="Calibri" pitchFamily="34" charset="0"/>
+              <a:buChar char="◦"/>
+              <a:defRPr sz="1400" kern="1200">
+                <a:solidFill>
+                  <a:schemeClr val="tx1">
+                    <a:lumMod val="75000"/>
+                    <a:lumOff val="25000"/>
+                  </a:schemeClr>
+                </a:solidFill>
+                <a:latin typeface="+mn-lt"/>
+                <a:ea typeface="+mn-ea"/>
+                <a:cs typeface="+mn-cs"/>
+              </a:defRPr>
+            </a:lvl3pPr>
+            <a:lvl4pPr marL="749808" indent="-182880" algn="l" defTabSz="914400" rtl="0" eaLnBrk="1" latinLnBrk="0" hangingPunct="1">
+              <a:lnSpc>
+                <a:spcPct val="90000"/>
+              </a:lnSpc>
+              <a:spcBef>
+                <a:spcPts val="200"/>
+              </a:spcBef>
+              <a:spcAft>
+                <a:spcPts val="400"/>
+              </a:spcAft>
+              <a:buClr>
+                <a:schemeClr val="accent1"/>
+              </a:buClr>
+              <a:buFont typeface="Calibri" pitchFamily="34" charset="0"/>
+              <a:buChar char="◦"/>
+              <a:defRPr sz="1400" kern="1200">
+                <a:solidFill>
+                  <a:schemeClr val="tx1">
+                    <a:lumMod val="75000"/>
+                    <a:lumOff val="25000"/>
+                  </a:schemeClr>
+                </a:solidFill>
+                <a:latin typeface="+mn-lt"/>
+                <a:ea typeface="+mn-ea"/>
+                <a:cs typeface="+mn-cs"/>
+              </a:defRPr>
+            </a:lvl4pPr>
+            <a:lvl5pPr marL="932688" indent="-182880" algn="l" defTabSz="914400" rtl="0" eaLnBrk="1" latinLnBrk="0" hangingPunct="1">
+              <a:lnSpc>
+                <a:spcPct val="90000"/>
+              </a:lnSpc>
+              <a:spcBef>
+                <a:spcPts val="200"/>
+              </a:spcBef>
+              <a:spcAft>
+                <a:spcPts val="400"/>
+              </a:spcAft>
+              <a:buClr>
+                <a:schemeClr val="accent1"/>
+              </a:buClr>
+              <a:buFont typeface="Calibri" pitchFamily="34" charset="0"/>
+              <a:buChar char="◦"/>
+              <a:defRPr sz="1400" kern="1200">
+                <a:solidFill>
+                  <a:schemeClr val="tx1">
+                    <a:lumMod val="75000"/>
+                    <a:lumOff val="25000"/>
+                  </a:schemeClr>
+                </a:solidFill>
+                <a:latin typeface="+mn-lt"/>
+                <a:ea typeface="+mn-ea"/>
+                <a:cs typeface="+mn-cs"/>
+              </a:defRPr>
+            </a:lvl5pPr>
+            <a:lvl6pPr marL="1100000" indent="-228600" algn="l" defTabSz="914400" rtl="0" eaLnBrk="1" latinLnBrk="0" hangingPunct="1">
+              <a:lnSpc>
+                <a:spcPct val="90000"/>
+              </a:lnSpc>
+              <a:spcBef>
+                <a:spcPts val="200"/>
+              </a:spcBef>
+              <a:spcAft>
+                <a:spcPts val="400"/>
+              </a:spcAft>
+              <a:buClr>
+                <a:schemeClr val="accent1"/>
+              </a:buClr>
+              <a:buFont typeface="Calibri" pitchFamily="34" charset="0"/>
+              <a:buChar char="◦"/>
+              <a:defRPr sz="1400" kern="1200">
+                <a:solidFill>
+                  <a:schemeClr val="tx1">
+                    <a:lumMod val="75000"/>
+                    <a:lumOff val="25000"/>
+                  </a:schemeClr>
+                </a:solidFill>
+                <a:latin typeface="+mn-lt"/>
+                <a:ea typeface="+mn-ea"/>
+                <a:cs typeface="+mn-cs"/>
+              </a:defRPr>
+            </a:lvl6pPr>
+            <a:lvl7pPr marL="1300000" indent="-228600" algn="l" defTabSz="914400" rtl="0" eaLnBrk="1" latinLnBrk="0" hangingPunct="1">
+              <a:lnSpc>
+                <a:spcPct val="90000"/>
+              </a:lnSpc>
+              <a:spcBef>
+                <a:spcPts val="200"/>
+              </a:spcBef>
+              <a:spcAft>
+                <a:spcPts val="400"/>
+              </a:spcAft>
+              <a:buClr>
+                <a:schemeClr val="accent1"/>
+              </a:buClr>
+              <a:buFont typeface="Calibri" pitchFamily="34" charset="0"/>
+              <a:buChar char="◦"/>
+              <a:defRPr sz="1400" kern="1200">
+                <a:solidFill>
+                  <a:schemeClr val="tx1">
+                    <a:lumMod val="75000"/>
+                    <a:lumOff val="25000"/>
+                  </a:schemeClr>
+                </a:solidFill>
+                <a:latin typeface="+mn-lt"/>
+                <a:ea typeface="+mn-ea"/>
+                <a:cs typeface="+mn-cs"/>
+              </a:defRPr>
+            </a:lvl7pPr>
+            <a:lvl8pPr marL="1500000" indent="-228600" algn="l" defTabSz="914400" rtl="0" eaLnBrk="1" latinLnBrk="0" hangingPunct="1">
+              <a:lnSpc>
+                <a:spcPct val="90000"/>
+              </a:lnSpc>
+              <a:spcBef>
+                <a:spcPts val="200"/>
+              </a:spcBef>
+              <a:spcAft>
+                <a:spcPts val="400"/>
+              </a:spcAft>
+              <a:buClr>
+                <a:schemeClr val="accent1"/>
+              </a:buClr>
+              <a:buFont typeface="Calibri" pitchFamily="34" charset="0"/>
+              <a:buChar char="◦"/>
+              <a:defRPr sz="1400" kern="1200">
+                <a:solidFill>
+                  <a:schemeClr val="tx1">
+                    <a:lumMod val="75000"/>
+                    <a:lumOff val="25000"/>
+                  </a:schemeClr>
+                </a:solidFill>
+                <a:latin typeface="+mn-lt"/>
+                <a:ea typeface="+mn-ea"/>
+                <a:cs typeface="+mn-cs"/>
+              </a:defRPr>
+            </a:lvl8pPr>
+            <a:lvl9pPr marL="1700000" indent="-228600" algn="l" defTabSz="914400" rtl="0" eaLnBrk="1" latinLnBrk="0" hangingPunct="1">
+              <a:lnSpc>
+                <a:spcPct val="90000"/>
+              </a:lnSpc>
+              <a:spcBef>
+                <a:spcPts val="200"/>
+              </a:spcBef>
+              <a:spcAft>
+                <a:spcPts val="400"/>
+              </a:spcAft>
+              <a:buClr>
+                <a:schemeClr val="accent1"/>
+              </a:buClr>
+              <a:buFont typeface="Calibri" pitchFamily="34" charset="0"/>
+              <a:buChar char="◦"/>
+              <a:defRPr sz="1400" kern="1200">
+                <a:solidFill>
+                  <a:schemeClr val="tx1">
+                    <a:lumMod val="75000"/>
+                    <a:lumOff val="25000"/>
+                  </a:schemeClr>
+                </a:solidFill>
+                <a:latin typeface="+mn-lt"/>
+                <a:ea typeface="+mn-ea"/>
+                <a:cs typeface="+mn-cs"/>
+              </a:defRPr>
+            </a:lvl9pPr>
+          </a:lstStyle>
+          <a:p>
+            <a:pPr marL="0" indent="0" algn="ctr">
+              <a:buFont typeface="Calibri" panose="020F0502020204030204" pitchFamily="34" charset="0"/>
+              <a:buNone/>
+            </a:pPr>
+            <a:r>
+              <a:rPr lang="pt-PT" sz="1600" u="sng" dirty="0"/>
+              <a:t>Dados de entrada</a:t>
+            </a:r>
+            <a:r>
+              <a:rPr lang="pt-PT" sz="1600" dirty="0"/>
+              <a:t>: </a:t>
+            </a:r>
+          </a:p>
+          <a:p>
+            <a:pPr>
+              <a:buFont typeface="Wingdings" panose="05000000000000000000" pitchFamily="2" charset="2"/>
+              <a:buChar char="Ø"/>
+            </a:pPr>
+            <a:r>
+              <a:rPr lang="pt-PT" sz="1600" dirty="0"/>
+              <a:t>Vetor&lt;Encomenda&gt; E- Conjunto de encomendas caracterizadas por:</a:t>
+            </a:r>
+          </a:p>
+          <a:p>
+            <a:pPr lvl="1">
+              <a:buFont typeface="Wingdings" panose="05000000000000000000" pitchFamily="2" charset="2"/>
+              <a:buChar char="Ø"/>
+            </a:pPr>
+            <a:r>
+              <a:rPr lang="pt-PT" sz="1400" dirty="0"/>
+              <a:t>Peso</a:t>
+            </a:r>
+          </a:p>
+          <a:p>
+            <a:pPr lvl="1">
+              <a:buFont typeface="Wingdings" panose="05000000000000000000" pitchFamily="2" charset="2"/>
+              <a:buChar char="Ø"/>
+            </a:pPr>
+            <a:r>
+              <a:rPr lang="pt-PT" sz="1400" dirty="0"/>
+              <a:t>Volume</a:t>
+            </a:r>
+          </a:p>
+          <a:p>
+            <a:pPr lvl="1">
+              <a:buFont typeface="Wingdings" panose="05000000000000000000" pitchFamily="2" charset="2"/>
+              <a:buChar char="Ø"/>
+            </a:pPr>
+            <a:r>
+              <a:rPr lang="pt-PT" sz="1400" dirty="0"/>
+              <a:t>Recompensa</a:t>
+            </a:r>
+          </a:p>
+          <a:p>
+            <a:pPr lvl="1">
+              <a:buFont typeface="Wingdings" panose="05000000000000000000" pitchFamily="2" charset="2"/>
+              <a:buChar char="Ø"/>
+            </a:pPr>
+            <a:r>
+              <a:rPr lang="pt-PT" sz="1400" dirty="0"/>
+              <a:t>Duração </a:t>
+            </a:r>
+          </a:p>
+          <a:p>
+            <a:pPr>
+              <a:buFont typeface="Wingdings" panose="05000000000000000000" pitchFamily="2" charset="2"/>
+              <a:buChar char="Ø"/>
+            </a:pPr>
+            <a:r>
+              <a:rPr lang="pt-PT" sz="1600" dirty="0"/>
+              <a:t>Vetor&lt;Carrinha&gt; C –Conjunto de </a:t>
+            </a:r>
+            <a:r>
+              <a:rPr lang="pt-PT" sz="1600" dirty="0" err="1"/>
+              <a:t>carrias</a:t>
+            </a:r>
+            <a:r>
+              <a:rPr lang="pt-PT" sz="1600" dirty="0"/>
+              <a:t> caracterizadas por:</a:t>
+            </a:r>
+          </a:p>
+          <a:p>
+            <a:pPr lvl="1">
+              <a:buFont typeface="Wingdings" panose="05000000000000000000" pitchFamily="2" charset="2"/>
+              <a:buChar char="Ø"/>
+            </a:pPr>
+            <a:r>
+              <a:rPr lang="pt-PT" sz="1400" dirty="0" err="1"/>
+              <a:t>PesoMax</a:t>
+            </a:r>
+            <a:endParaRPr lang="pt-PT" sz="1400" dirty="0"/>
+          </a:p>
+          <a:p>
+            <a:pPr lvl="1">
+              <a:buFont typeface="Wingdings" panose="05000000000000000000" pitchFamily="2" charset="2"/>
+              <a:buChar char="Ø"/>
+            </a:pPr>
+            <a:r>
+              <a:rPr lang="pt-PT" sz="1400" dirty="0" err="1"/>
+              <a:t>VolMax</a:t>
+            </a:r>
+            <a:endParaRPr lang="pt-PT" sz="1400" dirty="0"/>
+          </a:p>
+          <a:p>
+            <a:pPr lvl="1">
+              <a:buFont typeface="Wingdings" panose="05000000000000000000" pitchFamily="2" charset="2"/>
+              <a:buChar char="Ø"/>
+            </a:pPr>
+            <a:r>
+              <a:rPr lang="pt-PT" sz="1400" dirty="0"/>
+              <a:t>Custo</a:t>
+            </a:r>
+          </a:p>
+          <a:p>
+            <a:pPr lvl="1">
+              <a:buFont typeface="Wingdings" panose="05000000000000000000" pitchFamily="2" charset="2"/>
+              <a:buChar char="Ø"/>
+            </a:pPr>
+            <a:r>
+              <a:rPr lang="pt-PT" sz="1400" dirty="0" err="1"/>
+              <a:t>PesoAtual</a:t>
+            </a:r>
+            <a:endParaRPr lang="pt-PT" sz="1400" dirty="0"/>
+          </a:p>
+          <a:p>
+            <a:pPr lvl="1">
+              <a:buFont typeface="Wingdings" panose="05000000000000000000" pitchFamily="2" charset="2"/>
+              <a:buChar char="Ø"/>
+            </a:pPr>
+            <a:r>
+              <a:rPr lang="pt-PT" sz="1400" dirty="0" err="1"/>
+              <a:t>VolAtual</a:t>
+            </a:r>
+            <a:r>
+              <a:rPr lang="pt-PT" dirty="0"/>
+              <a:t> </a:t>
+            </a:r>
+          </a:p>
+        </p:txBody>
+      </p:sp>
+      <mc:AlternateContent xmlns:mc="http://schemas.openxmlformats.org/markup-compatibility/2006">
+        <mc:Choice xmlns:a14="http://schemas.microsoft.com/office/drawing/2010/main" Requires="a14">
+          <p:sp>
+            <p:nvSpPr>
+              <p:cNvPr id="7" name="TextBox 6">
+                <a:extLst>
+                  <a:ext uri="{FF2B5EF4-FFF2-40B4-BE49-F238E27FC236}">
+                    <a16:creationId xmlns:a16="http://schemas.microsoft.com/office/drawing/2014/main" id="{0FC99067-2FE4-49FA-A359-140ACF56302F}"/>
+                  </a:ext>
+                </a:extLst>
+              </p:cNvPr>
+              <p:cNvSpPr txBox="1"/>
+              <p:nvPr/>
+            </p:nvSpPr>
+            <p:spPr>
+              <a:xfrm>
+                <a:off x="216816" y="4605291"/>
+                <a:ext cx="11783506" cy="2156488"/>
+              </a:xfrm>
+              <a:prstGeom prst="rect">
+                <a:avLst/>
+              </a:prstGeom>
+              <a:noFill/>
+            </p:spPr>
+            <p:txBody>
+              <a:bodyPr wrap="square" rtlCol="0">
+                <a:spAutoFit/>
+              </a:bodyPr>
+              <a:lstStyle/>
+              <a:p>
+                <a:pPr marL="0" indent="0" algn="ctr">
+                  <a:buNone/>
+                </a:pPr>
+                <a:r>
+                  <a:rPr lang="pt-PT" sz="1600" u="sng" dirty="0">
+                    <a:solidFill>
+                      <a:srgbClr val="000000">
+                        <a:lumMod val="75000"/>
+                        <a:lumOff val="25000"/>
+                      </a:srgbClr>
+                    </a:solidFill>
+                    <a:latin typeface="Calibri" panose="020F0502020204030204"/>
+                  </a:rPr>
+                  <a:t>Restrições e Domínios de valores:</a:t>
+                </a:r>
+                <a:endParaRPr kumimoji="0" lang="pt-PT" sz="1600" b="0" i="0" u="sng" strike="noStrike" kern="1200" cap="none" spc="0" normalizeH="0" baseline="0" noProof="0" dirty="0">
+                  <a:ln>
+                    <a:noFill/>
+                  </a:ln>
+                  <a:solidFill>
+                    <a:srgbClr val="000000">
+                      <a:lumMod val="75000"/>
+                      <a:lumOff val="25000"/>
+                    </a:srgbClr>
+                  </a:solidFill>
+                  <a:effectLst/>
+                  <a:uLnTx/>
+                  <a:uFillTx/>
+                  <a:latin typeface="Calibri" panose="020F0502020204030204"/>
+                  <a:ea typeface="+mn-ea"/>
+                  <a:cs typeface="+mn-cs"/>
+                </a:endParaRPr>
+              </a:p>
+              <a:p>
+                <a:pPr marL="91440" marR="0" lvl="0" indent="-91440" defTabSz="914400" rtl="0" eaLnBrk="1" fontAlgn="auto" latinLnBrk="0" hangingPunct="1">
+                  <a:lnSpc>
+                    <a:spcPct val="90000"/>
+                  </a:lnSpc>
+                  <a:spcBef>
+                    <a:spcPts val="1200"/>
+                  </a:spcBef>
+                  <a:spcAft>
+                    <a:spcPts val="200"/>
+                  </a:spcAft>
+                  <a:buClr>
+                    <a:srgbClr val="E48312"/>
+                  </a:buClr>
+                  <a:buSzPct val="100000"/>
+                  <a:buFont typeface="Wingdings" panose="05000000000000000000" pitchFamily="2" charset="2"/>
+                  <a:buChar char="Ø"/>
+                  <a:tabLst/>
+                  <a:defRPr/>
+                </a:pPr>
+                <a:r>
+                  <a:rPr lang="pt-PT" sz="1600" dirty="0">
+                    <a:solidFill>
+                      <a:srgbClr val="000000">
+                        <a:lumMod val="75000"/>
+                        <a:lumOff val="25000"/>
+                      </a:srgbClr>
+                    </a:solidFill>
+                    <a:latin typeface="Calibri" panose="020F0502020204030204"/>
+                  </a:rPr>
+                  <a:t> Todos os valores têm de pertencer a </a:t>
+                </a:r>
+                <a14:m>
+                  <m:oMath xmlns:m="http://schemas.openxmlformats.org/officeDocument/2006/math">
+                    <m:r>
+                      <a:rPr kumimoji="0" lang="pt-PT" sz="1600" b="0" i="1" u="none" strike="noStrike" kern="1200" cap="none" spc="0" normalizeH="0" baseline="0" noProof="0" smtClean="0">
+                        <a:ln>
+                          <a:noFill/>
+                        </a:ln>
+                        <a:solidFill>
+                          <a:srgbClr val="000000">
+                            <a:lumMod val="75000"/>
+                            <a:lumOff val="25000"/>
+                          </a:srgbClr>
+                        </a:solidFill>
+                        <a:effectLst/>
+                        <a:uLnTx/>
+                        <a:uFillTx/>
+                        <a:latin typeface="Cambria Math" panose="02040503050406030204" pitchFamily="18" charset="0"/>
+                        <a:ea typeface="Cambria Math" panose="02040503050406030204" pitchFamily="18" charset="0"/>
+                      </a:rPr>
+                      <m:t>ℕ</m:t>
+                    </m:r>
+                  </m:oMath>
+                </a14:m>
+                <a:r>
+                  <a:rPr lang="pt-PT" sz="1600" dirty="0">
+                    <a:solidFill>
+                      <a:srgbClr val="000000">
+                        <a:lumMod val="75000"/>
+                        <a:lumOff val="25000"/>
+                      </a:srgbClr>
+                    </a:solidFill>
+                    <a:latin typeface="Calibri" panose="020F0502020204030204"/>
+                  </a:rPr>
+                  <a:t> </a:t>
+                </a:r>
+              </a:p>
+              <a:p>
+                <a:pPr marL="91440" marR="0" lvl="0" indent="-91440" defTabSz="914400" rtl="0" eaLnBrk="1" fontAlgn="auto" latinLnBrk="0" hangingPunct="1">
+                  <a:lnSpc>
+                    <a:spcPct val="90000"/>
+                  </a:lnSpc>
+                  <a:spcBef>
+                    <a:spcPts val="1200"/>
+                  </a:spcBef>
+                  <a:spcAft>
+                    <a:spcPts val="200"/>
+                  </a:spcAft>
+                  <a:buClr>
+                    <a:srgbClr val="E48312"/>
+                  </a:buClr>
+                  <a:buSzPct val="100000"/>
+                  <a:buFont typeface="Wingdings" panose="05000000000000000000" pitchFamily="2" charset="2"/>
+                  <a:buChar char="Ø"/>
+                  <a:tabLst/>
+                  <a:defRPr/>
+                </a:pPr>
+                <a:r>
+                  <a:rPr kumimoji="0" lang="pt-PT" sz="1600" b="0" u="none" strike="noStrike" kern="1200" cap="none" spc="0" normalizeH="0" baseline="0" noProof="0" dirty="0">
+                    <a:ln>
+                      <a:noFill/>
+                    </a:ln>
+                    <a:solidFill>
+                      <a:srgbClr val="000000">
+                        <a:lumMod val="75000"/>
+                        <a:lumOff val="25000"/>
+                      </a:srgbClr>
+                    </a:solidFill>
+                    <a:effectLst/>
+                    <a:uLnTx/>
+                    <a:uFillTx/>
+                    <a:ea typeface="+mn-ea"/>
+                    <a:cs typeface="+mn-cs"/>
+                  </a:rPr>
+                  <a:t>Maximizar: </a:t>
+                </a:r>
+                <a14:m>
+                  <m:oMath xmlns:m="http://schemas.openxmlformats.org/officeDocument/2006/math">
+                    <m:nary>
+                      <m:naryPr>
+                        <m:chr m:val="∑"/>
+                        <m:subHide m:val="on"/>
+                        <m:supHide m:val="on"/>
+                        <m:ctrlPr>
+                          <a:rPr kumimoji="0" lang="pt-PT" sz="1600" b="0" i="1" u="none" strike="noStrike" kern="1200" cap="none" spc="0" normalizeH="0" baseline="0" noProof="0" smtClean="0">
+                            <a:ln>
+                              <a:noFill/>
+                            </a:ln>
+                            <a:solidFill>
+                              <a:srgbClr val="000000">
+                                <a:lumMod val="75000"/>
+                                <a:lumOff val="25000"/>
+                              </a:srgbClr>
+                            </a:solidFill>
+                            <a:effectLst/>
+                            <a:uLnTx/>
+                            <a:uFillTx/>
+                            <a:latin typeface="Cambria Math" panose="02040503050406030204" pitchFamily="18" charset="0"/>
+                            <a:ea typeface="+mn-ea"/>
+                            <a:cs typeface="+mn-cs"/>
+                          </a:rPr>
+                        </m:ctrlPr>
+                      </m:naryPr>
+                      <m:sub/>
+                      <m:sup/>
+                      <m:e>
+                        <m:r>
+                          <a:rPr kumimoji="0" lang="pt-PT" sz="1600" b="0" i="1" u="none" strike="noStrike" kern="1200" cap="none" spc="0" normalizeH="0" baseline="0" noProof="0" smtClean="0">
+                            <a:ln>
+                              <a:noFill/>
+                            </a:ln>
+                            <a:solidFill>
+                              <a:srgbClr val="000000">
+                                <a:lumMod val="75000"/>
+                                <a:lumOff val="25000"/>
+                              </a:srgbClr>
+                            </a:solidFill>
+                            <a:effectLst/>
+                            <a:uLnTx/>
+                            <a:uFillTx/>
+                            <a:latin typeface="Cambria Math" panose="02040503050406030204" pitchFamily="18" charset="0"/>
+                            <a:ea typeface="+mn-ea"/>
+                            <a:cs typeface="+mn-cs"/>
+                          </a:rPr>
+                          <m:t>𝑝</m:t>
+                        </m:r>
+                        <m:r>
+                          <a:rPr kumimoji="0" lang="pt-PT" sz="1600" b="0" i="1" u="none" strike="noStrike" kern="1200" cap="none" spc="0" normalizeH="0" baseline="0" noProof="0" smtClean="0">
+                            <a:ln>
+                              <a:noFill/>
+                            </a:ln>
+                            <a:solidFill>
+                              <a:srgbClr val="000000">
+                                <a:lumMod val="75000"/>
+                                <a:lumOff val="25000"/>
+                              </a:srgbClr>
+                            </a:solidFill>
+                            <a:effectLst/>
+                            <a:uLnTx/>
+                            <a:uFillTx/>
+                            <a:latin typeface="Cambria Math" panose="02040503050406030204" pitchFamily="18" charset="0"/>
+                            <a:ea typeface="+mn-ea"/>
+                            <a:cs typeface="+mn-cs"/>
+                          </a:rPr>
+                          <m:t>.</m:t>
+                        </m:r>
+                        <m:r>
+                          <a:rPr kumimoji="0" lang="pt-PT" sz="1600" b="0" i="1" u="none" strike="noStrike" kern="1200" cap="none" spc="0" normalizeH="0" baseline="0" noProof="0" smtClean="0">
+                            <a:ln>
+                              <a:noFill/>
+                            </a:ln>
+                            <a:solidFill>
+                              <a:srgbClr val="000000">
+                                <a:lumMod val="75000"/>
+                                <a:lumOff val="25000"/>
+                              </a:srgbClr>
+                            </a:solidFill>
+                            <a:effectLst/>
+                            <a:uLnTx/>
+                            <a:uFillTx/>
+                            <a:latin typeface="Cambria Math" panose="02040503050406030204" pitchFamily="18" charset="0"/>
+                            <a:ea typeface="+mn-ea"/>
+                            <a:cs typeface="+mn-cs"/>
+                          </a:rPr>
+                          <m:t>𝑅𝑒𝑐𝑜𝑚𝑝𝑒𝑛𝑠𝑎</m:t>
+                        </m:r>
+                        <m:r>
+                          <a:rPr kumimoji="0" lang="pt-PT" sz="1600" b="0" i="1" u="none" strike="noStrike" kern="1200" cap="none" spc="0" normalizeH="0" baseline="0" noProof="0" smtClean="0">
+                            <a:ln>
+                              <a:noFill/>
+                            </a:ln>
+                            <a:solidFill>
+                              <a:srgbClr val="000000">
+                                <a:lumMod val="75000"/>
+                                <a:lumOff val="25000"/>
+                              </a:srgbClr>
+                            </a:solidFill>
+                            <a:effectLst/>
+                            <a:uLnTx/>
+                            <a:uFillTx/>
+                            <a:latin typeface="Cambria Math" panose="02040503050406030204" pitchFamily="18" charset="0"/>
+                            <a:ea typeface="+mn-ea"/>
+                            <a:cs typeface="+mn-cs"/>
+                          </a:rPr>
+                          <m:t>− </m:t>
+                        </m:r>
+                      </m:e>
+                    </m:nary>
+                  </m:oMath>
+                </a14:m>
+                <a:r>
+                  <a:rPr lang="pt-PT" sz="1600" dirty="0">
+                    <a:solidFill>
+                      <a:srgbClr val="000000">
+                        <a:lumMod val="75000"/>
+                        <a:lumOff val="25000"/>
+                      </a:srgbClr>
+                    </a:solidFill>
+                  </a:rPr>
+                  <a:t> </a:t>
+                </a:r>
+                <a14:m>
+                  <m:oMath xmlns:m="http://schemas.openxmlformats.org/officeDocument/2006/math">
+                    <m:nary>
+                      <m:naryPr>
+                        <m:chr m:val="∑"/>
+                        <m:subHide m:val="on"/>
+                        <m:supHide m:val="on"/>
+                        <m:ctrlPr>
+                          <a:rPr lang="pt-PT" sz="1600" i="1">
+                            <a:solidFill>
+                              <a:srgbClr val="000000">
+                                <a:lumMod val="75000"/>
+                                <a:lumOff val="25000"/>
+                              </a:srgbClr>
+                            </a:solidFill>
+                            <a:latin typeface="Cambria Math" panose="02040503050406030204" pitchFamily="18" charset="0"/>
+                          </a:rPr>
+                        </m:ctrlPr>
+                      </m:naryPr>
+                      <m:sub/>
+                      <m:sup/>
+                      <m:e>
+                        <m:r>
+                          <a:rPr lang="pt-PT" sz="1600" b="0" i="1" smtClean="0">
+                            <a:solidFill>
+                              <a:srgbClr val="000000">
+                                <a:lumMod val="75000"/>
+                                <a:lumOff val="25000"/>
+                              </a:srgbClr>
+                            </a:solidFill>
+                            <a:latin typeface="Cambria Math" panose="02040503050406030204" pitchFamily="18" charset="0"/>
+                          </a:rPr>
+                          <m:t>𝑒𝑠𝑡</m:t>
+                        </m:r>
+                        <m:r>
+                          <a:rPr lang="pt-PT" sz="1600" b="0" i="1" smtClean="0">
+                            <a:solidFill>
+                              <a:srgbClr val="000000">
+                                <a:lumMod val="75000"/>
+                                <a:lumOff val="25000"/>
+                              </a:srgbClr>
+                            </a:solidFill>
+                            <a:latin typeface="Cambria Math" panose="02040503050406030204" pitchFamily="18" charset="0"/>
+                          </a:rPr>
+                          <m:t>.</m:t>
+                        </m:r>
+                        <m:r>
+                          <a:rPr lang="pt-PT" sz="1600" b="0" i="1" smtClean="0">
+                            <a:solidFill>
+                              <a:srgbClr val="000000">
+                                <a:lumMod val="75000"/>
+                                <a:lumOff val="25000"/>
+                              </a:srgbClr>
+                            </a:solidFill>
+                            <a:latin typeface="Cambria Math" panose="02040503050406030204" pitchFamily="18" charset="0"/>
+                          </a:rPr>
+                          <m:t>𝐶𝑢𝑠𝑡𝑜</m:t>
+                        </m:r>
+                        <m:r>
+                          <a:rPr lang="pt-PT" sz="1600" b="0" i="1" smtClean="0">
+                            <a:solidFill>
+                              <a:srgbClr val="000000">
+                                <a:lumMod val="75000"/>
+                                <a:lumOff val="25000"/>
+                              </a:srgbClr>
+                            </a:solidFill>
+                            <a:latin typeface="Cambria Math" panose="02040503050406030204" pitchFamily="18" charset="0"/>
+                          </a:rPr>
+                          <m:t> , </m:t>
+                        </m:r>
+                        <m:r>
+                          <a:rPr lang="pt-PT" sz="1600" b="0" i="1" smtClean="0">
+                            <a:solidFill>
+                              <a:srgbClr val="000000">
+                                <a:lumMod val="75000"/>
+                                <a:lumOff val="25000"/>
+                              </a:srgbClr>
+                            </a:solidFill>
+                            <a:latin typeface="Cambria Math" panose="02040503050406030204" pitchFamily="18" charset="0"/>
+                          </a:rPr>
+                          <m:t>𝑝</m:t>
+                        </m:r>
+                        <m:r>
+                          <a:rPr lang="pt-PT" sz="1600" b="0" i="1" smtClean="0">
+                            <a:solidFill>
+                              <a:srgbClr val="000000">
+                                <a:lumMod val="75000"/>
+                                <a:lumOff val="25000"/>
+                              </a:srgbClr>
+                            </a:solidFill>
+                            <a:latin typeface="Cambria Math" panose="02040503050406030204" pitchFamily="18" charset="0"/>
+                          </a:rPr>
+                          <m:t>,</m:t>
+                        </m:r>
+                        <m:r>
+                          <a:rPr lang="pt-PT" sz="1600" b="0" i="1" smtClean="0">
+                            <a:solidFill>
+                              <a:srgbClr val="000000">
+                                <a:lumMod val="75000"/>
+                                <a:lumOff val="25000"/>
+                              </a:srgbClr>
+                            </a:solidFill>
+                            <a:latin typeface="Cambria Math" panose="02040503050406030204" pitchFamily="18" charset="0"/>
+                          </a:rPr>
+                          <m:t>𝑒𝑠𝑡</m:t>
+                        </m:r>
+                        <m:r>
+                          <a:rPr lang="pt-PT" sz="1600" b="0" i="1" smtClean="0">
+                            <a:solidFill>
+                              <a:srgbClr val="000000">
+                                <a:lumMod val="75000"/>
+                                <a:lumOff val="25000"/>
+                              </a:srgbClr>
+                            </a:solidFill>
+                            <a:latin typeface="Cambria Math" panose="02040503050406030204" pitchFamily="18" charset="0"/>
+                          </a:rPr>
+                          <m:t> ∈</m:t>
+                        </m:r>
+                        <m:r>
+                          <a:rPr lang="pt-PT" sz="1600" b="0" i="1" smtClean="0">
+                            <a:solidFill>
+                              <a:srgbClr val="000000">
+                                <a:lumMod val="75000"/>
+                                <a:lumOff val="25000"/>
+                              </a:srgbClr>
+                            </a:solidFill>
+                            <a:latin typeface="Cambria Math" panose="02040503050406030204" pitchFamily="18" charset="0"/>
+                            <a:ea typeface="Cambria Math" panose="02040503050406030204" pitchFamily="18" charset="0"/>
+                          </a:rPr>
+                          <m:t>𝑃</m:t>
+                        </m:r>
+                        <m:r>
+                          <a:rPr lang="pt-PT" sz="1600" b="0" i="1" smtClean="0">
+                            <a:solidFill>
+                              <a:srgbClr val="000000">
+                                <a:lumMod val="75000"/>
+                                <a:lumOff val="25000"/>
+                              </a:srgbClr>
+                            </a:solidFill>
+                            <a:latin typeface="Cambria Math" panose="02040503050406030204" pitchFamily="18" charset="0"/>
+                            <a:ea typeface="Cambria Math" panose="02040503050406030204" pitchFamily="18" charset="0"/>
+                          </a:rPr>
+                          <m:t>,</m:t>
+                        </m:r>
+                        <m:r>
+                          <a:rPr lang="pt-PT" sz="1600" b="0" i="1" smtClean="0">
+                            <a:solidFill>
+                              <a:srgbClr val="000000">
+                                <a:lumMod val="75000"/>
+                                <a:lumOff val="25000"/>
+                              </a:srgbClr>
+                            </a:solidFill>
+                            <a:latin typeface="Cambria Math" panose="02040503050406030204" pitchFamily="18" charset="0"/>
+                            <a:ea typeface="Cambria Math" panose="02040503050406030204" pitchFamily="18" charset="0"/>
+                          </a:rPr>
+                          <m:t>𝐸𝑠𝑡</m:t>
+                        </m:r>
+                        <m:r>
+                          <a:rPr lang="pt-PT" sz="1600" b="0" i="1" smtClean="0">
+                            <a:solidFill>
+                              <a:srgbClr val="000000">
+                                <a:lumMod val="75000"/>
+                                <a:lumOff val="25000"/>
+                              </a:srgbClr>
+                            </a:solidFill>
+                            <a:latin typeface="Cambria Math" panose="02040503050406030204" pitchFamily="18" charset="0"/>
+                            <a:ea typeface="Cambria Math" panose="02040503050406030204" pitchFamily="18" charset="0"/>
+                          </a:rPr>
+                          <m:t> </m:t>
+                        </m:r>
+                        <m:r>
+                          <a:rPr lang="pt-PT" sz="1600" b="0" i="1" smtClean="0">
+                            <a:solidFill>
+                              <a:srgbClr val="000000">
+                                <a:lumMod val="75000"/>
+                                <a:lumOff val="25000"/>
+                              </a:srgbClr>
+                            </a:solidFill>
+                            <a:latin typeface="Cambria Math" panose="02040503050406030204" pitchFamily="18" charset="0"/>
+                            <a:ea typeface="Cambria Math" panose="02040503050406030204" pitchFamily="18" charset="0"/>
+                          </a:rPr>
+                          <m:t>𝑟𝑒𝑠𝑝𝑒𝑡𝑖𝑣𝑎𝑚𝑒𝑛𝑡𝑒</m:t>
+                        </m:r>
+                        <m:r>
+                          <a:rPr lang="pt-PT" sz="1600" b="0" i="1" smtClean="0">
+                            <a:solidFill>
+                              <a:srgbClr val="000000">
+                                <a:lumMod val="75000"/>
+                                <a:lumOff val="25000"/>
+                              </a:srgbClr>
+                            </a:solidFill>
+                            <a:latin typeface="Cambria Math" panose="02040503050406030204" pitchFamily="18" charset="0"/>
+                          </a:rPr>
+                          <m:t> </m:t>
+                        </m:r>
+                      </m:e>
+                    </m:nary>
+                  </m:oMath>
+                </a14:m>
+                <a:endParaRPr kumimoji="0" lang="pt-PT" sz="1600" b="0" i="0" u="none" strike="noStrike" kern="1200" cap="none" spc="0" normalizeH="0" baseline="0" noProof="0" dirty="0">
+                  <a:ln>
+                    <a:noFill/>
+                  </a:ln>
+                  <a:solidFill>
+                    <a:srgbClr val="000000">
+                      <a:lumMod val="75000"/>
+                      <a:lumOff val="25000"/>
+                    </a:srgbClr>
+                  </a:solidFill>
+                  <a:effectLst/>
+                  <a:uLnTx/>
+                  <a:uFillTx/>
+                  <a:latin typeface="Calibri" panose="020F0502020204030204"/>
+                  <a:ea typeface="+mn-ea"/>
+                  <a:cs typeface="+mn-cs"/>
+                </a:endParaRPr>
+              </a:p>
+              <a:p>
+                <a:r>
+                  <a:rPr lang="pt-PT" sz="1600" dirty="0"/>
+                  <a:t>Dentro de um estafeta:- </a:t>
+                </a:r>
+                <a14:m>
+                  <m:oMath xmlns:m="http://schemas.openxmlformats.org/officeDocument/2006/math">
+                    <m:nary>
+                      <m:naryPr>
+                        <m:chr m:val="∑"/>
+                        <m:subHide m:val="on"/>
+                        <m:supHide m:val="on"/>
+                        <m:ctrlPr>
+                          <a:rPr lang="pt-PT" sz="1600" i="1" smtClean="0">
+                            <a:latin typeface="Cambria Math" panose="02040503050406030204" pitchFamily="18" charset="0"/>
+                          </a:rPr>
+                        </m:ctrlPr>
+                      </m:naryPr>
+                      <m:sub/>
+                      <m:sup/>
+                      <m:e>
+                        <m:r>
+                          <a:rPr lang="pt-PT" sz="1600" b="0" i="1" smtClean="0">
+                            <a:latin typeface="Cambria Math" panose="02040503050406030204" pitchFamily="18" charset="0"/>
+                          </a:rPr>
+                          <m:t>(</m:t>
+                        </m:r>
+                        <m:r>
+                          <a:rPr lang="pt-PT" sz="1600" b="0" i="1" smtClean="0">
+                            <a:latin typeface="Cambria Math" panose="02040503050406030204" pitchFamily="18" charset="0"/>
+                          </a:rPr>
+                          <m:t>𝑝</m:t>
+                        </m:r>
+                        <m:r>
+                          <a:rPr lang="pt-PT" sz="1600" b="0" i="1" smtClean="0">
+                            <a:latin typeface="Cambria Math" panose="02040503050406030204" pitchFamily="18" charset="0"/>
+                          </a:rPr>
+                          <m:t>.</m:t>
+                        </m:r>
+                        <m:r>
+                          <a:rPr lang="pt-PT" sz="1600" b="0" i="1" smtClean="0">
+                            <a:latin typeface="Cambria Math" panose="02040503050406030204" pitchFamily="18" charset="0"/>
+                          </a:rPr>
+                          <m:t>𝑃𝑒𝑠𝑜</m:t>
+                        </m:r>
+                        <m:r>
+                          <a:rPr lang="pt-PT" sz="1600" b="0" i="1" smtClean="0">
+                            <a:latin typeface="Cambria Math" panose="02040503050406030204" pitchFamily="18" charset="0"/>
+                          </a:rPr>
+                          <m:t>,</m:t>
+                        </m:r>
+                        <m:r>
+                          <a:rPr lang="pt-PT" sz="1600" b="0" i="1" smtClean="0">
+                            <a:latin typeface="Cambria Math" panose="02040503050406030204" pitchFamily="18" charset="0"/>
+                          </a:rPr>
+                          <m:t>𝑝</m:t>
+                        </m:r>
+                        <m:r>
+                          <a:rPr lang="pt-PT" sz="1600" b="0" i="1" smtClean="0">
+                            <a:latin typeface="Cambria Math" panose="02040503050406030204" pitchFamily="18" charset="0"/>
+                          </a:rPr>
+                          <m:t>.</m:t>
+                        </m:r>
+                        <m:r>
+                          <a:rPr lang="pt-PT" sz="1600" b="0" i="1" smtClean="0">
+                            <a:latin typeface="Cambria Math" panose="02040503050406030204" pitchFamily="18" charset="0"/>
+                          </a:rPr>
+                          <m:t>𝑉𝑜𝑙𝑢𝑚𝑒</m:t>
+                        </m:r>
+                        <m:r>
+                          <a:rPr lang="pt-PT" sz="1600" b="0" i="1" smtClean="0">
+                            <a:latin typeface="Cambria Math" panose="02040503050406030204" pitchFamily="18" charset="0"/>
+                          </a:rPr>
+                          <m:t>)</m:t>
+                        </m:r>
+                      </m:e>
+                    </m:nary>
+                    <m:r>
+                      <a:rPr lang="pt-PT" sz="1600" b="0" i="1" smtClean="0">
+                        <a:latin typeface="Cambria Math" panose="02040503050406030204" pitchFamily="18" charset="0"/>
+                      </a:rPr>
+                      <m:t>≤</m:t>
+                    </m:r>
+                    <m:d>
+                      <m:dPr>
+                        <m:ctrlPr>
+                          <a:rPr lang="pt-PT" sz="1600" b="0" i="1" smtClean="0">
+                            <a:latin typeface="Cambria Math" panose="02040503050406030204" pitchFamily="18" charset="0"/>
+                          </a:rPr>
+                        </m:ctrlPr>
+                      </m:dPr>
+                      <m:e>
+                        <m:r>
+                          <a:rPr lang="pt-PT" sz="1600" b="0" i="1" smtClean="0">
+                            <a:latin typeface="Cambria Math" panose="02040503050406030204" pitchFamily="18" charset="0"/>
+                          </a:rPr>
+                          <m:t>𝑒𝑠𝑡</m:t>
+                        </m:r>
+                        <m:r>
+                          <a:rPr lang="pt-PT" sz="1600" b="0" i="1" smtClean="0">
+                            <a:latin typeface="Cambria Math" panose="02040503050406030204" pitchFamily="18" charset="0"/>
+                          </a:rPr>
+                          <m:t>.</m:t>
+                        </m:r>
+                        <m:r>
+                          <a:rPr lang="pt-PT" sz="1600" b="0" i="1" smtClean="0">
+                            <a:latin typeface="Cambria Math" panose="02040503050406030204" pitchFamily="18" charset="0"/>
+                          </a:rPr>
+                          <m:t>𝑃𝑒𝑠𝑜𝑀𝑎𝑥</m:t>
+                        </m:r>
+                        <m:r>
+                          <a:rPr lang="pt-PT" sz="1600" b="0" i="1" smtClean="0">
+                            <a:latin typeface="Cambria Math" panose="02040503050406030204" pitchFamily="18" charset="0"/>
+                          </a:rPr>
+                          <m:t>,</m:t>
+                        </m:r>
+                        <m:r>
+                          <a:rPr lang="pt-PT" sz="1600" b="0" i="1" smtClean="0">
+                            <a:latin typeface="Cambria Math" panose="02040503050406030204" pitchFamily="18" charset="0"/>
+                          </a:rPr>
+                          <m:t>𝑒𝑠𝑡</m:t>
+                        </m:r>
+                        <m:r>
+                          <a:rPr lang="pt-PT" sz="1600" b="0" i="1" smtClean="0">
+                            <a:latin typeface="Cambria Math" panose="02040503050406030204" pitchFamily="18" charset="0"/>
+                          </a:rPr>
+                          <m:t>.</m:t>
+                        </m:r>
+                        <m:r>
+                          <a:rPr lang="pt-PT" sz="1600" b="0" i="1" smtClean="0">
+                            <a:latin typeface="Cambria Math" panose="02040503050406030204" pitchFamily="18" charset="0"/>
+                          </a:rPr>
+                          <m:t>𝑉𝑜𝑙𝑀𝑎𝑥</m:t>
+                        </m:r>
+                      </m:e>
+                    </m:d>
+                  </m:oMath>
+                </a14:m>
+                <a:endParaRPr lang="pt-PT" sz="1600" b="0" dirty="0">
+                  <a:ea typeface="Cambria Math" panose="02040503050406030204" pitchFamily="18" charset="0"/>
+                </a:endParaRPr>
+              </a:p>
+              <a:p>
+                <a:r>
+                  <a:rPr kumimoji="0" lang="pt-PT" sz="1600" b="0" i="0" u="none" strike="noStrike" kern="1200" cap="none" spc="0" normalizeH="0" baseline="0" noProof="0" dirty="0">
+                    <a:ln>
+                      <a:noFill/>
+                    </a:ln>
+                    <a:solidFill>
+                      <a:srgbClr val="000000">
+                        <a:lumMod val="75000"/>
+                        <a:lumOff val="25000"/>
+                      </a:srgbClr>
+                    </a:solidFill>
+                    <a:effectLst/>
+                    <a:uLnTx/>
+                    <a:uFillTx/>
+                    <a:latin typeface="Calibri" panose="020F0502020204030204"/>
+                    <a:ea typeface="+mn-ea"/>
+                    <a:cs typeface="+mn-cs"/>
+                  </a:rPr>
+                  <a:t>				  </a:t>
+                </a:r>
+                <a:r>
+                  <a:rPr lang="pt-PT" sz="1600" dirty="0">
+                    <a:solidFill>
+                      <a:srgbClr val="000000">
+                        <a:lumMod val="75000"/>
+                        <a:lumOff val="25000"/>
+                      </a:srgbClr>
+                    </a:solidFill>
+                    <a:latin typeface="Calibri" panose="020F0502020204030204"/>
+                  </a:rPr>
+                  <a:t>- </a:t>
+                </a:r>
+                <a14:m>
+                  <m:oMath xmlns:m="http://schemas.openxmlformats.org/officeDocument/2006/math">
+                    <m:r>
+                      <a:rPr kumimoji="0" lang="pt-PT" sz="1600" b="0" i="0" u="none" strike="noStrike" kern="1200" cap="none" spc="0" normalizeH="0" baseline="0" noProof="0" smtClean="0">
+                        <a:ln>
+                          <a:noFill/>
+                        </a:ln>
+                        <a:solidFill>
+                          <a:srgbClr val="000000">
+                            <a:lumMod val="75000"/>
+                            <a:lumOff val="25000"/>
+                          </a:srgbClr>
+                        </a:solidFill>
+                        <a:effectLst/>
+                        <a:uLnTx/>
+                        <a:uFillTx/>
+                        <a:latin typeface="Cambria Math" panose="02040503050406030204" pitchFamily="18" charset="0"/>
+                        <a:ea typeface="+mn-ea"/>
+                        <a:cs typeface="+mn-cs"/>
+                      </a:rPr>
+                      <m:t>(</m:t>
+                    </m:r>
+                    <m:nary>
+                      <m:naryPr>
+                        <m:chr m:val="∑"/>
+                        <m:subHide m:val="on"/>
+                        <m:supHide m:val="on"/>
+                        <m:ctrlPr>
+                          <a:rPr kumimoji="0" lang="pt-PT" sz="1600" b="0" i="1" u="none" strike="noStrike" kern="1200" cap="none" spc="0" normalizeH="0" baseline="0" noProof="0" smtClean="0">
+                            <a:ln>
+                              <a:noFill/>
+                            </a:ln>
+                            <a:solidFill>
+                              <a:srgbClr val="000000">
+                                <a:lumMod val="75000"/>
+                                <a:lumOff val="25000"/>
+                              </a:srgbClr>
+                            </a:solidFill>
+                            <a:effectLst/>
+                            <a:uLnTx/>
+                            <a:uFillTx/>
+                            <a:latin typeface="Cambria Math" panose="02040503050406030204" pitchFamily="18" charset="0"/>
+                            <a:ea typeface="+mn-ea"/>
+                            <a:cs typeface="+mn-cs"/>
+                          </a:rPr>
+                        </m:ctrlPr>
+                      </m:naryPr>
+                      <m:sub/>
+                      <m:sup/>
+                      <m:e>
+                        <m:r>
+                          <a:rPr kumimoji="0" lang="pt-PT" sz="1600" b="0" i="1" u="none" strike="noStrike" kern="1200" cap="none" spc="0" normalizeH="0" baseline="0" noProof="0" smtClean="0">
+                            <a:ln>
+                              <a:noFill/>
+                            </a:ln>
+                            <a:solidFill>
+                              <a:srgbClr val="000000">
+                                <a:lumMod val="75000"/>
+                                <a:lumOff val="25000"/>
+                              </a:srgbClr>
+                            </a:solidFill>
+                            <a:effectLst/>
+                            <a:uLnTx/>
+                            <a:uFillTx/>
+                            <a:latin typeface="Cambria Math" panose="02040503050406030204" pitchFamily="18" charset="0"/>
+                            <a:ea typeface="+mn-ea"/>
+                            <a:cs typeface="+mn-cs"/>
+                          </a:rPr>
+                          <m:t>𝑝</m:t>
+                        </m:r>
+                        <m:r>
+                          <a:rPr kumimoji="0" lang="pt-PT" sz="1600" b="0" i="1" u="none" strike="noStrike" kern="1200" cap="none" spc="0" normalizeH="0" baseline="0" noProof="0" smtClean="0">
+                            <a:ln>
+                              <a:noFill/>
+                            </a:ln>
+                            <a:solidFill>
+                              <a:srgbClr val="000000">
+                                <a:lumMod val="75000"/>
+                                <a:lumOff val="25000"/>
+                              </a:srgbClr>
+                            </a:solidFill>
+                            <a:effectLst/>
+                            <a:uLnTx/>
+                            <a:uFillTx/>
+                            <a:latin typeface="Cambria Math" panose="02040503050406030204" pitchFamily="18" charset="0"/>
+                            <a:ea typeface="+mn-ea"/>
+                            <a:cs typeface="+mn-cs"/>
+                          </a:rPr>
+                          <m:t>.</m:t>
+                        </m:r>
+                        <m:r>
+                          <a:rPr kumimoji="0" lang="pt-PT" sz="1600" b="0" i="1" u="none" strike="noStrike" kern="1200" cap="none" spc="0" normalizeH="0" baseline="0" noProof="0" smtClean="0">
+                            <a:ln>
+                              <a:noFill/>
+                            </a:ln>
+                            <a:solidFill>
+                              <a:srgbClr val="000000">
+                                <a:lumMod val="75000"/>
+                                <a:lumOff val="25000"/>
+                              </a:srgbClr>
+                            </a:solidFill>
+                            <a:effectLst/>
+                            <a:uLnTx/>
+                            <a:uFillTx/>
+                            <a:latin typeface="Cambria Math" panose="02040503050406030204" pitchFamily="18" charset="0"/>
+                            <a:ea typeface="+mn-ea"/>
+                            <a:cs typeface="+mn-cs"/>
+                          </a:rPr>
+                          <m:t>𝑅𝑒𝑐𝑜𝑚𝑝𝑒𝑛𝑠𝑎</m:t>
+                        </m:r>
+                        <m:r>
+                          <a:rPr kumimoji="0" lang="pt-PT" sz="1600" b="0" i="1" u="none" strike="noStrike" kern="1200" cap="none" spc="0" normalizeH="0" baseline="0" noProof="0" smtClean="0">
+                            <a:ln>
+                              <a:noFill/>
+                            </a:ln>
+                            <a:solidFill>
+                              <a:srgbClr val="000000">
+                                <a:lumMod val="75000"/>
+                                <a:lumOff val="25000"/>
+                              </a:srgbClr>
+                            </a:solidFill>
+                            <a:effectLst/>
+                            <a:uLnTx/>
+                            <a:uFillTx/>
+                            <a:latin typeface="Cambria Math" panose="02040503050406030204" pitchFamily="18" charset="0"/>
+                            <a:ea typeface="+mn-ea"/>
+                            <a:cs typeface="+mn-cs"/>
+                          </a:rPr>
+                          <m:t>− </m:t>
+                        </m:r>
+                      </m:e>
+                    </m:nary>
+                    <m:r>
+                      <m:rPr>
+                        <m:sty m:val="p"/>
+                      </m:rPr>
+                      <a:rPr kumimoji="0" lang="pt-PT" sz="1600" b="0" i="0" u="none" strike="noStrike" kern="1200" cap="none" spc="0" normalizeH="0" baseline="0" noProof="0" smtClean="0">
+                        <a:ln>
+                          <a:noFill/>
+                        </a:ln>
+                        <a:solidFill>
+                          <a:srgbClr val="000000">
+                            <a:lumMod val="75000"/>
+                            <a:lumOff val="25000"/>
+                          </a:srgbClr>
+                        </a:solidFill>
+                        <a:effectLst/>
+                        <a:uLnTx/>
+                        <a:uFillTx/>
+                        <a:latin typeface="Cambria Math" panose="02040503050406030204" pitchFamily="18" charset="0"/>
+                        <a:ea typeface="+mn-ea"/>
+                        <a:cs typeface="+mn-cs"/>
+                      </a:rPr>
+                      <m:t>est</m:t>
+                    </m:r>
+                    <m:r>
+                      <a:rPr kumimoji="0" lang="pt-PT" sz="1600" b="0" i="0" u="none" strike="noStrike" kern="1200" cap="none" spc="0" normalizeH="0" baseline="0" noProof="0" smtClean="0">
+                        <a:ln>
+                          <a:noFill/>
+                        </a:ln>
+                        <a:solidFill>
+                          <a:srgbClr val="000000">
+                            <a:lumMod val="75000"/>
+                            <a:lumOff val="25000"/>
+                          </a:srgbClr>
+                        </a:solidFill>
+                        <a:effectLst/>
+                        <a:uLnTx/>
+                        <a:uFillTx/>
+                        <a:latin typeface="Cambria Math" panose="02040503050406030204" pitchFamily="18" charset="0"/>
+                        <a:ea typeface="+mn-ea"/>
+                        <a:cs typeface="+mn-cs"/>
+                      </a:rPr>
+                      <m:t>.</m:t>
+                    </m:r>
+                    <m:r>
+                      <m:rPr>
+                        <m:sty m:val="p"/>
+                      </m:rPr>
+                      <a:rPr kumimoji="0" lang="pt-PT" sz="1600" b="0" i="0" u="none" strike="noStrike" kern="1200" cap="none" spc="0" normalizeH="0" baseline="0" noProof="0" smtClean="0">
+                        <a:ln>
+                          <a:noFill/>
+                        </a:ln>
+                        <a:solidFill>
+                          <a:srgbClr val="000000">
+                            <a:lumMod val="75000"/>
+                            <a:lumOff val="25000"/>
+                          </a:srgbClr>
+                        </a:solidFill>
+                        <a:effectLst/>
+                        <a:uLnTx/>
+                        <a:uFillTx/>
+                        <a:latin typeface="Cambria Math" panose="02040503050406030204" pitchFamily="18" charset="0"/>
+                        <a:ea typeface="+mn-ea"/>
+                        <a:cs typeface="+mn-cs"/>
+                      </a:rPr>
+                      <m:t>Custo</m:t>
+                    </m:r>
+                    <m:r>
+                      <a:rPr kumimoji="0" lang="pt-PT" sz="1600" b="0" i="0" u="none" strike="noStrike" kern="1200" cap="none" spc="0" normalizeH="0" baseline="0" noProof="0" smtClean="0">
+                        <a:ln>
+                          <a:noFill/>
+                        </a:ln>
+                        <a:solidFill>
+                          <a:srgbClr val="000000">
+                            <a:lumMod val="75000"/>
+                            <a:lumOff val="25000"/>
+                          </a:srgbClr>
+                        </a:solidFill>
+                        <a:effectLst/>
+                        <a:uLnTx/>
+                        <a:uFillTx/>
+                        <a:latin typeface="Cambria Math" panose="02040503050406030204" pitchFamily="18" charset="0"/>
+                        <a:ea typeface="+mn-ea"/>
+                        <a:cs typeface="+mn-cs"/>
+                      </a:rPr>
+                      <m:t>)&gt;0</m:t>
+                    </m:r>
+                  </m:oMath>
+                </a14:m>
+                <a:r>
+                  <a:rPr kumimoji="0" lang="pt-PT" sz="1600" b="0" i="0" u="none" strike="noStrike" kern="1200" cap="none" spc="0" normalizeH="0" baseline="0" noProof="0" dirty="0">
+                    <a:ln>
+                      <a:noFill/>
+                    </a:ln>
+                    <a:solidFill>
+                      <a:srgbClr val="000000">
+                        <a:lumMod val="75000"/>
+                        <a:lumOff val="25000"/>
+                      </a:srgbClr>
+                    </a:solidFill>
+                    <a:effectLst/>
+                    <a:uLnTx/>
+                    <a:uFillTx/>
+                    <a:latin typeface="Calibri" panose="020F0502020204030204"/>
+                    <a:ea typeface="+mn-ea"/>
+                    <a:cs typeface="+mn-cs"/>
+                  </a:rPr>
+                  <a:t>,</a:t>
+                </a:r>
+                <a:r>
+                  <a:rPr lang="pt-PT" sz="1600" dirty="0"/>
+                  <a:t> </a:t>
+                </a:r>
+                <a14:m>
+                  <m:oMath xmlns:m="http://schemas.openxmlformats.org/officeDocument/2006/math">
+                    <m:r>
+                      <a:rPr lang="pt-PT" sz="1600" i="1">
+                        <a:latin typeface="Cambria Math" panose="02040503050406030204" pitchFamily="18" charset="0"/>
+                      </a:rPr>
+                      <m:t>𝑝</m:t>
+                    </m:r>
+                    <m:r>
+                      <a:rPr lang="pt-PT" sz="1600" i="1">
+                        <a:latin typeface="Cambria Math" panose="02040503050406030204" pitchFamily="18" charset="0"/>
+                      </a:rPr>
+                      <m:t>,</m:t>
+                    </m:r>
+                    <m:r>
+                      <a:rPr lang="pt-PT" sz="1600" i="1">
+                        <a:latin typeface="Cambria Math" panose="02040503050406030204" pitchFamily="18" charset="0"/>
+                      </a:rPr>
+                      <m:t>𝑒𝑠𝑡</m:t>
+                    </m:r>
+                    <m:r>
+                      <a:rPr lang="pt-PT" sz="1600" i="1">
+                        <a:latin typeface="Cambria Math" panose="02040503050406030204" pitchFamily="18" charset="0"/>
+                      </a:rPr>
+                      <m:t> ∈</m:t>
+                    </m:r>
+                    <m:r>
+                      <a:rPr lang="pt-PT" sz="1600" i="1">
+                        <a:latin typeface="Cambria Math" panose="02040503050406030204" pitchFamily="18" charset="0"/>
+                        <a:ea typeface="Cambria Math" panose="02040503050406030204" pitchFamily="18" charset="0"/>
+                      </a:rPr>
+                      <m:t>𝑃</m:t>
+                    </m:r>
+                    <m:r>
+                      <a:rPr lang="pt-PT" sz="1600" i="1">
+                        <a:latin typeface="Cambria Math" panose="02040503050406030204" pitchFamily="18" charset="0"/>
+                        <a:ea typeface="Cambria Math" panose="02040503050406030204" pitchFamily="18" charset="0"/>
+                      </a:rPr>
+                      <m:t>,</m:t>
+                    </m:r>
+                    <m:r>
+                      <a:rPr lang="pt-PT" sz="1600" i="1">
+                        <a:latin typeface="Cambria Math" panose="02040503050406030204" pitchFamily="18" charset="0"/>
+                        <a:ea typeface="Cambria Math" panose="02040503050406030204" pitchFamily="18" charset="0"/>
+                      </a:rPr>
+                      <m:t>𝐸𝑠𝑡</m:t>
+                    </m:r>
+                    <m:r>
+                      <a:rPr lang="pt-PT" sz="1600" i="1">
+                        <a:latin typeface="Cambria Math" panose="02040503050406030204" pitchFamily="18" charset="0"/>
+                        <a:ea typeface="Cambria Math" panose="02040503050406030204" pitchFamily="18" charset="0"/>
+                      </a:rPr>
+                      <m:t> </m:t>
+                    </m:r>
+                    <m:r>
+                      <a:rPr lang="pt-PT" sz="1600" i="1">
+                        <a:latin typeface="Cambria Math" panose="02040503050406030204" pitchFamily="18" charset="0"/>
+                        <a:ea typeface="Cambria Math" panose="02040503050406030204" pitchFamily="18" charset="0"/>
+                      </a:rPr>
+                      <m:t>𝑟𝑒𝑠𝑝𝑒𝑡𝑖𝑣𝑎𝑚𝑒𝑛𝑡</m:t>
+                    </m:r>
+                    <m:r>
+                      <m:rPr>
+                        <m:sty m:val="p"/>
+                      </m:rPr>
+                      <a:rPr lang="pt-PT" sz="1600">
+                        <a:latin typeface="Cambria Math" panose="02040503050406030204" pitchFamily="18" charset="0"/>
+                        <a:ea typeface="Cambria Math" panose="02040503050406030204" pitchFamily="18" charset="0"/>
+                      </a:rPr>
+                      <m:t>e</m:t>
+                    </m:r>
+                  </m:oMath>
+                </a14:m>
+                <a:endParaRPr lang="pt-PT" sz="1600" dirty="0">
+                  <a:ea typeface="Cambria Math" panose="02040503050406030204" pitchFamily="18" charset="0"/>
+                </a:endParaRPr>
+              </a:p>
+              <a:p>
+                <a:endParaRPr kumimoji="0" lang="pt-PT" sz="1600" b="0" i="0" u="none" strike="noStrike" kern="1200" cap="none" spc="0" normalizeH="0" baseline="0" noProof="0" dirty="0">
+                  <a:ln>
+                    <a:noFill/>
+                  </a:ln>
+                  <a:solidFill>
+                    <a:srgbClr val="000000">
+                      <a:lumMod val="75000"/>
+                      <a:lumOff val="25000"/>
+                    </a:srgbClr>
+                  </a:solidFill>
+                  <a:effectLst/>
+                  <a:uLnTx/>
+                  <a:uFillTx/>
+                  <a:latin typeface="Calibri" panose="020F0502020204030204"/>
+                  <a:ea typeface="+mn-ea"/>
+                  <a:cs typeface="+mn-cs"/>
+                </a:endParaRPr>
+              </a:p>
+              <a:p>
+                <a:endParaRPr lang="pt-PT" dirty="0"/>
+              </a:p>
+            </p:txBody>
+          </p:sp>
+        </mc:Choice>
+        <mc:Fallback>
+          <p:sp>
+            <p:nvSpPr>
+              <p:cNvPr id="7" name="TextBox 6">
+                <a:extLst>
+                  <a:ext uri="{FF2B5EF4-FFF2-40B4-BE49-F238E27FC236}">
+                    <a16:creationId xmlns:a16="http://schemas.microsoft.com/office/drawing/2014/main" id="{0FC99067-2FE4-49FA-A359-140ACF56302F}"/>
+                  </a:ext>
+                </a:extLst>
+              </p:cNvPr>
+              <p:cNvSpPr txBox="1">
+                <a:spLocks noRot="1" noChangeAspect="1" noMove="1" noResize="1" noEditPoints="1" noAdjustHandles="1" noChangeArrowheads="1" noChangeShapeType="1" noTextEdit="1"/>
+              </p:cNvSpPr>
+              <p:nvPr/>
+            </p:nvSpPr>
+            <p:spPr>
+              <a:xfrm>
+                <a:off x="216816" y="4605291"/>
+                <a:ext cx="11783506" cy="2156488"/>
+              </a:xfrm>
+              <a:prstGeom prst="rect">
+                <a:avLst/>
+              </a:prstGeom>
+              <a:blipFill>
+                <a:blip r:embed="rId2"/>
+                <a:stretch>
+                  <a:fillRect l="-310" t="-847" b="-1977"/>
+                </a:stretch>
+              </a:blipFill>
+            </p:spPr>
+            <p:txBody>
+              <a:bodyPr/>
+              <a:lstStyle/>
+              <a:p>
+                <a:r>
+                  <a:rPr lang="pt-PT">
+                    <a:noFill/>
+                  </a:rPr>
+                  <a:t> </a:t>
+                </a:r>
+              </a:p>
+            </p:txBody>
+          </p:sp>
+        </mc:Fallback>
+      </mc:AlternateContent>
+      <p:sp>
+        <p:nvSpPr>
+          <p:cNvPr id="8" name="Content Placeholder 2">
+            <a:extLst>
+              <a:ext uri="{FF2B5EF4-FFF2-40B4-BE49-F238E27FC236}">
+                <a16:creationId xmlns:a16="http://schemas.microsoft.com/office/drawing/2014/main" id="{0F0302A7-8CF7-4B21-8D60-1FB8CF426F02}"/>
+              </a:ext>
+            </a:extLst>
+          </p:cNvPr>
+          <p:cNvSpPr txBox="1">
+            <a:spLocks/>
+          </p:cNvSpPr>
+          <p:nvPr/>
+        </p:nvSpPr>
+        <p:spPr>
+          <a:xfrm>
+            <a:off x="6096000" y="1119363"/>
+            <a:ext cx="5596378" cy="3020906"/>
+          </a:xfrm>
+          <a:prstGeom prst="rect">
+            <a:avLst/>
+          </a:prstGeom>
+        </p:spPr>
+        <p:txBody>
+          <a:bodyPr vert="horz" lIns="0" tIns="45720" rIns="0" bIns="45720" rtlCol="0">
+            <a:normAutofit lnSpcReduction="10000"/>
+          </a:bodyPr>
+          <a:lstStyle>
+            <a:lvl1pPr marL="91440" indent="-91440" algn="l" defTabSz="914400" rtl="0" eaLnBrk="1" latinLnBrk="0" hangingPunct="1">
+              <a:lnSpc>
+                <a:spcPct val="90000"/>
+              </a:lnSpc>
+              <a:spcBef>
+                <a:spcPts val="1200"/>
+              </a:spcBef>
+              <a:spcAft>
+                <a:spcPts val="200"/>
+              </a:spcAft>
+              <a:buClr>
+                <a:schemeClr val="accent1"/>
+              </a:buClr>
+              <a:buSzPct val="100000"/>
+              <a:buFont typeface="Calibri" panose="020F0502020204030204" pitchFamily="34" charset="0"/>
+              <a:buChar char=" "/>
+              <a:defRPr sz="2000" kern="1200">
+                <a:solidFill>
+                  <a:schemeClr val="tx1">
+                    <a:lumMod val="75000"/>
+                    <a:lumOff val="25000"/>
+                  </a:schemeClr>
+                </a:solidFill>
+                <a:latin typeface="+mn-lt"/>
+                <a:ea typeface="+mn-ea"/>
+                <a:cs typeface="+mn-cs"/>
+              </a:defRPr>
+            </a:lvl1pPr>
+            <a:lvl2pPr marL="384048" indent="-182880" algn="l" defTabSz="914400" rtl="0" eaLnBrk="1" latinLnBrk="0" hangingPunct="1">
+              <a:lnSpc>
+                <a:spcPct val="90000"/>
+              </a:lnSpc>
+              <a:spcBef>
+                <a:spcPts val="200"/>
+              </a:spcBef>
+              <a:spcAft>
+                <a:spcPts val="400"/>
+              </a:spcAft>
+              <a:buClr>
+                <a:schemeClr val="accent1"/>
+              </a:buClr>
+              <a:buFont typeface="Calibri" pitchFamily="34" charset="0"/>
+              <a:buChar char="◦"/>
+              <a:defRPr sz="1800" kern="1200">
+                <a:solidFill>
+                  <a:schemeClr val="tx1">
+                    <a:lumMod val="75000"/>
+                    <a:lumOff val="25000"/>
+                  </a:schemeClr>
+                </a:solidFill>
+                <a:latin typeface="+mn-lt"/>
+                <a:ea typeface="+mn-ea"/>
+                <a:cs typeface="+mn-cs"/>
+              </a:defRPr>
+            </a:lvl2pPr>
+            <a:lvl3pPr marL="566928" indent="-182880" algn="l" defTabSz="914400" rtl="0" eaLnBrk="1" latinLnBrk="0" hangingPunct="1">
+              <a:lnSpc>
+                <a:spcPct val="90000"/>
+              </a:lnSpc>
+              <a:spcBef>
+                <a:spcPts val="200"/>
+              </a:spcBef>
+              <a:spcAft>
+                <a:spcPts val="400"/>
+              </a:spcAft>
+              <a:buClr>
+                <a:schemeClr val="accent1"/>
+              </a:buClr>
+              <a:buFont typeface="Calibri" pitchFamily="34" charset="0"/>
+              <a:buChar char="◦"/>
+              <a:defRPr sz="1400" kern="1200">
+                <a:solidFill>
+                  <a:schemeClr val="tx1">
+                    <a:lumMod val="75000"/>
+                    <a:lumOff val="25000"/>
+                  </a:schemeClr>
+                </a:solidFill>
+                <a:latin typeface="+mn-lt"/>
+                <a:ea typeface="+mn-ea"/>
+                <a:cs typeface="+mn-cs"/>
+              </a:defRPr>
+            </a:lvl3pPr>
+            <a:lvl4pPr marL="749808" indent="-182880" algn="l" defTabSz="914400" rtl="0" eaLnBrk="1" latinLnBrk="0" hangingPunct="1">
+              <a:lnSpc>
+                <a:spcPct val="90000"/>
+              </a:lnSpc>
+              <a:spcBef>
+                <a:spcPts val="200"/>
+              </a:spcBef>
+              <a:spcAft>
+                <a:spcPts val="400"/>
+              </a:spcAft>
+              <a:buClr>
+                <a:schemeClr val="accent1"/>
+              </a:buClr>
+              <a:buFont typeface="Calibri" pitchFamily="34" charset="0"/>
+              <a:buChar char="◦"/>
+              <a:defRPr sz="1400" kern="1200">
+                <a:solidFill>
+                  <a:schemeClr val="tx1">
+                    <a:lumMod val="75000"/>
+                    <a:lumOff val="25000"/>
+                  </a:schemeClr>
+                </a:solidFill>
+                <a:latin typeface="+mn-lt"/>
+                <a:ea typeface="+mn-ea"/>
+                <a:cs typeface="+mn-cs"/>
+              </a:defRPr>
+            </a:lvl4pPr>
+            <a:lvl5pPr marL="932688" indent="-182880" algn="l" defTabSz="914400" rtl="0" eaLnBrk="1" latinLnBrk="0" hangingPunct="1">
+              <a:lnSpc>
+                <a:spcPct val="90000"/>
+              </a:lnSpc>
+              <a:spcBef>
+                <a:spcPts val="200"/>
+              </a:spcBef>
+              <a:spcAft>
+                <a:spcPts val="400"/>
+              </a:spcAft>
+              <a:buClr>
+                <a:schemeClr val="accent1"/>
+              </a:buClr>
+              <a:buFont typeface="Calibri" pitchFamily="34" charset="0"/>
+              <a:buChar char="◦"/>
+              <a:defRPr sz="1400" kern="1200">
+                <a:solidFill>
+                  <a:schemeClr val="tx1">
+                    <a:lumMod val="75000"/>
+                    <a:lumOff val="25000"/>
+                  </a:schemeClr>
+                </a:solidFill>
+                <a:latin typeface="+mn-lt"/>
+                <a:ea typeface="+mn-ea"/>
+                <a:cs typeface="+mn-cs"/>
+              </a:defRPr>
+            </a:lvl5pPr>
+            <a:lvl6pPr marL="1100000" indent="-228600" algn="l" defTabSz="914400" rtl="0" eaLnBrk="1" latinLnBrk="0" hangingPunct="1">
+              <a:lnSpc>
+                <a:spcPct val="90000"/>
+              </a:lnSpc>
+              <a:spcBef>
+                <a:spcPts val="200"/>
+              </a:spcBef>
+              <a:spcAft>
+                <a:spcPts val="400"/>
+              </a:spcAft>
+              <a:buClr>
+                <a:schemeClr val="accent1"/>
+              </a:buClr>
+              <a:buFont typeface="Calibri" pitchFamily="34" charset="0"/>
+              <a:buChar char="◦"/>
+              <a:defRPr sz="1400" kern="1200">
+                <a:solidFill>
+                  <a:schemeClr val="tx1">
+                    <a:lumMod val="75000"/>
+                    <a:lumOff val="25000"/>
+                  </a:schemeClr>
+                </a:solidFill>
+                <a:latin typeface="+mn-lt"/>
+                <a:ea typeface="+mn-ea"/>
+                <a:cs typeface="+mn-cs"/>
+              </a:defRPr>
+            </a:lvl6pPr>
+            <a:lvl7pPr marL="1300000" indent="-228600" algn="l" defTabSz="914400" rtl="0" eaLnBrk="1" latinLnBrk="0" hangingPunct="1">
+              <a:lnSpc>
+                <a:spcPct val="90000"/>
+              </a:lnSpc>
+              <a:spcBef>
+                <a:spcPts val="200"/>
+              </a:spcBef>
+              <a:spcAft>
+                <a:spcPts val="400"/>
+              </a:spcAft>
+              <a:buClr>
+                <a:schemeClr val="accent1"/>
+              </a:buClr>
+              <a:buFont typeface="Calibri" pitchFamily="34" charset="0"/>
+              <a:buChar char="◦"/>
+              <a:defRPr sz="1400" kern="1200">
+                <a:solidFill>
+                  <a:schemeClr val="tx1">
+                    <a:lumMod val="75000"/>
+                    <a:lumOff val="25000"/>
+                  </a:schemeClr>
+                </a:solidFill>
+                <a:latin typeface="+mn-lt"/>
+                <a:ea typeface="+mn-ea"/>
+                <a:cs typeface="+mn-cs"/>
+              </a:defRPr>
+            </a:lvl7pPr>
+            <a:lvl8pPr marL="1500000" indent="-228600" algn="l" defTabSz="914400" rtl="0" eaLnBrk="1" latinLnBrk="0" hangingPunct="1">
+              <a:lnSpc>
+                <a:spcPct val="90000"/>
+              </a:lnSpc>
+              <a:spcBef>
+                <a:spcPts val="200"/>
+              </a:spcBef>
+              <a:spcAft>
+                <a:spcPts val="400"/>
+              </a:spcAft>
+              <a:buClr>
+                <a:schemeClr val="accent1"/>
+              </a:buClr>
+              <a:buFont typeface="Calibri" pitchFamily="34" charset="0"/>
+              <a:buChar char="◦"/>
+              <a:defRPr sz="1400" kern="1200">
+                <a:solidFill>
+                  <a:schemeClr val="tx1">
+                    <a:lumMod val="75000"/>
+                    <a:lumOff val="25000"/>
+                  </a:schemeClr>
+                </a:solidFill>
+                <a:latin typeface="+mn-lt"/>
+                <a:ea typeface="+mn-ea"/>
+                <a:cs typeface="+mn-cs"/>
+              </a:defRPr>
+            </a:lvl8pPr>
+            <a:lvl9pPr marL="1700000" indent="-228600" algn="l" defTabSz="914400" rtl="0" eaLnBrk="1" latinLnBrk="0" hangingPunct="1">
+              <a:lnSpc>
+                <a:spcPct val="90000"/>
+              </a:lnSpc>
+              <a:spcBef>
+                <a:spcPts val="200"/>
+              </a:spcBef>
+              <a:spcAft>
+                <a:spcPts val="400"/>
+              </a:spcAft>
+              <a:buClr>
+                <a:schemeClr val="accent1"/>
+              </a:buClr>
+              <a:buFont typeface="Calibri" pitchFamily="34" charset="0"/>
+              <a:buChar char="◦"/>
+              <a:defRPr sz="1400" kern="1200">
+                <a:solidFill>
+                  <a:schemeClr val="tx1">
+                    <a:lumMod val="75000"/>
+                    <a:lumOff val="25000"/>
+                  </a:schemeClr>
+                </a:solidFill>
+                <a:latin typeface="+mn-lt"/>
+                <a:ea typeface="+mn-ea"/>
+                <a:cs typeface="+mn-cs"/>
+              </a:defRPr>
+            </a:lvl9pPr>
+          </a:lstStyle>
+          <a:p>
+            <a:pPr marL="0" indent="0" algn="ctr">
+              <a:buFont typeface="Calibri" panose="020F0502020204030204" pitchFamily="34" charset="0"/>
+              <a:buNone/>
+            </a:pPr>
+            <a:r>
+              <a:rPr lang="pt-PT" sz="1600" u="sng" dirty="0"/>
+              <a:t>Dados de saída</a:t>
+            </a:r>
+            <a:r>
+              <a:rPr lang="pt-PT" sz="1600" dirty="0"/>
+              <a:t>: </a:t>
+            </a:r>
+          </a:p>
+          <a:p>
+            <a:pPr>
+              <a:buFont typeface="Wingdings" panose="05000000000000000000" pitchFamily="2" charset="2"/>
+              <a:buChar char="Ø"/>
+            </a:pPr>
+            <a:r>
+              <a:rPr lang="pt-PT" sz="1600" dirty="0"/>
+              <a:t>Vetor&lt;Encomenda&gt; P- Conjunto de pedidos  que vão ser entregues caracterizadas por (duração irrelevante):</a:t>
+            </a:r>
+          </a:p>
+          <a:p>
+            <a:pPr lvl="1">
+              <a:buFont typeface="Wingdings" panose="05000000000000000000" pitchFamily="2" charset="2"/>
+              <a:buChar char="Ø"/>
+            </a:pPr>
+            <a:r>
+              <a:rPr lang="pt-PT" sz="1400" dirty="0"/>
+              <a:t>Peso</a:t>
+            </a:r>
+          </a:p>
+          <a:p>
+            <a:pPr lvl="1">
+              <a:buFont typeface="Wingdings" panose="05000000000000000000" pitchFamily="2" charset="2"/>
+              <a:buChar char="Ø"/>
+            </a:pPr>
+            <a:r>
+              <a:rPr lang="pt-PT" sz="1400" dirty="0"/>
+              <a:t>Volume</a:t>
+            </a:r>
+          </a:p>
+          <a:p>
+            <a:pPr lvl="1">
+              <a:buFont typeface="Wingdings" panose="05000000000000000000" pitchFamily="2" charset="2"/>
+              <a:buChar char="Ø"/>
+            </a:pPr>
+            <a:r>
+              <a:rPr lang="pt-PT" sz="1400" dirty="0"/>
+              <a:t>Recompensa</a:t>
+            </a:r>
+          </a:p>
+          <a:p>
+            <a:pPr>
+              <a:buFont typeface="Wingdings" panose="05000000000000000000" pitchFamily="2" charset="2"/>
+              <a:buChar char="Ø"/>
+            </a:pPr>
+            <a:r>
+              <a:rPr lang="pt-PT" sz="1600" dirty="0"/>
+              <a:t>Vetor&lt;Carrinha&gt;</a:t>
+            </a:r>
+            <a:r>
+              <a:rPr lang="pt-PT" sz="1600" dirty="0" err="1"/>
+              <a:t>Est</a:t>
+            </a:r>
+            <a:r>
+              <a:rPr lang="pt-PT" sz="1600" dirty="0"/>
+              <a:t>–Conjunto de carrinhas </a:t>
+            </a:r>
+            <a:r>
+              <a:rPr lang="pt-PT" sz="1600" dirty="0" err="1"/>
+              <a:t>usadas,caracterizadas</a:t>
+            </a:r>
+            <a:r>
+              <a:rPr lang="pt-PT" sz="1600" dirty="0"/>
+              <a:t> por(</a:t>
+            </a:r>
+            <a:r>
+              <a:rPr lang="pt-PT" sz="1600" dirty="0" err="1"/>
+              <a:t>PesoAtual</a:t>
+            </a:r>
+            <a:r>
+              <a:rPr lang="pt-PT" sz="1600" dirty="0"/>
+              <a:t> e </a:t>
+            </a:r>
+            <a:r>
+              <a:rPr lang="pt-PT" sz="1600" dirty="0" err="1"/>
+              <a:t>VolAtual</a:t>
+            </a:r>
+            <a:r>
+              <a:rPr lang="pt-PT" sz="1600" dirty="0"/>
+              <a:t> irrelevantes):</a:t>
+            </a:r>
+          </a:p>
+          <a:p>
+            <a:pPr lvl="1">
+              <a:buFont typeface="Wingdings" panose="05000000000000000000" pitchFamily="2" charset="2"/>
+              <a:buChar char="Ø"/>
+            </a:pPr>
+            <a:r>
+              <a:rPr lang="pt-PT" sz="1400" dirty="0" err="1"/>
+              <a:t>PesoMax</a:t>
+            </a:r>
+            <a:endParaRPr lang="pt-PT" sz="1400" dirty="0"/>
+          </a:p>
+          <a:p>
+            <a:pPr lvl="1">
+              <a:buFont typeface="Wingdings" panose="05000000000000000000" pitchFamily="2" charset="2"/>
+              <a:buChar char="Ø"/>
+            </a:pPr>
+            <a:r>
+              <a:rPr lang="pt-PT" sz="1400" dirty="0" err="1"/>
+              <a:t>VolMax</a:t>
+            </a:r>
+            <a:endParaRPr lang="pt-PT" sz="1400" dirty="0"/>
+          </a:p>
+          <a:p>
+            <a:pPr lvl="1">
+              <a:buFont typeface="Wingdings" panose="05000000000000000000" pitchFamily="2" charset="2"/>
+              <a:buChar char="Ø"/>
+            </a:pPr>
+            <a:r>
+              <a:rPr lang="pt-PT" sz="1400" dirty="0"/>
+              <a:t>Custo</a:t>
+            </a:r>
+          </a:p>
+        </p:txBody>
+      </p:sp>
+    </p:spTree>
+    <p:extLst>
+      <p:ext uri="{BB962C8B-B14F-4D97-AF65-F5344CB8AC3E}">
+        <p14:creationId xmlns:p14="http://schemas.microsoft.com/office/powerpoint/2010/main" val="2598294835"/>
+      </p:ext>
+    </p:extLst>
+  </p:cSld>
+  <p:clrMapOvr>
+    <a:masterClrMapping/>
+  </p:clrMapOvr>
+</p:sld>
+</file>
+
+<file path=ppt/slides/slide7.xml><?xml version="1.0" encoding="utf-8"?>
+<p:sld xmlns:a="http://schemas.openxmlformats.org/drawingml/2006/main" xmlns:r="http://schemas.openxmlformats.org/officeDocument/2006/relationships" xmlns:p="http://schemas.openxmlformats.org/presentationml/2006/main">
+  <p:cSld>
+    <p:spTree>
+      <p:nvGrpSpPr>
+        <p:cNvPr id="1" name=""/>
+        <p:cNvGrpSpPr/>
+        <p:nvPr/>
+      </p:nvGrpSpPr>
+      <p:grpSpPr>
+        <a:xfrm>
+          <a:off x="0" y="0"/>
+          <a:ext cx="0" cy="0"/>
+          <a:chOff x="0" y="0"/>
+          <a:chExt cx="0" cy="0"/>
+        </a:xfrm>
+      </p:grpSpPr>
+      <p:sp>
+        <p:nvSpPr>
+          <p:cNvPr id="2" name="Title 1">
+            <a:extLst>
+              <a:ext uri="{FF2B5EF4-FFF2-40B4-BE49-F238E27FC236}">
+                <a16:creationId xmlns:a16="http://schemas.microsoft.com/office/drawing/2014/main" id="{905083D3-96D5-454B-A94C-2CB33399B9A1}"/>
+              </a:ext>
+            </a:extLst>
+          </p:cNvPr>
+          <p:cNvSpPr>
+            <a:spLocks noGrp="1"/>
+          </p:cNvSpPr>
+          <p:nvPr>
+            <p:ph type="title"/>
+          </p:nvPr>
+        </p:nvSpPr>
+        <p:spPr/>
+        <p:txBody>
+          <a:bodyPr/>
+          <a:lstStyle/>
+          <a:p>
+            <a:pPr algn="ctr"/>
+            <a:r>
+              <a:rPr lang="en-US" b="1" dirty="0" err="1"/>
+              <a:t>Descrição</a:t>
+            </a:r>
+            <a:r>
+              <a:rPr lang="en-US" b="1" dirty="0"/>
+              <a:t> da </a:t>
+            </a:r>
+            <a:r>
+              <a:rPr lang="en-US" b="1" dirty="0" err="1"/>
+              <a:t>Solução</a:t>
+            </a:r>
+            <a:endParaRPr lang="pt-PT" dirty="0"/>
+          </a:p>
+        </p:txBody>
+      </p:sp>
+      <p:pic>
+        <p:nvPicPr>
+          <p:cNvPr id="7" name="Picture 6">
+            <a:extLst>
+              <a:ext uri="{FF2B5EF4-FFF2-40B4-BE49-F238E27FC236}">
+                <a16:creationId xmlns:a16="http://schemas.microsoft.com/office/drawing/2014/main" id="{77094200-7941-463A-BE8B-45462315B4B9}"/>
+              </a:ext>
+            </a:extLst>
+          </p:cNvPr>
+          <p:cNvPicPr>
+            <a:picLocks noChangeAspect="1"/>
+          </p:cNvPicPr>
+          <p:nvPr/>
+        </p:nvPicPr>
+        <p:blipFill>
+          <a:blip r:embed="rId2"/>
+          <a:stretch>
+            <a:fillRect/>
+          </a:stretch>
+        </p:blipFill>
+        <p:spPr>
+          <a:xfrm>
+            <a:off x="1743959" y="611187"/>
+            <a:ext cx="9824914" cy="5351956"/>
+          </a:xfrm>
+          <a:prstGeom prst="rect">
+            <a:avLst/>
+          </a:prstGeom>
+        </p:spPr>
+      </p:pic>
+    </p:spTree>
+    <p:extLst>
+      <p:ext uri="{BB962C8B-B14F-4D97-AF65-F5344CB8AC3E}">
+        <p14:creationId xmlns:p14="http://schemas.microsoft.com/office/powerpoint/2010/main" val="1282879808"/>
+      </p:ext>
+    </p:extLst>
+  </p:cSld>
+  <p:clrMapOvr>
+    <a:masterClrMapping/>
+  </p:clrMapOvr>
+</p:sld>
+</file>
+
+<file path=ppt/slides/slide8.xml><?xml version="1.0" encoding="utf-8"?>
+<p:sld xmlns:a="http://schemas.openxmlformats.org/drawingml/2006/main" xmlns:r="http://schemas.openxmlformats.org/officeDocument/2006/relationships" xmlns:p="http://schemas.openxmlformats.org/presentationml/2006/main">
+  <p:cSld>
+    <p:spTree>
+      <p:nvGrpSpPr>
+        <p:cNvPr id="1" name=""/>
+        <p:cNvGrpSpPr/>
+        <p:nvPr/>
+      </p:nvGrpSpPr>
+      <p:grpSpPr>
+        <a:xfrm>
+          <a:off x="0" y="0"/>
+          <a:ext cx="0" cy="0"/>
+          <a:chOff x="0" y="0"/>
+          <a:chExt cx="0" cy="0"/>
+        </a:xfrm>
+      </p:grpSpPr>
+      <p:sp>
+        <p:nvSpPr>
+          <p:cNvPr id="4" name="Title 1">
+            <a:extLst>
+              <a:ext uri="{FF2B5EF4-FFF2-40B4-BE49-F238E27FC236}">
+                <a16:creationId xmlns:a16="http://schemas.microsoft.com/office/drawing/2014/main" id="{F29967F0-2C0F-4212-ADA7-2126EE7D643F}"/>
+              </a:ext>
+            </a:extLst>
+          </p:cNvPr>
+          <p:cNvSpPr txBox="1">
+            <a:spLocks/>
+          </p:cNvSpPr>
+          <p:nvPr/>
+        </p:nvSpPr>
+        <p:spPr>
+          <a:xfrm>
+            <a:off x="1097280" y="286603"/>
+            <a:ext cx="10058400" cy="1450757"/>
+          </a:xfrm>
+          <a:prstGeom prst="rect">
+            <a:avLst/>
+          </a:prstGeom>
+        </p:spPr>
+        <p:txBody>
+          <a:bodyPr vert="horz" lIns="91440" tIns="45720" rIns="91440" bIns="45720" rtlCol="0" anchor="b">
+            <a:normAutofit/>
+          </a:bodyPr>
+          <a:lstStyle>
+            <a:lvl1pPr marL="0" algn="l" defTabSz="914400" rtl="0" eaLnBrk="1" latinLnBrk="0" hangingPunct="1">
+              <a:lnSpc>
+                <a:spcPct val="85000"/>
+              </a:lnSpc>
+              <a:spcBef>
+                <a:spcPct val="0"/>
+              </a:spcBef>
+              <a:buNone/>
+              <a:defRPr sz="4800" kern="1200" spc="-50" baseline="0">
+                <a:solidFill>
+                  <a:schemeClr val="tx1">
+                    <a:lumMod val="75000"/>
+                    <a:lumOff val="25000"/>
+                  </a:schemeClr>
+                </a:solidFill>
+                <a:latin typeface="+mj-lt"/>
+                <a:ea typeface="+mj-ea"/>
+                <a:cs typeface="+mj-cs"/>
+              </a:defRPr>
+            </a:lvl1pPr>
+          </a:lstStyle>
+          <a:p>
+            <a:pPr algn="ctr"/>
+            <a:r>
+              <a:rPr lang="en-US" b="1" dirty="0" err="1"/>
+              <a:t>Formalização</a:t>
+            </a:r>
+            <a:r>
+              <a:rPr lang="en-US" b="1" dirty="0"/>
+              <a:t> do </a:t>
+            </a:r>
+            <a:r>
+              <a:rPr lang="en-US" b="1" dirty="0" err="1"/>
+              <a:t>Cenário</a:t>
+            </a:r>
+            <a:r>
+              <a:rPr lang="en-US" b="1" dirty="0"/>
+              <a:t> 3</a:t>
             </a:r>
             <a:endParaRPr lang="pt-PT" b="1" dirty="0"/>
           </a:p>
@@ -5210,11 +9224,11 @@
               <a:buNone/>
             </a:pPr>
             <a:r>
-              <a:rPr lang="pt-PT" sz="1600" u="sng" dirty="0"/>
+              <a:rPr lang="pt-PT" u="sng" dirty="0"/>
               <a:t>Dados de entrada</a:t>
             </a:r>
             <a:r>
-              <a:rPr lang="pt-PT" sz="1600" dirty="0"/>
+              <a:rPr lang="pt-PT" dirty="0"/>
               <a:t>: </a:t>
             </a:r>
           </a:p>
@@ -5225,7 +9239,15 @@
             </a:pPr>
             <a:r>
               <a:rPr lang="pt-PT" sz="1600" dirty="0"/>
-              <a:t>Vetor&lt;Encomenda&gt; E- Conjunto de encomendas caracterizadas por:</a:t>
+              <a:t>Vetor&lt;Encomenda&gt; </a:t>
+            </a:r>
+            <a:r>
+              <a:rPr lang="pt-PT" sz="1600" dirty="0" err="1"/>
+              <a:t>Encos</a:t>
+            </a:r>
+            <a:r>
+              <a:rPr lang="pt-PT" sz="1600" dirty="0"/>
+              <a:t>- Conjunto de encomendas caracterizadas por:</a:t>
             </a:r>
           </a:p>
           <a:p>
@@ -5266,2347 +9288,6 @@
             <a:r>
               <a:rPr lang="pt-PT" sz="1400" dirty="0"/>
               <a:t>Duração </a:t>
-            </a:r>
-          </a:p>
-          <a:p>
-            <a:pPr lvl="1">
-              <a:buFont typeface="Wingdings" panose="05000000000000000000" pitchFamily="2" charset="2"/>
-              <a:buChar char="Ø"/>
-            </a:pPr>
-            <a:endParaRPr lang="pt-PT" sz="1400" dirty="0"/>
-          </a:p>
-          <a:p>
-            <a:pPr>
-              <a:buFont typeface="Wingdings" panose="05000000000000000000" pitchFamily="2" charset="2"/>
-              <a:buChar char="Ø"/>
-            </a:pPr>
-            <a:r>
-              <a:rPr lang="pt-PT" sz="1600" dirty="0"/>
-              <a:t>Vetor&lt;Carrinha&gt; C –Conjunto de </a:t>
-            </a:r>
-            <a:r>
-              <a:rPr lang="pt-PT" sz="1600" dirty="0" err="1"/>
-              <a:t>carrias</a:t>
-            </a:r>
-            <a:r>
-              <a:rPr lang="pt-PT" sz="1600" dirty="0"/>
-              <a:t> caracterizadas por:</a:t>
-            </a:r>
-          </a:p>
-          <a:p>
-            <a:pPr lvl="1">
-              <a:buFont typeface="Wingdings" panose="05000000000000000000" pitchFamily="2" charset="2"/>
-              <a:buChar char="Ø"/>
-            </a:pPr>
-            <a:r>
-              <a:rPr lang="pt-PT" sz="1400" dirty="0" err="1"/>
-              <a:t>PesoMax</a:t>
-            </a:r>
-            <a:endParaRPr lang="pt-PT" sz="1400" dirty="0"/>
-          </a:p>
-          <a:p>
-            <a:pPr lvl="1">
-              <a:buFont typeface="Wingdings" panose="05000000000000000000" pitchFamily="2" charset="2"/>
-              <a:buChar char="Ø"/>
-            </a:pPr>
-            <a:r>
-              <a:rPr lang="pt-PT" sz="1400" dirty="0" err="1"/>
-              <a:t>VolMax</a:t>
-            </a:r>
-            <a:endParaRPr lang="pt-PT" sz="1400" dirty="0"/>
-          </a:p>
-          <a:p>
-            <a:pPr lvl="1">
-              <a:buFont typeface="Wingdings" panose="05000000000000000000" pitchFamily="2" charset="2"/>
-              <a:buChar char="Ø"/>
-            </a:pPr>
-            <a:r>
-              <a:rPr lang="pt-PT" sz="1400" dirty="0"/>
-              <a:t>Custo</a:t>
-            </a:r>
-          </a:p>
-          <a:p>
-            <a:pPr lvl="1">
-              <a:buFont typeface="Wingdings" panose="05000000000000000000" pitchFamily="2" charset="2"/>
-              <a:buChar char="Ø"/>
-            </a:pPr>
-            <a:r>
-              <a:rPr lang="pt-PT" sz="1400" dirty="0" err="1"/>
-              <a:t>PesoAtual</a:t>
-            </a:r>
-            <a:endParaRPr lang="pt-PT" sz="1400" dirty="0"/>
-          </a:p>
-          <a:p>
-            <a:pPr lvl="1">
-              <a:buFont typeface="Wingdings" panose="05000000000000000000" pitchFamily="2" charset="2"/>
-              <a:buChar char="Ø"/>
-            </a:pPr>
-            <a:r>
-              <a:rPr lang="pt-PT" sz="1400" dirty="0" err="1"/>
-              <a:t>VolAtual</a:t>
-            </a:r>
-            <a:r>
-              <a:rPr lang="pt-PT" dirty="0"/>
-              <a:t> </a:t>
-            </a:r>
-          </a:p>
-        </p:txBody>
-      </p:sp>
-      <p:sp>
-        <p:nvSpPr>
-          <p:cNvPr id="6" name="TextBox 5">
-            <a:extLst>
-              <a:ext uri="{FF2B5EF4-FFF2-40B4-BE49-F238E27FC236}">
-                <a16:creationId xmlns:a16="http://schemas.microsoft.com/office/drawing/2014/main" id="{33A1A7FD-057F-42F8-9018-4CE31FB92D8D}"/>
-              </a:ext>
-            </a:extLst>
-          </p:cNvPr>
-          <p:cNvSpPr txBox="1"/>
-          <p:nvPr/>
-        </p:nvSpPr>
-        <p:spPr>
-          <a:xfrm>
-            <a:off x="6370293" y="1747520"/>
-            <a:ext cx="5751369" cy="2102114"/>
-          </a:xfrm>
-          <a:prstGeom prst="rect">
-            <a:avLst/>
-          </a:prstGeom>
-          <a:noFill/>
-        </p:spPr>
-        <p:txBody>
-          <a:bodyPr wrap="square" rtlCol="0">
-            <a:spAutoFit/>
-          </a:bodyPr>
-          <a:lstStyle/>
-          <a:p>
-            <a:pPr marL="0" indent="0" algn="ctr">
-              <a:buNone/>
-            </a:pPr>
-            <a:r>
-              <a:rPr lang="pt-PT" sz="1600" u="sng" dirty="0">
-                <a:solidFill>
-                  <a:srgbClr val="000000">
-                    <a:lumMod val="75000"/>
-                    <a:lumOff val="25000"/>
-                  </a:srgbClr>
-                </a:solidFill>
-                <a:latin typeface="Calibri" panose="020F0502020204030204"/>
-              </a:rPr>
-              <a:t>D</a:t>
-            </a:r>
-            <a:r>
-              <a:rPr kumimoji="0" lang="pt-PT" sz="1600" b="0" i="0" u="sng" strike="noStrike" kern="1200" cap="none" spc="0" normalizeH="0" baseline="0" noProof="0" dirty="0">
-                <a:ln>
-                  <a:noFill/>
-                </a:ln>
-                <a:solidFill>
-                  <a:srgbClr val="000000">
-                    <a:lumMod val="75000"/>
-                    <a:lumOff val="25000"/>
-                  </a:srgbClr>
-                </a:solidFill>
-                <a:effectLst/>
-                <a:uLnTx/>
-                <a:uFillTx/>
-                <a:latin typeface="Calibri" panose="020F0502020204030204"/>
-                <a:ea typeface="+mn-ea"/>
-                <a:cs typeface="+mn-cs"/>
-              </a:rPr>
-              <a:t>ados de saída:</a:t>
-            </a:r>
-          </a:p>
-          <a:p>
-            <a:pPr marL="91440" marR="0" lvl="0" indent="-91440" defTabSz="914400" rtl="0" eaLnBrk="1" fontAlgn="auto" latinLnBrk="0" hangingPunct="1">
-              <a:lnSpc>
-                <a:spcPct val="90000"/>
-              </a:lnSpc>
-              <a:spcBef>
-                <a:spcPts val="1200"/>
-              </a:spcBef>
-              <a:spcAft>
-                <a:spcPts val="200"/>
-              </a:spcAft>
-              <a:buClr>
-                <a:srgbClr val="E48312"/>
-              </a:buClr>
-              <a:buSzPct val="100000"/>
-              <a:buFont typeface="Wingdings" panose="05000000000000000000" pitchFamily="2" charset="2"/>
-              <a:buChar char="Ø"/>
-              <a:tabLst/>
-              <a:defRPr/>
-            </a:pPr>
-            <a:r>
-              <a:rPr kumimoji="0" lang="pt-PT" sz="1600" b="0" i="0" u="none" strike="noStrike" kern="1200" cap="none" spc="0" normalizeH="0" baseline="0" noProof="0" dirty="0">
-                <a:ln>
-                  <a:noFill/>
-                </a:ln>
-                <a:solidFill>
-                  <a:srgbClr val="000000">
-                    <a:lumMod val="75000"/>
-                    <a:lumOff val="25000"/>
-                  </a:srgbClr>
-                </a:solidFill>
-                <a:effectLst/>
-                <a:uLnTx/>
-                <a:uFillTx/>
-                <a:latin typeface="Calibri" panose="020F0502020204030204"/>
-                <a:ea typeface="+mn-ea"/>
-                <a:cs typeface="+mn-cs"/>
-              </a:rPr>
-              <a:t>2 </a:t>
-            </a:r>
-            <a:r>
-              <a:rPr lang="pt-PT" sz="1600" dirty="0">
-                <a:solidFill>
-                  <a:srgbClr val="000000">
-                    <a:lumMod val="75000"/>
-                    <a:lumOff val="25000"/>
-                  </a:srgbClr>
-                </a:solidFill>
-                <a:latin typeface="Calibri" panose="020F0502020204030204"/>
-              </a:rPr>
-              <a:t>Vetores&lt;</a:t>
-            </a:r>
-            <a:r>
-              <a:rPr lang="pt-PT" sz="1600" dirty="0" err="1">
-                <a:solidFill>
-                  <a:srgbClr val="000000">
-                    <a:lumMod val="75000"/>
-                    <a:lumOff val="25000"/>
-                  </a:srgbClr>
-                </a:solidFill>
-                <a:latin typeface="Calibri" panose="020F0502020204030204"/>
-              </a:rPr>
-              <a:t>EstafetaouPedido</a:t>
-            </a:r>
-            <a:r>
-              <a:rPr lang="pt-PT" sz="1600" dirty="0">
-                <a:solidFill>
-                  <a:srgbClr val="000000">
-                    <a:lumMod val="75000"/>
-                    <a:lumOff val="25000"/>
-                  </a:srgbClr>
-                </a:solidFill>
-                <a:latin typeface="Calibri" panose="020F0502020204030204"/>
-              </a:rPr>
-              <a:t>&gt;</a:t>
-            </a:r>
-            <a:r>
-              <a:rPr kumimoji="0" lang="pt-PT" sz="1600" b="0" i="0" u="none" strike="noStrike" kern="1200" cap="none" spc="0" normalizeH="0" baseline="0" noProof="0" dirty="0">
-                <a:ln>
-                  <a:noFill/>
-                </a:ln>
-                <a:solidFill>
-                  <a:srgbClr val="000000">
-                    <a:lumMod val="75000"/>
-                    <a:lumOff val="25000"/>
-                  </a:srgbClr>
-                </a:solidFill>
-                <a:effectLst/>
-                <a:uLnTx/>
-                <a:uFillTx/>
-                <a:latin typeface="Calibri" panose="020F0502020204030204"/>
-                <a:ea typeface="+mn-ea"/>
-                <a:cs typeface="+mn-cs"/>
-              </a:rPr>
-              <a:t>, </a:t>
-            </a:r>
-            <a:r>
-              <a:rPr kumimoji="0" lang="pt-PT" sz="1600" b="0" i="0" u="none" strike="noStrike" kern="1200" cap="none" spc="0" normalizeH="0" baseline="0" noProof="0" dirty="0" err="1">
-                <a:ln>
-                  <a:noFill/>
-                </a:ln>
-                <a:solidFill>
-                  <a:srgbClr val="000000">
-                    <a:lumMod val="75000"/>
-                    <a:lumOff val="25000"/>
-                  </a:srgbClr>
-                </a:solidFill>
-                <a:effectLst/>
-                <a:uLnTx/>
-                <a:uFillTx/>
-                <a:latin typeface="Calibri" panose="020F0502020204030204"/>
-                <a:ea typeface="+mn-ea"/>
-                <a:cs typeface="+mn-cs"/>
-              </a:rPr>
-              <a:t>Est</a:t>
-            </a:r>
-            <a:r>
-              <a:rPr kumimoji="0" lang="pt-PT" sz="1600" b="0" i="0" u="none" strike="noStrike" kern="1200" cap="none" spc="0" normalizeH="0" baseline="0" noProof="0" dirty="0">
-                <a:ln>
-                  <a:noFill/>
-                </a:ln>
-                <a:solidFill>
-                  <a:srgbClr val="000000">
-                    <a:lumMod val="75000"/>
-                    <a:lumOff val="25000"/>
-                  </a:srgbClr>
-                </a:solidFill>
-                <a:effectLst/>
-                <a:uLnTx/>
-                <a:uFillTx/>
-                <a:latin typeface="Calibri" panose="020F0502020204030204"/>
-                <a:ea typeface="+mn-ea"/>
-                <a:cs typeface="+mn-cs"/>
-              </a:rPr>
-              <a:t> e </a:t>
-            </a:r>
-            <a:r>
-              <a:rPr kumimoji="0" lang="pt-PT" sz="1600" b="0" i="0" u="none" strike="noStrike" kern="1200" cap="none" spc="0" normalizeH="0" baseline="0" noProof="0" dirty="0" err="1">
-                <a:ln>
-                  <a:noFill/>
-                </a:ln>
-                <a:solidFill>
-                  <a:srgbClr val="000000">
-                    <a:lumMod val="75000"/>
-                    <a:lumOff val="25000"/>
-                  </a:srgbClr>
-                </a:solidFill>
-                <a:effectLst/>
-                <a:uLnTx/>
-                <a:uFillTx/>
-                <a:latin typeface="Calibri" panose="020F0502020204030204"/>
-                <a:ea typeface="+mn-ea"/>
-                <a:cs typeface="+mn-cs"/>
-              </a:rPr>
-              <a:t>Ped</a:t>
-            </a:r>
-            <a:r>
-              <a:rPr lang="pt-PT" sz="1600" dirty="0">
-                <a:solidFill>
-                  <a:srgbClr val="000000">
-                    <a:lumMod val="75000"/>
-                    <a:lumOff val="25000"/>
-                  </a:srgbClr>
-                </a:solidFill>
-                <a:latin typeface="Calibri" panose="020F0502020204030204"/>
-              </a:rPr>
-              <a:t>-Conjunto de carrinhas registadas e pedidos a entregar caracterizados por:</a:t>
-            </a:r>
-          </a:p>
-          <a:p>
-            <a:pPr marL="548640" lvl="1" indent="-91440" defTabSz="914400">
-              <a:lnSpc>
-                <a:spcPct val="90000"/>
-              </a:lnSpc>
-              <a:spcBef>
-                <a:spcPts val="1200"/>
-              </a:spcBef>
-              <a:spcAft>
-                <a:spcPts val="200"/>
-              </a:spcAft>
-              <a:buClr>
-                <a:srgbClr val="E48312"/>
-              </a:buClr>
-              <a:buSzPct val="100000"/>
-              <a:buFont typeface="Wingdings" panose="05000000000000000000" pitchFamily="2" charset="2"/>
-              <a:buChar char="Ø"/>
-              <a:defRPr/>
-            </a:pPr>
-            <a:r>
-              <a:rPr kumimoji="0" lang="pt-PT" sz="1600" b="0" i="0" u="none" strike="noStrike" kern="1200" cap="none" spc="0" normalizeH="0" baseline="0" noProof="0" dirty="0">
-                <a:ln>
-                  <a:noFill/>
-                </a:ln>
-                <a:solidFill>
-                  <a:srgbClr val="000000">
-                    <a:lumMod val="75000"/>
-                    <a:lumOff val="25000"/>
-                  </a:srgbClr>
-                </a:solidFill>
-                <a:effectLst/>
-                <a:uLnTx/>
-                <a:uFillTx/>
-                <a:latin typeface="Calibri" panose="020F0502020204030204"/>
-                <a:ea typeface="+mn-ea"/>
-                <a:cs typeface="+mn-cs"/>
-              </a:rPr>
-              <a:t>Peso</a:t>
-            </a:r>
-          </a:p>
-          <a:p>
-            <a:pPr marL="548640" lvl="1" indent="-91440" defTabSz="914400">
-              <a:lnSpc>
-                <a:spcPct val="90000"/>
-              </a:lnSpc>
-              <a:spcBef>
-                <a:spcPts val="1200"/>
-              </a:spcBef>
-              <a:spcAft>
-                <a:spcPts val="200"/>
-              </a:spcAft>
-              <a:buClr>
-                <a:srgbClr val="E48312"/>
-              </a:buClr>
-              <a:buSzPct val="100000"/>
-              <a:buFont typeface="Wingdings" panose="05000000000000000000" pitchFamily="2" charset="2"/>
-              <a:buChar char="Ø"/>
-              <a:defRPr/>
-            </a:pPr>
-            <a:r>
-              <a:rPr lang="pt-PT" sz="1600" dirty="0">
-                <a:solidFill>
-                  <a:srgbClr val="000000">
-                    <a:lumMod val="75000"/>
-                    <a:lumOff val="25000"/>
-                  </a:srgbClr>
-                </a:solidFill>
-                <a:latin typeface="Calibri" panose="020F0502020204030204"/>
-              </a:rPr>
-              <a:t>Volume</a:t>
-            </a:r>
-            <a:endParaRPr kumimoji="0" lang="pt-PT" sz="1600" b="0" i="0" u="none" strike="noStrike" kern="1200" cap="none" spc="0" normalizeH="0" baseline="0" noProof="0" dirty="0">
-              <a:ln>
-                <a:noFill/>
-              </a:ln>
-              <a:solidFill>
-                <a:srgbClr val="000000">
-                  <a:lumMod val="75000"/>
-                  <a:lumOff val="25000"/>
-                </a:srgbClr>
-              </a:solidFill>
-              <a:effectLst/>
-              <a:uLnTx/>
-              <a:uFillTx/>
-              <a:latin typeface="Calibri" panose="020F0502020204030204"/>
-              <a:ea typeface="+mn-ea"/>
-              <a:cs typeface="+mn-cs"/>
-            </a:endParaRPr>
-          </a:p>
-          <a:p>
-            <a:endParaRPr lang="pt-PT" dirty="0"/>
-          </a:p>
-        </p:txBody>
-      </p:sp>
-      <p:sp>
-        <p:nvSpPr>
-          <p:cNvPr id="7" name="TextBox 6">
-            <a:extLst>
-              <a:ext uri="{FF2B5EF4-FFF2-40B4-BE49-F238E27FC236}">
-                <a16:creationId xmlns:a16="http://schemas.microsoft.com/office/drawing/2014/main" id="{0FC99067-2FE4-49FA-A359-140ACF56302F}"/>
-              </a:ext>
-            </a:extLst>
-          </p:cNvPr>
-          <p:cNvSpPr txBox="1"/>
-          <p:nvPr/>
-        </p:nvSpPr>
-        <p:spPr>
-          <a:xfrm>
-            <a:off x="6126480" y="4103952"/>
-            <a:ext cx="5751369" cy="1016689"/>
-          </a:xfrm>
-          <a:prstGeom prst="rect">
-            <a:avLst/>
-          </a:prstGeom>
-          <a:noFill/>
-        </p:spPr>
-        <p:txBody>
-          <a:bodyPr wrap="square" rtlCol="0">
-            <a:spAutoFit/>
-          </a:bodyPr>
-          <a:lstStyle/>
-          <a:p>
-            <a:pPr marL="0" indent="0" algn="ctr">
-              <a:buNone/>
-            </a:pPr>
-            <a:r>
-              <a:rPr lang="pt-PT" sz="1600" u="sng" dirty="0">
-                <a:solidFill>
-                  <a:srgbClr val="000000">
-                    <a:lumMod val="75000"/>
-                    <a:lumOff val="25000"/>
-                  </a:srgbClr>
-                </a:solidFill>
-                <a:latin typeface="Calibri" panose="020F0502020204030204"/>
-              </a:rPr>
-              <a:t>Restrições e Domínios de valores:</a:t>
-            </a:r>
-            <a:endParaRPr kumimoji="0" lang="pt-PT" sz="1600" b="0" i="0" u="sng" strike="noStrike" kern="1200" cap="none" spc="0" normalizeH="0" baseline="0" noProof="0" dirty="0">
-              <a:ln>
-                <a:noFill/>
-              </a:ln>
-              <a:solidFill>
-                <a:srgbClr val="000000">
-                  <a:lumMod val="75000"/>
-                  <a:lumOff val="25000"/>
-                </a:srgbClr>
-              </a:solidFill>
-              <a:effectLst/>
-              <a:uLnTx/>
-              <a:uFillTx/>
-              <a:latin typeface="Calibri" panose="020F0502020204030204"/>
-              <a:ea typeface="+mn-ea"/>
-              <a:cs typeface="+mn-cs"/>
-            </a:endParaRPr>
-          </a:p>
-          <a:p>
-            <a:pPr marL="91440" marR="0" lvl="0" indent="-91440" defTabSz="914400" rtl="0" eaLnBrk="1" fontAlgn="auto" latinLnBrk="0" hangingPunct="1">
-              <a:lnSpc>
-                <a:spcPct val="90000"/>
-              </a:lnSpc>
-              <a:spcBef>
-                <a:spcPts val="1200"/>
-              </a:spcBef>
-              <a:spcAft>
-                <a:spcPts val="200"/>
-              </a:spcAft>
-              <a:buClr>
-                <a:srgbClr val="E48312"/>
-              </a:buClr>
-              <a:buSzPct val="100000"/>
-              <a:buFont typeface="Wingdings" panose="05000000000000000000" pitchFamily="2" charset="2"/>
-              <a:buChar char="Ø"/>
-              <a:tabLst/>
-              <a:defRPr/>
-            </a:pPr>
-            <a:r>
-              <a:rPr lang="pt-PT" sz="1600" dirty="0">
-                <a:solidFill>
-                  <a:srgbClr val="000000">
-                    <a:lumMod val="75000"/>
-                    <a:lumOff val="25000"/>
-                  </a:srgbClr>
-                </a:solidFill>
-                <a:latin typeface="Calibri" panose="020F0502020204030204"/>
-              </a:rPr>
-              <a:t> Todos os valores têm de ser positivos e pertencentes a N</a:t>
-            </a:r>
-            <a:endParaRPr kumimoji="0" lang="pt-PT" sz="1600" b="0" i="0" u="none" strike="noStrike" kern="1200" cap="none" spc="0" normalizeH="0" baseline="0" noProof="0" dirty="0">
-              <a:ln>
-                <a:noFill/>
-              </a:ln>
-              <a:solidFill>
-                <a:srgbClr val="000000">
-                  <a:lumMod val="75000"/>
-                  <a:lumOff val="25000"/>
-                </a:srgbClr>
-              </a:solidFill>
-              <a:effectLst/>
-              <a:uLnTx/>
-              <a:uFillTx/>
-              <a:latin typeface="Calibri" panose="020F0502020204030204"/>
-              <a:ea typeface="+mn-ea"/>
-              <a:cs typeface="+mn-cs"/>
-            </a:endParaRPr>
-          </a:p>
-          <a:p>
-            <a:endParaRPr lang="pt-PT" dirty="0"/>
-          </a:p>
-        </p:txBody>
-      </p:sp>
-    </p:spTree>
-    <p:extLst>
-      <p:ext uri="{BB962C8B-B14F-4D97-AF65-F5344CB8AC3E}">
-        <p14:creationId xmlns:p14="http://schemas.microsoft.com/office/powerpoint/2010/main" val="1507378260"/>
-      </p:ext>
-    </p:extLst>
-  </p:cSld>
-  <p:clrMapOvr>
-    <a:masterClrMapping/>
-  </p:clrMapOvr>
-</p:sld>
-</file>
-
-<file path=ppt/slides/slide4.xml><?xml version="1.0" encoding="utf-8"?>
-<p:sld xmlns:a="http://schemas.openxmlformats.org/drawingml/2006/main" xmlns:r="http://schemas.openxmlformats.org/officeDocument/2006/relationships" xmlns:p="http://schemas.openxmlformats.org/presentationml/2006/main">
-  <p:cSld>
-    <p:spTree>
-      <p:nvGrpSpPr>
-        <p:cNvPr id="1" name=""/>
-        <p:cNvGrpSpPr/>
-        <p:nvPr/>
-      </p:nvGrpSpPr>
-      <p:grpSpPr>
-        <a:xfrm>
-          <a:off x="0" y="0"/>
-          <a:ext cx="0" cy="0"/>
-          <a:chOff x="0" y="0"/>
-          <a:chExt cx="0" cy="0"/>
-        </a:xfrm>
-      </p:grpSpPr>
-      <p:sp>
-        <p:nvSpPr>
-          <p:cNvPr id="2" name="Title 1">
-            <a:extLst>
-              <a:ext uri="{FF2B5EF4-FFF2-40B4-BE49-F238E27FC236}">
-                <a16:creationId xmlns:a16="http://schemas.microsoft.com/office/drawing/2014/main" id="{905083D3-96D5-454B-A94C-2CB33399B9A1}"/>
-              </a:ext>
-            </a:extLst>
-          </p:cNvPr>
-          <p:cNvSpPr>
-            <a:spLocks noGrp="1"/>
-          </p:cNvSpPr>
-          <p:nvPr>
-            <p:ph type="title"/>
-          </p:nvPr>
-        </p:nvSpPr>
-        <p:spPr>
-          <a:xfrm>
-            <a:off x="680030" y="393965"/>
-            <a:ext cx="10058400" cy="1450757"/>
-          </a:xfrm>
-        </p:spPr>
-        <p:txBody>
-          <a:bodyPr/>
-          <a:lstStyle/>
-          <a:p>
-            <a:pPr algn="ctr"/>
-            <a:r>
-              <a:rPr lang="en-US" b="1" dirty="0" err="1"/>
-              <a:t>Descrição</a:t>
-            </a:r>
-            <a:r>
-              <a:rPr lang="en-US" b="1" dirty="0"/>
-              <a:t> da </a:t>
-            </a:r>
-            <a:r>
-              <a:rPr lang="en-US" b="1" dirty="0" err="1"/>
-              <a:t>Solução</a:t>
-            </a:r>
-            <a:endParaRPr lang="pt-PT" dirty="0"/>
-          </a:p>
-        </p:txBody>
-      </p:sp>
-      <p:pic>
-        <p:nvPicPr>
-          <p:cNvPr id="4" name="Content Placeholder 8" descr="Text, letter&#10;&#10;Description automatically generated">
-            <a:extLst>
-              <a:ext uri="{FF2B5EF4-FFF2-40B4-BE49-F238E27FC236}">
-                <a16:creationId xmlns:a16="http://schemas.microsoft.com/office/drawing/2014/main" id="{61398ADD-0833-45E1-BAC1-4EE31EB7D8D4}"/>
-              </a:ext>
-            </a:extLst>
-          </p:cNvPr>
-          <p:cNvPicPr>
-            <a:picLocks noChangeAspect="1"/>
-          </p:cNvPicPr>
-          <p:nvPr/>
-        </p:nvPicPr>
-        <p:blipFill>
-          <a:blip r:embed="rId2">
-            <a:extLst>
-              <a:ext uri="{28A0092B-C50C-407E-A947-70E740481C1C}">
-                <a14:useLocalDpi xmlns:a14="http://schemas.microsoft.com/office/drawing/2010/main" val="0"/>
-              </a:ext>
-            </a:extLst>
-          </a:blip>
-          <a:stretch>
-            <a:fillRect/>
-          </a:stretch>
-        </p:blipFill>
-        <p:spPr>
-          <a:xfrm>
-            <a:off x="4618951" y="2118483"/>
-            <a:ext cx="2954095" cy="2224599"/>
-          </a:xfrm>
-          <a:prstGeom prst="rect">
-            <a:avLst/>
-          </a:prstGeom>
-        </p:spPr>
-      </p:pic>
-      <p:sp>
-        <p:nvSpPr>
-          <p:cNvPr id="5" name="TextBox 4">
-            <a:extLst>
-              <a:ext uri="{FF2B5EF4-FFF2-40B4-BE49-F238E27FC236}">
-                <a16:creationId xmlns:a16="http://schemas.microsoft.com/office/drawing/2014/main" id="{E0A9D527-AC5E-4F74-BD13-9F33FB55B4CD}"/>
-              </a:ext>
-            </a:extLst>
-          </p:cNvPr>
-          <p:cNvSpPr txBox="1"/>
-          <p:nvPr/>
-        </p:nvSpPr>
-        <p:spPr>
-          <a:xfrm>
-            <a:off x="1669002" y="4713498"/>
-            <a:ext cx="9241654" cy="1477328"/>
-          </a:xfrm>
-          <a:prstGeom prst="rect">
-            <a:avLst/>
-          </a:prstGeom>
-          <a:noFill/>
-        </p:spPr>
-        <p:txBody>
-          <a:bodyPr wrap="square" rtlCol="0">
-            <a:spAutoFit/>
-          </a:bodyPr>
-          <a:lstStyle/>
-          <a:p>
-            <a:pPr algn="ctr"/>
-            <a:r>
-              <a:rPr lang="pt-PT" dirty="0"/>
-              <a:t>Baseado no algoritmo de bin-</a:t>
-            </a:r>
-            <a:r>
-              <a:rPr lang="pt-PT" dirty="0" err="1"/>
-              <a:t>packing</a:t>
-            </a:r>
-            <a:r>
-              <a:rPr lang="pt-PT" dirty="0"/>
-              <a:t>: </a:t>
-            </a:r>
-            <a:r>
-              <a:rPr lang="pt-PT" dirty="0" err="1"/>
-              <a:t>first</a:t>
-            </a:r>
-            <a:r>
-              <a:rPr lang="pt-PT" dirty="0"/>
-              <a:t> </a:t>
-            </a:r>
-            <a:r>
-              <a:rPr lang="pt-PT" dirty="0" err="1"/>
-              <a:t>fit</a:t>
-            </a:r>
-            <a:r>
-              <a:rPr lang="pt-PT" dirty="0"/>
-              <a:t> (</a:t>
-            </a:r>
-            <a:r>
-              <a:rPr lang="pt-PT" dirty="0" err="1"/>
-              <a:t>decreasing</a:t>
-            </a:r>
-            <a:r>
-              <a:rPr lang="pt-PT" dirty="0"/>
-              <a:t>).</a:t>
-            </a:r>
-          </a:p>
-          <a:p>
-            <a:pPr algn="ctr"/>
-            <a:r>
-              <a:rPr lang="pt-PT" dirty="0"/>
-              <a:t>Após a ordenação das carrinhas e encomendas por ordem decrescente de capacidade (</a:t>
-            </a:r>
-            <a:r>
-              <a:rPr lang="pt-PT" dirty="0" err="1"/>
-              <a:t>peso+volume</a:t>
-            </a:r>
-            <a:r>
-              <a:rPr lang="pt-PT" dirty="0"/>
-              <a:t>),percorremos todos os camiões um a um e inserimos as encomendas que cabem no camião atual.</a:t>
-            </a:r>
-          </a:p>
-          <a:p>
-            <a:pPr algn="ctr"/>
-            <a:r>
-              <a:rPr lang="pt-PT" dirty="0"/>
-              <a:t> </a:t>
-            </a:r>
-          </a:p>
-        </p:txBody>
-      </p:sp>
-      <p:sp>
-        <p:nvSpPr>
-          <p:cNvPr id="6" name="TextBox 5">
-            <a:extLst>
-              <a:ext uri="{FF2B5EF4-FFF2-40B4-BE49-F238E27FC236}">
-                <a16:creationId xmlns:a16="http://schemas.microsoft.com/office/drawing/2014/main" id="{F18A2A3C-591B-40E0-A021-E0F506517821}"/>
-              </a:ext>
-            </a:extLst>
-          </p:cNvPr>
-          <p:cNvSpPr txBox="1"/>
-          <p:nvPr/>
-        </p:nvSpPr>
-        <p:spPr>
-          <a:xfrm>
-            <a:off x="3014934" y="4343082"/>
-            <a:ext cx="6162131" cy="261610"/>
-          </a:xfrm>
-          <a:prstGeom prst="rect">
-            <a:avLst/>
-          </a:prstGeom>
-          <a:noFill/>
-        </p:spPr>
-        <p:txBody>
-          <a:bodyPr wrap="square" rtlCol="0">
-            <a:spAutoFit/>
-          </a:bodyPr>
-          <a:lstStyle/>
-          <a:p>
-            <a:pPr algn="ctr"/>
-            <a:r>
-              <a:rPr lang="pt-PT" sz="1100" dirty="0" err="1"/>
-              <a:t>Pseudo</a:t>
-            </a:r>
-            <a:r>
-              <a:rPr lang="pt-PT" sz="1100" dirty="0"/>
-              <a:t> código da função aplicada</a:t>
-            </a:r>
-          </a:p>
-        </p:txBody>
-      </p:sp>
-    </p:spTree>
-    <p:extLst>
-      <p:ext uri="{BB962C8B-B14F-4D97-AF65-F5344CB8AC3E}">
-        <p14:creationId xmlns:p14="http://schemas.microsoft.com/office/powerpoint/2010/main" val="2615784666"/>
-      </p:ext>
-    </p:extLst>
-  </p:cSld>
-  <p:clrMapOvr>
-    <a:masterClrMapping/>
-  </p:clrMapOvr>
-</p:sld>
-</file>
-
-<file path=ppt/slides/slide5.xml><?xml version="1.0" encoding="utf-8"?>
-<p:sld xmlns:a="http://schemas.openxmlformats.org/drawingml/2006/main" xmlns:r="http://schemas.openxmlformats.org/officeDocument/2006/relationships" xmlns:p="http://schemas.openxmlformats.org/presentationml/2006/main">
-  <p:cSld>
-    <p:spTree>
-      <p:nvGrpSpPr>
-        <p:cNvPr id="1" name=""/>
-        <p:cNvGrpSpPr/>
-        <p:nvPr/>
-      </p:nvGrpSpPr>
-      <p:grpSpPr>
-        <a:xfrm>
-          <a:off x="0" y="0"/>
-          <a:ext cx="0" cy="0"/>
-          <a:chOff x="0" y="0"/>
-          <a:chExt cx="0" cy="0"/>
-        </a:xfrm>
-      </p:grpSpPr>
-      <p:sp>
-        <p:nvSpPr>
-          <p:cNvPr id="4" name="Title 1">
-            <a:extLst>
-              <a:ext uri="{FF2B5EF4-FFF2-40B4-BE49-F238E27FC236}">
-                <a16:creationId xmlns:a16="http://schemas.microsoft.com/office/drawing/2014/main" id="{F29967F0-2C0F-4212-ADA7-2126EE7D643F}"/>
-              </a:ext>
-            </a:extLst>
-          </p:cNvPr>
-          <p:cNvSpPr txBox="1">
-            <a:spLocks/>
-          </p:cNvSpPr>
-          <p:nvPr/>
-        </p:nvSpPr>
-        <p:spPr>
-          <a:xfrm>
-            <a:off x="1097280" y="286603"/>
-            <a:ext cx="10058400" cy="1450757"/>
-          </a:xfrm>
-          <a:prstGeom prst="rect">
-            <a:avLst/>
-          </a:prstGeom>
-        </p:spPr>
-        <p:txBody>
-          <a:bodyPr vert="horz" lIns="91440" tIns="45720" rIns="91440" bIns="45720" rtlCol="0" anchor="b">
-            <a:normAutofit/>
-          </a:bodyPr>
-          <a:lstStyle>
-            <a:lvl1pPr marL="0" algn="l" defTabSz="914400" rtl="0" eaLnBrk="1" latinLnBrk="0" hangingPunct="1">
-              <a:lnSpc>
-                <a:spcPct val="85000"/>
-              </a:lnSpc>
-              <a:spcBef>
-                <a:spcPct val="0"/>
-              </a:spcBef>
-              <a:buNone/>
-              <a:defRPr sz="4800" kern="1200" spc="-50" baseline="0">
-                <a:solidFill>
-                  <a:schemeClr val="tx1">
-                    <a:lumMod val="75000"/>
-                    <a:lumOff val="25000"/>
-                  </a:schemeClr>
-                </a:solidFill>
-                <a:latin typeface="+mj-lt"/>
-                <a:ea typeface="+mj-ea"/>
-                <a:cs typeface="+mj-cs"/>
-              </a:defRPr>
-            </a:lvl1pPr>
-          </a:lstStyle>
-          <a:p>
-            <a:pPr algn="ctr"/>
-            <a:r>
-              <a:rPr lang="en-US" b="1" dirty="0" err="1"/>
-              <a:t>Formalização</a:t>
-            </a:r>
-            <a:r>
-              <a:rPr lang="en-US" b="1" dirty="0"/>
-              <a:t> do </a:t>
-            </a:r>
-            <a:r>
-              <a:rPr lang="en-US" b="1" dirty="0" err="1"/>
-              <a:t>Cenário</a:t>
-            </a:r>
-            <a:r>
-              <a:rPr lang="en-US" b="1" dirty="0"/>
-              <a:t> 2</a:t>
-            </a:r>
-            <a:endParaRPr lang="pt-PT" b="1" dirty="0"/>
-          </a:p>
-        </p:txBody>
-      </p:sp>
-      <p:sp>
-        <p:nvSpPr>
-          <p:cNvPr id="5" name="Content Placeholder 2">
-            <a:extLst>
-              <a:ext uri="{FF2B5EF4-FFF2-40B4-BE49-F238E27FC236}">
-                <a16:creationId xmlns:a16="http://schemas.microsoft.com/office/drawing/2014/main" id="{F9671397-9D2B-4B4F-B762-DCAA21974E9D}"/>
-              </a:ext>
-            </a:extLst>
-          </p:cNvPr>
-          <p:cNvSpPr txBox="1">
-            <a:spLocks/>
-          </p:cNvSpPr>
-          <p:nvPr/>
-        </p:nvSpPr>
-        <p:spPr>
-          <a:xfrm>
-            <a:off x="614867" y="1831086"/>
-            <a:ext cx="5596378" cy="4494299"/>
-          </a:xfrm>
-          <a:prstGeom prst="rect">
-            <a:avLst/>
-          </a:prstGeom>
-        </p:spPr>
-        <p:txBody>
-          <a:bodyPr vert="horz" lIns="0" tIns="45720" rIns="0" bIns="45720" rtlCol="0">
-            <a:normAutofit/>
-          </a:bodyPr>
-          <a:lstStyle>
-            <a:lvl1pPr marL="91440" indent="-91440" algn="l" defTabSz="914400" rtl="0" eaLnBrk="1" latinLnBrk="0" hangingPunct="1">
-              <a:lnSpc>
-                <a:spcPct val="90000"/>
-              </a:lnSpc>
-              <a:spcBef>
-                <a:spcPts val="1200"/>
-              </a:spcBef>
-              <a:spcAft>
-                <a:spcPts val="200"/>
-              </a:spcAft>
-              <a:buClr>
-                <a:schemeClr val="accent1"/>
-              </a:buClr>
-              <a:buSzPct val="100000"/>
-              <a:buFont typeface="Calibri" panose="020F0502020204030204" pitchFamily="34" charset="0"/>
-              <a:buChar char=" "/>
-              <a:defRPr sz="2000" kern="1200">
-                <a:solidFill>
-                  <a:schemeClr val="tx1">
-                    <a:lumMod val="75000"/>
-                    <a:lumOff val="25000"/>
-                  </a:schemeClr>
-                </a:solidFill>
-                <a:latin typeface="+mn-lt"/>
-                <a:ea typeface="+mn-ea"/>
-                <a:cs typeface="+mn-cs"/>
-              </a:defRPr>
-            </a:lvl1pPr>
-            <a:lvl2pPr marL="384048" indent="-182880" algn="l" defTabSz="914400" rtl="0" eaLnBrk="1" latinLnBrk="0" hangingPunct="1">
-              <a:lnSpc>
-                <a:spcPct val="90000"/>
-              </a:lnSpc>
-              <a:spcBef>
-                <a:spcPts val="200"/>
-              </a:spcBef>
-              <a:spcAft>
-                <a:spcPts val="400"/>
-              </a:spcAft>
-              <a:buClr>
-                <a:schemeClr val="accent1"/>
-              </a:buClr>
-              <a:buFont typeface="Calibri" pitchFamily="34" charset="0"/>
-              <a:buChar char="◦"/>
-              <a:defRPr sz="1800" kern="1200">
-                <a:solidFill>
-                  <a:schemeClr val="tx1">
-                    <a:lumMod val="75000"/>
-                    <a:lumOff val="25000"/>
-                  </a:schemeClr>
-                </a:solidFill>
-                <a:latin typeface="+mn-lt"/>
-                <a:ea typeface="+mn-ea"/>
-                <a:cs typeface="+mn-cs"/>
-              </a:defRPr>
-            </a:lvl2pPr>
-            <a:lvl3pPr marL="566928" indent="-182880" algn="l" defTabSz="914400" rtl="0" eaLnBrk="1" latinLnBrk="0" hangingPunct="1">
-              <a:lnSpc>
-                <a:spcPct val="90000"/>
-              </a:lnSpc>
-              <a:spcBef>
-                <a:spcPts val="200"/>
-              </a:spcBef>
-              <a:spcAft>
-                <a:spcPts val="400"/>
-              </a:spcAft>
-              <a:buClr>
-                <a:schemeClr val="accent1"/>
-              </a:buClr>
-              <a:buFont typeface="Calibri" pitchFamily="34" charset="0"/>
-              <a:buChar char="◦"/>
-              <a:defRPr sz="1400" kern="1200">
-                <a:solidFill>
-                  <a:schemeClr val="tx1">
-                    <a:lumMod val="75000"/>
-                    <a:lumOff val="25000"/>
-                  </a:schemeClr>
-                </a:solidFill>
-                <a:latin typeface="+mn-lt"/>
-                <a:ea typeface="+mn-ea"/>
-                <a:cs typeface="+mn-cs"/>
-              </a:defRPr>
-            </a:lvl3pPr>
-            <a:lvl4pPr marL="749808" indent="-182880" algn="l" defTabSz="914400" rtl="0" eaLnBrk="1" latinLnBrk="0" hangingPunct="1">
-              <a:lnSpc>
-                <a:spcPct val="90000"/>
-              </a:lnSpc>
-              <a:spcBef>
-                <a:spcPts val="200"/>
-              </a:spcBef>
-              <a:spcAft>
-                <a:spcPts val="400"/>
-              </a:spcAft>
-              <a:buClr>
-                <a:schemeClr val="accent1"/>
-              </a:buClr>
-              <a:buFont typeface="Calibri" pitchFamily="34" charset="0"/>
-              <a:buChar char="◦"/>
-              <a:defRPr sz="1400" kern="1200">
-                <a:solidFill>
-                  <a:schemeClr val="tx1">
-                    <a:lumMod val="75000"/>
-                    <a:lumOff val="25000"/>
-                  </a:schemeClr>
-                </a:solidFill>
-                <a:latin typeface="+mn-lt"/>
-                <a:ea typeface="+mn-ea"/>
-                <a:cs typeface="+mn-cs"/>
-              </a:defRPr>
-            </a:lvl4pPr>
-            <a:lvl5pPr marL="932688" indent="-182880" algn="l" defTabSz="914400" rtl="0" eaLnBrk="1" latinLnBrk="0" hangingPunct="1">
-              <a:lnSpc>
-                <a:spcPct val="90000"/>
-              </a:lnSpc>
-              <a:spcBef>
-                <a:spcPts val="200"/>
-              </a:spcBef>
-              <a:spcAft>
-                <a:spcPts val="400"/>
-              </a:spcAft>
-              <a:buClr>
-                <a:schemeClr val="accent1"/>
-              </a:buClr>
-              <a:buFont typeface="Calibri" pitchFamily="34" charset="0"/>
-              <a:buChar char="◦"/>
-              <a:defRPr sz="1400" kern="1200">
-                <a:solidFill>
-                  <a:schemeClr val="tx1">
-                    <a:lumMod val="75000"/>
-                    <a:lumOff val="25000"/>
-                  </a:schemeClr>
-                </a:solidFill>
-                <a:latin typeface="+mn-lt"/>
-                <a:ea typeface="+mn-ea"/>
-                <a:cs typeface="+mn-cs"/>
-              </a:defRPr>
-            </a:lvl5pPr>
-            <a:lvl6pPr marL="1100000" indent="-228600" algn="l" defTabSz="914400" rtl="0" eaLnBrk="1" latinLnBrk="0" hangingPunct="1">
-              <a:lnSpc>
-                <a:spcPct val="90000"/>
-              </a:lnSpc>
-              <a:spcBef>
-                <a:spcPts val="200"/>
-              </a:spcBef>
-              <a:spcAft>
-                <a:spcPts val="400"/>
-              </a:spcAft>
-              <a:buClr>
-                <a:schemeClr val="accent1"/>
-              </a:buClr>
-              <a:buFont typeface="Calibri" pitchFamily="34" charset="0"/>
-              <a:buChar char="◦"/>
-              <a:defRPr sz="1400" kern="1200">
-                <a:solidFill>
-                  <a:schemeClr val="tx1">
-                    <a:lumMod val="75000"/>
-                    <a:lumOff val="25000"/>
-                  </a:schemeClr>
-                </a:solidFill>
-                <a:latin typeface="+mn-lt"/>
-                <a:ea typeface="+mn-ea"/>
-                <a:cs typeface="+mn-cs"/>
-              </a:defRPr>
-            </a:lvl6pPr>
-            <a:lvl7pPr marL="1300000" indent="-228600" algn="l" defTabSz="914400" rtl="0" eaLnBrk="1" latinLnBrk="0" hangingPunct="1">
-              <a:lnSpc>
-                <a:spcPct val="90000"/>
-              </a:lnSpc>
-              <a:spcBef>
-                <a:spcPts val="200"/>
-              </a:spcBef>
-              <a:spcAft>
-                <a:spcPts val="400"/>
-              </a:spcAft>
-              <a:buClr>
-                <a:schemeClr val="accent1"/>
-              </a:buClr>
-              <a:buFont typeface="Calibri" pitchFamily="34" charset="0"/>
-              <a:buChar char="◦"/>
-              <a:defRPr sz="1400" kern="1200">
-                <a:solidFill>
-                  <a:schemeClr val="tx1">
-                    <a:lumMod val="75000"/>
-                    <a:lumOff val="25000"/>
-                  </a:schemeClr>
-                </a:solidFill>
-                <a:latin typeface="+mn-lt"/>
-                <a:ea typeface="+mn-ea"/>
-                <a:cs typeface="+mn-cs"/>
-              </a:defRPr>
-            </a:lvl7pPr>
-            <a:lvl8pPr marL="1500000" indent="-228600" algn="l" defTabSz="914400" rtl="0" eaLnBrk="1" latinLnBrk="0" hangingPunct="1">
-              <a:lnSpc>
-                <a:spcPct val="90000"/>
-              </a:lnSpc>
-              <a:spcBef>
-                <a:spcPts val="200"/>
-              </a:spcBef>
-              <a:spcAft>
-                <a:spcPts val="400"/>
-              </a:spcAft>
-              <a:buClr>
-                <a:schemeClr val="accent1"/>
-              </a:buClr>
-              <a:buFont typeface="Calibri" pitchFamily="34" charset="0"/>
-              <a:buChar char="◦"/>
-              <a:defRPr sz="1400" kern="1200">
-                <a:solidFill>
-                  <a:schemeClr val="tx1">
-                    <a:lumMod val="75000"/>
-                    <a:lumOff val="25000"/>
-                  </a:schemeClr>
-                </a:solidFill>
-                <a:latin typeface="+mn-lt"/>
-                <a:ea typeface="+mn-ea"/>
-                <a:cs typeface="+mn-cs"/>
-              </a:defRPr>
-            </a:lvl8pPr>
-            <a:lvl9pPr marL="1700000" indent="-228600" algn="l" defTabSz="914400" rtl="0" eaLnBrk="1" latinLnBrk="0" hangingPunct="1">
-              <a:lnSpc>
-                <a:spcPct val="90000"/>
-              </a:lnSpc>
-              <a:spcBef>
-                <a:spcPts val="200"/>
-              </a:spcBef>
-              <a:spcAft>
-                <a:spcPts val="400"/>
-              </a:spcAft>
-              <a:buClr>
-                <a:schemeClr val="accent1"/>
-              </a:buClr>
-              <a:buFont typeface="Calibri" pitchFamily="34" charset="0"/>
-              <a:buChar char="◦"/>
-              <a:defRPr sz="1400" kern="1200">
-                <a:solidFill>
-                  <a:schemeClr val="tx1">
-                    <a:lumMod val="75000"/>
-                    <a:lumOff val="25000"/>
-                  </a:schemeClr>
-                </a:solidFill>
-                <a:latin typeface="+mn-lt"/>
-                <a:ea typeface="+mn-ea"/>
-                <a:cs typeface="+mn-cs"/>
-              </a:defRPr>
-            </a:lvl9pPr>
-          </a:lstStyle>
-          <a:p>
-            <a:pPr marL="0" indent="0" algn="ctr">
-              <a:buFont typeface="Calibri" panose="020F0502020204030204" pitchFamily="34" charset="0"/>
-              <a:buNone/>
-            </a:pPr>
-            <a:r>
-              <a:rPr lang="pt-PT" sz="1600" u="sng" dirty="0"/>
-              <a:t>Dados de entrada</a:t>
-            </a:r>
-            <a:r>
-              <a:rPr lang="pt-PT" sz="1600" dirty="0"/>
-              <a:t>: </a:t>
-            </a:r>
-          </a:p>
-          <a:p>
-            <a:pPr>
-              <a:buFont typeface="Wingdings" panose="05000000000000000000" pitchFamily="2" charset="2"/>
-              <a:buChar char="Ø"/>
-            </a:pPr>
-            <a:r>
-              <a:rPr lang="pt-PT" sz="1600" dirty="0"/>
-              <a:t>Vetor&lt;Encomenda&gt; E- Conjunto de encomendas caracterizadas por:</a:t>
-            </a:r>
-          </a:p>
-          <a:p>
-            <a:pPr lvl="1">
-              <a:buFont typeface="Wingdings" panose="05000000000000000000" pitchFamily="2" charset="2"/>
-              <a:buChar char="Ø"/>
-            </a:pPr>
-            <a:r>
-              <a:rPr lang="pt-PT" sz="1400" dirty="0"/>
-              <a:t>Peso</a:t>
-            </a:r>
-          </a:p>
-          <a:p>
-            <a:pPr lvl="1">
-              <a:buFont typeface="Wingdings" panose="05000000000000000000" pitchFamily="2" charset="2"/>
-              <a:buChar char="Ø"/>
-            </a:pPr>
-            <a:r>
-              <a:rPr lang="pt-PT" sz="1400" dirty="0"/>
-              <a:t>Volume</a:t>
-            </a:r>
-          </a:p>
-          <a:p>
-            <a:pPr lvl="1">
-              <a:buFont typeface="Wingdings" panose="05000000000000000000" pitchFamily="2" charset="2"/>
-              <a:buChar char="Ø"/>
-            </a:pPr>
-            <a:r>
-              <a:rPr lang="pt-PT" sz="1400" dirty="0"/>
-              <a:t>Recompensa</a:t>
-            </a:r>
-          </a:p>
-          <a:p>
-            <a:pPr lvl="1">
-              <a:buFont typeface="Wingdings" panose="05000000000000000000" pitchFamily="2" charset="2"/>
-              <a:buChar char="Ø"/>
-            </a:pPr>
-            <a:r>
-              <a:rPr lang="pt-PT" sz="1400" dirty="0"/>
-              <a:t>Duração </a:t>
-            </a:r>
-          </a:p>
-          <a:p>
-            <a:pPr lvl="1">
-              <a:buFont typeface="Wingdings" panose="05000000000000000000" pitchFamily="2" charset="2"/>
-              <a:buChar char="Ø"/>
-            </a:pPr>
-            <a:endParaRPr lang="pt-PT" sz="1400" dirty="0"/>
-          </a:p>
-          <a:p>
-            <a:pPr>
-              <a:buFont typeface="Wingdings" panose="05000000000000000000" pitchFamily="2" charset="2"/>
-              <a:buChar char="Ø"/>
-            </a:pPr>
-            <a:r>
-              <a:rPr lang="pt-PT" sz="1600" dirty="0"/>
-              <a:t>Vetor&lt;Carrinha&gt; C –Conjunto de </a:t>
-            </a:r>
-            <a:r>
-              <a:rPr lang="pt-PT" sz="1600" dirty="0" err="1"/>
-              <a:t>carrias</a:t>
-            </a:r>
-            <a:r>
-              <a:rPr lang="pt-PT" sz="1600" dirty="0"/>
-              <a:t> caracterizadas por:</a:t>
-            </a:r>
-          </a:p>
-          <a:p>
-            <a:pPr lvl="1">
-              <a:buFont typeface="Wingdings" panose="05000000000000000000" pitchFamily="2" charset="2"/>
-              <a:buChar char="Ø"/>
-            </a:pPr>
-            <a:r>
-              <a:rPr lang="pt-PT" sz="1400" dirty="0" err="1"/>
-              <a:t>PesoMax</a:t>
-            </a:r>
-            <a:endParaRPr lang="pt-PT" sz="1400" dirty="0"/>
-          </a:p>
-          <a:p>
-            <a:pPr lvl="1">
-              <a:buFont typeface="Wingdings" panose="05000000000000000000" pitchFamily="2" charset="2"/>
-              <a:buChar char="Ø"/>
-            </a:pPr>
-            <a:r>
-              <a:rPr lang="pt-PT" sz="1400" dirty="0" err="1"/>
-              <a:t>VolMax</a:t>
-            </a:r>
-            <a:endParaRPr lang="pt-PT" sz="1400" dirty="0"/>
-          </a:p>
-          <a:p>
-            <a:pPr lvl="1">
-              <a:buFont typeface="Wingdings" panose="05000000000000000000" pitchFamily="2" charset="2"/>
-              <a:buChar char="Ø"/>
-            </a:pPr>
-            <a:r>
-              <a:rPr lang="pt-PT" sz="1400" dirty="0"/>
-              <a:t>Custo</a:t>
-            </a:r>
-          </a:p>
-          <a:p>
-            <a:pPr lvl="1">
-              <a:buFont typeface="Wingdings" panose="05000000000000000000" pitchFamily="2" charset="2"/>
-              <a:buChar char="Ø"/>
-            </a:pPr>
-            <a:r>
-              <a:rPr lang="pt-PT" sz="1400" dirty="0" err="1"/>
-              <a:t>PesoAtual</a:t>
-            </a:r>
-            <a:endParaRPr lang="pt-PT" sz="1400" dirty="0"/>
-          </a:p>
-          <a:p>
-            <a:pPr lvl="1">
-              <a:buFont typeface="Wingdings" panose="05000000000000000000" pitchFamily="2" charset="2"/>
-              <a:buChar char="Ø"/>
-            </a:pPr>
-            <a:r>
-              <a:rPr lang="pt-PT" sz="1400" dirty="0" err="1"/>
-              <a:t>VolAtual</a:t>
-            </a:r>
-            <a:r>
-              <a:rPr lang="pt-PT" dirty="0"/>
-              <a:t> </a:t>
-            </a:r>
-          </a:p>
-        </p:txBody>
-      </p:sp>
-      <p:sp>
-        <p:nvSpPr>
-          <p:cNvPr id="6" name="TextBox 5">
-            <a:extLst>
-              <a:ext uri="{FF2B5EF4-FFF2-40B4-BE49-F238E27FC236}">
-                <a16:creationId xmlns:a16="http://schemas.microsoft.com/office/drawing/2014/main" id="{33A1A7FD-057F-42F8-9018-4CE31FB92D8D}"/>
-              </a:ext>
-            </a:extLst>
-          </p:cNvPr>
-          <p:cNvSpPr txBox="1"/>
-          <p:nvPr/>
-        </p:nvSpPr>
-        <p:spPr>
-          <a:xfrm>
-            <a:off x="6370293" y="1747520"/>
-            <a:ext cx="5751369" cy="2102114"/>
-          </a:xfrm>
-          <a:prstGeom prst="rect">
-            <a:avLst/>
-          </a:prstGeom>
-          <a:noFill/>
-        </p:spPr>
-        <p:txBody>
-          <a:bodyPr wrap="square" rtlCol="0">
-            <a:spAutoFit/>
-          </a:bodyPr>
-          <a:lstStyle/>
-          <a:p>
-            <a:pPr marL="0" indent="0" algn="ctr">
-              <a:buNone/>
-            </a:pPr>
-            <a:r>
-              <a:rPr lang="pt-PT" sz="1600" u="sng" dirty="0">
-                <a:solidFill>
-                  <a:srgbClr val="000000">
-                    <a:lumMod val="75000"/>
-                    <a:lumOff val="25000"/>
-                  </a:srgbClr>
-                </a:solidFill>
-                <a:latin typeface="Calibri" panose="020F0502020204030204"/>
-              </a:rPr>
-              <a:t>D</a:t>
-            </a:r>
-            <a:r>
-              <a:rPr kumimoji="0" lang="pt-PT" sz="1600" b="0" i="0" u="sng" strike="noStrike" kern="1200" cap="none" spc="0" normalizeH="0" baseline="0" noProof="0" dirty="0">
-                <a:ln>
-                  <a:noFill/>
-                </a:ln>
-                <a:solidFill>
-                  <a:srgbClr val="000000">
-                    <a:lumMod val="75000"/>
-                    <a:lumOff val="25000"/>
-                  </a:srgbClr>
-                </a:solidFill>
-                <a:effectLst/>
-                <a:uLnTx/>
-                <a:uFillTx/>
-                <a:latin typeface="Calibri" panose="020F0502020204030204"/>
-                <a:ea typeface="+mn-ea"/>
-                <a:cs typeface="+mn-cs"/>
-              </a:rPr>
-              <a:t>ados de saída:</a:t>
-            </a:r>
-          </a:p>
-          <a:p>
-            <a:pPr marL="91440" marR="0" lvl="0" indent="-91440" defTabSz="914400" rtl="0" eaLnBrk="1" fontAlgn="auto" latinLnBrk="0" hangingPunct="1">
-              <a:lnSpc>
-                <a:spcPct val="90000"/>
-              </a:lnSpc>
-              <a:spcBef>
-                <a:spcPts val="1200"/>
-              </a:spcBef>
-              <a:spcAft>
-                <a:spcPts val="200"/>
-              </a:spcAft>
-              <a:buClr>
-                <a:srgbClr val="E48312"/>
-              </a:buClr>
-              <a:buSzPct val="100000"/>
-              <a:buFont typeface="Wingdings" panose="05000000000000000000" pitchFamily="2" charset="2"/>
-              <a:buChar char="Ø"/>
-              <a:tabLst/>
-              <a:defRPr/>
-            </a:pPr>
-            <a:r>
-              <a:rPr kumimoji="0" lang="pt-PT" sz="1600" b="0" i="0" u="none" strike="noStrike" kern="1200" cap="none" spc="0" normalizeH="0" baseline="0" noProof="0" dirty="0">
-                <a:ln>
-                  <a:noFill/>
-                </a:ln>
-                <a:solidFill>
-                  <a:srgbClr val="000000">
-                    <a:lumMod val="75000"/>
-                    <a:lumOff val="25000"/>
-                  </a:srgbClr>
-                </a:solidFill>
-                <a:effectLst/>
-                <a:uLnTx/>
-                <a:uFillTx/>
-                <a:latin typeface="Calibri" panose="020F0502020204030204"/>
-                <a:ea typeface="+mn-ea"/>
-                <a:cs typeface="+mn-cs"/>
-              </a:rPr>
-              <a:t>2 </a:t>
-            </a:r>
-            <a:r>
-              <a:rPr lang="pt-PT" sz="1600" dirty="0">
-                <a:solidFill>
-                  <a:srgbClr val="000000">
-                    <a:lumMod val="75000"/>
-                    <a:lumOff val="25000"/>
-                  </a:srgbClr>
-                </a:solidFill>
-                <a:latin typeface="Calibri" panose="020F0502020204030204"/>
-              </a:rPr>
-              <a:t>Vetores&lt;</a:t>
-            </a:r>
-            <a:r>
-              <a:rPr lang="pt-PT" sz="1600" dirty="0" err="1">
-                <a:solidFill>
-                  <a:srgbClr val="000000">
-                    <a:lumMod val="75000"/>
-                    <a:lumOff val="25000"/>
-                  </a:srgbClr>
-                </a:solidFill>
-                <a:latin typeface="Calibri" panose="020F0502020204030204"/>
-              </a:rPr>
-              <a:t>EstafetaouPedido</a:t>
-            </a:r>
-            <a:r>
-              <a:rPr lang="pt-PT" sz="1600" dirty="0">
-                <a:solidFill>
-                  <a:srgbClr val="000000">
-                    <a:lumMod val="75000"/>
-                    <a:lumOff val="25000"/>
-                  </a:srgbClr>
-                </a:solidFill>
-                <a:latin typeface="Calibri" panose="020F0502020204030204"/>
-              </a:rPr>
-              <a:t>&gt;</a:t>
-            </a:r>
-            <a:r>
-              <a:rPr kumimoji="0" lang="pt-PT" sz="1600" b="0" i="0" u="none" strike="noStrike" kern="1200" cap="none" spc="0" normalizeH="0" baseline="0" noProof="0" dirty="0">
-                <a:ln>
-                  <a:noFill/>
-                </a:ln>
-                <a:solidFill>
-                  <a:srgbClr val="000000">
-                    <a:lumMod val="75000"/>
-                    <a:lumOff val="25000"/>
-                  </a:srgbClr>
-                </a:solidFill>
-                <a:effectLst/>
-                <a:uLnTx/>
-                <a:uFillTx/>
-                <a:latin typeface="Calibri" panose="020F0502020204030204"/>
-                <a:ea typeface="+mn-ea"/>
-                <a:cs typeface="+mn-cs"/>
-              </a:rPr>
-              <a:t>, </a:t>
-            </a:r>
-            <a:r>
-              <a:rPr kumimoji="0" lang="pt-PT" sz="1600" b="0" i="0" u="none" strike="noStrike" kern="1200" cap="none" spc="0" normalizeH="0" baseline="0" noProof="0" dirty="0" err="1">
-                <a:ln>
-                  <a:noFill/>
-                </a:ln>
-                <a:solidFill>
-                  <a:srgbClr val="000000">
-                    <a:lumMod val="75000"/>
-                    <a:lumOff val="25000"/>
-                  </a:srgbClr>
-                </a:solidFill>
-                <a:effectLst/>
-                <a:uLnTx/>
-                <a:uFillTx/>
-                <a:latin typeface="Calibri" panose="020F0502020204030204"/>
-                <a:ea typeface="+mn-ea"/>
-                <a:cs typeface="+mn-cs"/>
-              </a:rPr>
-              <a:t>Est</a:t>
-            </a:r>
-            <a:r>
-              <a:rPr kumimoji="0" lang="pt-PT" sz="1600" b="0" i="0" u="none" strike="noStrike" kern="1200" cap="none" spc="0" normalizeH="0" baseline="0" noProof="0" dirty="0">
-                <a:ln>
-                  <a:noFill/>
-                </a:ln>
-                <a:solidFill>
-                  <a:srgbClr val="000000">
-                    <a:lumMod val="75000"/>
-                    <a:lumOff val="25000"/>
-                  </a:srgbClr>
-                </a:solidFill>
-                <a:effectLst/>
-                <a:uLnTx/>
-                <a:uFillTx/>
-                <a:latin typeface="Calibri" panose="020F0502020204030204"/>
-                <a:ea typeface="+mn-ea"/>
-                <a:cs typeface="+mn-cs"/>
-              </a:rPr>
-              <a:t> e </a:t>
-            </a:r>
-            <a:r>
-              <a:rPr kumimoji="0" lang="pt-PT" sz="1600" b="0" i="0" u="none" strike="noStrike" kern="1200" cap="none" spc="0" normalizeH="0" baseline="0" noProof="0" dirty="0" err="1">
-                <a:ln>
-                  <a:noFill/>
-                </a:ln>
-                <a:solidFill>
-                  <a:srgbClr val="000000">
-                    <a:lumMod val="75000"/>
-                    <a:lumOff val="25000"/>
-                  </a:srgbClr>
-                </a:solidFill>
-                <a:effectLst/>
-                <a:uLnTx/>
-                <a:uFillTx/>
-                <a:latin typeface="Calibri" panose="020F0502020204030204"/>
-                <a:ea typeface="+mn-ea"/>
-                <a:cs typeface="+mn-cs"/>
-              </a:rPr>
-              <a:t>Ped</a:t>
-            </a:r>
-            <a:r>
-              <a:rPr lang="pt-PT" sz="1600" dirty="0">
-                <a:solidFill>
-                  <a:srgbClr val="000000">
-                    <a:lumMod val="75000"/>
-                    <a:lumOff val="25000"/>
-                  </a:srgbClr>
-                </a:solidFill>
-                <a:latin typeface="Calibri" panose="020F0502020204030204"/>
-              </a:rPr>
-              <a:t>-Conjunto de carrinhas registadas e pedidos a entregar caracterizados por:</a:t>
-            </a:r>
-          </a:p>
-          <a:p>
-            <a:pPr marL="548640" lvl="1" indent="-91440" defTabSz="914400">
-              <a:lnSpc>
-                <a:spcPct val="90000"/>
-              </a:lnSpc>
-              <a:spcBef>
-                <a:spcPts val="1200"/>
-              </a:spcBef>
-              <a:spcAft>
-                <a:spcPts val="200"/>
-              </a:spcAft>
-              <a:buClr>
-                <a:srgbClr val="E48312"/>
-              </a:buClr>
-              <a:buSzPct val="100000"/>
-              <a:buFont typeface="Wingdings" panose="05000000000000000000" pitchFamily="2" charset="2"/>
-              <a:buChar char="Ø"/>
-              <a:defRPr/>
-            </a:pPr>
-            <a:r>
-              <a:rPr kumimoji="0" lang="pt-PT" sz="1600" b="0" i="0" u="none" strike="noStrike" kern="1200" cap="none" spc="0" normalizeH="0" baseline="0" noProof="0" dirty="0">
-                <a:ln>
-                  <a:noFill/>
-                </a:ln>
-                <a:solidFill>
-                  <a:srgbClr val="000000">
-                    <a:lumMod val="75000"/>
-                    <a:lumOff val="25000"/>
-                  </a:srgbClr>
-                </a:solidFill>
-                <a:effectLst/>
-                <a:uLnTx/>
-                <a:uFillTx/>
-                <a:latin typeface="Calibri" panose="020F0502020204030204"/>
-                <a:ea typeface="+mn-ea"/>
-                <a:cs typeface="+mn-cs"/>
-              </a:rPr>
-              <a:t>Peso</a:t>
-            </a:r>
-          </a:p>
-          <a:p>
-            <a:pPr marL="548640" lvl="1" indent="-91440" defTabSz="914400">
-              <a:lnSpc>
-                <a:spcPct val="90000"/>
-              </a:lnSpc>
-              <a:spcBef>
-                <a:spcPts val="1200"/>
-              </a:spcBef>
-              <a:spcAft>
-                <a:spcPts val="200"/>
-              </a:spcAft>
-              <a:buClr>
-                <a:srgbClr val="E48312"/>
-              </a:buClr>
-              <a:buSzPct val="100000"/>
-              <a:buFont typeface="Wingdings" panose="05000000000000000000" pitchFamily="2" charset="2"/>
-              <a:buChar char="Ø"/>
-              <a:defRPr/>
-            </a:pPr>
-            <a:r>
-              <a:rPr lang="pt-PT" sz="1600" dirty="0">
-                <a:solidFill>
-                  <a:srgbClr val="000000">
-                    <a:lumMod val="75000"/>
-                    <a:lumOff val="25000"/>
-                  </a:srgbClr>
-                </a:solidFill>
-                <a:latin typeface="Calibri" panose="020F0502020204030204"/>
-              </a:rPr>
-              <a:t>Volume</a:t>
-            </a:r>
-            <a:endParaRPr kumimoji="0" lang="pt-PT" sz="1600" b="0" i="0" u="none" strike="noStrike" kern="1200" cap="none" spc="0" normalizeH="0" baseline="0" noProof="0" dirty="0">
-              <a:ln>
-                <a:noFill/>
-              </a:ln>
-              <a:solidFill>
-                <a:srgbClr val="000000">
-                  <a:lumMod val="75000"/>
-                  <a:lumOff val="25000"/>
-                </a:srgbClr>
-              </a:solidFill>
-              <a:effectLst/>
-              <a:uLnTx/>
-              <a:uFillTx/>
-              <a:latin typeface="Calibri" panose="020F0502020204030204"/>
-              <a:ea typeface="+mn-ea"/>
-              <a:cs typeface="+mn-cs"/>
-            </a:endParaRPr>
-          </a:p>
-          <a:p>
-            <a:endParaRPr lang="pt-PT" dirty="0"/>
-          </a:p>
-        </p:txBody>
-      </p:sp>
-      <p:sp>
-        <p:nvSpPr>
-          <p:cNvPr id="7" name="TextBox 6">
-            <a:extLst>
-              <a:ext uri="{FF2B5EF4-FFF2-40B4-BE49-F238E27FC236}">
-                <a16:creationId xmlns:a16="http://schemas.microsoft.com/office/drawing/2014/main" id="{0FC99067-2FE4-49FA-A359-140ACF56302F}"/>
-              </a:ext>
-            </a:extLst>
-          </p:cNvPr>
-          <p:cNvSpPr txBox="1"/>
-          <p:nvPr/>
-        </p:nvSpPr>
-        <p:spPr>
-          <a:xfrm>
-            <a:off x="6126480" y="4103952"/>
-            <a:ext cx="5751369" cy="1016689"/>
-          </a:xfrm>
-          <a:prstGeom prst="rect">
-            <a:avLst/>
-          </a:prstGeom>
-          <a:noFill/>
-        </p:spPr>
-        <p:txBody>
-          <a:bodyPr wrap="square" rtlCol="0">
-            <a:spAutoFit/>
-          </a:bodyPr>
-          <a:lstStyle/>
-          <a:p>
-            <a:pPr marL="0" indent="0" algn="ctr">
-              <a:buNone/>
-            </a:pPr>
-            <a:r>
-              <a:rPr lang="pt-PT" sz="1600" u="sng" dirty="0">
-                <a:solidFill>
-                  <a:srgbClr val="000000">
-                    <a:lumMod val="75000"/>
-                    <a:lumOff val="25000"/>
-                  </a:srgbClr>
-                </a:solidFill>
-                <a:latin typeface="Calibri" panose="020F0502020204030204"/>
-              </a:rPr>
-              <a:t>Restrições e Domínios de valores:</a:t>
-            </a:r>
-            <a:endParaRPr kumimoji="0" lang="pt-PT" sz="1600" b="0" i="0" u="sng" strike="noStrike" kern="1200" cap="none" spc="0" normalizeH="0" baseline="0" noProof="0" dirty="0">
-              <a:ln>
-                <a:noFill/>
-              </a:ln>
-              <a:solidFill>
-                <a:srgbClr val="000000">
-                  <a:lumMod val="75000"/>
-                  <a:lumOff val="25000"/>
-                </a:srgbClr>
-              </a:solidFill>
-              <a:effectLst/>
-              <a:uLnTx/>
-              <a:uFillTx/>
-              <a:latin typeface="Calibri" panose="020F0502020204030204"/>
-              <a:ea typeface="+mn-ea"/>
-              <a:cs typeface="+mn-cs"/>
-            </a:endParaRPr>
-          </a:p>
-          <a:p>
-            <a:pPr marL="91440" marR="0" lvl="0" indent="-91440" defTabSz="914400" rtl="0" eaLnBrk="1" fontAlgn="auto" latinLnBrk="0" hangingPunct="1">
-              <a:lnSpc>
-                <a:spcPct val="90000"/>
-              </a:lnSpc>
-              <a:spcBef>
-                <a:spcPts val="1200"/>
-              </a:spcBef>
-              <a:spcAft>
-                <a:spcPts val="200"/>
-              </a:spcAft>
-              <a:buClr>
-                <a:srgbClr val="E48312"/>
-              </a:buClr>
-              <a:buSzPct val="100000"/>
-              <a:buFont typeface="Wingdings" panose="05000000000000000000" pitchFamily="2" charset="2"/>
-              <a:buChar char="Ø"/>
-              <a:tabLst/>
-              <a:defRPr/>
-            </a:pPr>
-            <a:r>
-              <a:rPr lang="pt-PT" sz="1600" dirty="0">
-                <a:solidFill>
-                  <a:srgbClr val="000000">
-                    <a:lumMod val="75000"/>
-                    <a:lumOff val="25000"/>
-                  </a:srgbClr>
-                </a:solidFill>
-                <a:latin typeface="Calibri" panose="020F0502020204030204"/>
-              </a:rPr>
-              <a:t> Todos os valores têm de ser positivos e pertencentes a N</a:t>
-            </a:r>
-            <a:endParaRPr kumimoji="0" lang="pt-PT" sz="1600" b="0" i="0" u="none" strike="noStrike" kern="1200" cap="none" spc="0" normalizeH="0" baseline="0" noProof="0" dirty="0">
-              <a:ln>
-                <a:noFill/>
-              </a:ln>
-              <a:solidFill>
-                <a:srgbClr val="000000">
-                  <a:lumMod val="75000"/>
-                  <a:lumOff val="25000"/>
-                </a:srgbClr>
-              </a:solidFill>
-              <a:effectLst/>
-              <a:uLnTx/>
-              <a:uFillTx/>
-              <a:latin typeface="Calibri" panose="020F0502020204030204"/>
-              <a:ea typeface="+mn-ea"/>
-              <a:cs typeface="+mn-cs"/>
-            </a:endParaRPr>
-          </a:p>
-          <a:p>
-            <a:endParaRPr lang="pt-PT" dirty="0"/>
-          </a:p>
-        </p:txBody>
-      </p:sp>
-    </p:spTree>
-    <p:extLst>
-      <p:ext uri="{BB962C8B-B14F-4D97-AF65-F5344CB8AC3E}">
-        <p14:creationId xmlns:p14="http://schemas.microsoft.com/office/powerpoint/2010/main" val="2598294835"/>
-      </p:ext>
-    </p:extLst>
-  </p:cSld>
-  <p:clrMapOvr>
-    <a:masterClrMapping/>
-  </p:clrMapOvr>
-</p:sld>
-</file>
-
-<file path=ppt/slides/slide6.xml><?xml version="1.0" encoding="utf-8"?>
-<p:sld xmlns:a="http://schemas.openxmlformats.org/drawingml/2006/main" xmlns:r="http://schemas.openxmlformats.org/officeDocument/2006/relationships" xmlns:p="http://schemas.openxmlformats.org/presentationml/2006/main">
-  <p:cSld>
-    <p:spTree>
-      <p:nvGrpSpPr>
-        <p:cNvPr id="1" name=""/>
-        <p:cNvGrpSpPr/>
-        <p:nvPr/>
-      </p:nvGrpSpPr>
-      <p:grpSpPr>
-        <a:xfrm>
-          <a:off x="0" y="0"/>
-          <a:ext cx="0" cy="0"/>
-          <a:chOff x="0" y="0"/>
-          <a:chExt cx="0" cy="0"/>
-        </a:xfrm>
-      </p:grpSpPr>
-      <p:sp>
-        <p:nvSpPr>
-          <p:cNvPr id="2" name="Title 1">
-            <a:extLst>
-              <a:ext uri="{FF2B5EF4-FFF2-40B4-BE49-F238E27FC236}">
-                <a16:creationId xmlns:a16="http://schemas.microsoft.com/office/drawing/2014/main" id="{905083D3-96D5-454B-A94C-2CB33399B9A1}"/>
-              </a:ext>
-            </a:extLst>
-          </p:cNvPr>
-          <p:cNvSpPr>
-            <a:spLocks noGrp="1"/>
-          </p:cNvSpPr>
-          <p:nvPr>
-            <p:ph type="title"/>
-          </p:nvPr>
-        </p:nvSpPr>
-        <p:spPr/>
-        <p:txBody>
-          <a:bodyPr/>
-          <a:lstStyle/>
-          <a:p>
-            <a:pPr algn="ctr"/>
-            <a:r>
-              <a:rPr lang="en-US" b="1" dirty="0" err="1"/>
-              <a:t>Descrição</a:t>
-            </a:r>
-            <a:r>
-              <a:rPr lang="en-US" b="1" dirty="0"/>
-              <a:t> da </a:t>
-            </a:r>
-            <a:r>
-              <a:rPr lang="en-US" b="1" dirty="0" err="1"/>
-              <a:t>Solução</a:t>
-            </a:r>
-            <a:endParaRPr lang="pt-PT" dirty="0"/>
-          </a:p>
-        </p:txBody>
-      </p:sp>
-      <p:pic>
-        <p:nvPicPr>
-          <p:cNvPr id="7" name="Picture 6">
-            <a:extLst>
-              <a:ext uri="{FF2B5EF4-FFF2-40B4-BE49-F238E27FC236}">
-                <a16:creationId xmlns:a16="http://schemas.microsoft.com/office/drawing/2014/main" id="{77094200-7941-463A-BE8B-45462315B4B9}"/>
-              </a:ext>
-            </a:extLst>
-          </p:cNvPr>
-          <p:cNvPicPr>
-            <a:picLocks noChangeAspect="1"/>
-          </p:cNvPicPr>
-          <p:nvPr/>
-        </p:nvPicPr>
-        <p:blipFill>
-          <a:blip r:embed="rId2"/>
-          <a:stretch>
-            <a:fillRect/>
-          </a:stretch>
-        </p:blipFill>
-        <p:spPr>
-          <a:xfrm>
-            <a:off x="4783538" y="2006354"/>
-            <a:ext cx="4965962" cy="2705124"/>
-          </a:xfrm>
-          <a:prstGeom prst="rect">
-            <a:avLst/>
-          </a:prstGeom>
-        </p:spPr>
-      </p:pic>
-    </p:spTree>
-    <p:extLst>
-      <p:ext uri="{BB962C8B-B14F-4D97-AF65-F5344CB8AC3E}">
-        <p14:creationId xmlns:p14="http://schemas.microsoft.com/office/powerpoint/2010/main" val="1282879808"/>
-      </p:ext>
-    </p:extLst>
-  </p:cSld>
-  <p:clrMapOvr>
-    <a:masterClrMapping/>
-  </p:clrMapOvr>
-</p:sld>
-</file>
-
-<file path=ppt/slides/slide7.xml><?xml version="1.0" encoding="utf-8"?>
-<p:sld xmlns:a="http://schemas.openxmlformats.org/drawingml/2006/main" xmlns:r="http://schemas.openxmlformats.org/officeDocument/2006/relationships" xmlns:p="http://schemas.openxmlformats.org/presentationml/2006/main">
-  <p:cSld>
-    <p:spTree>
-      <p:nvGrpSpPr>
-        <p:cNvPr id="1" name=""/>
-        <p:cNvGrpSpPr/>
-        <p:nvPr/>
-      </p:nvGrpSpPr>
-      <p:grpSpPr>
-        <a:xfrm>
-          <a:off x="0" y="0"/>
-          <a:ext cx="0" cy="0"/>
-          <a:chOff x="0" y="0"/>
-          <a:chExt cx="0" cy="0"/>
-        </a:xfrm>
-      </p:grpSpPr>
-      <p:sp>
-        <p:nvSpPr>
-          <p:cNvPr id="4" name="Title 1">
-            <a:extLst>
-              <a:ext uri="{FF2B5EF4-FFF2-40B4-BE49-F238E27FC236}">
-                <a16:creationId xmlns:a16="http://schemas.microsoft.com/office/drawing/2014/main" id="{F29967F0-2C0F-4212-ADA7-2126EE7D643F}"/>
-              </a:ext>
-            </a:extLst>
-          </p:cNvPr>
-          <p:cNvSpPr txBox="1">
-            <a:spLocks/>
-          </p:cNvSpPr>
-          <p:nvPr/>
-        </p:nvSpPr>
-        <p:spPr>
-          <a:xfrm>
-            <a:off x="1097280" y="286603"/>
-            <a:ext cx="10058400" cy="1450757"/>
-          </a:xfrm>
-          <a:prstGeom prst="rect">
-            <a:avLst/>
-          </a:prstGeom>
-        </p:spPr>
-        <p:txBody>
-          <a:bodyPr vert="horz" lIns="91440" tIns="45720" rIns="91440" bIns="45720" rtlCol="0" anchor="b">
-            <a:normAutofit/>
-          </a:bodyPr>
-          <a:lstStyle>
-            <a:lvl1pPr marL="0" algn="l" defTabSz="914400" rtl="0" eaLnBrk="1" latinLnBrk="0" hangingPunct="1">
-              <a:lnSpc>
-                <a:spcPct val="85000"/>
-              </a:lnSpc>
-              <a:spcBef>
-                <a:spcPct val="0"/>
-              </a:spcBef>
-              <a:buNone/>
-              <a:defRPr sz="4800" kern="1200" spc="-50" baseline="0">
-                <a:solidFill>
-                  <a:schemeClr val="tx1">
-                    <a:lumMod val="75000"/>
-                    <a:lumOff val="25000"/>
-                  </a:schemeClr>
-                </a:solidFill>
-                <a:latin typeface="+mj-lt"/>
-                <a:ea typeface="+mj-ea"/>
-                <a:cs typeface="+mj-cs"/>
-              </a:defRPr>
-            </a:lvl1pPr>
-          </a:lstStyle>
-          <a:p>
-            <a:pPr algn="ctr"/>
-            <a:r>
-              <a:rPr lang="en-US" b="1" dirty="0" err="1"/>
-              <a:t>Formalização</a:t>
-            </a:r>
-            <a:r>
-              <a:rPr lang="en-US" b="1" dirty="0"/>
-              <a:t> do </a:t>
-            </a:r>
-            <a:r>
-              <a:rPr lang="en-US" b="1" dirty="0" err="1"/>
-              <a:t>Cenário</a:t>
-            </a:r>
-            <a:r>
-              <a:rPr lang="en-US" b="1" dirty="0"/>
-              <a:t> 3</a:t>
-            </a:r>
-            <a:endParaRPr lang="pt-PT" b="1" dirty="0"/>
-          </a:p>
-        </p:txBody>
-      </p:sp>
-      <p:sp>
-        <p:nvSpPr>
-          <p:cNvPr id="5" name="Content Placeholder 2">
-            <a:extLst>
-              <a:ext uri="{FF2B5EF4-FFF2-40B4-BE49-F238E27FC236}">
-                <a16:creationId xmlns:a16="http://schemas.microsoft.com/office/drawing/2014/main" id="{F9671397-9D2B-4B4F-B762-DCAA21974E9D}"/>
-              </a:ext>
-            </a:extLst>
-          </p:cNvPr>
-          <p:cNvSpPr txBox="1">
-            <a:spLocks/>
-          </p:cNvSpPr>
-          <p:nvPr/>
-        </p:nvSpPr>
-        <p:spPr>
-          <a:xfrm>
-            <a:off x="614867" y="1831086"/>
-            <a:ext cx="5596378" cy="4494299"/>
-          </a:xfrm>
-          <a:prstGeom prst="rect">
-            <a:avLst/>
-          </a:prstGeom>
-        </p:spPr>
-        <p:txBody>
-          <a:bodyPr vert="horz" lIns="0" tIns="45720" rIns="0" bIns="45720" rtlCol="0">
-            <a:normAutofit/>
-          </a:bodyPr>
-          <a:lstStyle>
-            <a:lvl1pPr marL="91440" indent="-91440" algn="l" defTabSz="914400" rtl="0" eaLnBrk="1" latinLnBrk="0" hangingPunct="1">
-              <a:lnSpc>
-                <a:spcPct val="90000"/>
-              </a:lnSpc>
-              <a:spcBef>
-                <a:spcPts val="1200"/>
-              </a:spcBef>
-              <a:spcAft>
-                <a:spcPts val="200"/>
-              </a:spcAft>
-              <a:buClr>
-                <a:schemeClr val="accent1"/>
-              </a:buClr>
-              <a:buSzPct val="100000"/>
-              <a:buFont typeface="Calibri" panose="020F0502020204030204" pitchFamily="34" charset="0"/>
-              <a:buChar char=" "/>
-              <a:defRPr sz="2000" kern="1200">
-                <a:solidFill>
-                  <a:schemeClr val="tx1">
-                    <a:lumMod val="75000"/>
-                    <a:lumOff val="25000"/>
-                  </a:schemeClr>
-                </a:solidFill>
-                <a:latin typeface="+mn-lt"/>
-                <a:ea typeface="+mn-ea"/>
-                <a:cs typeface="+mn-cs"/>
-              </a:defRPr>
-            </a:lvl1pPr>
-            <a:lvl2pPr marL="384048" indent="-182880" algn="l" defTabSz="914400" rtl="0" eaLnBrk="1" latinLnBrk="0" hangingPunct="1">
-              <a:lnSpc>
-                <a:spcPct val="90000"/>
-              </a:lnSpc>
-              <a:spcBef>
-                <a:spcPts val="200"/>
-              </a:spcBef>
-              <a:spcAft>
-                <a:spcPts val="400"/>
-              </a:spcAft>
-              <a:buClr>
-                <a:schemeClr val="accent1"/>
-              </a:buClr>
-              <a:buFont typeface="Calibri" pitchFamily="34" charset="0"/>
-              <a:buChar char="◦"/>
-              <a:defRPr sz="1800" kern="1200">
-                <a:solidFill>
-                  <a:schemeClr val="tx1">
-                    <a:lumMod val="75000"/>
-                    <a:lumOff val="25000"/>
-                  </a:schemeClr>
-                </a:solidFill>
-                <a:latin typeface="+mn-lt"/>
-                <a:ea typeface="+mn-ea"/>
-                <a:cs typeface="+mn-cs"/>
-              </a:defRPr>
-            </a:lvl2pPr>
-            <a:lvl3pPr marL="566928" indent="-182880" algn="l" defTabSz="914400" rtl="0" eaLnBrk="1" latinLnBrk="0" hangingPunct="1">
-              <a:lnSpc>
-                <a:spcPct val="90000"/>
-              </a:lnSpc>
-              <a:spcBef>
-                <a:spcPts val="200"/>
-              </a:spcBef>
-              <a:spcAft>
-                <a:spcPts val="400"/>
-              </a:spcAft>
-              <a:buClr>
-                <a:schemeClr val="accent1"/>
-              </a:buClr>
-              <a:buFont typeface="Calibri" pitchFamily="34" charset="0"/>
-              <a:buChar char="◦"/>
-              <a:defRPr sz="1400" kern="1200">
-                <a:solidFill>
-                  <a:schemeClr val="tx1">
-                    <a:lumMod val="75000"/>
-                    <a:lumOff val="25000"/>
-                  </a:schemeClr>
-                </a:solidFill>
-                <a:latin typeface="+mn-lt"/>
-                <a:ea typeface="+mn-ea"/>
-                <a:cs typeface="+mn-cs"/>
-              </a:defRPr>
-            </a:lvl3pPr>
-            <a:lvl4pPr marL="749808" indent="-182880" algn="l" defTabSz="914400" rtl="0" eaLnBrk="1" latinLnBrk="0" hangingPunct="1">
-              <a:lnSpc>
-                <a:spcPct val="90000"/>
-              </a:lnSpc>
-              <a:spcBef>
-                <a:spcPts val="200"/>
-              </a:spcBef>
-              <a:spcAft>
-                <a:spcPts val="400"/>
-              </a:spcAft>
-              <a:buClr>
-                <a:schemeClr val="accent1"/>
-              </a:buClr>
-              <a:buFont typeface="Calibri" pitchFamily="34" charset="0"/>
-              <a:buChar char="◦"/>
-              <a:defRPr sz="1400" kern="1200">
-                <a:solidFill>
-                  <a:schemeClr val="tx1">
-                    <a:lumMod val="75000"/>
-                    <a:lumOff val="25000"/>
-                  </a:schemeClr>
-                </a:solidFill>
-                <a:latin typeface="+mn-lt"/>
-                <a:ea typeface="+mn-ea"/>
-                <a:cs typeface="+mn-cs"/>
-              </a:defRPr>
-            </a:lvl4pPr>
-            <a:lvl5pPr marL="932688" indent="-182880" algn="l" defTabSz="914400" rtl="0" eaLnBrk="1" latinLnBrk="0" hangingPunct="1">
-              <a:lnSpc>
-                <a:spcPct val="90000"/>
-              </a:lnSpc>
-              <a:spcBef>
-                <a:spcPts val="200"/>
-              </a:spcBef>
-              <a:spcAft>
-                <a:spcPts val="400"/>
-              </a:spcAft>
-              <a:buClr>
-                <a:schemeClr val="accent1"/>
-              </a:buClr>
-              <a:buFont typeface="Calibri" pitchFamily="34" charset="0"/>
-              <a:buChar char="◦"/>
-              <a:defRPr sz="1400" kern="1200">
-                <a:solidFill>
-                  <a:schemeClr val="tx1">
-                    <a:lumMod val="75000"/>
-                    <a:lumOff val="25000"/>
-                  </a:schemeClr>
-                </a:solidFill>
-                <a:latin typeface="+mn-lt"/>
-                <a:ea typeface="+mn-ea"/>
-                <a:cs typeface="+mn-cs"/>
-              </a:defRPr>
-            </a:lvl5pPr>
-            <a:lvl6pPr marL="1100000" indent="-228600" algn="l" defTabSz="914400" rtl="0" eaLnBrk="1" latinLnBrk="0" hangingPunct="1">
-              <a:lnSpc>
-                <a:spcPct val="90000"/>
-              </a:lnSpc>
-              <a:spcBef>
-                <a:spcPts val="200"/>
-              </a:spcBef>
-              <a:spcAft>
-                <a:spcPts val="400"/>
-              </a:spcAft>
-              <a:buClr>
-                <a:schemeClr val="accent1"/>
-              </a:buClr>
-              <a:buFont typeface="Calibri" pitchFamily="34" charset="0"/>
-              <a:buChar char="◦"/>
-              <a:defRPr sz="1400" kern="1200">
-                <a:solidFill>
-                  <a:schemeClr val="tx1">
-                    <a:lumMod val="75000"/>
-                    <a:lumOff val="25000"/>
-                  </a:schemeClr>
-                </a:solidFill>
-                <a:latin typeface="+mn-lt"/>
-                <a:ea typeface="+mn-ea"/>
-                <a:cs typeface="+mn-cs"/>
-              </a:defRPr>
-            </a:lvl6pPr>
-            <a:lvl7pPr marL="1300000" indent="-228600" algn="l" defTabSz="914400" rtl="0" eaLnBrk="1" latinLnBrk="0" hangingPunct="1">
-              <a:lnSpc>
-                <a:spcPct val="90000"/>
-              </a:lnSpc>
-              <a:spcBef>
-                <a:spcPts val="200"/>
-              </a:spcBef>
-              <a:spcAft>
-                <a:spcPts val="400"/>
-              </a:spcAft>
-              <a:buClr>
-                <a:schemeClr val="accent1"/>
-              </a:buClr>
-              <a:buFont typeface="Calibri" pitchFamily="34" charset="0"/>
-              <a:buChar char="◦"/>
-              <a:defRPr sz="1400" kern="1200">
-                <a:solidFill>
-                  <a:schemeClr val="tx1">
-                    <a:lumMod val="75000"/>
-                    <a:lumOff val="25000"/>
-                  </a:schemeClr>
-                </a:solidFill>
-                <a:latin typeface="+mn-lt"/>
-                <a:ea typeface="+mn-ea"/>
-                <a:cs typeface="+mn-cs"/>
-              </a:defRPr>
-            </a:lvl7pPr>
-            <a:lvl8pPr marL="1500000" indent="-228600" algn="l" defTabSz="914400" rtl="0" eaLnBrk="1" latinLnBrk="0" hangingPunct="1">
-              <a:lnSpc>
-                <a:spcPct val="90000"/>
-              </a:lnSpc>
-              <a:spcBef>
-                <a:spcPts val="200"/>
-              </a:spcBef>
-              <a:spcAft>
-                <a:spcPts val="400"/>
-              </a:spcAft>
-              <a:buClr>
-                <a:schemeClr val="accent1"/>
-              </a:buClr>
-              <a:buFont typeface="Calibri" pitchFamily="34" charset="0"/>
-              <a:buChar char="◦"/>
-              <a:defRPr sz="1400" kern="1200">
-                <a:solidFill>
-                  <a:schemeClr val="tx1">
-                    <a:lumMod val="75000"/>
-                    <a:lumOff val="25000"/>
-                  </a:schemeClr>
-                </a:solidFill>
-                <a:latin typeface="+mn-lt"/>
-                <a:ea typeface="+mn-ea"/>
-                <a:cs typeface="+mn-cs"/>
-              </a:defRPr>
-            </a:lvl8pPr>
-            <a:lvl9pPr marL="1700000" indent="-228600" algn="l" defTabSz="914400" rtl="0" eaLnBrk="1" latinLnBrk="0" hangingPunct="1">
-              <a:lnSpc>
-                <a:spcPct val="90000"/>
-              </a:lnSpc>
-              <a:spcBef>
-                <a:spcPts val="200"/>
-              </a:spcBef>
-              <a:spcAft>
-                <a:spcPts val="400"/>
-              </a:spcAft>
-              <a:buClr>
-                <a:schemeClr val="accent1"/>
-              </a:buClr>
-              <a:buFont typeface="Calibri" pitchFamily="34" charset="0"/>
-              <a:buChar char="◦"/>
-              <a:defRPr sz="1400" kern="1200">
-                <a:solidFill>
-                  <a:schemeClr val="tx1">
-                    <a:lumMod val="75000"/>
-                    <a:lumOff val="25000"/>
-                  </a:schemeClr>
-                </a:solidFill>
-                <a:latin typeface="+mn-lt"/>
-                <a:ea typeface="+mn-ea"/>
-                <a:cs typeface="+mn-cs"/>
-              </a:defRPr>
-            </a:lvl9pPr>
-          </a:lstStyle>
-          <a:p>
-            <a:pPr marL="0" indent="0" algn="ctr">
-              <a:buFont typeface="Calibri" panose="020F0502020204030204" pitchFamily="34" charset="0"/>
-              <a:buNone/>
-            </a:pPr>
-            <a:r>
-              <a:rPr lang="pt-PT" u="sng" dirty="0"/>
-              <a:t>Dados de entrada</a:t>
-            </a:r>
-            <a:r>
-              <a:rPr lang="pt-PT" dirty="0"/>
-              <a:t>: </a:t>
-            </a:r>
-          </a:p>
-          <a:p>
-            <a:pPr>
-              <a:buFont typeface="Wingdings" panose="05000000000000000000" pitchFamily="2" charset="2"/>
-              <a:buChar char="Ø"/>
-            </a:pPr>
-            <a:r>
-              <a:rPr lang="pt-PT" sz="1600" dirty="0"/>
-              <a:t>Vetor&lt;Encomenda&gt; E- Conjunto de encomendas caracterizadas por:</a:t>
-            </a:r>
-          </a:p>
-          <a:p>
-            <a:pPr lvl="1">
-              <a:buFont typeface="Wingdings" panose="05000000000000000000" pitchFamily="2" charset="2"/>
-              <a:buChar char="Ø"/>
-            </a:pPr>
-            <a:r>
-              <a:rPr lang="pt-PT" sz="1400" dirty="0"/>
-              <a:t>Peso</a:t>
-            </a:r>
-          </a:p>
-          <a:p>
-            <a:pPr lvl="1">
-              <a:buFont typeface="Wingdings" panose="05000000000000000000" pitchFamily="2" charset="2"/>
-              <a:buChar char="Ø"/>
-            </a:pPr>
-            <a:r>
-              <a:rPr lang="pt-PT" sz="1400" dirty="0"/>
-              <a:t>Volume</a:t>
-            </a:r>
-          </a:p>
-          <a:p>
-            <a:pPr lvl="1">
-              <a:buFont typeface="Wingdings" panose="05000000000000000000" pitchFamily="2" charset="2"/>
-              <a:buChar char="Ø"/>
-            </a:pPr>
-            <a:r>
-              <a:rPr lang="pt-PT" sz="1400" dirty="0"/>
-              <a:t>Recompensa</a:t>
-            </a:r>
-          </a:p>
-          <a:p>
-            <a:pPr lvl="1">
-              <a:buFont typeface="Wingdings" panose="05000000000000000000" pitchFamily="2" charset="2"/>
-              <a:buChar char="Ø"/>
-            </a:pPr>
-            <a:r>
-              <a:rPr lang="pt-PT" sz="1400" dirty="0"/>
-              <a:t>Duração </a:t>
-            </a:r>
-          </a:p>
-          <a:p>
-            <a:pPr lvl="1">
-              <a:buFont typeface="Wingdings" panose="05000000000000000000" pitchFamily="2" charset="2"/>
-              <a:buChar char="Ø"/>
-            </a:pPr>
-            <a:endParaRPr lang="pt-PT" sz="1400" dirty="0"/>
-          </a:p>
-          <a:p>
-            <a:pPr>
-              <a:buFont typeface="Wingdings" panose="05000000000000000000" pitchFamily="2" charset="2"/>
-              <a:buChar char="Ø"/>
-            </a:pPr>
-            <a:r>
-              <a:rPr lang="pt-PT" sz="1600" dirty="0"/>
-              <a:t>Vetor&lt;Carrinha&gt; C –Conjunto de carrinhas caracterizadas por:</a:t>
-            </a:r>
-          </a:p>
-          <a:p>
-            <a:pPr lvl="1">
-              <a:buFont typeface="Wingdings" panose="05000000000000000000" pitchFamily="2" charset="2"/>
-              <a:buChar char="Ø"/>
-            </a:pPr>
-            <a:r>
-              <a:rPr lang="pt-PT" sz="1400" dirty="0" err="1"/>
-              <a:t>PesoMax</a:t>
-            </a:r>
-            <a:endParaRPr lang="pt-PT" sz="1400" dirty="0"/>
-          </a:p>
-          <a:p>
-            <a:pPr lvl="1">
-              <a:buFont typeface="Wingdings" panose="05000000000000000000" pitchFamily="2" charset="2"/>
-              <a:buChar char="Ø"/>
-            </a:pPr>
-            <a:r>
-              <a:rPr lang="pt-PT" sz="1400" dirty="0" err="1"/>
-              <a:t>VolMax</a:t>
-            </a:r>
-            <a:endParaRPr lang="pt-PT" sz="1400" dirty="0"/>
-          </a:p>
-          <a:p>
-            <a:pPr lvl="1">
-              <a:buFont typeface="Wingdings" panose="05000000000000000000" pitchFamily="2" charset="2"/>
-              <a:buChar char="Ø"/>
-            </a:pPr>
-            <a:r>
-              <a:rPr lang="pt-PT" sz="1400" dirty="0"/>
-              <a:t>Custo</a:t>
-            </a:r>
-          </a:p>
-          <a:p>
-            <a:pPr lvl="1">
-              <a:buFont typeface="Wingdings" panose="05000000000000000000" pitchFamily="2" charset="2"/>
-              <a:buChar char="Ø"/>
-            </a:pPr>
-            <a:r>
-              <a:rPr lang="pt-PT" sz="1400" dirty="0" err="1"/>
-              <a:t>PesoAtual</a:t>
-            </a:r>
-            <a:endParaRPr lang="pt-PT" sz="1400" dirty="0"/>
-          </a:p>
-          <a:p>
-            <a:pPr lvl="1">
-              <a:buFont typeface="Wingdings" panose="05000000000000000000" pitchFamily="2" charset="2"/>
-              <a:buChar char="Ø"/>
-            </a:pPr>
-            <a:r>
-              <a:rPr lang="pt-PT" sz="1400" dirty="0" err="1"/>
-              <a:t>VolAtual</a:t>
-            </a:r>
-            <a:r>
-              <a:rPr lang="pt-PT" dirty="0"/>
-              <a:t> </a:t>
             </a:r>
           </a:p>
         </p:txBody>
@@ -7626,7 +9307,7 @@
         <p:spPr>
           <a:xfrm>
             <a:off x="6440631" y="1737360"/>
-            <a:ext cx="5751369" cy="2154436"/>
+            <a:ext cx="5751369" cy="1631216"/>
           </a:xfrm>
           <a:prstGeom prst="rect">
             <a:avLst/>
@@ -7701,7 +9382,7 @@
                 <a:ea typeface="+mn-ea"/>
                 <a:cs typeface="+mn-cs"/>
               </a:rPr>
-              <a:t>1 Vetor&lt;Pedido&gt; P-Conjunto de Pedidos caracterizados por:</a:t>
+              <a:t>1 Vetor&lt;Encomenda&gt; P-Conjunto de Pedidos caracterizados por (Recompensa não relevante):</a:t>
             </a:r>
           </a:p>
           <a:p>
@@ -7792,395 +9473,350 @@
               <a:cs typeface="+mn-cs"/>
             </a:endParaRPr>
           </a:p>
-          <a:p>
-            <a:pPr marL="342900" indent="-342900">
-              <a:buClr>
-                <a:schemeClr val="accent1"/>
-              </a:buClr>
-              <a:buFont typeface="Wingdings" panose="05000000000000000000" pitchFamily="2" charset="2"/>
-              <a:buChar char="Ø"/>
-            </a:pPr>
-            <a:r>
-              <a:rPr lang="pt-PT" sz="1600" dirty="0">
-                <a:solidFill>
-                  <a:srgbClr val="000000">
-                    <a:lumMod val="75000"/>
-                    <a:lumOff val="25000"/>
-                  </a:srgbClr>
-                </a:solidFill>
-                <a:latin typeface="Calibri" panose="020F0502020204030204"/>
-              </a:rPr>
-              <a:t>2 variáveis que guardam o somatório de Peso e Volume do Vetor.</a:t>
-            </a:r>
-            <a:endParaRPr kumimoji="0" lang="pt-PT" sz="1600" b="0" i="0" strike="noStrike" kern="1200" cap="none" spc="0" normalizeH="0" baseline="0" noProof="0" dirty="0">
-              <a:ln>
-                <a:noFill/>
-              </a:ln>
-              <a:solidFill>
-                <a:srgbClr val="000000">
-                  <a:lumMod val="75000"/>
-                  <a:lumOff val="25000"/>
-                </a:srgbClr>
-              </a:solidFill>
-              <a:effectLst/>
-              <a:uLnTx/>
-              <a:uFillTx/>
-              <a:latin typeface="Calibri" panose="020F0502020204030204"/>
-              <a:ea typeface="+mn-ea"/>
-              <a:cs typeface="+mn-cs"/>
-            </a:endParaRPr>
-          </a:p>
-          <a:p>
-            <a:endParaRPr lang="pt-PT" dirty="0"/>
-          </a:p>
         </p:txBody>
       </p:sp>
-      <p:sp>
-        <p:nvSpPr>
-          <p:cNvPr id="7" name="TextBox 6">
-            <a:extLst>
-              <a:ext uri="{FF2B5EF4-FFF2-40B4-BE49-F238E27FC236}">
-                <a16:creationId xmlns:a16="http://schemas.microsoft.com/office/drawing/2014/main" id="{0FC99067-2FE4-49FA-A359-140ACF56302F}"/>
-              </a:ext>
-            </a:extLst>
-          </p:cNvPr>
-          <p:cNvSpPr txBox="1"/>
-          <p:nvPr/>
-        </p:nvSpPr>
-        <p:spPr>
-          <a:xfrm>
-            <a:off x="6211245" y="4180707"/>
-            <a:ext cx="5751369" cy="1078244"/>
-          </a:xfrm>
-          <a:prstGeom prst="rect">
-            <a:avLst/>
-          </a:prstGeom>
-          <a:noFill/>
-        </p:spPr>
-        <p:txBody>
-          <a:bodyPr wrap="square" rtlCol="0">
-            <a:spAutoFit/>
-          </a:bodyPr>
-          <a:lstStyle/>
-          <a:p>
-            <a:pPr marL="0" indent="0" algn="ctr">
-              <a:buNone/>
-            </a:pPr>
-            <a:r>
-              <a:rPr lang="pt-PT" sz="2000" u="sng" dirty="0">
-                <a:solidFill>
-                  <a:srgbClr val="000000">
-                    <a:lumMod val="75000"/>
-                    <a:lumOff val="25000"/>
-                  </a:srgbClr>
-                </a:solidFill>
-                <a:latin typeface="Calibri" panose="020F0502020204030204"/>
-              </a:rPr>
-              <a:t>Restrições e Domínios de valores</a:t>
-            </a:r>
-            <a:endParaRPr kumimoji="0" lang="pt-PT" sz="2000" b="0" i="0" u="sng" strike="noStrike" kern="1200" cap="none" spc="0" normalizeH="0" baseline="0" noProof="0" dirty="0">
-              <a:ln>
-                <a:noFill/>
-              </a:ln>
-              <a:solidFill>
-                <a:srgbClr val="000000">
-                  <a:lumMod val="75000"/>
-                  <a:lumOff val="25000"/>
-                </a:srgbClr>
-              </a:solidFill>
-              <a:effectLst/>
-              <a:uLnTx/>
-              <a:uFillTx/>
-              <a:latin typeface="Calibri" panose="020F0502020204030204"/>
-              <a:ea typeface="+mn-ea"/>
-              <a:cs typeface="+mn-cs"/>
-            </a:endParaRPr>
-          </a:p>
-          <a:p>
-            <a:pPr marL="91440" marR="0" lvl="0" indent="-91440" defTabSz="914400" rtl="0" eaLnBrk="1" fontAlgn="auto" latinLnBrk="0" hangingPunct="1">
-              <a:lnSpc>
-                <a:spcPct val="90000"/>
-              </a:lnSpc>
-              <a:spcBef>
-                <a:spcPts val="1200"/>
-              </a:spcBef>
-              <a:spcAft>
-                <a:spcPts val="200"/>
-              </a:spcAft>
-              <a:buClr>
-                <a:srgbClr val="E48312"/>
-              </a:buClr>
-              <a:buSzPct val="100000"/>
-              <a:buFont typeface="Wingdings" panose="05000000000000000000" pitchFamily="2" charset="2"/>
-              <a:buChar char="Ø"/>
-              <a:tabLst/>
-              <a:defRPr/>
-            </a:pPr>
-            <a:r>
-              <a:rPr lang="pt-PT" sz="1600" dirty="0">
-                <a:solidFill>
-                  <a:srgbClr val="000000">
-                    <a:lumMod val="75000"/>
-                    <a:lumOff val="25000"/>
-                  </a:srgbClr>
-                </a:solidFill>
-                <a:latin typeface="Calibri" panose="020F0502020204030204"/>
-              </a:rPr>
-              <a:t> Todos os valores pertencem a N</a:t>
-            </a:r>
-            <a:endParaRPr kumimoji="0" lang="pt-PT" sz="1600" b="0" i="0" u="none" strike="noStrike" kern="1200" cap="none" spc="0" normalizeH="0" baseline="0" noProof="0" dirty="0">
-              <a:ln>
-                <a:noFill/>
-              </a:ln>
-              <a:solidFill>
-                <a:srgbClr val="000000">
-                  <a:lumMod val="75000"/>
-                  <a:lumOff val="25000"/>
-                </a:srgbClr>
-              </a:solidFill>
-              <a:effectLst/>
-              <a:uLnTx/>
-              <a:uFillTx/>
-              <a:latin typeface="Calibri" panose="020F0502020204030204"/>
-              <a:ea typeface="+mn-ea"/>
-              <a:cs typeface="+mn-cs"/>
-            </a:endParaRPr>
-          </a:p>
-          <a:p>
-            <a:endParaRPr lang="pt-PT" dirty="0"/>
-          </a:p>
-        </p:txBody>
-      </p:sp>
+      <mc:AlternateContent xmlns:mc="http://schemas.openxmlformats.org/markup-compatibility/2006">
+        <mc:Choice xmlns:a14="http://schemas.microsoft.com/office/drawing/2010/main" Requires="a14">
+          <p:sp>
+            <p:nvSpPr>
+              <p:cNvPr id="7" name="TextBox 6">
+                <a:extLst>
+                  <a:ext uri="{FF2B5EF4-FFF2-40B4-BE49-F238E27FC236}">
+                    <a16:creationId xmlns:a16="http://schemas.microsoft.com/office/drawing/2014/main" id="{0FC99067-2FE4-49FA-A359-140ACF56302F}"/>
+                  </a:ext>
+                </a:extLst>
+              </p:cNvPr>
+              <p:cNvSpPr txBox="1"/>
+              <p:nvPr/>
+            </p:nvSpPr>
+            <p:spPr>
+              <a:xfrm>
+                <a:off x="3220315" y="3984777"/>
+                <a:ext cx="5751369" cy="1669111"/>
+              </a:xfrm>
+              <a:prstGeom prst="rect">
+                <a:avLst/>
+              </a:prstGeom>
+              <a:noFill/>
+            </p:spPr>
+            <p:txBody>
+              <a:bodyPr wrap="square" rtlCol="0">
+                <a:spAutoFit/>
+              </a:bodyPr>
+              <a:lstStyle/>
+              <a:p>
+                <a:pPr marL="0" indent="0" algn="ctr">
+                  <a:buNone/>
+                </a:pPr>
+                <a:r>
+                  <a:rPr lang="pt-PT" sz="2000" u="sng" dirty="0">
+                    <a:solidFill>
+                      <a:srgbClr val="000000">
+                        <a:lumMod val="75000"/>
+                        <a:lumOff val="25000"/>
+                      </a:srgbClr>
+                    </a:solidFill>
+                    <a:latin typeface="Calibri" panose="020F0502020204030204"/>
+                  </a:rPr>
+                  <a:t>Restrições e Domínios de valores</a:t>
+                </a:r>
+                <a:endParaRPr kumimoji="0" lang="pt-PT" sz="2000" b="0" i="0" u="sng" strike="noStrike" kern="1200" cap="none" spc="0" normalizeH="0" baseline="0" noProof="0" dirty="0">
+                  <a:ln>
+                    <a:noFill/>
+                  </a:ln>
+                  <a:solidFill>
+                    <a:srgbClr val="000000">
+                      <a:lumMod val="75000"/>
+                      <a:lumOff val="25000"/>
+                    </a:srgbClr>
+                  </a:solidFill>
+                  <a:effectLst/>
+                  <a:uLnTx/>
+                  <a:uFillTx/>
+                  <a:latin typeface="Calibri" panose="020F0502020204030204"/>
+                  <a:ea typeface="+mn-ea"/>
+                  <a:cs typeface="+mn-cs"/>
+                </a:endParaRPr>
+              </a:p>
+              <a:p>
+                <a:pPr marL="91440" marR="0" lvl="0" indent="-91440" defTabSz="914400" rtl="0" eaLnBrk="1" fontAlgn="auto" latinLnBrk="0" hangingPunct="1">
+                  <a:lnSpc>
+                    <a:spcPct val="90000"/>
+                  </a:lnSpc>
+                  <a:spcBef>
+                    <a:spcPts val="1200"/>
+                  </a:spcBef>
+                  <a:spcAft>
+                    <a:spcPts val="200"/>
+                  </a:spcAft>
+                  <a:buClr>
+                    <a:srgbClr val="E48312"/>
+                  </a:buClr>
+                  <a:buSzPct val="100000"/>
+                  <a:buFont typeface="Wingdings" panose="05000000000000000000" pitchFamily="2" charset="2"/>
+                  <a:buChar char="Ø"/>
+                  <a:tabLst/>
+                  <a:defRPr/>
+                </a:pPr>
+                <a:r>
+                  <a:rPr lang="pt-PT" sz="1600" dirty="0">
+                    <a:solidFill>
+                      <a:srgbClr val="000000">
+                        <a:lumMod val="75000"/>
+                        <a:lumOff val="25000"/>
+                      </a:srgbClr>
+                    </a:solidFill>
+                    <a:latin typeface="Calibri" panose="020F0502020204030204"/>
+                  </a:rPr>
+                  <a:t>Todos os valores têm de ser pertencer a </a:t>
+                </a:r>
+                <a14:m>
+                  <m:oMath xmlns:m="http://schemas.openxmlformats.org/officeDocument/2006/math">
+                    <m:r>
+                      <a:rPr kumimoji="0" lang="pt-PT" sz="1600" b="0" i="1" u="none" strike="noStrike" kern="1200" cap="none" spc="0" normalizeH="0" baseline="0" noProof="0" smtClean="0">
+                        <a:ln>
+                          <a:noFill/>
+                        </a:ln>
+                        <a:solidFill>
+                          <a:srgbClr val="000000">
+                            <a:lumMod val="75000"/>
+                            <a:lumOff val="25000"/>
+                          </a:srgbClr>
+                        </a:solidFill>
+                        <a:effectLst/>
+                        <a:uLnTx/>
+                        <a:uFillTx/>
+                        <a:latin typeface="Cambria Math" panose="02040503050406030204" pitchFamily="18" charset="0"/>
+                        <a:ea typeface="Cambria Math" panose="02040503050406030204" pitchFamily="18" charset="0"/>
+                      </a:rPr>
+                      <m:t>ℕ</m:t>
+                    </m:r>
+                    <m:r>
+                      <a:rPr kumimoji="0" lang="pt-PT" sz="1600" b="0" i="1" u="none" strike="noStrike" kern="1200" cap="none" spc="0" normalizeH="0" baseline="0" noProof="0" smtClean="0">
+                        <a:ln>
+                          <a:noFill/>
+                        </a:ln>
+                        <a:solidFill>
+                          <a:srgbClr val="000000">
+                            <a:lumMod val="75000"/>
+                            <a:lumOff val="25000"/>
+                          </a:srgbClr>
+                        </a:solidFill>
+                        <a:effectLst/>
+                        <a:uLnTx/>
+                        <a:uFillTx/>
+                        <a:latin typeface="Cambria Math" panose="02040503050406030204" pitchFamily="18" charset="0"/>
+                        <a:ea typeface="Cambria Math" panose="02040503050406030204" pitchFamily="18" charset="0"/>
+                      </a:rPr>
+                      <m:t>.</m:t>
+                    </m:r>
+                  </m:oMath>
+                </a14:m>
+                <a:endParaRPr kumimoji="0" lang="pt-PT" sz="1600" b="0" u="none" strike="noStrike" kern="1200" cap="none" spc="0" normalizeH="0" baseline="0" noProof="0" dirty="0">
+                  <a:ln>
+                    <a:noFill/>
+                  </a:ln>
+                  <a:solidFill>
+                    <a:srgbClr val="000000">
+                      <a:lumMod val="75000"/>
+                      <a:lumOff val="25000"/>
+                    </a:srgbClr>
+                  </a:solidFill>
+                  <a:effectLst/>
+                  <a:uLnTx/>
+                  <a:uFillTx/>
+                  <a:latin typeface="Calibri" panose="020F0502020204030204"/>
+                  <a:ea typeface="Cambria Math" panose="02040503050406030204" pitchFamily="18" charset="0"/>
+                </a:endParaRPr>
+              </a:p>
+              <a:p>
+                <a:pPr marL="91440" marR="0" lvl="0" indent="-91440" defTabSz="914400" rtl="0" eaLnBrk="1" fontAlgn="auto" latinLnBrk="0" hangingPunct="1">
+                  <a:lnSpc>
+                    <a:spcPct val="90000"/>
+                  </a:lnSpc>
+                  <a:spcBef>
+                    <a:spcPts val="1200"/>
+                  </a:spcBef>
+                  <a:spcAft>
+                    <a:spcPts val="200"/>
+                  </a:spcAft>
+                  <a:buClr>
+                    <a:srgbClr val="E48312"/>
+                  </a:buClr>
+                  <a:buSzPct val="100000"/>
+                  <a:buFont typeface="Wingdings" panose="05000000000000000000" pitchFamily="2" charset="2"/>
+                  <a:buChar char="Ø"/>
+                  <a:tabLst/>
+                  <a:defRPr/>
+                </a:pPr>
+                <a:r>
+                  <a:rPr lang="pt-PT" sz="1600" dirty="0"/>
+                  <a:t>Minimizar: </a:t>
+                </a:r>
+                <a14:m>
+                  <m:oMath xmlns:m="http://schemas.openxmlformats.org/officeDocument/2006/math">
+                    <m:f>
+                      <m:fPr>
+                        <m:ctrlPr>
+                          <a:rPr lang="pt-PT" sz="2000" i="1" smtClean="0">
+                            <a:latin typeface="Cambria Math" panose="02040503050406030204" pitchFamily="18" charset="0"/>
+                          </a:rPr>
+                        </m:ctrlPr>
+                      </m:fPr>
+                      <m:num>
+                        <m:nary>
+                          <m:naryPr>
+                            <m:chr m:val="∑"/>
+                            <m:subHide m:val="on"/>
+                            <m:supHide m:val="on"/>
+                            <m:ctrlPr>
+                              <a:rPr lang="pt-PT" sz="2000" i="1" smtClean="0">
+                                <a:latin typeface="Cambria Math" panose="02040503050406030204" pitchFamily="18" charset="0"/>
+                              </a:rPr>
+                            </m:ctrlPr>
+                          </m:naryPr>
+                          <m:sub/>
+                          <m:sup/>
+                          <m:e>
+                            <m:r>
+                              <a:rPr lang="pt-PT" sz="2000" b="0" i="1" smtClean="0">
+                                <a:latin typeface="Cambria Math" panose="02040503050406030204" pitchFamily="18" charset="0"/>
+                              </a:rPr>
+                              <m:t>𝑝</m:t>
+                            </m:r>
+                            <m:r>
+                              <a:rPr lang="pt-PT" sz="2000" b="0" i="1" smtClean="0">
+                                <a:latin typeface="Cambria Math" panose="02040503050406030204" pitchFamily="18" charset="0"/>
+                              </a:rPr>
+                              <m:t>.</m:t>
+                            </m:r>
+                            <m:r>
+                              <a:rPr lang="pt-PT" sz="2000" b="0" i="1" smtClean="0">
+                                <a:latin typeface="Cambria Math" panose="02040503050406030204" pitchFamily="18" charset="0"/>
+                              </a:rPr>
+                              <m:t>𝐷𝑢𝑟𝑎</m:t>
+                            </m:r>
+                            <m:r>
+                              <a:rPr lang="pt-PT" sz="2000" b="0" i="1" smtClean="0">
+                                <a:latin typeface="Cambria Math" panose="02040503050406030204" pitchFamily="18" charset="0"/>
+                              </a:rPr>
+                              <m:t>çã</m:t>
+                            </m:r>
+                            <m:r>
+                              <a:rPr lang="pt-PT" sz="2000" b="0" i="1" smtClean="0">
+                                <a:latin typeface="Cambria Math" panose="02040503050406030204" pitchFamily="18" charset="0"/>
+                              </a:rPr>
+                              <m:t>𝑜</m:t>
+                            </m:r>
+                          </m:e>
+                        </m:nary>
+                      </m:num>
+                      <m:den>
+                        <m:r>
+                          <a:rPr lang="pt-PT" sz="2000" b="0" i="1" smtClean="0">
+                            <a:latin typeface="Cambria Math" panose="02040503050406030204" pitchFamily="18" charset="0"/>
+                          </a:rPr>
+                          <m:t>𝑃</m:t>
+                        </m:r>
+                        <m:r>
+                          <a:rPr lang="pt-PT" sz="2000" b="0" i="1" smtClean="0">
+                            <a:latin typeface="Cambria Math" panose="02040503050406030204" pitchFamily="18" charset="0"/>
+                          </a:rPr>
+                          <m:t>.</m:t>
+                        </m:r>
+                        <m:r>
+                          <a:rPr lang="pt-PT" sz="2000" b="0" i="1" smtClean="0">
+                            <a:latin typeface="Cambria Math" panose="02040503050406030204" pitchFamily="18" charset="0"/>
+                          </a:rPr>
+                          <m:t>𝑠𝑖𝑧𝑒</m:t>
+                        </m:r>
+                      </m:den>
+                    </m:f>
+                    <m:r>
+                      <a:rPr lang="pt-PT" sz="2000" b="0" i="1" smtClean="0">
+                        <a:latin typeface="Cambria Math" panose="02040503050406030204" pitchFamily="18" charset="0"/>
+                      </a:rPr>
+                      <m:t>,</m:t>
+                    </m:r>
+                    <m:r>
+                      <a:rPr lang="pt-PT" sz="2000" b="0" i="1" smtClean="0">
+                        <a:latin typeface="Cambria Math" panose="02040503050406030204" pitchFamily="18" charset="0"/>
+                      </a:rPr>
+                      <m:t>𝑝</m:t>
+                    </m:r>
+                    <m:r>
+                      <a:rPr lang="pt-PT" sz="2000" b="0" i="1" smtClean="0">
+                        <a:latin typeface="Cambria Math" panose="02040503050406030204" pitchFamily="18" charset="0"/>
+                        <a:ea typeface="Cambria Math" panose="02040503050406030204" pitchFamily="18" charset="0"/>
+                      </a:rPr>
+                      <m:t>∈</m:t>
+                    </m:r>
+                    <m:r>
+                      <a:rPr lang="pt-PT" sz="2000" b="0" i="1" smtClean="0">
+                        <a:latin typeface="Cambria Math" panose="02040503050406030204" pitchFamily="18" charset="0"/>
+                        <a:ea typeface="Cambria Math" panose="02040503050406030204" pitchFamily="18" charset="0"/>
+                      </a:rPr>
+                      <m:t>𝑃</m:t>
+                    </m:r>
+                  </m:oMath>
+                </a14:m>
+                <a:endParaRPr lang="pt-PT" sz="2000" dirty="0"/>
+              </a:p>
+              <a:p>
+                <a:endParaRPr lang="pt-PT" dirty="0"/>
+              </a:p>
+            </p:txBody>
+          </p:sp>
+        </mc:Choice>
+        <mc:Fallback>
+          <p:sp>
+            <p:nvSpPr>
+              <p:cNvPr id="7" name="TextBox 6">
+                <a:extLst>
+                  <a:ext uri="{FF2B5EF4-FFF2-40B4-BE49-F238E27FC236}">
+                    <a16:creationId xmlns:a16="http://schemas.microsoft.com/office/drawing/2014/main" id="{0FC99067-2FE4-49FA-A359-140ACF56302F}"/>
+                  </a:ext>
+                </a:extLst>
+              </p:cNvPr>
+              <p:cNvSpPr txBox="1">
+                <a:spLocks noRot="1" noChangeAspect="1" noMove="1" noResize="1" noEditPoints="1" noAdjustHandles="1" noChangeArrowheads="1" noChangeShapeType="1" noTextEdit="1"/>
+              </p:cNvSpPr>
+              <p:nvPr/>
+            </p:nvSpPr>
+            <p:spPr>
+              <a:xfrm>
+                <a:off x="3220315" y="3984777"/>
+                <a:ext cx="5751369" cy="1669111"/>
+              </a:xfrm>
+              <a:prstGeom prst="rect">
+                <a:avLst/>
+              </a:prstGeom>
+              <a:blipFill>
+                <a:blip r:embed="rId2"/>
+                <a:stretch>
+                  <a:fillRect l="-424" t="-2198"/>
+                </a:stretch>
+              </a:blipFill>
+            </p:spPr>
+            <p:txBody>
+              <a:bodyPr/>
+              <a:lstStyle/>
+              <a:p>
+                <a:r>
+                  <a:rPr lang="pt-PT">
+                    <a:noFill/>
+                  </a:rPr>
+                  <a:t> </a:t>
+                </a:r>
+              </a:p>
+            </p:txBody>
+          </p:sp>
+        </mc:Fallback>
+      </mc:AlternateContent>
     </p:spTree>
     <p:extLst>
       <p:ext uri="{BB962C8B-B14F-4D97-AF65-F5344CB8AC3E}">
         <p14:creationId xmlns:p14="http://schemas.microsoft.com/office/powerpoint/2010/main" val="679503092"/>
-      </p:ext>
-    </p:extLst>
-  </p:cSld>
-  <p:clrMapOvr>
-    <a:masterClrMapping/>
-  </p:clrMapOvr>
-</p:sld>
-</file>
-
-<file path=ppt/slides/slide8.xml><?xml version="1.0" encoding="utf-8"?>
-<p:sld xmlns:a="http://schemas.openxmlformats.org/drawingml/2006/main" xmlns:r="http://schemas.openxmlformats.org/officeDocument/2006/relationships" xmlns:p="http://schemas.openxmlformats.org/presentationml/2006/main">
-  <p:cSld>
-    <p:spTree>
-      <p:nvGrpSpPr>
-        <p:cNvPr id="1" name=""/>
-        <p:cNvGrpSpPr/>
-        <p:nvPr/>
-      </p:nvGrpSpPr>
-      <p:grpSpPr>
-        <a:xfrm>
-          <a:off x="0" y="0"/>
-          <a:ext cx="0" cy="0"/>
-          <a:chOff x="0" y="0"/>
-          <a:chExt cx="0" cy="0"/>
-        </a:xfrm>
-      </p:grpSpPr>
-      <p:sp>
-        <p:nvSpPr>
-          <p:cNvPr id="2" name="Title 1">
-            <a:extLst>
-              <a:ext uri="{FF2B5EF4-FFF2-40B4-BE49-F238E27FC236}">
-                <a16:creationId xmlns:a16="http://schemas.microsoft.com/office/drawing/2014/main" id="{985620E8-013C-4AB0-BBA5-EF61AB90C269}"/>
-              </a:ext>
-            </a:extLst>
-          </p:cNvPr>
-          <p:cNvSpPr>
-            <a:spLocks noGrp="1"/>
-          </p:cNvSpPr>
-          <p:nvPr>
-            <p:ph type="title"/>
-          </p:nvPr>
-        </p:nvSpPr>
-        <p:spPr>
-          <a:xfrm>
-            <a:off x="573498" y="286002"/>
-            <a:ext cx="10058400" cy="1450757"/>
-          </a:xfrm>
-        </p:spPr>
-        <p:txBody>
-          <a:bodyPr/>
-          <a:lstStyle/>
-          <a:p>
-            <a:pPr algn="ctr"/>
-            <a:r>
-              <a:rPr lang="en-US" b="1" dirty="0" err="1"/>
-              <a:t>Descrição</a:t>
-            </a:r>
-            <a:r>
-              <a:rPr lang="en-US" b="1" dirty="0"/>
-              <a:t> da </a:t>
-            </a:r>
-            <a:r>
-              <a:rPr lang="en-US" b="1" dirty="0" err="1"/>
-              <a:t>Solução</a:t>
-            </a:r>
-            <a:r>
-              <a:rPr lang="en-US" b="1" dirty="0"/>
-              <a:t> </a:t>
-            </a:r>
-            <a:endParaRPr lang="pt-PT" b="1" dirty="0"/>
-          </a:p>
-        </p:txBody>
-      </p:sp>
-      <p:sp>
-        <p:nvSpPr>
-          <p:cNvPr id="3" name="Content Placeholder 2">
-            <a:extLst>
-              <a:ext uri="{FF2B5EF4-FFF2-40B4-BE49-F238E27FC236}">
-                <a16:creationId xmlns:a16="http://schemas.microsoft.com/office/drawing/2014/main" id="{0DA53B97-5997-490C-B21F-AEAD1D079AC5}"/>
-              </a:ext>
-            </a:extLst>
-          </p:cNvPr>
-          <p:cNvSpPr>
-            <a:spLocks noGrp="1"/>
-          </p:cNvSpPr>
-          <p:nvPr>
-            <p:ph idx="1"/>
-          </p:nvPr>
-        </p:nvSpPr>
-        <p:spPr/>
-        <p:txBody>
-          <a:bodyPr/>
-          <a:lstStyle/>
-          <a:p>
-            <a:endParaRPr lang="pt-PT" dirty="0"/>
-          </a:p>
-        </p:txBody>
-      </p:sp>
-      <p:pic>
-        <p:nvPicPr>
-          <p:cNvPr id="9" name="Picture 8" descr="Text&#10;&#10;Description automatically generated">
-            <a:extLst>
-              <a:ext uri="{FF2B5EF4-FFF2-40B4-BE49-F238E27FC236}">
-                <a16:creationId xmlns:a16="http://schemas.microsoft.com/office/drawing/2014/main" id="{22B1E745-B022-4B91-8A26-3B12A31E81BB}"/>
-              </a:ext>
-            </a:extLst>
-          </p:cNvPr>
-          <p:cNvPicPr>
-            <a:picLocks/>
-          </p:cNvPicPr>
-          <p:nvPr/>
-        </p:nvPicPr>
-        <p:blipFill>
-          <a:blip r:embed="rId2">
-            <a:extLst>
-              <a:ext uri="{28A0092B-C50C-407E-A947-70E740481C1C}">
-                <a14:useLocalDpi xmlns:a14="http://schemas.microsoft.com/office/drawing/2010/main" val="0"/>
-              </a:ext>
-            </a:extLst>
-          </a:blip>
-          <a:stretch>
-            <a:fillRect/>
-          </a:stretch>
-        </p:blipFill>
-        <p:spPr>
-          <a:xfrm>
-            <a:off x="3401627" y="2109439"/>
-            <a:ext cx="5388745" cy="1846556"/>
-          </a:xfrm>
-          <a:prstGeom prst="rect">
-            <a:avLst/>
-          </a:prstGeom>
-        </p:spPr>
-      </p:pic>
-      <p:sp>
-        <p:nvSpPr>
-          <p:cNvPr id="10" name="TextBox 9">
-            <a:extLst>
-              <a:ext uri="{FF2B5EF4-FFF2-40B4-BE49-F238E27FC236}">
-                <a16:creationId xmlns:a16="http://schemas.microsoft.com/office/drawing/2014/main" id="{06E9AA9B-7600-4EA8-8A20-B28C4F864E64}"/>
-              </a:ext>
-            </a:extLst>
-          </p:cNvPr>
-          <p:cNvSpPr txBox="1"/>
-          <p:nvPr/>
-        </p:nvSpPr>
-        <p:spPr>
-          <a:xfrm>
-            <a:off x="3853104" y="3955995"/>
-            <a:ext cx="3657601" cy="276999"/>
-          </a:xfrm>
-          <a:prstGeom prst="rect">
-            <a:avLst/>
-          </a:prstGeom>
-          <a:noFill/>
-        </p:spPr>
-        <p:txBody>
-          <a:bodyPr wrap="square" rtlCol="0">
-            <a:spAutoFit/>
-          </a:bodyPr>
-          <a:lstStyle/>
-          <a:p>
-            <a:pPr algn="ctr"/>
-            <a:r>
-              <a:rPr lang="pt-PT" sz="1200" dirty="0"/>
-              <a:t>  Pseudocódigo da função aplicada</a:t>
-            </a:r>
-          </a:p>
-        </p:txBody>
-      </p:sp>
-      <p:sp>
-        <p:nvSpPr>
-          <p:cNvPr id="11" name="TextBox 10">
-            <a:extLst>
-              <a:ext uri="{FF2B5EF4-FFF2-40B4-BE49-F238E27FC236}">
-                <a16:creationId xmlns:a16="http://schemas.microsoft.com/office/drawing/2014/main" id="{2F96400E-727F-4025-AD39-648AED8C74BB}"/>
-              </a:ext>
-            </a:extLst>
-          </p:cNvPr>
-          <p:cNvSpPr txBox="1"/>
-          <p:nvPr/>
-        </p:nvSpPr>
-        <p:spPr>
-          <a:xfrm>
-            <a:off x="3195083" y="4589379"/>
-            <a:ext cx="6249880" cy="923330"/>
-          </a:xfrm>
-          <a:prstGeom prst="rect">
-            <a:avLst/>
-          </a:prstGeom>
-          <a:noFill/>
-        </p:spPr>
-        <p:txBody>
-          <a:bodyPr wrap="square" rtlCol="0">
-            <a:spAutoFit/>
-          </a:bodyPr>
-          <a:lstStyle/>
-          <a:p>
-            <a:pPr algn="ctr"/>
-            <a:r>
-              <a:rPr lang="pt-PT" dirty="0"/>
-              <a:t>Baseando no conceito de </a:t>
-            </a:r>
-            <a:r>
-              <a:rPr lang="pt-PT" dirty="0" err="1"/>
-              <a:t>Greedy</a:t>
-            </a:r>
-            <a:r>
-              <a:rPr lang="pt-PT" dirty="0"/>
-              <a:t> </a:t>
-            </a:r>
-            <a:r>
-              <a:rPr lang="pt-PT" dirty="0" err="1"/>
-              <a:t>Algorithm</a:t>
-            </a:r>
-            <a:r>
-              <a:rPr lang="pt-PT" dirty="0"/>
-              <a:t> vamos percorrer as encomendas organizadas por duração decrescente ate o período de tempo se esgotar.</a:t>
-            </a:r>
-          </a:p>
-        </p:txBody>
-      </p:sp>
-    </p:spTree>
-    <p:extLst>
-      <p:ext uri="{BB962C8B-B14F-4D97-AF65-F5344CB8AC3E}">
-        <p14:creationId xmlns:p14="http://schemas.microsoft.com/office/powerpoint/2010/main" val="1758428583"/>
       </p:ext>
     </p:extLst>
   </p:cSld>
@@ -8223,7 +9859,12 @@
             <p:ph type="title"/>
           </p:nvPr>
         </p:nvSpPr>
-        <p:spPr/>
+        <p:spPr>
+          <a:xfrm>
+            <a:off x="573498" y="286002"/>
+            <a:ext cx="10058400" cy="1450757"/>
+          </a:xfrm>
+        </p:spPr>
         <p:txBody>
           <a:bodyPr/>
           <a:lstStyle/>
@@ -8231,41 +9872,160 @@
             <a:pPr algn="ctr"/>
             <a:r>
               <a:rPr lang="en-US" b="1" dirty="0" err="1"/>
-              <a:t>Dificuldades</a:t>
+              <a:t>Descrição</a:t>
+            </a:r>
+            <a:r>
+              <a:rPr lang="en-US" b="1" dirty="0"/>
+              <a:t> da </a:t>
+            </a:r>
+            <a:r>
+              <a:rPr lang="en-US" b="1" dirty="0" err="1"/>
+              <a:t>Solução</a:t>
+            </a:r>
+            <a:r>
+              <a:rPr lang="en-US" b="1" dirty="0"/>
+              <a:t> </a:t>
             </a:r>
             <a:endParaRPr lang="pt-PT" b="1" dirty="0"/>
+          </a:p>
+        </p:txBody>
+      </p:sp>
+      <p:pic>
+        <p:nvPicPr>
+          <p:cNvPr id="9" name="Picture 8" descr="Text&#10;&#10;Description automatically generated">
+            <a:extLst>
+              <a:ext uri="{FF2B5EF4-FFF2-40B4-BE49-F238E27FC236}">
+                <a16:creationId xmlns:a16="http://schemas.microsoft.com/office/drawing/2014/main" id="{22B1E745-B022-4B91-8A26-3B12A31E81BB}"/>
+              </a:ext>
+            </a:extLst>
+          </p:cNvPr>
+          <p:cNvPicPr>
+            <a:picLocks/>
+          </p:cNvPicPr>
+          <p:nvPr/>
+        </p:nvPicPr>
+        <p:blipFill>
+          <a:blip r:embed="rId2">
+            <a:extLst>
+              <a:ext uri="{28A0092B-C50C-407E-A947-70E740481C1C}">
+                <a14:useLocalDpi xmlns:a14="http://schemas.microsoft.com/office/drawing/2010/main" val="0"/>
+              </a:ext>
+            </a:extLst>
+          </a:blip>
+          <a:stretch>
+            <a:fillRect/>
+          </a:stretch>
+        </p:blipFill>
+        <p:spPr>
+          <a:xfrm>
+            <a:off x="3051977" y="1940968"/>
+            <a:ext cx="6594153" cy="2159692"/>
+          </a:xfrm>
+          <a:prstGeom prst="rect">
+            <a:avLst/>
+          </a:prstGeom>
+        </p:spPr>
+      </p:pic>
+      <p:sp>
+        <p:nvSpPr>
+          <p:cNvPr id="10" name="TextBox 9">
+            <a:extLst>
+              <a:ext uri="{FF2B5EF4-FFF2-40B4-BE49-F238E27FC236}">
+                <a16:creationId xmlns:a16="http://schemas.microsoft.com/office/drawing/2014/main" id="{06E9AA9B-7600-4EA8-8A20-B28C4F864E64}"/>
+              </a:ext>
+            </a:extLst>
+          </p:cNvPr>
+          <p:cNvSpPr txBox="1"/>
+          <p:nvPr/>
+        </p:nvSpPr>
+        <p:spPr>
+          <a:xfrm>
+            <a:off x="3994506" y="3962160"/>
+            <a:ext cx="3657601" cy="307777"/>
+          </a:xfrm>
+          <a:prstGeom prst="rect">
+            <a:avLst/>
+          </a:prstGeom>
+          <a:noFill/>
+        </p:spPr>
+        <p:txBody>
+          <a:bodyPr wrap="square" rtlCol="0">
+            <a:spAutoFit/>
+          </a:bodyPr>
+          <a:lstStyle/>
+          <a:p>
+            <a:pPr algn="ctr"/>
+            <a:r>
+              <a:rPr lang="pt-PT" sz="1400" dirty="0"/>
+              <a:t>  Pseudocódigo da função aplicada</a:t>
+            </a:r>
           </a:p>
         </p:txBody>
       </p:sp>
       <p:sp>
         <p:nvSpPr>
-          <p:cNvPr id="3" name="Content Placeholder 2">
+          <p:cNvPr id="11" name="TextBox 10">
             <a:extLst>
               <a:ext uri="{FF2B5EF4-FFF2-40B4-BE49-F238E27FC236}">
-                <a16:creationId xmlns:a16="http://schemas.microsoft.com/office/drawing/2014/main" id="{0DA53B97-5997-490C-B21F-AEAD1D079AC5}"/>
+                <a16:creationId xmlns:a16="http://schemas.microsoft.com/office/drawing/2014/main" id="{2F96400E-727F-4025-AD39-648AED8C74BB}"/>
               </a:ext>
             </a:extLst>
           </p:cNvPr>
-          <p:cNvSpPr>
-            <a:spLocks noGrp="1"/>
-          </p:cNvSpPr>
-          <p:nvPr>
-            <p:ph idx="1"/>
-          </p:nvPr>
+          <p:cNvSpPr txBox="1"/>
+          <p:nvPr/>
         </p:nvSpPr>
-        <p:spPr/>
+        <p:spPr>
+          <a:xfrm>
+            <a:off x="2678783" y="4659577"/>
+            <a:ext cx="6834433" cy="923330"/>
+          </a:xfrm>
+          <a:prstGeom prst="rect">
+            <a:avLst/>
+          </a:prstGeom>
+          <a:noFill/>
+        </p:spPr>
         <p:txBody>
-          <a:bodyPr/>
+          <a:bodyPr wrap="square" rtlCol="0">
+            <a:spAutoFit/>
+          </a:bodyPr>
           <a:lstStyle/>
           <a:p>
-            <a:endParaRPr lang="pt-PT" dirty="0"/>
+            <a:pPr algn="ctr"/>
+            <a:r>
+              <a:rPr lang="pt-PT" dirty="0"/>
+              <a:t>Baseando no conceito de </a:t>
+            </a:r>
+            <a:r>
+              <a:rPr lang="pt-PT" dirty="0" err="1"/>
+              <a:t>Greedy</a:t>
+            </a:r>
+            <a:r>
+              <a:rPr lang="pt-PT" dirty="0"/>
+              <a:t> </a:t>
+            </a:r>
+            <a:r>
+              <a:rPr lang="pt-PT" dirty="0" err="1"/>
+              <a:t>Algorithm</a:t>
+            </a:r>
+            <a:r>
+              <a:rPr lang="pt-PT" dirty="0"/>
+              <a:t> vamos percorrer o vetor </a:t>
+            </a:r>
+            <a:r>
+              <a:rPr lang="pt-PT" dirty="0" err="1"/>
+              <a:t>Encos</a:t>
+            </a:r>
+            <a:r>
+              <a:rPr lang="pt-PT" dirty="0"/>
+              <a:t>, organizado por ordem decrescente de duração, inserindo-as no vetor P até o período de tempo se esgotar.</a:t>
+            </a:r>
           </a:p>
         </p:txBody>
       </p:sp>
     </p:spTree>
     <p:extLst>
       <p:ext uri="{BB962C8B-B14F-4D97-AF65-F5344CB8AC3E}">
-        <p14:creationId xmlns:p14="http://schemas.microsoft.com/office/powerpoint/2010/main" val="470523517"/>
+        <p14:creationId xmlns:p14="http://schemas.microsoft.com/office/powerpoint/2010/main" val="1758428583"/>
       </p:ext>
     </p:extLst>
   </p:cSld>

--- a/Presentation/Logística Urbana para Entrega de Mercadorias.pptx
+++ b/Presentation/Logística Urbana para Entrega de Mercadorias.pptx
@@ -4,6 +4,9 @@
   <p:sldMasterIdLst>
     <p:sldMasterId id="2147483660" r:id="rId1"/>
   </p:sldMasterIdLst>
+  <p:notesMasterIdLst>
+    <p:notesMasterId r:id="rId16"/>
+  </p:notesMasterIdLst>
   <p:sldIdLst>
     <p:sldId id="256" r:id="rId2"/>
     <p:sldId id="257" r:id="rId3"/>
@@ -12,10 +15,13 @@
     <p:sldId id="275" r:id="rId6"/>
     <p:sldId id="272" r:id="rId7"/>
     <p:sldId id="274" r:id="rId8"/>
-    <p:sldId id="271" r:id="rId9"/>
-    <p:sldId id="266" r:id="rId10"/>
-    <p:sldId id="276" r:id="rId11"/>
-    <p:sldId id="268" r:id="rId12"/>
+    <p:sldId id="277" r:id="rId9"/>
+    <p:sldId id="271" r:id="rId10"/>
+    <p:sldId id="266" r:id="rId11"/>
+    <p:sldId id="276" r:id="rId12"/>
+    <p:sldId id="278" r:id="rId13"/>
+    <p:sldId id="279" r:id="rId14"/>
+    <p:sldId id="268" r:id="rId15"/>
   </p:sldIdLst>
   <p:sldSz cx="12192000" cy="6858000"/>
   <p:notesSz cx="6858000" cy="9144000"/>
@@ -563,6 +569,440 @@
 </pc:chgInfo>
 </file>
 
+<file path=ppt/notesMasters/notesMaster1.xml><?xml version="1.0" encoding="utf-8"?>
+<p:notesMaster xmlns:a="http://schemas.openxmlformats.org/drawingml/2006/main" xmlns:r="http://schemas.openxmlformats.org/officeDocument/2006/relationships" xmlns:p="http://schemas.openxmlformats.org/presentationml/2006/main">
+  <p:cSld>
+    <p:bg>
+      <p:bgRef idx="1001">
+        <a:schemeClr val="bg1"/>
+      </p:bgRef>
+    </p:bg>
+    <p:spTree>
+      <p:nvGrpSpPr>
+        <p:cNvPr id="1" name=""/>
+        <p:cNvGrpSpPr/>
+        <p:nvPr/>
+      </p:nvGrpSpPr>
+      <p:grpSpPr>
+        <a:xfrm>
+          <a:off x="0" y="0"/>
+          <a:ext cx="0" cy="0"/>
+          <a:chOff x="0" y="0"/>
+          <a:chExt cx="0" cy="0"/>
+        </a:xfrm>
+      </p:grpSpPr>
+      <p:sp>
+        <p:nvSpPr>
+          <p:cNvPr id="2" name="Header Placeholder 1"/>
+          <p:cNvSpPr>
+            <a:spLocks noGrp="1"/>
+          </p:cNvSpPr>
+          <p:nvPr>
+            <p:ph type="hdr" sz="quarter"/>
+          </p:nvPr>
+        </p:nvSpPr>
+        <p:spPr>
+          <a:xfrm>
+            <a:off x="0" y="0"/>
+            <a:ext cx="2971800" cy="458788"/>
+          </a:xfrm>
+          <a:prstGeom prst="rect">
+            <a:avLst/>
+          </a:prstGeom>
+        </p:spPr>
+        <p:txBody>
+          <a:bodyPr vert="horz" lIns="91440" tIns="45720" rIns="91440" bIns="45720" rtlCol="0"/>
+          <a:lstStyle>
+            <a:lvl1pPr algn="l">
+              <a:defRPr sz="1200"/>
+            </a:lvl1pPr>
+          </a:lstStyle>
+          <a:p>
+            <a:endParaRPr lang="pt-PT"/>
+          </a:p>
+        </p:txBody>
+      </p:sp>
+      <p:sp>
+        <p:nvSpPr>
+          <p:cNvPr id="3" name="Date Placeholder 2"/>
+          <p:cNvSpPr>
+            <a:spLocks noGrp="1"/>
+          </p:cNvSpPr>
+          <p:nvPr>
+            <p:ph type="dt" idx="1"/>
+          </p:nvPr>
+        </p:nvSpPr>
+        <p:spPr>
+          <a:xfrm>
+            <a:off x="3884613" y="0"/>
+            <a:ext cx="2971800" cy="458788"/>
+          </a:xfrm>
+          <a:prstGeom prst="rect">
+            <a:avLst/>
+          </a:prstGeom>
+        </p:spPr>
+        <p:txBody>
+          <a:bodyPr vert="horz" lIns="91440" tIns="45720" rIns="91440" bIns="45720" rtlCol="0"/>
+          <a:lstStyle>
+            <a:lvl1pPr algn="r">
+              <a:defRPr sz="1200"/>
+            </a:lvl1pPr>
+          </a:lstStyle>
+          <a:p>
+            <a:fld id="{1E434F6B-8EF9-43FF-A859-04EDBF87BDC2}" type="datetimeFigureOut">
+              <a:rPr lang="pt-PT" smtClean="0"/>
+              <a:t>18/04/2022</a:t>
+            </a:fld>
+            <a:endParaRPr lang="pt-PT"/>
+          </a:p>
+        </p:txBody>
+      </p:sp>
+      <p:sp>
+        <p:nvSpPr>
+          <p:cNvPr id="4" name="Slide Image Placeholder 3"/>
+          <p:cNvSpPr>
+            <a:spLocks noGrp="1" noRot="1" noChangeAspect="1"/>
+          </p:cNvSpPr>
+          <p:nvPr>
+            <p:ph type="sldImg" idx="2"/>
+          </p:nvPr>
+        </p:nvSpPr>
+        <p:spPr>
+          <a:xfrm>
+            <a:off x="685800" y="1143000"/>
+            <a:ext cx="5486400" cy="3086100"/>
+          </a:xfrm>
+          <a:prstGeom prst="rect">
+            <a:avLst/>
+          </a:prstGeom>
+          <a:noFill/>
+          <a:ln w="12700">
+            <a:solidFill>
+              <a:prstClr val="black"/>
+            </a:solidFill>
+          </a:ln>
+        </p:spPr>
+        <p:txBody>
+          <a:bodyPr vert="horz" lIns="91440" tIns="45720" rIns="91440" bIns="45720" rtlCol="0" anchor="ctr"/>
+          <a:lstStyle/>
+          <a:p>
+            <a:endParaRPr lang="pt-PT"/>
+          </a:p>
+        </p:txBody>
+      </p:sp>
+      <p:sp>
+        <p:nvSpPr>
+          <p:cNvPr id="5" name="Notes Placeholder 4"/>
+          <p:cNvSpPr>
+            <a:spLocks noGrp="1"/>
+          </p:cNvSpPr>
+          <p:nvPr>
+            <p:ph type="body" sz="quarter" idx="3"/>
+          </p:nvPr>
+        </p:nvSpPr>
+        <p:spPr>
+          <a:xfrm>
+            <a:off x="685800" y="4400550"/>
+            <a:ext cx="5486400" cy="3600450"/>
+          </a:xfrm>
+          <a:prstGeom prst="rect">
+            <a:avLst/>
+          </a:prstGeom>
+        </p:spPr>
+        <p:txBody>
+          <a:bodyPr vert="horz" lIns="91440" tIns="45720" rIns="91440" bIns="45720" rtlCol="0"/>
+          <a:lstStyle/>
+          <a:p>
+            <a:pPr lvl="0"/>
+            <a:r>
+              <a:rPr lang="en-US"/>
+              <a:t>Click to edit Master text styles</a:t>
+            </a:r>
+          </a:p>
+          <a:p>
+            <a:pPr lvl="1"/>
+            <a:r>
+              <a:rPr lang="en-US"/>
+              <a:t>Second level</a:t>
+            </a:r>
+          </a:p>
+          <a:p>
+            <a:pPr lvl="2"/>
+            <a:r>
+              <a:rPr lang="en-US"/>
+              <a:t>Third level</a:t>
+            </a:r>
+          </a:p>
+          <a:p>
+            <a:pPr lvl="3"/>
+            <a:r>
+              <a:rPr lang="en-US"/>
+              <a:t>Fourth level</a:t>
+            </a:r>
+          </a:p>
+          <a:p>
+            <a:pPr lvl="4"/>
+            <a:r>
+              <a:rPr lang="en-US"/>
+              <a:t>Fifth level</a:t>
+            </a:r>
+            <a:endParaRPr lang="pt-PT"/>
+          </a:p>
+        </p:txBody>
+      </p:sp>
+      <p:sp>
+        <p:nvSpPr>
+          <p:cNvPr id="6" name="Footer Placeholder 5"/>
+          <p:cNvSpPr>
+            <a:spLocks noGrp="1"/>
+          </p:cNvSpPr>
+          <p:nvPr>
+            <p:ph type="ftr" sz="quarter" idx="4"/>
+          </p:nvPr>
+        </p:nvSpPr>
+        <p:spPr>
+          <a:xfrm>
+            <a:off x="0" y="8685213"/>
+            <a:ext cx="2971800" cy="458787"/>
+          </a:xfrm>
+          <a:prstGeom prst="rect">
+            <a:avLst/>
+          </a:prstGeom>
+        </p:spPr>
+        <p:txBody>
+          <a:bodyPr vert="horz" lIns="91440" tIns="45720" rIns="91440" bIns="45720" rtlCol="0" anchor="b"/>
+          <a:lstStyle>
+            <a:lvl1pPr algn="l">
+              <a:defRPr sz="1200"/>
+            </a:lvl1pPr>
+          </a:lstStyle>
+          <a:p>
+            <a:endParaRPr lang="pt-PT"/>
+          </a:p>
+        </p:txBody>
+      </p:sp>
+      <p:sp>
+        <p:nvSpPr>
+          <p:cNvPr id="7" name="Slide Number Placeholder 6"/>
+          <p:cNvSpPr>
+            <a:spLocks noGrp="1"/>
+          </p:cNvSpPr>
+          <p:nvPr>
+            <p:ph type="sldNum" sz="quarter" idx="5"/>
+          </p:nvPr>
+        </p:nvSpPr>
+        <p:spPr>
+          <a:xfrm>
+            <a:off x="3884613" y="8685213"/>
+            <a:ext cx="2971800" cy="458787"/>
+          </a:xfrm>
+          <a:prstGeom prst="rect">
+            <a:avLst/>
+          </a:prstGeom>
+        </p:spPr>
+        <p:txBody>
+          <a:bodyPr vert="horz" lIns="91440" tIns="45720" rIns="91440" bIns="45720" rtlCol="0" anchor="b"/>
+          <a:lstStyle>
+            <a:lvl1pPr algn="r">
+              <a:defRPr sz="1200"/>
+            </a:lvl1pPr>
+          </a:lstStyle>
+          <a:p>
+            <a:fld id="{A38B83B6-1090-4713-9C34-319F9187D43A}" type="slidenum">
+              <a:rPr lang="pt-PT" smtClean="0"/>
+              <a:t>‹#›</a:t>
+            </a:fld>
+            <a:endParaRPr lang="pt-PT"/>
+          </a:p>
+        </p:txBody>
+      </p:sp>
+    </p:spTree>
+    <p:extLst>
+      <p:ext uri="{BB962C8B-B14F-4D97-AF65-F5344CB8AC3E}">
+        <p14:creationId xmlns:p14="http://schemas.microsoft.com/office/powerpoint/2010/main" val="3603557587"/>
+      </p:ext>
+    </p:extLst>
+  </p:cSld>
+  <p:clrMap bg1="lt1" tx1="dk1" bg2="lt2" tx2="dk2" accent1="accent1" accent2="accent2" accent3="accent3" accent4="accent4" accent5="accent5" accent6="accent6" hlink="hlink" folHlink="folHlink"/>
+  <p:notesStyle>
+    <a:lvl1pPr marL="0" algn="l" defTabSz="914400" rtl="0" eaLnBrk="1" latinLnBrk="0" hangingPunct="1">
+      <a:defRPr sz="1200" kern="1200">
+        <a:solidFill>
+          <a:schemeClr val="tx1"/>
+        </a:solidFill>
+        <a:latin typeface="+mn-lt"/>
+        <a:ea typeface="+mn-ea"/>
+        <a:cs typeface="+mn-cs"/>
+      </a:defRPr>
+    </a:lvl1pPr>
+    <a:lvl2pPr marL="457200" algn="l" defTabSz="914400" rtl="0" eaLnBrk="1" latinLnBrk="0" hangingPunct="1">
+      <a:defRPr sz="1200" kern="1200">
+        <a:solidFill>
+          <a:schemeClr val="tx1"/>
+        </a:solidFill>
+        <a:latin typeface="+mn-lt"/>
+        <a:ea typeface="+mn-ea"/>
+        <a:cs typeface="+mn-cs"/>
+      </a:defRPr>
+    </a:lvl2pPr>
+    <a:lvl3pPr marL="914400" algn="l" defTabSz="914400" rtl="0" eaLnBrk="1" latinLnBrk="0" hangingPunct="1">
+      <a:defRPr sz="1200" kern="1200">
+        <a:solidFill>
+          <a:schemeClr val="tx1"/>
+        </a:solidFill>
+        <a:latin typeface="+mn-lt"/>
+        <a:ea typeface="+mn-ea"/>
+        <a:cs typeface="+mn-cs"/>
+      </a:defRPr>
+    </a:lvl3pPr>
+    <a:lvl4pPr marL="1371600" algn="l" defTabSz="914400" rtl="0" eaLnBrk="1" latinLnBrk="0" hangingPunct="1">
+      <a:defRPr sz="1200" kern="1200">
+        <a:solidFill>
+          <a:schemeClr val="tx1"/>
+        </a:solidFill>
+        <a:latin typeface="+mn-lt"/>
+        <a:ea typeface="+mn-ea"/>
+        <a:cs typeface="+mn-cs"/>
+      </a:defRPr>
+    </a:lvl4pPr>
+    <a:lvl5pPr marL="1828800" algn="l" defTabSz="914400" rtl="0" eaLnBrk="1" latinLnBrk="0" hangingPunct="1">
+      <a:defRPr sz="1200" kern="1200">
+        <a:solidFill>
+          <a:schemeClr val="tx1"/>
+        </a:solidFill>
+        <a:latin typeface="+mn-lt"/>
+        <a:ea typeface="+mn-ea"/>
+        <a:cs typeface="+mn-cs"/>
+      </a:defRPr>
+    </a:lvl5pPr>
+    <a:lvl6pPr marL="2286000" algn="l" defTabSz="914400" rtl="0" eaLnBrk="1" latinLnBrk="0" hangingPunct="1">
+      <a:defRPr sz="1200" kern="1200">
+        <a:solidFill>
+          <a:schemeClr val="tx1"/>
+        </a:solidFill>
+        <a:latin typeface="+mn-lt"/>
+        <a:ea typeface="+mn-ea"/>
+        <a:cs typeface="+mn-cs"/>
+      </a:defRPr>
+    </a:lvl6pPr>
+    <a:lvl7pPr marL="2743200" algn="l" defTabSz="914400" rtl="0" eaLnBrk="1" latinLnBrk="0" hangingPunct="1">
+      <a:defRPr sz="1200" kern="1200">
+        <a:solidFill>
+          <a:schemeClr val="tx1"/>
+        </a:solidFill>
+        <a:latin typeface="+mn-lt"/>
+        <a:ea typeface="+mn-ea"/>
+        <a:cs typeface="+mn-cs"/>
+      </a:defRPr>
+    </a:lvl7pPr>
+    <a:lvl8pPr marL="3200400" algn="l" defTabSz="914400" rtl="0" eaLnBrk="1" latinLnBrk="0" hangingPunct="1">
+      <a:defRPr sz="1200" kern="1200">
+        <a:solidFill>
+          <a:schemeClr val="tx1"/>
+        </a:solidFill>
+        <a:latin typeface="+mn-lt"/>
+        <a:ea typeface="+mn-ea"/>
+        <a:cs typeface="+mn-cs"/>
+      </a:defRPr>
+    </a:lvl8pPr>
+    <a:lvl9pPr marL="3657600" algn="l" defTabSz="914400" rtl="0" eaLnBrk="1" latinLnBrk="0" hangingPunct="1">
+      <a:defRPr sz="1200" kern="1200">
+        <a:solidFill>
+          <a:schemeClr val="tx1"/>
+        </a:solidFill>
+        <a:latin typeface="+mn-lt"/>
+        <a:ea typeface="+mn-ea"/>
+        <a:cs typeface="+mn-cs"/>
+      </a:defRPr>
+    </a:lvl9pPr>
+  </p:notesStyle>
+</p:notesMaster>
+</file>
+
+<file path=ppt/notesSlides/notesSlide1.xml><?xml version="1.0" encoding="utf-8"?>
+<p:notes xmlns:a="http://schemas.openxmlformats.org/drawingml/2006/main" xmlns:r="http://schemas.openxmlformats.org/officeDocument/2006/relationships" xmlns:p="http://schemas.openxmlformats.org/presentationml/2006/main">
+  <p:cSld>
+    <p:spTree>
+      <p:nvGrpSpPr>
+        <p:cNvPr id="1" name=""/>
+        <p:cNvGrpSpPr/>
+        <p:nvPr/>
+      </p:nvGrpSpPr>
+      <p:grpSpPr>
+        <a:xfrm>
+          <a:off x="0" y="0"/>
+          <a:ext cx="0" cy="0"/>
+          <a:chOff x="0" y="0"/>
+          <a:chExt cx="0" cy="0"/>
+        </a:xfrm>
+      </p:grpSpPr>
+      <p:sp>
+        <p:nvSpPr>
+          <p:cNvPr id="2" name="Slide Image Placeholder 1"/>
+          <p:cNvSpPr>
+            <a:spLocks noGrp="1" noRot="1" noChangeAspect="1"/>
+          </p:cNvSpPr>
+          <p:nvPr>
+            <p:ph type="sldImg"/>
+          </p:nvPr>
+        </p:nvSpPr>
+        <p:spPr/>
+      </p:sp>
+      <p:sp>
+        <p:nvSpPr>
+          <p:cNvPr id="3" name="Notes Placeholder 2"/>
+          <p:cNvSpPr>
+            <a:spLocks noGrp="1"/>
+          </p:cNvSpPr>
+          <p:nvPr>
+            <p:ph type="body" idx="1"/>
+          </p:nvPr>
+        </p:nvSpPr>
+        <p:spPr/>
+        <p:txBody>
+          <a:bodyPr/>
+          <a:lstStyle/>
+          <a:p>
+            <a:endParaRPr lang="pt-PT" dirty="0"/>
+          </a:p>
+        </p:txBody>
+      </p:sp>
+      <p:sp>
+        <p:nvSpPr>
+          <p:cNvPr id="4" name="Slide Number Placeholder 3"/>
+          <p:cNvSpPr>
+            <a:spLocks noGrp="1"/>
+          </p:cNvSpPr>
+          <p:nvPr>
+            <p:ph type="sldNum" sz="quarter" idx="5"/>
+          </p:nvPr>
+        </p:nvSpPr>
+        <p:spPr/>
+        <p:txBody>
+          <a:bodyPr/>
+          <a:lstStyle/>
+          <a:p>
+            <a:fld id="{A38B83B6-1090-4713-9C34-319F9187D43A}" type="slidenum">
+              <a:rPr lang="pt-PT" smtClean="0"/>
+              <a:t>7</a:t>
+            </a:fld>
+            <a:endParaRPr lang="pt-PT"/>
+          </a:p>
+        </p:txBody>
+      </p:sp>
+    </p:spTree>
+    <p:extLst>
+      <p:ext uri="{BB962C8B-B14F-4D97-AF65-F5344CB8AC3E}">
+        <p14:creationId xmlns:p14="http://schemas.microsoft.com/office/powerpoint/2010/main" val="2492599233"/>
+      </p:ext>
+    </p:extLst>
+  </p:cSld>
+  <p:clrMapOvr>
+    <a:masterClrMapping/>
+  </p:clrMapOvr>
+</p:notes>
+</file>
+
 <file path=ppt/slideLayouts/slideLayout1.xml><?xml version="1.0" encoding="utf-8"?>
 <p:sldLayout xmlns:a="http://schemas.openxmlformats.org/drawingml/2006/main" xmlns:r="http://schemas.openxmlformats.org/officeDocument/2006/relationships" xmlns:p="http://schemas.openxmlformats.org/presentationml/2006/main" showMasterSp="0" type="title" preserve="1">
   <p:cSld name="Title Slide">
@@ -4489,7 +4929,7 @@
           <p:cNvPr id="2" name="Title 1">
             <a:extLst>
               <a:ext uri="{FF2B5EF4-FFF2-40B4-BE49-F238E27FC236}">
-                <a16:creationId xmlns:a16="http://schemas.microsoft.com/office/drawing/2014/main" id="{4BE8705F-A62B-4EC5-AD90-C39E2279B63D}"/>
+                <a16:creationId xmlns:a16="http://schemas.microsoft.com/office/drawing/2014/main" id="{985620E8-013C-4AB0-BBA5-EF61AB90C269}"/>
               </a:ext>
             </a:extLst>
           </p:cNvPr>
@@ -4500,43 +4940,165 @@
             <p:ph type="title"/>
           </p:nvPr>
         </p:nvSpPr>
-        <p:spPr/>
+        <p:spPr>
+          <a:xfrm>
+            <a:off x="573498" y="286002"/>
+            <a:ext cx="10058400" cy="1450757"/>
+          </a:xfrm>
+        </p:spPr>
         <p:txBody>
           <a:bodyPr/>
           <a:lstStyle/>
           <a:p>
             <a:pPr algn="ctr"/>
             <a:r>
-              <a:rPr lang="pt-PT" dirty="0"/>
-              <a:t>Complexidade</a:t>
-            </a:r>
+              <a:rPr lang="en-US" b="1" dirty="0" err="1"/>
+              <a:t>Descrição</a:t>
+            </a:r>
+            <a:r>
+              <a:rPr lang="en-US" b="1" dirty="0"/>
+              <a:t> da </a:t>
+            </a:r>
+            <a:r>
+              <a:rPr lang="en-US" b="1" dirty="0" err="1"/>
+              <a:t>Solução</a:t>
+            </a:r>
+            <a:r>
+              <a:rPr lang="en-US" b="1" dirty="0"/>
+              <a:t> </a:t>
+            </a:r>
+            <a:endParaRPr lang="pt-PT" b="1" dirty="0"/>
           </a:p>
         </p:txBody>
       </p:sp>
-      <p:sp>
-        <p:nvSpPr>
-          <p:cNvPr id="3" name="Content Placeholder 2">
+      <p:pic>
+        <p:nvPicPr>
+          <p:cNvPr id="9" name="Picture 8" descr="Text&#10;&#10;Description automatically generated">
             <a:extLst>
               <a:ext uri="{FF2B5EF4-FFF2-40B4-BE49-F238E27FC236}">
-                <a16:creationId xmlns:a16="http://schemas.microsoft.com/office/drawing/2014/main" id="{668A82B2-4552-475A-B99A-C0D2A2209064}"/>
+                <a16:creationId xmlns:a16="http://schemas.microsoft.com/office/drawing/2014/main" id="{22B1E745-B022-4B91-8A26-3B12A31E81BB}"/>
               </a:ext>
             </a:extLst>
           </p:cNvPr>
-          <p:cNvSpPr>
-            <a:spLocks noGrp="1"/>
-          </p:cNvSpPr>
-          <p:nvPr>
-            <p:ph idx="1"/>
-          </p:nvPr>
-        </p:nvSpPr>
-        <p:spPr/>
+          <p:cNvPicPr>
+            <a:picLocks/>
+          </p:cNvPicPr>
+          <p:nvPr/>
+        </p:nvPicPr>
+        <p:blipFill>
+          <a:blip r:embed="rId2">
+            <a:extLst>
+              <a:ext uri="{28A0092B-C50C-407E-A947-70E740481C1C}">
+                <a14:useLocalDpi xmlns:a14="http://schemas.microsoft.com/office/drawing/2010/main" val="0"/>
+              </a:ext>
+            </a:extLst>
+          </a:blip>
+          <a:stretch>
+            <a:fillRect/>
+          </a:stretch>
+        </p:blipFill>
+        <p:spPr>
+          <a:xfrm>
+            <a:off x="3051977" y="1940968"/>
+            <a:ext cx="6594153" cy="2159692"/>
+          </a:xfrm>
+          <a:prstGeom prst="rect">
+            <a:avLst/>
+          </a:prstGeom>
+        </p:spPr>
+      </p:pic>
+      <p:sp>
+        <p:nvSpPr>
+          <p:cNvPr id="10" name="TextBox 9">
+            <a:extLst>
+              <a:ext uri="{FF2B5EF4-FFF2-40B4-BE49-F238E27FC236}">
+                <a16:creationId xmlns:a16="http://schemas.microsoft.com/office/drawing/2014/main" id="{06E9AA9B-7600-4EA8-8A20-B28C4F864E64}"/>
+              </a:ext>
+            </a:extLst>
+          </p:cNvPr>
+          <p:cNvSpPr txBox="1"/>
+          <p:nvPr/>
+        </p:nvSpPr>
+        <p:spPr>
+          <a:xfrm>
+            <a:off x="3994506" y="3962160"/>
+            <a:ext cx="3657601" cy="307777"/>
+          </a:xfrm>
+          <a:prstGeom prst="rect">
+            <a:avLst/>
+          </a:prstGeom>
+          <a:noFill/>
+        </p:spPr>
         <p:txBody>
-          <a:bodyPr/>
+          <a:bodyPr wrap="square" rtlCol="0">
+            <a:spAutoFit/>
+          </a:bodyPr>
           <a:lstStyle/>
           <a:p>
+            <a:pPr algn="ctr"/>
+            <a:r>
+              <a:rPr lang="pt-PT" sz="1400" dirty="0"/>
+              <a:t>  Pseudocódigo da função aplicada</a:t>
+            </a:r>
+          </a:p>
+        </p:txBody>
+      </p:sp>
+      <p:sp>
+        <p:nvSpPr>
+          <p:cNvPr id="11" name="TextBox 10">
+            <a:extLst>
+              <a:ext uri="{FF2B5EF4-FFF2-40B4-BE49-F238E27FC236}">
+                <a16:creationId xmlns:a16="http://schemas.microsoft.com/office/drawing/2014/main" id="{2F96400E-727F-4025-AD39-648AED8C74BB}"/>
+              </a:ext>
+            </a:extLst>
+          </p:cNvPr>
+          <p:cNvSpPr txBox="1"/>
+          <p:nvPr/>
+        </p:nvSpPr>
+        <p:spPr>
+          <a:xfrm>
+            <a:off x="2678783" y="4659577"/>
+            <a:ext cx="6834433" cy="923330"/>
+          </a:xfrm>
+          <a:prstGeom prst="rect">
+            <a:avLst/>
+          </a:prstGeom>
+          <a:noFill/>
+        </p:spPr>
+        <p:txBody>
+          <a:bodyPr wrap="square" rtlCol="0">
+            <a:spAutoFit/>
+          </a:bodyPr>
+          <a:lstStyle/>
+          <a:p>
+            <a:pPr algn="ctr"/>
             <a:r>
               <a:rPr lang="pt-PT" dirty="0"/>
-              <a:t>Complexidade temporal do algoritmo: O(n)</a:t>
+              <a:t>Baseando no conceito de </a:t>
+            </a:r>
+            <a:r>
+              <a:rPr lang="pt-PT" dirty="0" err="1"/>
+              <a:t>Greedy</a:t>
+            </a:r>
+            <a:r>
+              <a:rPr lang="pt-PT" dirty="0"/>
+              <a:t> </a:t>
+            </a:r>
+            <a:r>
+              <a:rPr lang="pt-PT" dirty="0" err="1"/>
+              <a:t>Algorithm</a:t>
+            </a:r>
+            <a:r>
+              <a:rPr lang="pt-PT" dirty="0"/>
+              <a:t> vamos percorrer o vetor </a:t>
+            </a:r>
+            <a:r>
+              <a:rPr lang="pt-PT" dirty="0" err="1"/>
+              <a:t>Encos</a:t>
+            </a:r>
+            <a:r>
+              <a:rPr lang="pt-PT" dirty="0"/>
+              <a:t>, organizado por ordem decrescente de duração, inserindo-as no vetor P até o período de tempo se esgotar.</a:t>
             </a:r>
           </a:p>
         </p:txBody>
@@ -4544,7 +5106,7 @@
     </p:spTree>
     <p:extLst>
       <p:ext uri="{BB962C8B-B14F-4D97-AF65-F5344CB8AC3E}">
-        <p14:creationId xmlns:p14="http://schemas.microsoft.com/office/powerpoint/2010/main" val="2208482107"/>
+        <p14:creationId xmlns:p14="http://schemas.microsoft.com/office/powerpoint/2010/main" val="1758428583"/>
       </p:ext>
     </p:extLst>
   </p:cSld>
@@ -4576,6 +5138,275 @@
           <p:cNvPr id="2" name="Title 1">
             <a:extLst>
               <a:ext uri="{FF2B5EF4-FFF2-40B4-BE49-F238E27FC236}">
+                <a16:creationId xmlns:a16="http://schemas.microsoft.com/office/drawing/2014/main" id="{4BE8705F-A62B-4EC5-AD90-C39E2279B63D}"/>
+              </a:ext>
+            </a:extLst>
+          </p:cNvPr>
+          <p:cNvSpPr>
+            <a:spLocks noGrp="1"/>
+          </p:cNvSpPr>
+          <p:nvPr>
+            <p:ph type="title"/>
+          </p:nvPr>
+        </p:nvSpPr>
+        <p:spPr/>
+        <p:txBody>
+          <a:bodyPr/>
+          <a:lstStyle/>
+          <a:p>
+            <a:pPr algn="ctr"/>
+            <a:r>
+              <a:rPr lang="pt-PT" dirty="0"/>
+              <a:t>Complexidade </a:t>
+            </a:r>
+          </a:p>
+        </p:txBody>
+      </p:sp>
+      <p:sp>
+        <p:nvSpPr>
+          <p:cNvPr id="3" name="Content Placeholder 2">
+            <a:extLst>
+              <a:ext uri="{FF2B5EF4-FFF2-40B4-BE49-F238E27FC236}">
+                <a16:creationId xmlns:a16="http://schemas.microsoft.com/office/drawing/2014/main" id="{668A82B2-4552-475A-B99A-C0D2A2209064}"/>
+              </a:ext>
+            </a:extLst>
+          </p:cNvPr>
+          <p:cNvSpPr>
+            <a:spLocks noGrp="1"/>
+          </p:cNvSpPr>
+          <p:nvPr>
+            <p:ph idx="1"/>
+          </p:nvPr>
+        </p:nvSpPr>
+        <p:spPr/>
+        <p:txBody>
+          <a:bodyPr/>
+          <a:lstStyle/>
+          <a:p>
+            <a:pPr lvl="1"/>
+            <a:r>
+              <a:rPr lang="pt-PT" dirty="0"/>
+              <a:t>Como o </a:t>
+            </a:r>
+            <a:r>
+              <a:rPr lang="pt-PT" dirty="0" err="1"/>
+              <a:t>push_back</a:t>
+            </a:r>
+            <a:r>
+              <a:rPr lang="pt-PT" dirty="0"/>
+              <a:t> de um vetor tem complexidade O(1) ao percorrer-mos n elementos o nosso algoritmo tem complexidade O(n).</a:t>
+            </a:r>
+          </a:p>
+          <a:p>
+            <a:endParaRPr lang="pt-PT" dirty="0"/>
+          </a:p>
+          <a:p>
+            <a:endParaRPr lang="pt-PT" dirty="0"/>
+          </a:p>
+        </p:txBody>
+      </p:sp>
+    </p:spTree>
+    <p:extLst>
+      <p:ext uri="{BB962C8B-B14F-4D97-AF65-F5344CB8AC3E}">
+        <p14:creationId xmlns:p14="http://schemas.microsoft.com/office/powerpoint/2010/main" val="2208482107"/>
+      </p:ext>
+    </p:extLst>
+  </p:cSld>
+  <p:clrMapOvr>
+    <a:masterClrMapping/>
+  </p:clrMapOvr>
+</p:sld>
+</file>
+
+<file path=ppt/slides/slide12.xml><?xml version="1.0" encoding="utf-8"?>
+<p:sld xmlns:a="http://schemas.openxmlformats.org/drawingml/2006/main" xmlns:r="http://schemas.openxmlformats.org/officeDocument/2006/relationships" xmlns:p="http://schemas.openxmlformats.org/presentationml/2006/main">
+  <p:cSld>
+    <p:spTree>
+      <p:nvGrpSpPr>
+        <p:cNvPr id="1" name=""/>
+        <p:cNvGrpSpPr/>
+        <p:nvPr/>
+      </p:nvGrpSpPr>
+      <p:grpSpPr>
+        <a:xfrm>
+          <a:off x="0" y="0"/>
+          <a:ext cx="0" cy="0"/>
+          <a:chOff x="0" y="0"/>
+          <a:chExt cx="0" cy="0"/>
+        </a:xfrm>
+      </p:grpSpPr>
+      <p:sp>
+        <p:nvSpPr>
+          <p:cNvPr id="2" name="Title 1">
+            <a:extLst>
+              <a:ext uri="{FF2B5EF4-FFF2-40B4-BE49-F238E27FC236}">
+                <a16:creationId xmlns:a16="http://schemas.microsoft.com/office/drawing/2014/main" id="{556583CB-5B4F-46DB-9965-568A569E000B}"/>
+              </a:ext>
+            </a:extLst>
+          </p:cNvPr>
+          <p:cNvSpPr>
+            <a:spLocks noGrp="1"/>
+          </p:cNvSpPr>
+          <p:nvPr>
+            <p:ph type="title"/>
+          </p:nvPr>
+        </p:nvSpPr>
+        <p:spPr/>
+        <p:txBody>
+          <a:bodyPr/>
+          <a:lstStyle/>
+          <a:p>
+            <a:r>
+              <a:rPr lang="pt-PT" dirty="0"/>
+              <a:t>Funcionalidade extra</a:t>
+            </a:r>
+          </a:p>
+        </p:txBody>
+      </p:sp>
+      <p:sp>
+        <p:nvSpPr>
+          <p:cNvPr id="3" name="Content Placeholder 2">
+            <a:extLst>
+              <a:ext uri="{FF2B5EF4-FFF2-40B4-BE49-F238E27FC236}">
+                <a16:creationId xmlns:a16="http://schemas.microsoft.com/office/drawing/2014/main" id="{FE56ACD0-0B29-4A42-BAE2-C3B0A3B17362}"/>
+              </a:ext>
+            </a:extLst>
+          </p:cNvPr>
+          <p:cNvSpPr>
+            <a:spLocks noGrp="1"/>
+          </p:cNvSpPr>
+          <p:nvPr>
+            <p:ph idx="1"/>
+          </p:nvPr>
+        </p:nvSpPr>
+        <p:spPr/>
+        <p:txBody>
+          <a:bodyPr/>
+          <a:lstStyle/>
+          <a:p>
+            <a:pPr lvl="1"/>
+            <a:r>
+              <a:rPr lang="pt-PT" dirty="0"/>
+              <a:t>Em todos os cenários descobri</a:t>
+            </a:r>
+          </a:p>
+        </p:txBody>
+      </p:sp>
+    </p:spTree>
+    <p:extLst>
+      <p:ext uri="{BB962C8B-B14F-4D97-AF65-F5344CB8AC3E}">
+        <p14:creationId xmlns:p14="http://schemas.microsoft.com/office/powerpoint/2010/main" val="3935210353"/>
+      </p:ext>
+    </p:extLst>
+  </p:cSld>
+  <p:clrMapOvr>
+    <a:masterClrMapping/>
+  </p:clrMapOvr>
+</p:sld>
+</file>
+
+<file path=ppt/slides/slide13.xml><?xml version="1.0" encoding="utf-8"?>
+<p:sld xmlns:a="http://schemas.openxmlformats.org/drawingml/2006/main" xmlns:r="http://schemas.openxmlformats.org/officeDocument/2006/relationships" xmlns:p="http://schemas.openxmlformats.org/presentationml/2006/main">
+  <p:cSld>
+    <p:spTree>
+      <p:nvGrpSpPr>
+        <p:cNvPr id="1" name=""/>
+        <p:cNvGrpSpPr/>
+        <p:nvPr/>
+      </p:nvGrpSpPr>
+      <p:grpSpPr>
+        <a:xfrm>
+          <a:off x="0" y="0"/>
+          <a:ext cx="0" cy="0"/>
+          <a:chOff x="0" y="0"/>
+          <a:chExt cx="0" cy="0"/>
+        </a:xfrm>
+      </p:grpSpPr>
+      <p:sp>
+        <p:nvSpPr>
+          <p:cNvPr id="2" name="Title 1">
+            <a:extLst>
+              <a:ext uri="{FF2B5EF4-FFF2-40B4-BE49-F238E27FC236}">
+                <a16:creationId xmlns:a16="http://schemas.microsoft.com/office/drawing/2014/main" id="{0E565B45-1C5D-48D4-9F8D-3E38E5F14027}"/>
+              </a:ext>
+            </a:extLst>
+          </p:cNvPr>
+          <p:cNvSpPr>
+            <a:spLocks noGrp="1"/>
+          </p:cNvSpPr>
+          <p:nvPr>
+            <p:ph type="title"/>
+          </p:nvPr>
+        </p:nvSpPr>
+        <p:spPr/>
+        <p:txBody>
+          <a:bodyPr/>
+          <a:lstStyle/>
+          <a:p>
+            <a:endParaRPr lang="pt-PT"/>
+          </a:p>
+        </p:txBody>
+      </p:sp>
+      <p:sp>
+        <p:nvSpPr>
+          <p:cNvPr id="3" name="Content Placeholder 2">
+            <a:extLst>
+              <a:ext uri="{FF2B5EF4-FFF2-40B4-BE49-F238E27FC236}">
+                <a16:creationId xmlns:a16="http://schemas.microsoft.com/office/drawing/2014/main" id="{E8FF0438-31FA-4361-AAF4-14963EA6445F}"/>
+              </a:ext>
+            </a:extLst>
+          </p:cNvPr>
+          <p:cNvSpPr>
+            <a:spLocks noGrp="1"/>
+          </p:cNvSpPr>
+          <p:nvPr>
+            <p:ph idx="1"/>
+          </p:nvPr>
+        </p:nvSpPr>
+        <p:spPr/>
+        <p:txBody>
+          <a:bodyPr/>
+          <a:lstStyle/>
+          <a:p>
+            <a:endParaRPr lang="pt-PT"/>
+          </a:p>
+        </p:txBody>
+      </p:sp>
+    </p:spTree>
+    <p:extLst>
+      <p:ext uri="{BB962C8B-B14F-4D97-AF65-F5344CB8AC3E}">
+        <p14:creationId xmlns:p14="http://schemas.microsoft.com/office/powerpoint/2010/main" val="1927575828"/>
+      </p:ext>
+    </p:extLst>
+  </p:cSld>
+  <p:clrMapOvr>
+    <a:masterClrMapping/>
+  </p:clrMapOvr>
+</p:sld>
+</file>
+
+<file path=ppt/slides/slide14.xml><?xml version="1.0" encoding="utf-8"?>
+<p:sld xmlns:a="http://schemas.openxmlformats.org/drawingml/2006/main" xmlns:r="http://schemas.openxmlformats.org/officeDocument/2006/relationships" xmlns:p="http://schemas.openxmlformats.org/presentationml/2006/main">
+  <p:cSld>
+    <p:spTree>
+      <p:nvGrpSpPr>
+        <p:cNvPr id="1" name=""/>
+        <p:cNvGrpSpPr/>
+        <p:nvPr/>
+      </p:nvGrpSpPr>
+      <p:grpSpPr>
+        <a:xfrm>
+          <a:off x="0" y="0"/>
+          <a:ext cx="0" cy="0"/>
+          <a:chOff x="0" y="0"/>
+          <a:chExt cx="0" cy="0"/>
+        </a:xfrm>
+      </p:grpSpPr>
+      <p:sp>
+        <p:nvSpPr>
+          <p:cNvPr id="2" name="Title 1">
+            <a:extLst>
+              <a:ext uri="{FF2B5EF4-FFF2-40B4-BE49-F238E27FC236}">
                 <a16:creationId xmlns:a16="http://schemas.microsoft.com/office/drawing/2014/main" id="{985620E8-013C-4AB0-BBA5-EF61AB90C269}"/>
               </a:ext>
             </a:extLst>
@@ -4587,7 +5418,12 @@
             <p:ph type="title"/>
           </p:nvPr>
         </p:nvSpPr>
-        <p:spPr/>
+        <p:spPr>
+          <a:xfrm>
+            <a:off x="1097280" y="914400"/>
+            <a:ext cx="10058400" cy="822960"/>
+          </a:xfrm>
+        </p:spPr>
         <p:txBody>
           <a:bodyPr/>
           <a:lstStyle/>
@@ -4617,12 +5453,412 @@
             <p:ph idx="1"/>
           </p:nvPr>
         </p:nvSpPr>
-        <p:spPr/>
+        <p:spPr>
+          <a:xfrm>
+            <a:off x="1097280" y="1845734"/>
+            <a:ext cx="10058400" cy="2002366"/>
+          </a:xfrm>
+        </p:spPr>
         <p:txBody>
-          <a:bodyPr/>
+          <a:bodyPr>
+            <a:normAutofit/>
+          </a:bodyPr>
           <a:lstStyle/>
           <a:p>
+            <a:pPr lvl="1"/>
+            <a:r>
+              <a:rPr lang="pt-PT" dirty="0"/>
+              <a:t>Escolha do algoritmo para o cenário 2, respetivamente escolher fazer de forma recursiva ou por programação dinâmica.</a:t>
+            </a:r>
+          </a:p>
+          <a:p>
+            <a:pPr lvl="1"/>
+            <a:r>
+              <a:rPr lang="pt-PT" dirty="0"/>
+              <a:t>Problema no modo de guardar as carrinhas usadas nos cenários 1 e 2 e problema no modo de guardar as encomendas entregues no cenário 2.</a:t>
+            </a:r>
+          </a:p>
+          <a:p>
+            <a:pPr lvl="1"/>
+            <a:r>
+              <a:rPr lang="pt-PT" dirty="0"/>
+              <a:t>Modo de ordenação das encomendas e das carrinhas para os cenários 1 e 2.</a:t>
+            </a:r>
+          </a:p>
+          <a:p>
+            <a:pPr lvl="1"/>
+            <a:r>
+              <a:rPr lang="pt-PT" dirty="0"/>
+              <a:t>Adicionar mais se </a:t>
+            </a:r>
+            <a:r>
+              <a:rPr lang="pt-PT" dirty="0" err="1"/>
+              <a:t>ouver</a:t>
+            </a:r>
             <a:endParaRPr lang="pt-PT" dirty="0"/>
+          </a:p>
+        </p:txBody>
+      </p:sp>
+      <p:sp>
+        <p:nvSpPr>
+          <p:cNvPr id="4" name="Title 1">
+            <a:extLst>
+              <a:ext uri="{FF2B5EF4-FFF2-40B4-BE49-F238E27FC236}">
+                <a16:creationId xmlns:a16="http://schemas.microsoft.com/office/drawing/2014/main" id="{89A8D7BC-44AC-444D-9C58-1B93AACD4084}"/>
+              </a:ext>
+            </a:extLst>
+          </p:cNvPr>
+          <p:cNvSpPr txBox="1">
+            <a:spLocks/>
+          </p:cNvSpPr>
+          <p:nvPr/>
+        </p:nvSpPr>
+        <p:spPr>
+          <a:xfrm>
+            <a:off x="678180" y="3743326"/>
+            <a:ext cx="10058400" cy="822960"/>
+          </a:xfrm>
+          <a:prstGeom prst="rect">
+            <a:avLst/>
+          </a:prstGeom>
+        </p:spPr>
+        <p:txBody>
+          <a:bodyPr vert="horz" lIns="91440" tIns="45720" rIns="91440" bIns="45720" rtlCol="0" anchor="b">
+            <a:normAutofit/>
+          </a:bodyPr>
+          <a:lstStyle>
+            <a:lvl1pPr marL="0" algn="l" defTabSz="914400" rtl="0" eaLnBrk="1" latinLnBrk="0" hangingPunct="1">
+              <a:lnSpc>
+                <a:spcPct val="85000"/>
+              </a:lnSpc>
+              <a:spcBef>
+                <a:spcPct val="0"/>
+              </a:spcBef>
+              <a:buNone/>
+              <a:defRPr sz="4800" kern="1200" spc="-50" baseline="0">
+                <a:solidFill>
+                  <a:schemeClr val="tx1">
+                    <a:lumMod val="75000"/>
+                    <a:lumOff val="25000"/>
+                  </a:schemeClr>
+                </a:solidFill>
+                <a:latin typeface="+mj-lt"/>
+                <a:ea typeface="+mj-ea"/>
+                <a:cs typeface="+mj-cs"/>
+              </a:defRPr>
+            </a:lvl1pPr>
+          </a:lstStyle>
+          <a:p>
+            <a:pPr algn="ctr"/>
+            <a:r>
+              <a:rPr lang="en-US" sz="4000" b="1" dirty="0"/>
+              <a:t>Auto-</a:t>
+            </a:r>
+            <a:r>
+              <a:rPr lang="en-US" sz="4000" b="1" dirty="0" err="1"/>
+              <a:t>Avaliação</a:t>
+            </a:r>
+            <a:endParaRPr lang="pt-PT" b="1" dirty="0"/>
+          </a:p>
+        </p:txBody>
+      </p:sp>
+      <p:sp>
+        <p:nvSpPr>
+          <p:cNvPr id="6" name="Content Placeholder 2">
+            <a:extLst>
+              <a:ext uri="{FF2B5EF4-FFF2-40B4-BE49-F238E27FC236}">
+                <a16:creationId xmlns:a16="http://schemas.microsoft.com/office/drawing/2014/main" id="{9DED27F5-B02A-4619-BA19-2693EB56E752}"/>
+              </a:ext>
+            </a:extLst>
+          </p:cNvPr>
+          <p:cNvSpPr txBox="1">
+            <a:spLocks/>
+          </p:cNvSpPr>
+          <p:nvPr/>
+        </p:nvSpPr>
+        <p:spPr>
+          <a:xfrm>
+            <a:off x="944880" y="4808009"/>
+            <a:ext cx="10058400" cy="1307041"/>
+          </a:xfrm>
+          <a:prstGeom prst="rect">
+            <a:avLst/>
+          </a:prstGeom>
+        </p:spPr>
+        <p:txBody>
+          <a:bodyPr vert="horz" lIns="0" tIns="45720" rIns="0" bIns="45720" rtlCol="0">
+            <a:normAutofit/>
+          </a:bodyPr>
+          <a:lstStyle>
+            <a:lvl1pPr marL="91440" indent="-91440" algn="l" defTabSz="914400" rtl="0" eaLnBrk="1" latinLnBrk="0" hangingPunct="1">
+              <a:lnSpc>
+                <a:spcPct val="90000"/>
+              </a:lnSpc>
+              <a:spcBef>
+                <a:spcPts val="1200"/>
+              </a:spcBef>
+              <a:spcAft>
+                <a:spcPts val="200"/>
+              </a:spcAft>
+              <a:buClr>
+                <a:schemeClr val="accent1"/>
+              </a:buClr>
+              <a:buSzPct val="100000"/>
+              <a:buFont typeface="Calibri" panose="020F0502020204030204" pitchFamily="34" charset="0"/>
+              <a:buChar char=" "/>
+              <a:defRPr sz="2000" kern="1200">
+                <a:solidFill>
+                  <a:schemeClr val="tx1">
+                    <a:lumMod val="75000"/>
+                    <a:lumOff val="25000"/>
+                  </a:schemeClr>
+                </a:solidFill>
+                <a:latin typeface="+mn-lt"/>
+                <a:ea typeface="+mn-ea"/>
+                <a:cs typeface="+mn-cs"/>
+              </a:defRPr>
+            </a:lvl1pPr>
+            <a:lvl2pPr marL="384048" indent="-182880" algn="l" defTabSz="914400" rtl="0" eaLnBrk="1" latinLnBrk="0" hangingPunct="1">
+              <a:lnSpc>
+                <a:spcPct val="90000"/>
+              </a:lnSpc>
+              <a:spcBef>
+                <a:spcPts val="200"/>
+              </a:spcBef>
+              <a:spcAft>
+                <a:spcPts val="400"/>
+              </a:spcAft>
+              <a:buClr>
+                <a:schemeClr val="accent1"/>
+              </a:buClr>
+              <a:buFont typeface="Calibri" pitchFamily="34" charset="0"/>
+              <a:buChar char="◦"/>
+              <a:defRPr sz="1800" kern="1200">
+                <a:solidFill>
+                  <a:schemeClr val="tx1">
+                    <a:lumMod val="75000"/>
+                    <a:lumOff val="25000"/>
+                  </a:schemeClr>
+                </a:solidFill>
+                <a:latin typeface="+mn-lt"/>
+                <a:ea typeface="+mn-ea"/>
+                <a:cs typeface="+mn-cs"/>
+              </a:defRPr>
+            </a:lvl2pPr>
+            <a:lvl3pPr marL="566928" indent="-182880" algn="l" defTabSz="914400" rtl="0" eaLnBrk="1" latinLnBrk="0" hangingPunct="1">
+              <a:lnSpc>
+                <a:spcPct val="90000"/>
+              </a:lnSpc>
+              <a:spcBef>
+                <a:spcPts val="200"/>
+              </a:spcBef>
+              <a:spcAft>
+                <a:spcPts val="400"/>
+              </a:spcAft>
+              <a:buClr>
+                <a:schemeClr val="accent1"/>
+              </a:buClr>
+              <a:buFont typeface="Calibri" pitchFamily="34" charset="0"/>
+              <a:buChar char="◦"/>
+              <a:defRPr sz="1400" kern="1200">
+                <a:solidFill>
+                  <a:schemeClr val="tx1">
+                    <a:lumMod val="75000"/>
+                    <a:lumOff val="25000"/>
+                  </a:schemeClr>
+                </a:solidFill>
+                <a:latin typeface="+mn-lt"/>
+                <a:ea typeface="+mn-ea"/>
+                <a:cs typeface="+mn-cs"/>
+              </a:defRPr>
+            </a:lvl3pPr>
+            <a:lvl4pPr marL="749808" indent="-182880" algn="l" defTabSz="914400" rtl="0" eaLnBrk="1" latinLnBrk="0" hangingPunct="1">
+              <a:lnSpc>
+                <a:spcPct val="90000"/>
+              </a:lnSpc>
+              <a:spcBef>
+                <a:spcPts val="200"/>
+              </a:spcBef>
+              <a:spcAft>
+                <a:spcPts val="400"/>
+              </a:spcAft>
+              <a:buClr>
+                <a:schemeClr val="accent1"/>
+              </a:buClr>
+              <a:buFont typeface="Calibri" pitchFamily="34" charset="0"/>
+              <a:buChar char="◦"/>
+              <a:defRPr sz="1400" kern="1200">
+                <a:solidFill>
+                  <a:schemeClr val="tx1">
+                    <a:lumMod val="75000"/>
+                    <a:lumOff val="25000"/>
+                  </a:schemeClr>
+                </a:solidFill>
+                <a:latin typeface="+mn-lt"/>
+                <a:ea typeface="+mn-ea"/>
+                <a:cs typeface="+mn-cs"/>
+              </a:defRPr>
+            </a:lvl4pPr>
+            <a:lvl5pPr marL="932688" indent="-182880" algn="l" defTabSz="914400" rtl="0" eaLnBrk="1" latinLnBrk="0" hangingPunct="1">
+              <a:lnSpc>
+                <a:spcPct val="90000"/>
+              </a:lnSpc>
+              <a:spcBef>
+                <a:spcPts val="200"/>
+              </a:spcBef>
+              <a:spcAft>
+                <a:spcPts val="400"/>
+              </a:spcAft>
+              <a:buClr>
+                <a:schemeClr val="accent1"/>
+              </a:buClr>
+              <a:buFont typeface="Calibri" pitchFamily="34" charset="0"/>
+              <a:buChar char="◦"/>
+              <a:defRPr sz="1400" kern="1200">
+                <a:solidFill>
+                  <a:schemeClr val="tx1">
+                    <a:lumMod val="75000"/>
+                    <a:lumOff val="25000"/>
+                  </a:schemeClr>
+                </a:solidFill>
+                <a:latin typeface="+mn-lt"/>
+                <a:ea typeface="+mn-ea"/>
+                <a:cs typeface="+mn-cs"/>
+              </a:defRPr>
+            </a:lvl5pPr>
+            <a:lvl6pPr marL="1100000" indent="-228600" algn="l" defTabSz="914400" rtl="0" eaLnBrk="1" latinLnBrk="0" hangingPunct="1">
+              <a:lnSpc>
+                <a:spcPct val="90000"/>
+              </a:lnSpc>
+              <a:spcBef>
+                <a:spcPts val="200"/>
+              </a:spcBef>
+              <a:spcAft>
+                <a:spcPts val="400"/>
+              </a:spcAft>
+              <a:buClr>
+                <a:schemeClr val="accent1"/>
+              </a:buClr>
+              <a:buFont typeface="Calibri" pitchFamily="34" charset="0"/>
+              <a:buChar char="◦"/>
+              <a:defRPr sz="1400" kern="1200">
+                <a:solidFill>
+                  <a:schemeClr val="tx1">
+                    <a:lumMod val="75000"/>
+                    <a:lumOff val="25000"/>
+                  </a:schemeClr>
+                </a:solidFill>
+                <a:latin typeface="+mn-lt"/>
+                <a:ea typeface="+mn-ea"/>
+                <a:cs typeface="+mn-cs"/>
+              </a:defRPr>
+            </a:lvl6pPr>
+            <a:lvl7pPr marL="1300000" indent="-228600" algn="l" defTabSz="914400" rtl="0" eaLnBrk="1" latinLnBrk="0" hangingPunct="1">
+              <a:lnSpc>
+                <a:spcPct val="90000"/>
+              </a:lnSpc>
+              <a:spcBef>
+                <a:spcPts val="200"/>
+              </a:spcBef>
+              <a:spcAft>
+                <a:spcPts val="400"/>
+              </a:spcAft>
+              <a:buClr>
+                <a:schemeClr val="accent1"/>
+              </a:buClr>
+              <a:buFont typeface="Calibri" pitchFamily="34" charset="0"/>
+              <a:buChar char="◦"/>
+              <a:defRPr sz="1400" kern="1200">
+                <a:solidFill>
+                  <a:schemeClr val="tx1">
+                    <a:lumMod val="75000"/>
+                    <a:lumOff val="25000"/>
+                  </a:schemeClr>
+                </a:solidFill>
+                <a:latin typeface="+mn-lt"/>
+                <a:ea typeface="+mn-ea"/>
+                <a:cs typeface="+mn-cs"/>
+              </a:defRPr>
+            </a:lvl7pPr>
+            <a:lvl8pPr marL="1500000" indent="-228600" algn="l" defTabSz="914400" rtl="0" eaLnBrk="1" latinLnBrk="0" hangingPunct="1">
+              <a:lnSpc>
+                <a:spcPct val="90000"/>
+              </a:lnSpc>
+              <a:spcBef>
+                <a:spcPts val="200"/>
+              </a:spcBef>
+              <a:spcAft>
+                <a:spcPts val="400"/>
+              </a:spcAft>
+              <a:buClr>
+                <a:schemeClr val="accent1"/>
+              </a:buClr>
+              <a:buFont typeface="Calibri" pitchFamily="34" charset="0"/>
+              <a:buChar char="◦"/>
+              <a:defRPr sz="1400" kern="1200">
+                <a:solidFill>
+                  <a:schemeClr val="tx1">
+                    <a:lumMod val="75000"/>
+                    <a:lumOff val="25000"/>
+                  </a:schemeClr>
+                </a:solidFill>
+                <a:latin typeface="+mn-lt"/>
+                <a:ea typeface="+mn-ea"/>
+                <a:cs typeface="+mn-cs"/>
+              </a:defRPr>
+            </a:lvl8pPr>
+            <a:lvl9pPr marL="1700000" indent="-228600" algn="l" defTabSz="914400" rtl="0" eaLnBrk="1" latinLnBrk="0" hangingPunct="1">
+              <a:lnSpc>
+                <a:spcPct val="90000"/>
+              </a:lnSpc>
+              <a:spcBef>
+                <a:spcPts val="200"/>
+              </a:spcBef>
+              <a:spcAft>
+                <a:spcPts val="400"/>
+              </a:spcAft>
+              <a:buClr>
+                <a:schemeClr val="accent1"/>
+              </a:buClr>
+              <a:buFont typeface="Calibri" pitchFamily="34" charset="0"/>
+              <a:buChar char="◦"/>
+              <a:defRPr sz="1400" kern="1200">
+                <a:solidFill>
+                  <a:schemeClr val="tx1">
+                    <a:lumMod val="75000"/>
+                    <a:lumOff val="25000"/>
+                  </a:schemeClr>
+                </a:solidFill>
+                <a:latin typeface="+mn-lt"/>
+                <a:ea typeface="+mn-ea"/>
+                <a:cs typeface="+mn-cs"/>
+              </a:defRPr>
+            </a:lvl9pPr>
+          </a:lstStyle>
+          <a:p>
+            <a:pPr lvl="1"/>
+            <a:r>
+              <a:rPr lang="en-US" sz="1800" dirty="0"/>
+              <a:t>Miguel Tavares -33%</a:t>
+            </a:r>
+          </a:p>
+          <a:p>
+            <a:pPr lvl="1"/>
+            <a:r>
+              <a:rPr lang="en-US" sz="1800" dirty="0"/>
+              <a:t>Sofia Sousa-33%</a:t>
+            </a:r>
+            <a:r>
+              <a:rPr lang="pt-PT" dirty="0"/>
+              <a:t>.</a:t>
+            </a:r>
+          </a:p>
+          <a:p>
+            <a:pPr lvl="1"/>
+            <a:r>
+              <a:rPr lang="pt-PT" dirty="0"/>
+              <a:t>Pedro Correia-33%</a:t>
+            </a:r>
           </a:p>
         </p:txBody>
       </p:sp>
@@ -5521,8 +6757,8 @@
           </a:p>
         </p:txBody>
       </p:sp>
-      <mc:AlternateContent xmlns:mc="http://schemas.openxmlformats.org/markup-compatibility/2006">
-        <mc:Choice xmlns:a14="http://schemas.microsoft.com/office/drawing/2010/main" Requires="a14">
+      <mc:AlternateContent xmlns:mc="http://schemas.openxmlformats.org/markup-compatibility/2006" xmlns:a14="http://schemas.microsoft.com/office/drawing/2010/main">
+        <mc:Choice Requires="a14">
           <p:sp>
             <p:nvSpPr>
               <p:cNvPr id="7" name="TextBox 6">
@@ -5887,6 +7123,7 @@
                 </a:endParaRPr>
               </a:p>
               <a:p>
+                <a:pPr/>
                 <a14:m>
                   <m:oMathPara xmlns:m="http://schemas.openxmlformats.org/officeDocument/2006/math">
                     <m:oMathParaPr>
@@ -5960,7 +7197,7 @@
             </p:txBody>
           </p:sp>
         </mc:Choice>
-        <mc:Fallback>
+        <mc:Fallback xmlns="">
           <p:sp>
             <p:nvSpPr>
               <p:cNvPr id="7" name="TextBox 6">
@@ -6461,42 +7698,6 @@
           </a:p>
         </p:txBody>
       </p:sp>
-      <p:pic>
-        <p:nvPicPr>
-          <p:cNvPr id="4" name="Content Placeholder 8" descr="Text, letter&#10;&#10;Description automatically generated">
-            <a:extLst>
-              <a:ext uri="{FF2B5EF4-FFF2-40B4-BE49-F238E27FC236}">
-                <a16:creationId xmlns:a16="http://schemas.microsoft.com/office/drawing/2014/main" id="{61398ADD-0833-45E1-BAC1-4EE31EB7D8D4}"/>
-              </a:ext>
-            </a:extLst>
-          </p:cNvPr>
-          <p:cNvPicPr>
-            <a:picLocks noChangeAspect="1"/>
-          </p:cNvPicPr>
-          <p:nvPr/>
-        </p:nvPicPr>
-        <p:blipFill>
-          <a:blip r:embed="rId2">
-            <a:extLst>
-              <a:ext uri="{28A0092B-C50C-407E-A947-70E740481C1C}">
-                <a14:useLocalDpi xmlns:a14="http://schemas.microsoft.com/office/drawing/2010/main" val="0"/>
-              </a:ext>
-            </a:extLst>
-          </a:blip>
-          <a:stretch>
-            <a:fillRect/>
-          </a:stretch>
-        </p:blipFill>
-        <p:spPr>
-          <a:xfrm>
-            <a:off x="4618951" y="2118483"/>
-            <a:ext cx="2954095" cy="2224599"/>
-          </a:xfrm>
-          <a:prstGeom prst="rect">
-            <a:avLst/>
-          </a:prstGeom>
-        </p:spPr>
-      </p:pic>
       <p:sp>
         <p:nvSpPr>
           <p:cNvPr id="5" name="TextBox 4">
@@ -6511,8 +7712,8 @@
         </p:nvSpPr>
         <p:spPr>
           <a:xfrm>
-            <a:off x="1669002" y="4713498"/>
-            <a:ext cx="9241654" cy="1477328"/>
+            <a:off x="64341" y="2355238"/>
+            <a:ext cx="6949201" cy="1754326"/>
           </a:xfrm>
           <a:prstGeom prst="rect">
             <a:avLst/>
@@ -6525,10 +7726,9 @@
           </a:bodyPr>
           <a:lstStyle/>
           <a:p>
-            <a:pPr algn="ctr"/>
             <a:r>
               <a:rPr lang="pt-PT" dirty="0"/>
-              <a:t>Baseado no algoritmo de bin-</a:t>
+              <a:t>	Baseado no algoritmo de bin-</a:t>
             </a:r>
             <a:r>
               <a:rPr lang="pt-PT" dirty="0" err="1"/>
@@ -6564,10 +7764,9 @@
             </a:r>
           </a:p>
           <a:p>
-            <a:pPr algn="ctr"/>
             <a:r>
               <a:rPr lang="pt-PT" dirty="0"/>
-              <a:t>Após a ordenação das carrinhas e encomendas por ordem decrescente de capacidade (</a:t>
+              <a:t>	Após a ordenação das carrinhas e encomendas por ordem decrescente de capacidade (</a:t>
             </a:r>
             <a:r>
               <a:rPr lang="pt-PT" dirty="0" err="1"/>
@@ -6579,7 +7778,6 @@
             </a:r>
           </a:p>
           <a:p>
-            <a:pPr algn="ctr"/>
             <a:r>
               <a:rPr lang="pt-PT" dirty="0"/>
               <a:t> </a:t>
@@ -6601,7 +7799,7 @@
         </p:nvSpPr>
         <p:spPr>
           <a:xfrm>
-            <a:off x="3014934" y="4343082"/>
+            <a:off x="5709230" y="5422279"/>
             <a:ext cx="6162131" cy="261610"/>
           </a:xfrm>
           <a:prstGeom prst="rect">
@@ -6627,6 +7825,36 @@
           </a:p>
         </p:txBody>
       </p:sp>
+      <p:pic>
+        <p:nvPicPr>
+          <p:cNvPr id="9" name="Picture 8">
+            <a:extLst>
+              <a:ext uri="{FF2B5EF4-FFF2-40B4-BE49-F238E27FC236}">
+                <a16:creationId xmlns:a16="http://schemas.microsoft.com/office/drawing/2014/main" id="{762131C5-8139-4A65-AA43-BF923087C8F8}"/>
+              </a:ext>
+            </a:extLst>
+          </p:cNvPr>
+          <p:cNvPicPr>
+            <a:picLocks noChangeAspect="1"/>
+          </p:cNvPicPr>
+          <p:nvPr/>
+        </p:nvPicPr>
+        <p:blipFill>
+          <a:blip r:embed="rId2"/>
+          <a:stretch>
+            <a:fillRect/>
+          </a:stretch>
+        </p:blipFill>
+        <p:spPr>
+          <a:xfrm>
+            <a:off x="7098460" y="2102414"/>
+            <a:ext cx="4395957" cy="3070959"/>
+          </a:xfrm>
+          <a:prstGeom prst="rect">
+            <a:avLst/>
+          </a:prstGeom>
+        </p:spPr>
+      </p:pic>
     </p:spTree>
     <p:extLst>
       <p:ext uri="{BB962C8B-B14F-4D97-AF65-F5344CB8AC3E}">
@@ -6707,6 +7935,7 @@
           <a:bodyPr/>
           <a:lstStyle/>
           <a:p>
+            <a:pPr lvl="1"/>
             <a:r>
               <a:rPr lang="pt-PT" dirty="0">
                 <a:solidFill>
@@ -6714,7 +7943,7 @@
                 </a:solidFill>
                 <a:latin typeface="urw-din"/>
               </a:rPr>
-              <a:t>-Complexidade temporal: </a:t>
+              <a:t>Complexidade temporal: </a:t>
             </a:r>
             <a:r>
               <a:rPr lang="pt-PT" b="0" i="0" dirty="0">
@@ -6746,10 +7975,53 @@
               </a:rPr>
               <a:t>)</a:t>
             </a:r>
-            <a:endParaRPr lang="pt-PT" dirty="0"/>
+            <a:endParaRPr lang="pt-PT" dirty="0">
+              <a:solidFill>
+                <a:srgbClr val="273239"/>
+              </a:solidFill>
+              <a:latin typeface="urw-din"/>
+            </a:endParaRPr>
+          </a:p>
+          <a:p>
+            <a:endParaRPr lang="pt-PT" dirty="0">
+              <a:solidFill>
+                <a:srgbClr val="273239"/>
+              </a:solidFill>
+              <a:latin typeface="urw-din"/>
+            </a:endParaRPr>
           </a:p>
         </p:txBody>
       </p:sp>
+      <p:pic>
+        <p:nvPicPr>
+          <p:cNvPr id="6" name="Picture 5">
+            <a:extLst>
+              <a:ext uri="{FF2B5EF4-FFF2-40B4-BE49-F238E27FC236}">
+                <a16:creationId xmlns:a16="http://schemas.microsoft.com/office/drawing/2014/main" id="{F128BC8F-3601-40A1-8992-E0A2338464A9}"/>
+              </a:ext>
+            </a:extLst>
+          </p:cNvPr>
+          <p:cNvPicPr>
+            <a:picLocks noChangeAspect="1"/>
+          </p:cNvPicPr>
+          <p:nvPr/>
+        </p:nvPicPr>
+        <p:blipFill>
+          <a:blip r:embed="rId2"/>
+          <a:stretch>
+            <a:fillRect/>
+          </a:stretch>
+        </p:blipFill>
+        <p:spPr>
+          <a:xfrm>
+            <a:off x="5856009" y="1845734"/>
+            <a:ext cx="6212816" cy="4023360"/>
+          </a:xfrm>
+          <a:prstGeom prst="rect">
+            <a:avLst/>
+          </a:prstGeom>
+        </p:spPr>
+      </p:pic>
     </p:spTree>
     <p:extLst>
       <p:ext uri="{BB962C8B-B14F-4D97-AF65-F5344CB8AC3E}">
@@ -7195,15 +8467,7 @@
             </a:pPr>
             <a:r>
               <a:rPr lang="pt-PT" sz="1600" dirty="0"/>
-              <a:t>Vetor&lt;Carrinha&gt; C –Conjunto de </a:t>
-            </a:r>
-            <a:r>
-              <a:rPr lang="pt-PT" sz="1600" dirty="0" err="1"/>
-              <a:t>carrias</a:t>
-            </a:r>
-            <a:r>
-              <a:rPr lang="pt-PT" sz="1600" dirty="0"/>
-              <a:t> caracterizadas por:</a:t>
+              <a:t>Vetor&lt;Carrinha&gt; C –Conjunto de carrinhas caracterizadas por:</a:t>
             </a:r>
           </a:p>
           <a:p>
@@ -7265,8 +8529,8 @@
           </a:p>
         </p:txBody>
       </p:sp>
-      <mc:AlternateContent xmlns:mc="http://schemas.openxmlformats.org/markup-compatibility/2006">
-        <mc:Choice xmlns:a14="http://schemas.microsoft.com/office/drawing/2010/main" Requires="a14">
+      <mc:AlternateContent xmlns:mc="http://schemas.openxmlformats.org/markup-compatibility/2006" xmlns:a14="http://schemas.microsoft.com/office/drawing/2010/main">
+        <mc:Choice Requires="a14">
           <p:sp>
             <p:nvSpPr>
               <p:cNvPr id="7" name="TextBox 6">
@@ -8298,7 +9562,7 @@
             </p:txBody>
           </p:sp>
         </mc:Choice>
-        <mc:Fallback>
+        <mc:Fallback xmlns="">
           <p:sp>
             <p:nvSpPr>
               <p:cNvPr id="7" name="TextBox 6">
@@ -8792,7 +10056,12 @@
             <p:ph type="title"/>
           </p:nvPr>
         </p:nvSpPr>
-        <p:spPr/>
+        <p:spPr>
+          <a:xfrm>
+            <a:off x="1097280" y="286604"/>
+            <a:ext cx="10058400" cy="904618"/>
+          </a:xfrm>
+        </p:spPr>
         <p:txBody>
           <a:bodyPr/>
           <a:lstStyle/>
@@ -8816,10 +10085,10 @@
       </p:sp>
       <p:pic>
         <p:nvPicPr>
-          <p:cNvPr id="7" name="Picture 6">
+          <p:cNvPr id="4" name="Picture 3">
             <a:extLst>
               <a:ext uri="{FF2B5EF4-FFF2-40B4-BE49-F238E27FC236}">
-                <a16:creationId xmlns:a16="http://schemas.microsoft.com/office/drawing/2014/main" id="{77094200-7941-463A-BE8B-45462315B4B9}"/>
+                <a16:creationId xmlns:a16="http://schemas.microsoft.com/office/drawing/2014/main" id="{187C4377-67B1-4886-B39F-D6071672403C}"/>
               </a:ext>
             </a:extLst>
           </p:cNvPr>
@@ -8829,21 +10098,86 @@
           <p:nvPr/>
         </p:nvPicPr>
         <p:blipFill>
-          <a:blip r:embed="rId2"/>
+          <a:blip r:embed="rId3"/>
           <a:stretch>
             <a:fillRect/>
           </a:stretch>
         </p:blipFill>
         <p:spPr>
           <a:xfrm>
-            <a:off x="1743959" y="611187"/>
-            <a:ext cx="9824914" cy="5351956"/>
+            <a:off x="206375" y="1836090"/>
+            <a:ext cx="11779249" cy="2487461"/>
           </a:xfrm>
           <a:prstGeom prst="rect">
             <a:avLst/>
           </a:prstGeom>
         </p:spPr>
       </p:pic>
+      <p:sp>
+        <p:nvSpPr>
+          <p:cNvPr id="6" name="TextBox 5">
+            <a:extLst>
+              <a:ext uri="{FF2B5EF4-FFF2-40B4-BE49-F238E27FC236}">
+                <a16:creationId xmlns:a16="http://schemas.microsoft.com/office/drawing/2014/main" id="{8B0A3D9F-51FA-4F9B-B27D-658D75EBF7D0}"/>
+              </a:ext>
+            </a:extLst>
+          </p:cNvPr>
+          <p:cNvSpPr txBox="1"/>
+          <p:nvPr/>
+        </p:nvSpPr>
+        <p:spPr>
+          <a:xfrm>
+            <a:off x="0" y="5161027"/>
+            <a:ext cx="12269138" cy="830997"/>
+          </a:xfrm>
+          <a:prstGeom prst="rect">
+            <a:avLst/>
+          </a:prstGeom>
+          <a:noFill/>
+        </p:spPr>
+        <p:txBody>
+          <a:bodyPr wrap="square" rtlCol="0">
+            <a:spAutoFit/>
+          </a:bodyPr>
+          <a:lstStyle/>
+          <a:p>
+            <a:r>
+              <a:rPr lang="pt-PT" sz="1600" dirty="0"/>
+              <a:t>	Baseado no 0/1 </a:t>
+            </a:r>
+            <a:r>
+              <a:rPr lang="pt-PT" sz="1600" dirty="0" err="1"/>
+              <a:t>Knapsack</a:t>
+            </a:r>
+            <a:r>
+              <a:rPr lang="pt-PT" sz="1600" dirty="0"/>
+              <a:t> </a:t>
+            </a:r>
+            <a:r>
+              <a:rPr lang="pt-PT" sz="1600" dirty="0" err="1"/>
+              <a:t>problem</a:t>
+            </a:r>
+            <a:r>
+              <a:rPr lang="pt-PT" sz="1600" dirty="0"/>
+              <a:t>, usamos programação dinâmica para resolver este problema. </a:t>
+            </a:r>
+          </a:p>
+          <a:p>
+            <a:r>
+              <a:rPr lang="pt-PT" sz="1600" dirty="0"/>
+              <a:t>	Preenchemos cada carrinha, ordenando-as por ordem decrescente de capacidade (</a:t>
+            </a:r>
+            <a:r>
+              <a:rPr lang="pt-PT" sz="1600" dirty="0" err="1"/>
+              <a:t>peso+volume</a:t>
+            </a:r>
+            <a:r>
+              <a:rPr lang="pt-PT" sz="1600" dirty="0"/>
+              <a:t>) e crescente de custo, com encomendas de forma a que soma das recompensas usadas fosse máxima.   </a:t>
+            </a:r>
+          </a:p>
+        </p:txBody>
+      </p:sp>
     </p:spTree>
     <p:extLst>
       <p:ext uri="{BB962C8B-B14F-4D97-AF65-F5344CB8AC3E}">
@@ -8858,6 +10192,131 @@
 </file>
 
 <file path=ppt/slides/slide8.xml><?xml version="1.0" encoding="utf-8"?>
+<p:sld xmlns:a="http://schemas.openxmlformats.org/drawingml/2006/main" xmlns:r="http://schemas.openxmlformats.org/officeDocument/2006/relationships" xmlns:p="http://schemas.openxmlformats.org/presentationml/2006/main">
+  <p:cSld>
+    <p:spTree>
+      <p:nvGrpSpPr>
+        <p:cNvPr id="1" name=""/>
+        <p:cNvGrpSpPr/>
+        <p:nvPr/>
+      </p:nvGrpSpPr>
+      <p:grpSpPr>
+        <a:xfrm>
+          <a:off x="0" y="0"/>
+          <a:ext cx="0" cy="0"/>
+          <a:chOff x="0" y="0"/>
+          <a:chExt cx="0" cy="0"/>
+        </a:xfrm>
+      </p:grpSpPr>
+      <p:sp>
+        <p:nvSpPr>
+          <p:cNvPr id="2" name="Title 1">
+            <a:extLst>
+              <a:ext uri="{FF2B5EF4-FFF2-40B4-BE49-F238E27FC236}">
+                <a16:creationId xmlns:a16="http://schemas.microsoft.com/office/drawing/2014/main" id="{5BE91ED4-3E2A-48A5-A612-7937C47CBCBF}"/>
+              </a:ext>
+            </a:extLst>
+          </p:cNvPr>
+          <p:cNvSpPr>
+            <a:spLocks noGrp="1"/>
+          </p:cNvSpPr>
+          <p:nvPr>
+            <p:ph type="title"/>
+          </p:nvPr>
+        </p:nvSpPr>
+        <p:spPr/>
+        <p:txBody>
+          <a:bodyPr/>
+          <a:lstStyle/>
+          <a:p>
+            <a:pPr algn="ctr"/>
+            <a:r>
+              <a:rPr lang="pt-PT" dirty="0"/>
+              <a:t>Complexidade	</a:t>
+            </a:r>
+          </a:p>
+        </p:txBody>
+      </p:sp>
+      <p:sp>
+        <p:nvSpPr>
+          <p:cNvPr id="3" name="Content Placeholder 2">
+            <a:extLst>
+              <a:ext uri="{FF2B5EF4-FFF2-40B4-BE49-F238E27FC236}">
+                <a16:creationId xmlns:a16="http://schemas.microsoft.com/office/drawing/2014/main" id="{4A71E509-6639-4A6A-AD1E-9592DC438E96}"/>
+              </a:ext>
+            </a:extLst>
+          </p:cNvPr>
+          <p:cNvSpPr>
+            <a:spLocks noGrp="1"/>
+          </p:cNvSpPr>
+          <p:nvPr>
+            <p:ph idx="1"/>
+          </p:nvPr>
+        </p:nvSpPr>
+        <p:spPr/>
+        <p:txBody>
+          <a:bodyPr/>
+          <a:lstStyle/>
+          <a:p>
+            <a:r>
+              <a:rPr lang="pt-PT" dirty="0"/>
+              <a:t>Complexidade temporal do algoritmo:  </a:t>
+            </a:r>
+            <a:r>
+              <a:rPr lang="pt-PT" b="0" i="0" dirty="0">
+                <a:solidFill>
+                  <a:srgbClr val="273239"/>
+                </a:solidFill>
+                <a:effectLst/>
+                <a:latin typeface="urw-din"/>
+              </a:rPr>
+              <a:t>O(n</a:t>
+            </a:r>
+            <a:r>
+              <a:rPr lang="pt-PT" baseline="30000" dirty="0">
+                <a:solidFill>
+                  <a:srgbClr val="273239"/>
+                </a:solidFill>
+                <a:latin typeface="urw-din"/>
+              </a:rPr>
+              <a:t>3</a:t>
+            </a:r>
+            <a:r>
+              <a:rPr lang="pt-PT" b="0" i="0" dirty="0">
+                <a:solidFill>
+                  <a:srgbClr val="273239"/>
+                </a:solidFill>
+                <a:effectLst/>
+                <a:latin typeface="urw-din"/>
+              </a:rPr>
+              <a:t>)</a:t>
+            </a:r>
+            <a:endParaRPr lang="pt-PT" dirty="0">
+              <a:solidFill>
+                <a:srgbClr val="273239"/>
+              </a:solidFill>
+              <a:latin typeface="urw-din"/>
+            </a:endParaRPr>
+          </a:p>
+          <a:p>
+            <a:endParaRPr lang="pt-PT" dirty="0"/>
+          </a:p>
+        </p:txBody>
+      </p:sp>
+    </p:spTree>
+    <p:extLst>
+      <p:ext uri="{BB962C8B-B14F-4D97-AF65-F5344CB8AC3E}">
+        <p14:creationId xmlns:p14="http://schemas.microsoft.com/office/powerpoint/2010/main" val="3229950522"/>
+      </p:ext>
+    </p:extLst>
+  </p:cSld>
+  <p:clrMapOvr>
+    <a:masterClrMapping/>
+  </p:clrMapOvr>
+</p:sld>
+</file>
+
+<file path=ppt/slides/slide9.xml><?xml version="1.0" encoding="utf-8"?>
 <p:sld xmlns:a="http://schemas.openxmlformats.org/drawingml/2006/main" xmlns:r="http://schemas.openxmlformats.org/officeDocument/2006/relationships" xmlns:p="http://schemas.openxmlformats.org/presentationml/2006/main">
   <p:cSld>
     <p:spTree>
@@ -9239,15 +10698,7 @@
             </a:pPr>
             <a:r>
               <a:rPr lang="pt-PT" sz="1600" dirty="0"/>
-              <a:t>Vetor&lt;Encomenda&gt; </a:t>
-            </a:r>
-            <a:r>
-              <a:rPr lang="pt-PT" sz="1600" dirty="0" err="1"/>
-              <a:t>Encos</a:t>
-            </a:r>
-            <a:r>
-              <a:rPr lang="pt-PT" sz="1600" dirty="0"/>
-              <a:t>- Conjunto de encomendas caracterizadas por:</a:t>
+              <a:t>Vetor&lt;Encomenda&gt; E- Conjunto de encomendas caracterizadas por:</a:t>
             </a:r>
           </a:p>
           <a:p>
@@ -9475,8 +10926,8 @@
           </a:p>
         </p:txBody>
       </p:sp>
-      <mc:AlternateContent xmlns:mc="http://schemas.openxmlformats.org/markup-compatibility/2006">
-        <mc:Choice xmlns:a14="http://schemas.microsoft.com/office/drawing/2010/main" Requires="a14">
+      <mc:AlternateContent xmlns:mc="http://schemas.openxmlformats.org/markup-compatibility/2006" xmlns:a14="http://schemas.microsoft.com/office/drawing/2010/main">
+        <mc:Choice Requires="a14">
           <p:sp>
             <p:nvSpPr>
               <p:cNvPr id="7" name="TextBox 6">
@@ -9768,7 +11219,7 @@
             </p:txBody>
           </p:sp>
         </mc:Choice>
-        <mc:Fallback>
+        <mc:Fallback xmlns="">
           <p:sp>
             <p:nvSpPr>
               <p:cNvPr id="7" name="TextBox 6">
@@ -9817,215 +11268,6 @@
     <p:extLst>
       <p:ext uri="{BB962C8B-B14F-4D97-AF65-F5344CB8AC3E}">
         <p14:creationId xmlns:p14="http://schemas.microsoft.com/office/powerpoint/2010/main" val="679503092"/>
-      </p:ext>
-    </p:extLst>
-  </p:cSld>
-  <p:clrMapOvr>
-    <a:masterClrMapping/>
-  </p:clrMapOvr>
-</p:sld>
-</file>
-
-<file path=ppt/slides/slide9.xml><?xml version="1.0" encoding="utf-8"?>
-<p:sld xmlns:a="http://schemas.openxmlformats.org/drawingml/2006/main" xmlns:r="http://schemas.openxmlformats.org/officeDocument/2006/relationships" xmlns:p="http://schemas.openxmlformats.org/presentationml/2006/main">
-  <p:cSld>
-    <p:spTree>
-      <p:nvGrpSpPr>
-        <p:cNvPr id="1" name=""/>
-        <p:cNvGrpSpPr/>
-        <p:nvPr/>
-      </p:nvGrpSpPr>
-      <p:grpSpPr>
-        <a:xfrm>
-          <a:off x="0" y="0"/>
-          <a:ext cx="0" cy="0"/>
-          <a:chOff x="0" y="0"/>
-          <a:chExt cx="0" cy="0"/>
-        </a:xfrm>
-      </p:grpSpPr>
-      <p:sp>
-        <p:nvSpPr>
-          <p:cNvPr id="2" name="Title 1">
-            <a:extLst>
-              <a:ext uri="{FF2B5EF4-FFF2-40B4-BE49-F238E27FC236}">
-                <a16:creationId xmlns:a16="http://schemas.microsoft.com/office/drawing/2014/main" id="{985620E8-013C-4AB0-BBA5-EF61AB90C269}"/>
-              </a:ext>
-            </a:extLst>
-          </p:cNvPr>
-          <p:cNvSpPr>
-            <a:spLocks noGrp="1"/>
-          </p:cNvSpPr>
-          <p:nvPr>
-            <p:ph type="title"/>
-          </p:nvPr>
-        </p:nvSpPr>
-        <p:spPr>
-          <a:xfrm>
-            <a:off x="573498" y="286002"/>
-            <a:ext cx="10058400" cy="1450757"/>
-          </a:xfrm>
-        </p:spPr>
-        <p:txBody>
-          <a:bodyPr/>
-          <a:lstStyle/>
-          <a:p>
-            <a:pPr algn="ctr"/>
-            <a:r>
-              <a:rPr lang="en-US" b="1" dirty="0" err="1"/>
-              <a:t>Descrição</a:t>
-            </a:r>
-            <a:r>
-              <a:rPr lang="en-US" b="1" dirty="0"/>
-              <a:t> da </a:t>
-            </a:r>
-            <a:r>
-              <a:rPr lang="en-US" b="1" dirty="0" err="1"/>
-              <a:t>Solução</a:t>
-            </a:r>
-            <a:r>
-              <a:rPr lang="en-US" b="1" dirty="0"/>
-              <a:t> </a:t>
-            </a:r>
-            <a:endParaRPr lang="pt-PT" b="1" dirty="0"/>
-          </a:p>
-        </p:txBody>
-      </p:sp>
-      <p:pic>
-        <p:nvPicPr>
-          <p:cNvPr id="9" name="Picture 8" descr="Text&#10;&#10;Description automatically generated">
-            <a:extLst>
-              <a:ext uri="{FF2B5EF4-FFF2-40B4-BE49-F238E27FC236}">
-                <a16:creationId xmlns:a16="http://schemas.microsoft.com/office/drawing/2014/main" id="{22B1E745-B022-4B91-8A26-3B12A31E81BB}"/>
-              </a:ext>
-            </a:extLst>
-          </p:cNvPr>
-          <p:cNvPicPr>
-            <a:picLocks/>
-          </p:cNvPicPr>
-          <p:nvPr/>
-        </p:nvPicPr>
-        <p:blipFill>
-          <a:blip r:embed="rId2">
-            <a:extLst>
-              <a:ext uri="{28A0092B-C50C-407E-A947-70E740481C1C}">
-                <a14:useLocalDpi xmlns:a14="http://schemas.microsoft.com/office/drawing/2010/main" val="0"/>
-              </a:ext>
-            </a:extLst>
-          </a:blip>
-          <a:stretch>
-            <a:fillRect/>
-          </a:stretch>
-        </p:blipFill>
-        <p:spPr>
-          <a:xfrm>
-            <a:off x="3051977" y="1940968"/>
-            <a:ext cx="6594153" cy="2159692"/>
-          </a:xfrm>
-          <a:prstGeom prst="rect">
-            <a:avLst/>
-          </a:prstGeom>
-        </p:spPr>
-      </p:pic>
-      <p:sp>
-        <p:nvSpPr>
-          <p:cNvPr id="10" name="TextBox 9">
-            <a:extLst>
-              <a:ext uri="{FF2B5EF4-FFF2-40B4-BE49-F238E27FC236}">
-                <a16:creationId xmlns:a16="http://schemas.microsoft.com/office/drawing/2014/main" id="{06E9AA9B-7600-4EA8-8A20-B28C4F864E64}"/>
-              </a:ext>
-            </a:extLst>
-          </p:cNvPr>
-          <p:cNvSpPr txBox="1"/>
-          <p:nvPr/>
-        </p:nvSpPr>
-        <p:spPr>
-          <a:xfrm>
-            <a:off x="3994506" y="3962160"/>
-            <a:ext cx="3657601" cy="307777"/>
-          </a:xfrm>
-          <a:prstGeom prst="rect">
-            <a:avLst/>
-          </a:prstGeom>
-          <a:noFill/>
-        </p:spPr>
-        <p:txBody>
-          <a:bodyPr wrap="square" rtlCol="0">
-            <a:spAutoFit/>
-          </a:bodyPr>
-          <a:lstStyle/>
-          <a:p>
-            <a:pPr algn="ctr"/>
-            <a:r>
-              <a:rPr lang="pt-PT" sz="1400" dirty="0"/>
-              <a:t>  Pseudocódigo da função aplicada</a:t>
-            </a:r>
-          </a:p>
-        </p:txBody>
-      </p:sp>
-      <p:sp>
-        <p:nvSpPr>
-          <p:cNvPr id="11" name="TextBox 10">
-            <a:extLst>
-              <a:ext uri="{FF2B5EF4-FFF2-40B4-BE49-F238E27FC236}">
-                <a16:creationId xmlns:a16="http://schemas.microsoft.com/office/drawing/2014/main" id="{2F96400E-727F-4025-AD39-648AED8C74BB}"/>
-              </a:ext>
-            </a:extLst>
-          </p:cNvPr>
-          <p:cNvSpPr txBox="1"/>
-          <p:nvPr/>
-        </p:nvSpPr>
-        <p:spPr>
-          <a:xfrm>
-            <a:off x="2678783" y="4659577"/>
-            <a:ext cx="6834433" cy="923330"/>
-          </a:xfrm>
-          <a:prstGeom prst="rect">
-            <a:avLst/>
-          </a:prstGeom>
-          <a:noFill/>
-        </p:spPr>
-        <p:txBody>
-          <a:bodyPr wrap="square" rtlCol="0">
-            <a:spAutoFit/>
-          </a:bodyPr>
-          <a:lstStyle/>
-          <a:p>
-            <a:pPr algn="ctr"/>
-            <a:r>
-              <a:rPr lang="pt-PT" dirty="0"/>
-              <a:t>Baseando no conceito de </a:t>
-            </a:r>
-            <a:r>
-              <a:rPr lang="pt-PT" dirty="0" err="1"/>
-              <a:t>Greedy</a:t>
-            </a:r>
-            <a:r>
-              <a:rPr lang="pt-PT" dirty="0"/>
-              <a:t> </a:t>
-            </a:r>
-            <a:r>
-              <a:rPr lang="pt-PT" dirty="0" err="1"/>
-              <a:t>Algorithm</a:t>
-            </a:r>
-            <a:r>
-              <a:rPr lang="pt-PT" dirty="0"/>
-              <a:t> vamos percorrer o vetor </a:t>
-            </a:r>
-            <a:r>
-              <a:rPr lang="pt-PT" dirty="0" err="1"/>
-              <a:t>Encos</a:t>
-            </a:r>
-            <a:r>
-              <a:rPr lang="pt-PT" dirty="0"/>
-              <a:t>, organizado por ordem decrescente de duração, inserindo-as no vetor P até o período de tempo se esgotar.</a:t>
-            </a:r>
-          </a:p>
-        </p:txBody>
-      </p:sp>
-    </p:spTree>
-    <p:extLst>
-      <p:ext uri="{BB962C8B-B14F-4D97-AF65-F5344CB8AC3E}">
-        <p14:creationId xmlns:p14="http://schemas.microsoft.com/office/powerpoint/2010/main" val="1758428583"/>
       </p:ext>
     </p:extLst>
   </p:cSld>
@@ -10316,4 +11558,299 @@
     </a:ext>
   </a:extLst>
 </a:theme>
+</file>
+
+<file path=ppt/theme/theme2.xml><?xml version="1.0" encoding="utf-8"?>
+<a:theme xmlns:a="http://schemas.openxmlformats.org/drawingml/2006/main" name="Office Theme">
+  <a:themeElements>
+    <a:clrScheme name="Office">
+      <a:dk1>
+        <a:sysClr val="windowText" lastClr="000000"/>
+      </a:dk1>
+      <a:lt1>
+        <a:sysClr val="window" lastClr="FFFFFF"/>
+      </a:lt1>
+      <a:dk2>
+        <a:srgbClr val="44546A"/>
+      </a:dk2>
+      <a:lt2>
+        <a:srgbClr val="E7E6E6"/>
+      </a:lt2>
+      <a:accent1>
+        <a:srgbClr val="4472C4"/>
+      </a:accent1>
+      <a:accent2>
+        <a:srgbClr val="ED7D31"/>
+      </a:accent2>
+      <a:accent3>
+        <a:srgbClr val="A5A5A5"/>
+      </a:accent3>
+      <a:accent4>
+        <a:srgbClr val="FFC000"/>
+      </a:accent4>
+      <a:accent5>
+        <a:srgbClr val="5B9BD5"/>
+      </a:accent5>
+      <a:accent6>
+        <a:srgbClr val="70AD47"/>
+      </a:accent6>
+      <a:hlink>
+        <a:srgbClr val="0563C1"/>
+      </a:hlink>
+      <a:folHlink>
+        <a:srgbClr val="954F72"/>
+      </a:folHlink>
+    </a:clrScheme>
+    <a:fontScheme name="Office">
+      <a:majorFont>
+        <a:latin typeface="Calibri Light" panose="020F0302020204030204"/>
+        <a:ea typeface=""/>
+        <a:cs typeface=""/>
+        <a:font script="Jpan" typeface="游ゴシック Light"/>
+        <a:font script="Hang" typeface="맑은 고딕"/>
+        <a:font script="Hans" typeface="等线 Light"/>
+        <a:font script="Hant" typeface="新細明體"/>
+        <a:font script="Arab" typeface="Times New Roman"/>
+        <a:font script="Hebr" typeface="Times New Roman"/>
+        <a:font script="Thai" typeface="Angsana New"/>
+        <a:font script="Ethi" typeface="Nyala"/>
+        <a:font script="Beng" typeface="Vrinda"/>
+        <a:font script="Gujr" typeface="Shruti"/>
+        <a:font script="Khmr" typeface="MoolBoran"/>
+        <a:font script="Knda" typeface="Tunga"/>
+        <a:font script="Guru" typeface="Raavi"/>
+        <a:font script="Cans" typeface="Euphemia"/>
+        <a:font script="Cher" typeface="Plantagenet Cherokee"/>
+        <a:font script="Yiii" typeface="Microsoft Yi Baiti"/>
+        <a:font script="Tibt" typeface="Microsoft Himalaya"/>
+        <a:font script="Thaa" typeface="MV Boli"/>
+        <a:font script="Deva" typeface="Mangal"/>
+        <a:font script="Telu" typeface="Gautami"/>
+        <a:font script="Taml" typeface="Latha"/>
+        <a:font script="Syrc" typeface="Estrangelo Edessa"/>
+        <a:font script="Orya" typeface="Kalinga"/>
+        <a:font script="Mlym" typeface="Kartika"/>
+        <a:font script="Laoo" typeface="DokChampa"/>
+        <a:font script="Sinh" typeface="Iskoola Pota"/>
+        <a:font script="Mong" typeface="Mongolian Baiti"/>
+        <a:font script="Viet" typeface="Times New Roman"/>
+        <a:font script="Uigh" typeface="Microsoft Uighur"/>
+        <a:font script="Geor" typeface="Sylfaen"/>
+        <a:font script="Armn" typeface="Arial"/>
+        <a:font script="Bugi" typeface="Leelawadee UI"/>
+        <a:font script="Bopo" typeface="Microsoft JhengHei"/>
+        <a:font script="Java" typeface="Javanese Text"/>
+        <a:font script="Lisu" typeface="Segoe UI"/>
+        <a:font script="Mymr" typeface="Myanmar Text"/>
+        <a:font script="Nkoo" typeface="Ebrima"/>
+        <a:font script="Olck" typeface="Nirmala UI"/>
+        <a:font script="Osma" typeface="Ebrima"/>
+        <a:font script="Phag" typeface="Phagspa"/>
+        <a:font script="Syrn" typeface="Estrangelo Edessa"/>
+        <a:font script="Syrj" typeface="Estrangelo Edessa"/>
+        <a:font script="Syre" typeface="Estrangelo Edessa"/>
+        <a:font script="Sora" typeface="Nirmala UI"/>
+        <a:font script="Tale" typeface="Microsoft Tai Le"/>
+        <a:font script="Talu" typeface="Microsoft New Tai Lue"/>
+        <a:font script="Tfng" typeface="Ebrima"/>
+      </a:majorFont>
+      <a:minorFont>
+        <a:latin typeface="Calibri" panose="020F0502020204030204"/>
+        <a:ea typeface=""/>
+        <a:cs typeface=""/>
+        <a:font script="Jpan" typeface="游ゴシック"/>
+        <a:font script="Hang" typeface="맑은 고딕"/>
+        <a:font script="Hans" typeface="等线"/>
+        <a:font script="Hant" typeface="新細明體"/>
+        <a:font script="Arab" typeface="Arial"/>
+        <a:font script="Hebr" typeface="Arial"/>
+        <a:font script="Thai" typeface="Cordia New"/>
+        <a:font script="Ethi" typeface="Nyala"/>
+        <a:font script="Beng" typeface="Vrinda"/>
+        <a:font script="Gujr" typeface="Shruti"/>
+        <a:font script="Khmr" typeface="DaunPenh"/>
+        <a:font script="Knda" typeface="Tunga"/>
+        <a:font script="Guru" typeface="Raavi"/>
+        <a:font script="Cans" typeface="Euphemia"/>
+        <a:font script="Cher" typeface="Plantagenet Cherokee"/>
+        <a:font script="Yiii" typeface="Microsoft Yi Baiti"/>
+        <a:font script="Tibt" typeface="Microsoft Himalaya"/>
+        <a:font script="Thaa" typeface="MV Boli"/>
+        <a:font script="Deva" typeface="Mangal"/>
+        <a:font script="Telu" typeface="Gautami"/>
+        <a:font script="Taml" typeface="Latha"/>
+        <a:font script="Syrc" typeface="Estrangelo Edessa"/>
+        <a:font script="Orya" typeface="Kalinga"/>
+        <a:font script="Mlym" typeface="Kartika"/>
+        <a:font script="Laoo" typeface="DokChampa"/>
+        <a:font script="Sinh" typeface="Iskoola Pota"/>
+        <a:font script="Mong" typeface="Mongolian Baiti"/>
+        <a:font script="Viet" typeface="Arial"/>
+        <a:font script="Uigh" typeface="Microsoft Uighur"/>
+        <a:font script="Geor" typeface="Sylfaen"/>
+        <a:font script="Armn" typeface="Arial"/>
+        <a:font script="Bugi" typeface="Leelawadee UI"/>
+        <a:font script="Bopo" typeface="Microsoft JhengHei"/>
+        <a:font script="Java" typeface="Javanese Text"/>
+        <a:font script="Lisu" typeface="Segoe UI"/>
+        <a:font script="Mymr" typeface="Myanmar Text"/>
+        <a:font script="Nkoo" typeface="Ebrima"/>
+        <a:font script="Olck" typeface="Nirmala UI"/>
+        <a:font script="Osma" typeface="Ebrima"/>
+        <a:font script="Phag" typeface="Phagspa"/>
+        <a:font script="Syrn" typeface="Estrangelo Edessa"/>
+        <a:font script="Syrj" typeface="Estrangelo Edessa"/>
+        <a:font script="Syre" typeface="Estrangelo Edessa"/>
+        <a:font script="Sora" typeface="Nirmala UI"/>
+        <a:font script="Tale" typeface="Microsoft Tai Le"/>
+        <a:font script="Talu" typeface="Microsoft New Tai Lue"/>
+        <a:font script="Tfng" typeface="Ebrima"/>
+      </a:minorFont>
+    </a:fontScheme>
+    <a:fmtScheme name="Office">
+      <a:fillStyleLst>
+        <a:solidFill>
+          <a:schemeClr val="phClr"/>
+        </a:solidFill>
+        <a:gradFill rotWithShape="1">
+          <a:gsLst>
+            <a:gs pos="0">
+              <a:schemeClr val="phClr">
+                <a:lumMod val="110000"/>
+                <a:satMod val="105000"/>
+                <a:tint val="67000"/>
+              </a:schemeClr>
+            </a:gs>
+            <a:gs pos="50000">
+              <a:schemeClr val="phClr">
+                <a:lumMod val="105000"/>
+                <a:satMod val="103000"/>
+                <a:tint val="73000"/>
+              </a:schemeClr>
+            </a:gs>
+            <a:gs pos="100000">
+              <a:schemeClr val="phClr">
+                <a:lumMod val="105000"/>
+                <a:satMod val="109000"/>
+                <a:tint val="81000"/>
+              </a:schemeClr>
+            </a:gs>
+          </a:gsLst>
+          <a:lin ang="5400000" scaled="0"/>
+        </a:gradFill>
+        <a:gradFill rotWithShape="1">
+          <a:gsLst>
+            <a:gs pos="0">
+              <a:schemeClr val="phClr">
+                <a:satMod val="103000"/>
+                <a:lumMod val="102000"/>
+                <a:tint val="94000"/>
+              </a:schemeClr>
+            </a:gs>
+            <a:gs pos="50000">
+              <a:schemeClr val="phClr">
+                <a:satMod val="110000"/>
+                <a:lumMod val="100000"/>
+                <a:shade val="100000"/>
+              </a:schemeClr>
+            </a:gs>
+            <a:gs pos="100000">
+              <a:schemeClr val="phClr">
+                <a:lumMod val="99000"/>
+                <a:satMod val="120000"/>
+                <a:shade val="78000"/>
+              </a:schemeClr>
+            </a:gs>
+          </a:gsLst>
+          <a:lin ang="5400000" scaled="0"/>
+        </a:gradFill>
+      </a:fillStyleLst>
+      <a:lnStyleLst>
+        <a:ln w="6350" cap="flat" cmpd="sng" algn="ctr">
+          <a:solidFill>
+            <a:schemeClr val="phClr"/>
+          </a:solidFill>
+          <a:prstDash val="solid"/>
+          <a:miter lim="800000"/>
+        </a:ln>
+        <a:ln w="12700" cap="flat" cmpd="sng" algn="ctr">
+          <a:solidFill>
+            <a:schemeClr val="phClr"/>
+          </a:solidFill>
+          <a:prstDash val="solid"/>
+          <a:miter lim="800000"/>
+        </a:ln>
+        <a:ln w="19050" cap="flat" cmpd="sng" algn="ctr">
+          <a:solidFill>
+            <a:schemeClr val="phClr"/>
+          </a:solidFill>
+          <a:prstDash val="solid"/>
+          <a:miter lim="800000"/>
+        </a:ln>
+      </a:lnStyleLst>
+      <a:effectStyleLst>
+        <a:effectStyle>
+          <a:effectLst/>
+        </a:effectStyle>
+        <a:effectStyle>
+          <a:effectLst/>
+        </a:effectStyle>
+        <a:effectStyle>
+          <a:effectLst>
+            <a:outerShdw blurRad="57150" dist="19050" dir="5400000" algn="ctr" rotWithShape="0">
+              <a:srgbClr val="000000">
+                <a:alpha val="63000"/>
+              </a:srgbClr>
+            </a:outerShdw>
+          </a:effectLst>
+        </a:effectStyle>
+      </a:effectStyleLst>
+      <a:bgFillStyleLst>
+        <a:solidFill>
+          <a:schemeClr val="phClr"/>
+        </a:solidFill>
+        <a:solidFill>
+          <a:schemeClr val="phClr">
+            <a:tint val="95000"/>
+            <a:satMod val="170000"/>
+          </a:schemeClr>
+        </a:solidFill>
+        <a:gradFill rotWithShape="1">
+          <a:gsLst>
+            <a:gs pos="0">
+              <a:schemeClr val="phClr">
+                <a:tint val="93000"/>
+                <a:satMod val="150000"/>
+                <a:shade val="98000"/>
+                <a:lumMod val="102000"/>
+              </a:schemeClr>
+            </a:gs>
+            <a:gs pos="50000">
+              <a:schemeClr val="phClr">
+                <a:tint val="98000"/>
+                <a:satMod val="130000"/>
+                <a:shade val="90000"/>
+                <a:lumMod val="103000"/>
+              </a:schemeClr>
+            </a:gs>
+            <a:gs pos="100000">
+              <a:schemeClr val="phClr">
+                <a:shade val="63000"/>
+                <a:satMod val="120000"/>
+              </a:schemeClr>
+            </a:gs>
+          </a:gsLst>
+          <a:lin ang="5400000" scaled="0"/>
+        </a:gradFill>
+      </a:bgFillStyleLst>
+    </a:fmtScheme>
+  </a:themeElements>
+  <a:objectDefaults/>
+  <a:extraClrSchemeLst/>
+  <a:extLst>
+    <a:ext uri="{05A4C25C-085E-4340-85A3-A5531E510DB2}">
+      <thm15:themeFamily xmlns:thm15="http://schemas.microsoft.com/office/thememl/2012/main" name="Office Theme" id="{62F939B6-93AF-4DB8-9C6B-D6C7DFDC589F}" vid="{4A3C46E8-61CC-4603-A589-7422A47A8E4A}"/>
+    </a:ext>
+  </a:extLst>
+</a:theme>
 </file>
--- a/Presentation/Logística Urbana para Entrega de Mercadorias.pptx
+++ b/Presentation/Logística Urbana para Entrega de Mercadorias.pptx
@@ -984,6 +984,90 @@
           <a:p>
             <a:fld id="{A38B83B6-1090-4713-9C34-319F9187D43A}" type="slidenum">
               <a:rPr lang="pt-PT" smtClean="0"/>
+              <a:t>1</a:t>
+            </a:fld>
+            <a:endParaRPr lang="pt-PT"/>
+          </a:p>
+        </p:txBody>
+      </p:sp>
+    </p:spTree>
+    <p:extLst>
+      <p:ext uri="{BB962C8B-B14F-4D97-AF65-F5344CB8AC3E}">
+        <p14:creationId xmlns:p14="http://schemas.microsoft.com/office/powerpoint/2010/main" val="822179377"/>
+      </p:ext>
+    </p:extLst>
+  </p:cSld>
+  <p:clrMapOvr>
+    <a:masterClrMapping/>
+  </p:clrMapOvr>
+</p:notes>
+</file>
+
+<file path=ppt/notesSlides/notesSlide2.xml><?xml version="1.0" encoding="utf-8"?>
+<p:notes xmlns:a="http://schemas.openxmlformats.org/drawingml/2006/main" xmlns:r="http://schemas.openxmlformats.org/officeDocument/2006/relationships" xmlns:p="http://schemas.openxmlformats.org/presentationml/2006/main">
+  <p:cSld>
+    <p:spTree>
+      <p:nvGrpSpPr>
+        <p:cNvPr id="1" name=""/>
+        <p:cNvGrpSpPr/>
+        <p:nvPr/>
+      </p:nvGrpSpPr>
+      <p:grpSpPr>
+        <a:xfrm>
+          <a:off x="0" y="0"/>
+          <a:ext cx="0" cy="0"/>
+          <a:chOff x="0" y="0"/>
+          <a:chExt cx="0" cy="0"/>
+        </a:xfrm>
+      </p:grpSpPr>
+      <p:sp>
+        <p:nvSpPr>
+          <p:cNvPr id="2" name="Slide Image Placeholder 1"/>
+          <p:cNvSpPr>
+            <a:spLocks noGrp="1" noRot="1" noChangeAspect="1"/>
+          </p:cNvSpPr>
+          <p:nvPr>
+            <p:ph type="sldImg"/>
+          </p:nvPr>
+        </p:nvSpPr>
+        <p:spPr/>
+      </p:sp>
+      <p:sp>
+        <p:nvSpPr>
+          <p:cNvPr id="3" name="Notes Placeholder 2"/>
+          <p:cNvSpPr>
+            <a:spLocks noGrp="1"/>
+          </p:cNvSpPr>
+          <p:nvPr>
+            <p:ph type="body" idx="1"/>
+          </p:nvPr>
+        </p:nvSpPr>
+        <p:spPr/>
+        <p:txBody>
+          <a:bodyPr/>
+          <a:lstStyle/>
+          <a:p>
+            <a:endParaRPr lang="pt-PT" dirty="0"/>
+          </a:p>
+        </p:txBody>
+      </p:sp>
+      <p:sp>
+        <p:nvSpPr>
+          <p:cNvPr id="4" name="Slide Number Placeholder 3"/>
+          <p:cNvSpPr>
+            <a:spLocks noGrp="1"/>
+          </p:cNvSpPr>
+          <p:nvPr>
+            <p:ph type="sldNum" sz="quarter" idx="5"/>
+          </p:nvPr>
+        </p:nvSpPr>
+        <p:spPr/>
+        <p:txBody>
+          <a:bodyPr/>
+          <a:lstStyle/>
+          <a:p>
+            <a:fld id="{A38B83B6-1090-4713-9C34-319F9187D43A}" type="slidenum">
+              <a:rPr lang="pt-PT" smtClean="0"/>
               <a:t>7</a:t>
             </a:fld>
             <a:endParaRPr lang="pt-PT"/>
@@ -4821,7 +4905,7 @@
           <p:nvPr/>
         </p:nvPicPr>
         <p:blipFill>
-          <a:blip r:embed="rId2"/>
+          <a:blip r:embed="rId3"/>
           <a:stretch>
             <a:fillRect/>
           </a:stretch>
@@ -5489,13 +5573,8 @@
             <a:pPr lvl="1"/>
             <a:r>
               <a:rPr lang="pt-PT" dirty="0"/>
-              <a:t>Adicionar mais se </a:t>
-            </a:r>
-            <a:r>
-              <a:rPr lang="pt-PT" dirty="0" err="1"/>
-              <a:t>ouver</a:t>
-            </a:r>
-            <a:endParaRPr lang="pt-PT" dirty="0"/>
+              <a:t>Adicionar mais se houver</a:t>
+            </a:r>
           </a:p>
         </p:txBody>
       </p:sp>
@@ -5515,7 +5594,7 @@
         </p:nvSpPr>
         <p:spPr>
           <a:xfrm>
-            <a:off x="678180" y="3743326"/>
+            <a:off x="1066800" y="3734448"/>
             <a:ext cx="10058400" cy="822960"/>
           </a:xfrm>
           <a:prstGeom prst="rect">
@@ -6352,8 +6431,8 @@
         </p:nvSpPr>
         <p:spPr>
           <a:xfrm>
-            <a:off x="139288" y="1737081"/>
-            <a:ext cx="5596378" cy="4494299"/>
+            <a:off x="370107" y="1808103"/>
+            <a:ext cx="5420014" cy="3020906"/>
           </a:xfrm>
           <a:prstGeom prst="rect">
             <a:avLst/>
@@ -6361,7 +6440,7 @@
         </p:spPr>
         <p:txBody>
           <a:bodyPr vert="horz" lIns="0" tIns="45720" rIns="0" bIns="45720" rtlCol="0">
-            <a:normAutofit/>
+            <a:normAutofit fontScale="85000" lnSpcReduction="20000"/>
           </a:bodyPr>
           <a:lstStyle>
             <a:lvl1pPr marL="91440" indent="-91440" algn="l" defTabSz="914400" rtl="0" eaLnBrk="1" latinLnBrk="0" hangingPunct="1">
@@ -6757,8 +6836,8 @@
           </a:p>
         </p:txBody>
       </p:sp>
-      <mc:AlternateContent xmlns:mc="http://schemas.openxmlformats.org/markup-compatibility/2006" xmlns:a14="http://schemas.microsoft.com/office/drawing/2010/main">
-        <mc:Choice Requires="a14">
+      <mc:AlternateContent xmlns:mc="http://schemas.openxmlformats.org/markup-compatibility/2006">
+        <mc:Choice xmlns:a14="http://schemas.microsoft.com/office/drawing/2010/main" Requires="a14">
           <p:sp>
             <p:nvSpPr>
               <p:cNvPr id="7" name="TextBox 6">
@@ -6773,7 +6852,7 @@
             </p:nvSpPr>
             <p:spPr>
               <a:xfrm>
-                <a:off x="4487159" y="4612296"/>
+                <a:off x="1937700" y="4691622"/>
                 <a:ext cx="7704841" cy="1633268"/>
               </a:xfrm>
               <a:prstGeom prst="rect">
@@ -7197,7 +7276,7 @@
             </p:txBody>
           </p:sp>
         </mc:Choice>
-        <mc:Fallback xmlns="">
+        <mc:Fallback>
           <p:sp>
             <p:nvSpPr>
               <p:cNvPr id="7" name="TextBox 6">
@@ -7214,7 +7293,7 @@
             </p:nvSpPr>
             <p:spPr>
               <a:xfrm>
-                <a:off x="4487159" y="4612296"/>
+                <a:off x="1937700" y="4691622"/>
                 <a:ext cx="7704841" cy="1633268"/>
               </a:xfrm>
               <a:prstGeom prst="rect">
@@ -7223,7 +7302,7 @@
               <a:blipFill>
                 <a:blip r:embed="rId2"/>
                 <a:stretch>
-                  <a:fillRect l="-396" t="-1119" b="-19776"/>
+                  <a:fillRect l="-475" t="-1119" b="-19776"/>
                 </a:stretch>
               </a:blipFill>
             </p:spPr>
@@ -7258,7 +7337,7 @@
         </p:nvSpPr>
         <p:spPr>
           <a:xfrm>
-            <a:off x="5950116" y="1739631"/>
+            <a:off x="6096000" y="1739631"/>
             <a:ext cx="5596378" cy="3020906"/>
           </a:xfrm>
           <a:prstGeom prst="rect">
@@ -7712,8 +7791,8 @@
         </p:nvSpPr>
         <p:spPr>
           <a:xfrm>
-            <a:off x="64341" y="2355238"/>
-            <a:ext cx="6949201" cy="1754326"/>
+            <a:off x="857583" y="2932225"/>
+            <a:ext cx="5850384" cy="1754326"/>
           </a:xfrm>
           <a:prstGeom prst="rect">
             <a:avLst/>
@@ -7726,58 +7805,21 @@
           </a:bodyPr>
           <a:lstStyle/>
           <a:p>
+            <a:pPr algn="ctr"/>
             <a:r>
               <a:rPr lang="pt-PT" dirty="0"/>
-              <a:t>	Baseado no algoritmo de bin-</a:t>
-            </a:r>
-            <a:r>
-              <a:rPr lang="pt-PT" dirty="0" err="1"/>
-              <a:t>packing</a:t>
-            </a:r>
+              <a:t>Baseado no algoritmo de bin-packing: first fit (decreasing).</a:t>
+            </a:r>
+          </a:p>
+          <a:p>
+            <a:pPr algn="ctr"/>
             <a:r>
               <a:rPr lang="pt-PT" dirty="0"/>
-              <a:t>: </a:t>
-            </a:r>
-            <a:r>
-              <a:rPr lang="pt-PT" dirty="0" err="1"/>
-              <a:t>first</a:t>
-            </a:r>
-            <a:r>
-              <a:rPr lang="pt-PT" dirty="0"/>
-              <a:t> </a:t>
-            </a:r>
-            <a:r>
-              <a:rPr lang="pt-PT" dirty="0" err="1"/>
-              <a:t>fit</a:t>
-            </a:r>
-            <a:r>
-              <a:rPr lang="pt-PT" dirty="0"/>
-              <a:t> (</a:t>
-            </a:r>
-            <a:r>
-              <a:rPr lang="pt-PT" dirty="0" err="1"/>
-              <a:t>decreasing</a:t>
-            </a:r>
-            <a:r>
-              <a:rPr lang="pt-PT" dirty="0"/>
-              <a:t>).</a:t>
-            </a:r>
-          </a:p>
-          <a:p>
-            <a:r>
-              <a:rPr lang="pt-PT" dirty="0"/>
-              <a:t>	Após a ordenação das carrinhas e encomendas por ordem decrescente de capacidade (</a:t>
-            </a:r>
-            <a:r>
-              <a:rPr lang="pt-PT" dirty="0" err="1"/>
-              <a:t>peso+volume</a:t>
-            </a:r>
-            <a:r>
-              <a:rPr lang="pt-PT" dirty="0"/>
-              <a:t>),percorremos todos os camiões um a um e inserimos as encomendas que cabem no camião atual.</a:t>
-            </a:r>
-          </a:p>
-          <a:p>
+              <a:t>Após a ordenação das carrinhas e encomendas por ordem decrescente de capacidade (peso+volume),percorremos todos os camiões um a um e inserimos as encomendas que cabem no camião atual.</a:t>
+            </a:r>
+          </a:p>
+          <a:p>
+            <a:pPr algn="ctr"/>
             <a:r>
               <a:rPr lang="pt-PT" dirty="0"/>
               <a:t> </a:t>
@@ -7908,7 +7950,7 @@
           <a:p>
             <a:pPr algn="ctr"/>
             <a:r>
-              <a:rPr lang="pt-PT" dirty="0"/>
+              <a:rPr lang="pt-PT" b="1" dirty="0"/>
               <a:t>Complexidade</a:t>
             </a:r>
           </a:p>
@@ -8139,8 +8181,8 @@
         </p:nvSpPr>
         <p:spPr>
           <a:xfrm>
-            <a:off x="407477" y="1097008"/>
-            <a:ext cx="5596378" cy="4494299"/>
+            <a:off x="1296140" y="1778809"/>
+            <a:ext cx="3737500" cy="2361460"/>
           </a:xfrm>
           <a:prstGeom prst="rect">
             <a:avLst/>
@@ -8148,7 +8190,7 @@
         </p:spPr>
         <p:txBody>
           <a:bodyPr vert="horz" lIns="0" tIns="45720" rIns="0" bIns="45720" rtlCol="0">
-            <a:normAutofit/>
+            <a:normAutofit fontScale="62500" lnSpcReduction="20000"/>
           </a:bodyPr>
           <a:lstStyle>
             <a:lvl1pPr marL="91440" indent="-91440" algn="l" defTabSz="914400" rtl="0" eaLnBrk="1" latinLnBrk="0" hangingPunct="1">
@@ -9623,8 +9665,8 @@
         </p:nvSpPr>
         <p:spPr>
           <a:xfrm>
-            <a:off x="6096000" y="1119363"/>
-            <a:ext cx="5596378" cy="3020906"/>
+            <a:off x="6400800" y="1778809"/>
+            <a:ext cx="3737500" cy="2156488"/>
           </a:xfrm>
           <a:prstGeom prst="rect">
             <a:avLst/>
@@ -9632,7 +9674,7 @@
         </p:spPr>
         <p:txBody>
           <a:bodyPr vert="horz" lIns="0" tIns="45720" rIns="0" bIns="45720" rtlCol="0">
-            <a:normAutofit lnSpcReduction="10000"/>
+            <a:normAutofit fontScale="70000" lnSpcReduction="20000"/>
           </a:bodyPr>
           <a:lstStyle>
             <a:lvl1pPr marL="91440" indent="-91440" algn="l" defTabSz="914400" rtl="0" eaLnBrk="1" latinLnBrk="0" hangingPunct="1">
@@ -10105,8 +10147,8 @@
         </p:blipFill>
         <p:spPr>
           <a:xfrm>
-            <a:off x="206375" y="1836090"/>
-            <a:ext cx="11779249" cy="2487461"/>
+            <a:off x="1345142" y="1774565"/>
+            <a:ext cx="9810538" cy="2290565"/>
           </a:xfrm>
           <a:prstGeom prst="rect">
             <a:avLst/>
@@ -10127,8 +10169,8 @@
         </p:nvSpPr>
         <p:spPr>
           <a:xfrm>
-            <a:off x="0" y="5161027"/>
-            <a:ext cx="12269138" cy="830997"/>
+            <a:off x="1275425" y="4356085"/>
+            <a:ext cx="9956132" cy="584775"/>
           </a:xfrm>
           <a:prstGeom prst="rect">
             <a:avLst/>
@@ -10141,39 +10183,10 @@
           </a:bodyPr>
           <a:lstStyle/>
           <a:p>
+            <a:pPr algn="ctr"/>
             <a:r>
               <a:rPr lang="pt-PT" sz="1600" dirty="0"/>
-              <a:t>	Baseado no 0/1 </a:t>
-            </a:r>
-            <a:r>
-              <a:rPr lang="pt-PT" sz="1600" dirty="0" err="1"/>
-              <a:t>Knapsack</a:t>
-            </a:r>
-            <a:r>
-              <a:rPr lang="pt-PT" sz="1600" dirty="0"/>
-              <a:t> </a:t>
-            </a:r>
-            <a:r>
-              <a:rPr lang="pt-PT" sz="1600" dirty="0" err="1"/>
-              <a:t>problem</a:t>
-            </a:r>
-            <a:r>
-              <a:rPr lang="pt-PT" sz="1600" dirty="0"/>
-              <a:t>, usamos programação dinâmica para resolver este problema. </a:t>
-            </a:r>
-          </a:p>
-          <a:p>
-            <a:r>
-              <a:rPr lang="pt-PT" sz="1600" dirty="0"/>
-              <a:t>	Preenchemos cada carrinha, ordenando-as por ordem decrescente de capacidade (</a:t>
-            </a:r>
-            <a:r>
-              <a:rPr lang="pt-PT" sz="1600" dirty="0" err="1"/>
-              <a:t>peso+volume</a:t>
-            </a:r>
-            <a:r>
-              <a:rPr lang="pt-PT" sz="1600" dirty="0"/>
-              <a:t>) e crescente de custo, com encomendas de forma a que soma das recompensas usadas fosse máxima.   </a:t>
+              <a:t>Preenchemos cada carrinha (ordenando-as por ordem decrescente de capacidade (peso+volume) e crescente de custo) com encomendas de forma a que soma das recompensas usadas fosse máxima.   </a:t>
             </a:r>
           </a:p>
         </p:txBody>

--- a/Presentation/Logística Urbana para Entrega de Mercadorias.pptx
+++ b/Presentation/Logística Urbana para Entrega de Mercadorias.pptx
@@ -651,7 +651,7 @@
           <a:p>
             <a:fld id="{1E434F6B-8EF9-43FF-A859-04EDBF87BDC2}" type="datetimeFigureOut">
               <a:rPr lang="pt-PT" smtClean="0"/>
-              <a:t>18/04/2022</a:t>
+              <a:t>19/04/2022</a:t>
             </a:fld>
             <a:endParaRPr lang="pt-PT"/>
           </a:p>
@@ -1313,7 +1313,7 @@
           <a:p>
             <a:fld id="{B2B3E82F-7782-4578-8D73-D17823895593}" type="datetimeFigureOut">
               <a:rPr lang="pt-PT" smtClean="0"/>
-              <a:t>18/04/2022</a:t>
+              <a:t>19/04/2022</a:t>
             </a:fld>
             <a:endParaRPr lang="pt-PT"/>
           </a:p>
@@ -1521,7 +1521,7 @@
           <a:p>
             <a:fld id="{B2B3E82F-7782-4578-8D73-D17823895593}" type="datetimeFigureOut">
               <a:rPr lang="pt-PT" smtClean="0"/>
-              <a:t>18/04/2022</a:t>
+              <a:t>19/04/2022</a:t>
             </a:fld>
             <a:endParaRPr lang="pt-PT"/>
           </a:p>
@@ -1777,7 +1777,7 @@
           <a:p>
             <a:fld id="{B2B3E82F-7782-4578-8D73-D17823895593}" type="datetimeFigureOut">
               <a:rPr lang="pt-PT" smtClean="0"/>
-              <a:t>18/04/2022</a:t>
+              <a:t>19/04/2022</a:t>
             </a:fld>
             <a:endParaRPr lang="pt-PT"/>
           </a:p>
@@ -1951,7 +1951,7 @@
           <a:p>
             <a:fld id="{B2B3E82F-7782-4578-8D73-D17823895593}" type="datetimeFigureOut">
               <a:rPr lang="pt-PT" smtClean="0"/>
-              <a:t>18/04/2022</a:t>
+              <a:t>19/04/2022</a:t>
             </a:fld>
             <a:endParaRPr lang="pt-PT"/>
           </a:p>
@@ -2294,7 +2294,7 @@
           <a:p>
             <a:fld id="{B2B3E82F-7782-4578-8D73-D17823895593}" type="datetimeFigureOut">
               <a:rPr lang="pt-PT" smtClean="0"/>
-              <a:t>18/04/2022</a:t>
+              <a:t>19/04/2022</a:t>
             </a:fld>
             <a:endParaRPr lang="pt-PT"/>
           </a:p>
@@ -2569,7 +2569,7 @@
           <a:p>
             <a:fld id="{B2B3E82F-7782-4578-8D73-D17823895593}" type="datetimeFigureOut">
               <a:rPr lang="pt-PT" smtClean="0"/>
-              <a:t>18/04/2022</a:t>
+              <a:t>19/04/2022</a:t>
             </a:fld>
             <a:endParaRPr lang="pt-PT"/>
           </a:p>
@@ -2948,7 +2948,7 @@
           <a:p>
             <a:fld id="{B2B3E82F-7782-4578-8D73-D17823895593}" type="datetimeFigureOut">
               <a:rPr lang="pt-PT" smtClean="0"/>
-              <a:t>18/04/2022</a:t>
+              <a:t>19/04/2022</a:t>
             </a:fld>
             <a:endParaRPr lang="pt-PT"/>
           </a:p>
@@ -3066,7 +3066,7 @@
           <a:p>
             <a:fld id="{B2B3E82F-7782-4578-8D73-D17823895593}" type="datetimeFigureOut">
               <a:rPr lang="pt-PT" smtClean="0"/>
-              <a:t>18/04/2022</a:t>
+              <a:t>19/04/2022</a:t>
             </a:fld>
             <a:endParaRPr lang="pt-PT"/>
           </a:p>
@@ -3237,7 +3237,7 @@
           <a:p>
             <a:fld id="{B2B3E82F-7782-4578-8D73-D17823895593}" type="datetimeFigureOut">
               <a:rPr lang="pt-PT" smtClean="0"/>
-              <a:t>18/04/2022</a:t>
+              <a:t>19/04/2022</a:t>
             </a:fld>
             <a:endParaRPr lang="pt-PT"/>
           </a:p>
@@ -3591,7 +3591,7 @@
           <a:p>
             <a:fld id="{B2B3E82F-7782-4578-8D73-D17823895593}" type="datetimeFigureOut">
               <a:rPr lang="pt-PT" smtClean="0"/>
-              <a:t>18/04/2022</a:t>
+              <a:t>19/04/2022</a:t>
             </a:fld>
             <a:endParaRPr lang="pt-PT"/>
           </a:p>
@@ -3973,7 +3973,7 @@
           <a:p>
             <a:fld id="{B2B3E82F-7782-4578-8D73-D17823895593}" type="datetimeFigureOut">
               <a:rPr lang="pt-PT" smtClean="0"/>
-              <a:t>18/04/2022</a:t>
+              <a:t>19/04/2022</a:t>
             </a:fld>
             <a:endParaRPr lang="pt-PT"/>
           </a:p>
@@ -4260,7 +4260,7 @@
           <a:p>
             <a:fld id="{B2B3E82F-7782-4578-8D73-D17823895593}" type="datetimeFigureOut">
               <a:rPr lang="pt-PT" smtClean="0"/>
-              <a:t>18/04/2022</a:t>
+              <a:t>19/04/2022</a:t>
             </a:fld>
             <a:endParaRPr lang="pt-PT"/>
           </a:p>
@@ -5371,7 +5371,14 @@
             <a:pPr lvl="1"/>
             <a:r>
               <a:rPr lang="pt-PT" dirty="0"/>
-              <a:t>Em todos os cenários descobri</a:t>
+              <a:t>Em todos os cenários descobrimos a eficiência das operações da empresa.</a:t>
+            </a:r>
+          </a:p>
+          <a:p>
+            <a:pPr lvl="1"/>
+            <a:r>
+              <a:rPr lang="pt-PT" dirty="0"/>
+              <a:t>Guardamos o número total de encomendas  antes de aplicar o algoritmo numa variável e no final dividimos o tamanho do vetor onde guardamos as estafetas usadas pelo número total de encomendas.</a:t>
             </a:r>
           </a:p>
         </p:txBody>
@@ -6836,8 +6843,8 @@
           </a:p>
         </p:txBody>
       </p:sp>
-      <mc:AlternateContent xmlns:mc="http://schemas.openxmlformats.org/markup-compatibility/2006">
-        <mc:Choice xmlns:a14="http://schemas.microsoft.com/office/drawing/2010/main" Requires="a14">
+      <mc:AlternateContent xmlns:mc="http://schemas.openxmlformats.org/markup-compatibility/2006" xmlns:a14="http://schemas.microsoft.com/office/drawing/2010/main">
+        <mc:Choice Requires="a14">
           <p:sp>
             <p:nvSpPr>
               <p:cNvPr id="7" name="TextBox 6">
@@ -7276,7 +7283,7 @@
             </p:txBody>
           </p:sp>
         </mc:Choice>
-        <mc:Fallback>
+        <mc:Fallback xmlns="">
           <p:sp>
             <p:nvSpPr>
               <p:cNvPr id="7" name="TextBox 6">

--- a/Presentation/Logística Urbana para Entrega de Mercadorias.pptx
+++ b/Presentation/Logística Urbana para Entrega de Mercadorias.pptx
@@ -5,7 +5,7 @@
     <p:sldMasterId id="2147483660" r:id="rId1"/>
   </p:sldMasterIdLst>
   <p:notesMasterIdLst>
-    <p:notesMasterId r:id="rId16"/>
+    <p:notesMasterId r:id="rId15"/>
   </p:notesMasterIdLst>
   <p:sldIdLst>
     <p:sldId id="256" r:id="rId2"/>
@@ -20,8 +20,7 @@
     <p:sldId id="266" r:id="rId11"/>
     <p:sldId id="276" r:id="rId12"/>
     <p:sldId id="278" r:id="rId13"/>
-    <p:sldId id="279" r:id="rId14"/>
-    <p:sldId id="268" r:id="rId15"/>
+    <p:sldId id="268" r:id="rId14"/>
   </p:sldIdLst>
   <p:sldSz cx="12192000" cy="6858000"/>
   <p:notesSz cx="6858000" cy="9144000"/>
@@ -651,7 +650,7 @@
           <a:p>
             <a:fld id="{1E434F6B-8EF9-43FF-A859-04EDBF87BDC2}" type="datetimeFigureOut">
               <a:rPr lang="pt-PT" smtClean="0"/>
-              <a:t>19/04/2022</a:t>
+              <a:t>20/04/2022</a:t>
             </a:fld>
             <a:endParaRPr lang="pt-PT"/>
           </a:p>
@@ -1313,7 +1312,7 @@
           <a:p>
             <a:fld id="{B2B3E82F-7782-4578-8D73-D17823895593}" type="datetimeFigureOut">
               <a:rPr lang="pt-PT" smtClean="0"/>
-              <a:t>19/04/2022</a:t>
+              <a:t>20/04/2022</a:t>
             </a:fld>
             <a:endParaRPr lang="pt-PT"/>
           </a:p>
@@ -1521,7 +1520,7 @@
           <a:p>
             <a:fld id="{B2B3E82F-7782-4578-8D73-D17823895593}" type="datetimeFigureOut">
               <a:rPr lang="pt-PT" smtClean="0"/>
-              <a:t>19/04/2022</a:t>
+              <a:t>20/04/2022</a:t>
             </a:fld>
             <a:endParaRPr lang="pt-PT"/>
           </a:p>
@@ -1777,7 +1776,7 @@
           <a:p>
             <a:fld id="{B2B3E82F-7782-4578-8D73-D17823895593}" type="datetimeFigureOut">
               <a:rPr lang="pt-PT" smtClean="0"/>
-              <a:t>19/04/2022</a:t>
+              <a:t>20/04/2022</a:t>
             </a:fld>
             <a:endParaRPr lang="pt-PT"/>
           </a:p>
@@ -1951,7 +1950,7 @@
           <a:p>
             <a:fld id="{B2B3E82F-7782-4578-8D73-D17823895593}" type="datetimeFigureOut">
               <a:rPr lang="pt-PT" smtClean="0"/>
-              <a:t>19/04/2022</a:t>
+              <a:t>20/04/2022</a:t>
             </a:fld>
             <a:endParaRPr lang="pt-PT"/>
           </a:p>
@@ -2294,7 +2293,7 @@
           <a:p>
             <a:fld id="{B2B3E82F-7782-4578-8D73-D17823895593}" type="datetimeFigureOut">
               <a:rPr lang="pt-PT" smtClean="0"/>
-              <a:t>19/04/2022</a:t>
+              <a:t>20/04/2022</a:t>
             </a:fld>
             <a:endParaRPr lang="pt-PT"/>
           </a:p>
@@ -2569,7 +2568,7 @@
           <a:p>
             <a:fld id="{B2B3E82F-7782-4578-8D73-D17823895593}" type="datetimeFigureOut">
               <a:rPr lang="pt-PT" smtClean="0"/>
-              <a:t>19/04/2022</a:t>
+              <a:t>20/04/2022</a:t>
             </a:fld>
             <a:endParaRPr lang="pt-PT"/>
           </a:p>
@@ -2948,7 +2947,7 @@
           <a:p>
             <a:fld id="{B2B3E82F-7782-4578-8D73-D17823895593}" type="datetimeFigureOut">
               <a:rPr lang="pt-PT" smtClean="0"/>
-              <a:t>19/04/2022</a:t>
+              <a:t>20/04/2022</a:t>
             </a:fld>
             <a:endParaRPr lang="pt-PT"/>
           </a:p>
@@ -3066,7 +3065,7 @@
           <a:p>
             <a:fld id="{B2B3E82F-7782-4578-8D73-D17823895593}" type="datetimeFigureOut">
               <a:rPr lang="pt-PT" smtClean="0"/>
-              <a:t>19/04/2022</a:t>
+              <a:t>20/04/2022</a:t>
             </a:fld>
             <a:endParaRPr lang="pt-PT"/>
           </a:p>
@@ -3237,7 +3236,7 @@
           <a:p>
             <a:fld id="{B2B3E82F-7782-4578-8D73-D17823895593}" type="datetimeFigureOut">
               <a:rPr lang="pt-PT" smtClean="0"/>
-              <a:t>19/04/2022</a:t>
+              <a:t>20/04/2022</a:t>
             </a:fld>
             <a:endParaRPr lang="pt-PT"/>
           </a:p>
@@ -3591,7 +3590,7 @@
           <a:p>
             <a:fld id="{B2B3E82F-7782-4578-8D73-D17823895593}" type="datetimeFigureOut">
               <a:rPr lang="pt-PT" smtClean="0"/>
-              <a:t>19/04/2022</a:t>
+              <a:t>20/04/2022</a:t>
             </a:fld>
             <a:endParaRPr lang="pt-PT"/>
           </a:p>
@@ -3973,7 +3972,7 @@
           <a:p>
             <a:fld id="{B2B3E82F-7782-4578-8D73-D17823895593}" type="datetimeFigureOut">
               <a:rPr lang="pt-PT" smtClean="0"/>
-              <a:t>19/04/2022</a:t>
+              <a:t>20/04/2022</a:t>
             </a:fld>
             <a:endParaRPr lang="pt-PT"/>
           </a:p>
@@ -4260,7 +4259,7 @@
           <a:p>
             <a:fld id="{B2B3E82F-7782-4578-8D73-D17823895593}" type="datetimeFigureOut">
               <a:rPr lang="pt-PT" smtClean="0"/>
-              <a:t>19/04/2022</a:t>
+              <a:t>20/04/2022</a:t>
             </a:fld>
             <a:endParaRPr lang="pt-PT"/>
           </a:p>
@@ -5055,42 +5054,6 @@
           </a:p>
         </p:txBody>
       </p:sp>
-      <p:pic>
-        <p:nvPicPr>
-          <p:cNvPr id="9" name="Picture 8" descr="Text&#10;&#10;Description automatically generated">
-            <a:extLst>
-              <a:ext uri="{FF2B5EF4-FFF2-40B4-BE49-F238E27FC236}">
-                <a16:creationId xmlns:a16="http://schemas.microsoft.com/office/drawing/2014/main" id="{22B1E745-B022-4B91-8A26-3B12A31E81BB}"/>
-              </a:ext>
-            </a:extLst>
-          </p:cNvPr>
-          <p:cNvPicPr>
-            <a:picLocks/>
-          </p:cNvPicPr>
-          <p:nvPr/>
-        </p:nvPicPr>
-        <p:blipFill>
-          <a:blip r:embed="rId2">
-            <a:extLst>
-              <a:ext uri="{28A0092B-C50C-407E-A947-70E740481C1C}">
-                <a14:useLocalDpi xmlns:a14="http://schemas.microsoft.com/office/drawing/2010/main" val="0"/>
-              </a:ext>
-            </a:extLst>
-          </a:blip>
-          <a:stretch>
-            <a:fillRect/>
-          </a:stretch>
-        </p:blipFill>
-        <p:spPr>
-          <a:xfrm>
-            <a:off x="3051977" y="1940968"/>
-            <a:ext cx="6594153" cy="2159692"/>
-          </a:xfrm>
-          <a:prstGeom prst="rect">
-            <a:avLst/>
-          </a:prstGeom>
-        </p:spPr>
-      </p:pic>
       <p:sp>
         <p:nvSpPr>
           <p:cNvPr id="10" name="TextBox 9">
@@ -5187,6 +5150,36 @@
           </a:p>
         </p:txBody>
       </p:sp>
+      <p:pic>
+        <p:nvPicPr>
+          <p:cNvPr id="4" name="Picture 3">
+            <a:extLst>
+              <a:ext uri="{FF2B5EF4-FFF2-40B4-BE49-F238E27FC236}">
+                <a16:creationId xmlns:a16="http://schemas.microsoft.com/office/drawing/2014/main" id="{AE3F9C81-C560-4ABB-99ED-FA33C43E31A1}"/>
+              </a:ext>
+            </a:extLst>
+          </p:cNvPr>
+          <p:cNvPicPr>
+            <a:picLocks noChangeAspect="1"/>
+          </p:cNvPicPr>
+          <p:nvPr/>
+        </p:nvPicPr>
+        <p:blipFill>
+          <a:blip r:embed="rId2"/>
+          <a:stretch>
+            <a:fillRect/>
+          </a:stretch>
+        </p:blipFill>
+        <p:spPr>
+          <a:xfrm>
+            <a:off x="2485478" y="2229308"/>
+            <a:ext cx="7830643" cy="1343212"/>
+          </a:xfrm>
+          <a:prstGeom prst="rect">
+            <a:avLst/>
+          </a:prstGeom>
+        </p:spPr>
+      </p:pic>
     </p:spTree>
     <p:extLst>
       <p:ext uri="{BB962C8B-B14F-4D97-AF65-F5344CB8AC3E}">
@@ -5240,8 +5233,12 @@
           <a:p>
             <a:pPr algn="ctr"/>
             <a:r>
+              <a:rPr lang="pt-PT" b="1" dirty="0"/>
+              <a:t>Complexidade</a:t>
+            </a:r>
+            <a:r>
               <a:rPr lang="pt-PT" dirty="0"/>
-              <a:t>Complexidade </a:t>
+              <a:t> </a:t>
             </a:r>
           </a:p>
         </p:txBody>
@@ -5262,30 +5259,85 @@
             <p:ph idx="1"/>
           </p:nvPr>
         </p:nvSpPr>
-        <p:spPr/>
+        <p:spPr>
+          <a:xfrm>
+            <a:off x="990600" y="5016500"/>
+            <a:ext cx="10165080" cy="852594"/>
+          </a:xfrm>
+        </p:spPr>
         <p:txBody>
           <a:bodyPr/>
           <a:lstStyle/>
           <a:p>
-            <a:pPr lvl="1"/>
+            <a:endParaRPr lang="pt-PT" dirty="0"/>
+          </a:p>
+          <a:p>
+            <a:endParaRPr lang="pt-PT" dirty="0"/>
+          </a:p>
+        </p:txBody>
+      </p:sp>
+      <p:pic>
+        <p:nvPicPr>
+          <p:cNvPr id="7" name="Picture 6">
+            <a:extLst>
+              <a:ext uri="{FF2B5EF4-FFF2-40B4-BE49-F238E27FC236}">
+                <a16:creationId xmlns:a16="http://schemas.microsoft.com/office/drawing/2014/main" id="{65F0B18A-3046-44EF-A898-B91F4D46CDBE}"/>
+              </a:ext>
+            </a:extLst>
+          </p:cNvPr>
+          <p:cNvPicPr>
+            <a:picLocks noChangeAspect="1"/>
+          </p:cNvPicPr>
+          <p:nvPr/>
+        </p:nvPicPr>
+        <p:blipFill>
+          <a:blip r:embed="rId2"/>
+          <a:stretch>
+            <a:fillRect/>
+          </a:stretch>
+        </p:blipFill>
+        <p:spPr>
+          <a:xfrm>
+            <a:off x="2437863" y="2714254"/>
+            <a:ext cx="7697274" cy="1143160"/>
+          </a:xfrm>
+          <a:prstGeom prst="rect">
+            <a:avLst/>
+          </a:prstGeom>
+        </p:spPr>
+      </p:pic>
+      <p:sp>
+        <p:nvSpPr>
+          <p:cNvPr id="8" name="TextBox 7">
+            <a:extLst>
+              <a:ext uri="{FF2B5EF4-FFF2-40B4-BE49-F238E27FC236}">
+                <a16:creationId xmlns:a16="http://schemas.microsoft.com/office/drawing/2014/main" id="{74BE3691-0D22-4AA4-9840-A8571C0ECE84}"/>
+              </a:ext>
+            </a:extLst>
+          </p:cNvPr>
+          <p:cNvSpPr txBox="1"/>
+          <p:nvPr/>
+        </p:nvSpPr>
+        <p:spPr>
+          <a:xfrm>
+            <a:off x="2421890" y="4464976"/>
+            <a:ext cx="7302500" cy="369332"/>
+          </a:xfrm>
+          <a:prstGeom prst="rect">
+            <a:avLst/>
+          </a:prstGeom>
+          <a:noFill/>
+        </p:spPr>
+        <p:txBody>
+          <a:bodyPr wrap="square" rtlCol="0">
+            <a:spAutoFit/>
+          </a:bodyPr>
+          <a:lstStyle/>
+          <a:p>
             <a:r>
               <a:rPr lang="pt-PT" dirty="0"/>
-              <a:t>Como o </a:t>
-            </a:r>
-            <a:r>
-              <a:rPr lang="pt-PT" dirty="0" err="1"/>
-              <a:t>push_back</a:t>
-            </a:r>
-            <a:r>
-              <a:rPr lang="pt-PT" dirty="0"/>
-              <a:t> de um vetor tem complexidade O(1) ao percorrer-mos n elementos o nosso algoritmo tem complexidade O(n).</a:t>
-            </a:r>
-          </a:p>
-          <a:p>
-            <a:endParaRPr lang="pt-PT" dirty="0"/>
-          </a:p>
-          <a:p>
-            <a:endParaRPr lang="pt-PT" dirty="0"/>
+              <a:t>					Complexidade: O(n) </a:t>
+            </a:r>
           </a:p>
         </p:txBody>
       </p:sp>
@@ -5340,8 +5392,9 @@
           <a:bodyPr/>
           <a:lstStyle/>
           <a:p>
-            <a:r>
-              <a:rPr lang="pt-PT" dirty="0"/>
+            <a:pPr algn="ctr"/>
+            <a:r>
+              <a:rPr lang="pt-PT" b="1" dirty="0"/>
               <a:t>Funcionalidade extra</a:t>
             </a:r>
           </a:p>
@@ -5397,86 +5450,6 @@
 </file>
 
 <file path=ppt/slides/slide13.xml><?xml version="1.0" encoding="utf-8"?>
-<p:sld xmlns:a="http://schemas.openxmlformats.org/drawingml/2006/main" xmlns:r="http://schemas.openxmlformats.org/officeDocument/2006/relationships" xmlns:p="http://schemas.openxmlformats.org/presentationml/2006/main">
-  <p:cSld>
-    <p:spTree>
-      <p:nvGrpSpPr>
-        <p:cNvPr id="1" name=""/>
-        <p:cNvGrpSpPr/>
-        <p:nvPr/>
-      </p:nvGrpSpPr>
-      <p:grpSpPr>
-        <a:xfrm>
-          <a:off x="0" y="0"/>
-          <a:ext cx="0" cy="0"/>
-          <a:chOff x="0" y="0"/>
-          <a:chExt cx="0" cy="0"/>
-        </a:xfrm>
-      </p:grpSpPr>
-      <p:sp>
-        <p:nvSpPr>
-          <p:cNvPr id="2" name="Title 1">
-            <a:extLst>
-              <a:ext uri="{FF2B5EF4-FFF2-40B4-BE49-F238E27FC236}">
-                <a16:creationId xmlns:a16="http://schemas.microsoft.com/office/drawing/2014/main" id="{0E565B45-1C5D-48D4-9F8D-3E38E5F14027}"/>
-              </a:ext>
-            </a:extLst>
-          </p:cNvPr>
-          <p:cNvSpPr>
-            <a:spLocks noGrp="1"/>
-          </p:cNvSpPr>
-          <p:nvPr>
-            <p:ph type="title"/>
-          </p:nvPr>
-        </p:nvSpPr>
-        <p:spPr/>
-        <p:txBody>
-          <a:bodyPr/>
-          <a:lstStyle/>
-          <a:p>
-            <a:endParaRPr lang="pt-PT"/>
-          </a:p>
-        </p:txBody>
-      </p:sp>
-      <p:sp>
-        <p:nvSpPr>
-          <p:cNvPr id="3" name="Content Placeholder 2">
-            <a:extLst>
-              <a:ext uri="{FF2B5EF4-FFF2-40B4-BE49-F238E27FC236}">
-                <a16:creationId xmlns:a16="http://schemas.microsoft.com/office/drawing/2014/main" id="{E8FF0438-31FA-4361-AAF4-14963EA6445F}"/>
-              </a:ext>
-            </a:extLst>
-          </p:cNvPr>
-          <p:cNvSpPr>
-            <a:spLocks noGrp="1"/>
-          </p:cNvSpPr>
-          <p:nvPr>
-            <p:ph idx="1"/>
-          </p:nvPr>
-        </p:nvSpPr>
-        <p:spPr/>
-        <p:txBody>
-          <a:bodyPr/>
-          <a:lstStyle/>
-          <a:p>
-            <a:endParaRPr lang="pt-PT"/>
-          </a:p>
-        </p:txBody>
-      </p:sp>
-    </p:spTree>
-    <p:extLst>
-      <p:ext uri="{BB962C8B-B14F-4D97-AF65-F5344CB8AC3E}">
-        <p14:creationId xmlns:p14="http://schemas.microsoft.com/office/powerpoint/2010/main" val="1927575828"/>
-      </p:ext>
-    </p:extLst>
-  </p:cSld>
-  <p:clrMapOvr>
-    <a:masterClrMapping/>
-  </p:clrMapOvr>
-</p:sld>
-</file>
-
-<file path=ppt/slides/slide14.xml><?xml version="1.0" encoding="utf-8"?>
 <p:sld xmlns:a="http://schemas.openxmlformats.org/drawingml/2006/main" xmlns:r="http://schemas.openxmlformats.org/officeDocument/2006/relationships" xmlns:p="http://schemas.openxmlformats.org/presentationml/2006/main">
   <p:cSld>
     <p:spTree>
@@ -7979,12 +7952,18 @@
             <p:ph idx="1"/>
           </p:nvPr>
         </p:nvSpPr>
-        <p:spPr/>
+        <p:spPr>
+          <a:xfrm>
+            <a:off x="3855270" y="5566117"/>
+            <a:ext cx="3443458" cy="389466"/>
+          </a:xfrm>
+        </p:spPr>
         <p:txBody>
-          <a:bodyPr/>
+          <a:bodyPr>
+            <a:normAutofit lnSpcReduction="10000"/>
+          </a:bodyPr>
           <a:lstStyle/>
           <a:p>
-            <a:pPr lvl="1"/>
             <a:r>
               <a:rPr lang="pt-PT" dirty="0">
                 <a:solidFill>
@@ -8063,8 +8042,8 @@
         </p:blipFill>
         <p:spPr>
           <a:xfrm>
-            <a:off x="5856009" y="1845734"/>
-            <a:ext cx="6212816" cy="4023360"/>
+            <a:off x="3714593" y="1919028"/>
+            <a:ext cx="5351253" cy="3465420"/>
           </a:xfrm>
           <a:prstGeom prst="rect">
             <a:avLst/>
@@ -8578,8 +8557,8 @@
           </a:p>
         </p:txBody>
       </p:sp>
-      <mc:AlternateContent xmlns:mc="http://schemas.openxmlformats.org/markup-compatibility/2006" xmlns:a14="http://schemas.microsoft.com/office/drawing/2010/main">
-        <mc:Choice Requires="a14">
+      <mc:AlternateContent xmlns:mc="http://schemas.openxmlformats.org/markup-compatibility/2006">
+        <mc:Choice xmlns:a14="http://schemas.microsoft.com/office/drawing/2010/main" Requires="a14">
           <p:sp>
             <p:nvSpPr>
               <p:cNvPr id="7" name="TextBox 6">
@@ -8594,7 +8573,7 @@
             </p:nvSpPr>
             <p:spPr>
               <a:xfrm>
-                <a:off x="216816" y="4605291"/>
+                <a:off x="408494" y="4537389"/>
                 <a:ext cx="11783506" cy="2156488"/>
               </a:xfrm>
               <a:prstGeom prst="rect">
@@ -9611,7 +9590,7 @@
             </p:txBody>
           </p:sp>
         </mc:Choice>
-        <mc:Fallback xmlns="">
+        <mc:Fallback>
           <p:sp>
             <p:nvSpPr>
               <p:cNvPr id="7" name="TextBox 6">
@@ -9628,7 +9607,7 @@
             </p:nvSpPr>
             <p:spPr>
               <a:xfrm>
-                <a:off x="216816" y="4605291"/>
+                <a:off x="408494" y="4537389"/>
                 <a:ext cx="11783506" cy="2156488"/>
               </a:xfrm>
               <a:prstGeom prst="rect">
@@ -9637,7 +9616,7 @@
               <a:blipFill>
                 <a:blip r:embed="rId2"/>
                 <a:stretch>
-                  <a:fillRect l="-310" t="-847" b="-1977"/>
+                  <a:fillRect l="-259" t="-847" b="-1977"/>
                 </a:stretch>
               </a:blipFill>
             </p:spPr>
@@ -10251,8 +10230,12 @@
           <a:p>
             <a:pPr algn="ctr"/>
             <a:r>
+              <a:rPr lang="pt-PT" b="1" dirty="0"/>
+              <a:t>Complexidade</a:t>
+            </a:r>
+            <a:r>
               <a:rPr lang="pt-PT" dirty="0"/>
-              <a:t>Complexidade	</a:t>
+              <a:t>	</a:t>
             </a:r>
           </a:p>
         </p:txBody>
@@ -10275,12 +10258,44 @@
         </p:nvSpPr>
         <p:spPr/>
         <p:txBody>
-          <a:bodyPr/>
+          <a:bodyPr>
+            <a:normAutofit/>
+          </a:bodyPr>
           <a:lstStyle/>
           <a:p>
+            <a:endParaRPr lang="pt-PT" dirty="0"/>
+          </a:p>
+          <a:p>
+            <a:endParaRPr lang="pt-PT" dirty="0"/>
+          </a:p>
+          <a:p>
+            <a:endParaRPr lang="pt-PT" dirty="0"/>
+          </a:p>
+          <a:p>
+            <a:endParaRPr lang="pt-PT" dirty="0"/>
+          </a:p>
+          <a:p>
+            <a:endParaRPr lang="pt-PT" dirty="0"/>
+          </a:p>
+          <a:p>
+            <a:pPr marL="201168" lvl="1" indent="0">
+              <a:buNone/>
+            </a:pPr>
+            <a:endParaRPr lang="pt-PT" dirty="0"/>
+          </a:p>
+          <a:p>
+            <a:pPr marL="201168" lvl="1" indent="0">
+              <a:buNone/>
+            </a:pPr>
+            <a:endParaRPr lang="pt-PT" dirty="0"/>
+          </a:p>
+          <a:p>
+            <a:pPr marL="201168" lvl="1" indent="0">
+              <a:buNone/>
+            </a:pPr>
             <a:r>
               <a:rPr lang="pt-PT" dirty="0"/>
-              <a:t>Complexidade temporal do algoritmo:  </a:t>
+              <a:t>			Complexidade temporal do algoritmo:  </a:t>
             </a:r>
             <a:r>
               <a:rPr lang="pt-PT" b="0" i="0" dirty="0">
@@ -10323,6 +10338,66 @@
           </a:p>
         </p:txBody>
       </p:sp>
+      <p:pic>
+        <p:nvPicPr>
+          <p:cNvPr id="10" name="Picture 9">
+            <a:extLst>
+              <a:ext uri="{FF2B5EF4-FFF2-40B4-BE49-F238E27FC236}">
+                <a16:creationId xmlns:a16="http://schemas.microsoft.com/office/drawing/2014/main" id="{F0976452-F1CD-49E9-9F2C-024C3EB7309E}"/>
+              </a:ext>
+            </a:extLst>
+          </p:cNvPr>
+          <p:cNvPicPr>
+            <a:picLocks noChangeAspect="1"/>
+          </p:cNvPicPr>
+          <p:nvPr/>
+        </p:nvPicPr>
+        <p:blipFill>
+          <a:blip r:embed="rId2"/>
+          <a:stretch>
+            <a:fillRect/>
+          </a:stretch>
+        </p:blipFill>
+        <p:spPr>
+          <a:xfrm>
+            <a:off x="1345142" y="1845734"/>
+            <a:ext cx="9810538" cy="2290565"/>
+          </a:xfrm>
+          <a:prstGeom prst="rect">
+            <a:avLst/>
+          </a:prstGeom>
+        </p:spPr>
+      </p:pic>
+      <p:pic>
+        <p:nvPicPr>
+          <p:cNvPr id="12" name="Picture 11">
+            <a:extLst>
+              <a:ext uri="{FF2B5EF4-FFF2-40B4-BE49-F238E27FC236}">
+                <a16:creationId xmlns:a16="http://schemas.microsoft.com/office/drawing/2014/main" id="{284A8D1A-C36F-4D53-9EA4-89E4F27989E2}"/>
+              </a:ext>
+            </a:extLst>
+          </p:cNvPr>
+          <p:cNvPicPr>
+            <a:picLocks noChangeAspect="1"/>
+          </p:cNvPicPr>
+          <p:nvPr/>
+        </p:nvPicPr>
+        <p:blipFill>
+          <a:blip r:embed="rId3"/>
+          <a:stretch>
+            <a:fillRect/>
+          </a:stretch>
+        </p:blipFill>
+        <p:spPr>
+          <a:xfrm>
+            <a:off x="1345142" y="1966860"/>
+            <a:ext cx="9938743" cy="2169439"/>
+          </a:xfrm>
+          <a:prstGeom prst="rect">
+            <a:avLst/>
+          </a:prstGeom>
+        </p:spPr>
+      </p:pic>
     </p:spTree>
     <p:extLst>
       <p:ext uri="{BB962C8B-B14F-4D97-AF65-F5344CB8AC3E}">
@@ -10777,7 +10852,7 @@
         </p:nvSpPr>
         <p:spPr>
           <a:xfrm>
-            <a:off x="6440631" y="1737360"/>
+            <a:off x="6440631" y="1797784"/>
             <a:ext cx="5751369" cy="1631216"/>
           </a:xfrm>
           <a:prstGeom prst="rect">
@@ -10946,8 +11021,8 @@
           </a:p>
         </p:txBody>
       </p:sp>
-      <mc:AlternateContent xmlns:mc="http://schemas.openxmlformats.org/markup-compatibility/2006" xmlns:a14="http://schemas.microsoft.com/office/drawing/2010/main">
-        <mc:Choice Requires="a14">
+      <mc:AlternateContent xmlns:mc="http://schemas.openxmlformats.org/markup-compatibility/2006">
+        <mc:Choice xmlns:a14="http://schemas.microsoft.com/office/drawing/2010/main" Requires="a14">
           <p:sp>
             <p:nvSpPr>
               <p:cNvPr id="7" name="TextBox 6">
@@ -10962,7 +11037,7 @@
             </p:nvSpPr>
             <p:spPr>
               <a:xfrm>
-                <a:off x="3220315" y="3984777"/>
+                <a:off x="3250795" y="4078235"/>
                 <a:ext cx="5751369" cy="1669111"/>
               </a:xfrm>
               <a:prstGeom prst="rect">
@@ -11239,7 +11314,7 @@
             </p:txBody>
           </p:sp>
         </mc:Choice>
-        <mc:Fallback xmlns="">
+        <mc:Fallback>
           <p:sp>
             <p:nvSpPr>
               <p:cNvPr id="7" name="TextBox 6">
@@ -11256,7 +11331,7 @@
             </p:nvSpPr>
             <p:spPr>
               <a:xfrm>
-                <a:off x="3220315" y="3984777"/>
+                <a:off x="3250795" y="4078235"/>
                 <a:ext cx="5751369" cy="1669111"/>
               </a:xfrm>
               <a:prstGeom prst="rect">
@@ -11265,7 +11340,7 @@
               <a:blipFill>
                 <a:blip r:embed="rId2"/>
                 <a:stretch>
-                  <a:fillRect l="-424" t="-2198"/>
+                  <a:fillRect l="-424" t="-1825"/>
                 </a:stretch>
               </a:blipFill>
             </p:spPr>
